--- a/Bootcamp_2013_Javascript.pptx
+++ b/Bootcamp_2013_Javascript.pptx
@@ -3384,7 +3384,7 @@
           <a:p>
             <a:r>
               <a:rPr lang="en-US" dirty="0" smtClean="0"/>
-              <a:t>HTML </a:t>
+              <a:t>HTML5 </a:t>
             </a:r>
             <a:r>
               <a:rPr lang="en-US" dirty="0" err="1" smtClean="0"/>
@@ -3638,9 +3638,591 @@
   <p:timing>
     <p:tnLst>
       <p:par>
-        <p:cTn id="1" dur="indefinite" restart="never" nodeType="tmRoot"/>
+        <p:cTn id="1" dur="indefinite" restart="never" nodeType="tmRoot">
+          <p:childTnLst>
+            <p:seq concurrent="1" nextAc="seek">
+              <p:cTn id="2" dur="indefinite" nodeType="mainSeq">
+                <p:childTnLst>
+                  <p:par>
+                    <p:cTn id="3" fill="hold">
+                      <p:stCondLst>
+                        <p:cond delay="indefinite"/>
+                      </p:stCondLst>
+                      <p:childTnLst>
+                        <p:par>
+                          <p:cTn id="4" fill="hold">
+                            <p:stCondLst>
+                              <p:cond delay="0"/>
+                            </p:stCondLst>
+                            <p:childTnLst>
+                              <p:par>
+                                <p:cTn id="5" presetID="2" presetClass="entr" presetSubtype="4" fill="hold" grpId="0" nodeType="clickEffect">
+                                  <p:stCondLst>
+                                    <p:cond delay="0"/>
+                                  </p:stCondLst>
+                                  <p:childTnLst>
+                                    <p:set>
+                                      <p:cBhvr>
+                                        <p:cTn id="6" dur="1" fill="hold">
+                                          <p:stCondLst>
+                                            <p:cond delay="0"/>
+                                          </p:stCondLst>
+                                        </p:cTn>
+                                        <p:tgtEl>
+                                          <p:spTgt spid="6">
+                                            <p:txEl>
+                                              <p:pRg st="0" end="0"/>
+                                            </p:txEl>
+                                          </p:spTgt>
+                                        </p:tgtEl>
+                                        <p:attrNameLst>
+                                          <p:attrName>style.visibility</p:attrName>
+                                        </p:attrNameLst>
+                                      </p:cBhvr>
+                                      <p:to>
+                                        <p:strVal val="visible"/>
+                                      </p:to>
+                                    </p:set>
+                                    <p:anim calcmode="lin" valueType="num">
+                                      <p:cBhvr additive="base">
+                                        <p:cTn id="7" dur="500" fill="hold"/>
+                                        <p:tgtEl>
+                                          <p:spTgt spid="6">
+                                            <p:txEl>
+                                              <p:pRg st="0" end="0"/>
+                                            </p:txEl>
+                                          </p:spTgt>
+                                        </p:tgtEl>
+                                        <p:attrNameLst>
+                                          <p:attrName>ppt_x</p:attrName>
+                                        </p:attrNameLst>
+                                      </p:cBhvr>
+                                      <p:tavLst>
+                                        <p:tav tm="0">
+                                          <p:val>
+                                            <p:strVal val="#ppt_x"/>
+                                          </p:val>
+                                        </p:tav>
+                                        <p:tav tm="100000">
+                                          <p:val>
+                                            <p:strVal val="#ppt_x"/>
+                                          </p:val>
+                                        </p:tav>
+                                      </p:tavLst>
+                                    </p:anim>
+                                    <p:anim calcmode="lin" valueType="num">
+                                      <p:cBhvr additive="base">
+                                        <p:cTn id="8" dur="500" fill="hold"/>
+                                        <p:tgtEl>
+                                          <p:spTgt spid="6">
+                                            <p:txEl>
+                                              <p:pRg st="0" end="0"/>
+                                            </p:txEl>
+                                          </p:spTgt>
+                                        </p:tgtEl>
+                                        <p:attrNameLst>
+                                          <p:attrName>ppt_y</p:attrName>
+                                        </p:attrNameLst>
+                                      </p:cBhvr>
+                                      <p:tavLst>
+                                        <p:tav tm="0">
+                                          <p:val>
+                                            <p:strVal val="1+#ppt_h/2"/>
+                                          </p:val>
+                                        </p:tav>
+                                        <p:tav tm="100000">
+                                          <p:val>
+                                            <p:strVal val="#ppt_y"/>
+                                          </p:val>
+                                        </p:tav>
+                                      </p:tavLst>
+                                    </p:anim>
+                                  </p:childTnLst>
+                                </p:cTn>
+                              </p:par>
+                            </p:childTnLst>
+                          </p:cTn>
+                        </p:par>
+                      </p:childTnLst>
+                    </p:cTn>
+                  </p:par>
+                  <p:par>
+                    <p:cTn id="9" fill="hold">
+                      <p:stCondLst>
+                        <p:cond delay="indefinite"/>
+                      </p:stCondLst>
+                      <p:childTnLst>
+                        <p:par>
+                          <p:cTn id="10" fill="hold">
+                            <p:stCondLst>
+                              <p:cond delay="0"/>
+                            </p:stCondLst>
+                            <p:childTnLst>
+                              <p:par>
+                                <p:cTn id="11" presetID="2" presetClass="entr" presetSubtype="4" fill="hold" grpId="0" nodeType="clickEffect">
+                                  <p:stCondLst>
+                                    <p:cond delay="0"/>
+                                  </p:stCondLst>
+                                  <p:childTnLst>
+                                    <p:set>
+                                      <p:cBhvr>
+                                        <p:cTn id="12" dur="1" fill="hold">
+                                          <p:stCondLst>
+                                            <p:cond delay="0"/>
+                                          </p:stCondLst>
+                                        </p:cTn>
+                                        <p:tgtEl>
+                                          <p:spTgt spid="2"/>
+                                        </p:tgtEl>
+                                        <p:attrNameLst>
+                                          <p:attrName>style.visibility</p:attrName>
+                                        </p:attrNameLst>
+                                      </p:cBhvr>
+                                      <p:to>
+                                        <p:strVal val="visible"/>
+                                      </p:to>
+                                    </p:set>
+                                    <p:anim calcmode="lin" valueType="num">
+                                      <p:cBhvr additive="base">
+                                        <p:cTn id="13" dur="500" fill="hold"/>
+                                        <p:tgtEl>
+                                          <p:spTgt spid="2"/>
+                                        </p:tgtEl>
+                                        <p:attrNameLst>
+                                          <p:attrName>ppt_x</p:attrName>
+                                        </p:attrNameLst>
+                                      </p:cBhvr>
+                                      <p:tavLst>
+                                        <p:tav tm="0">
+                                          <p:val>
+                                            <p:strVal val="#ppt_x"/>
+                                          </p:val>
+                                        </p:tav>
+                                        <p:tav tm="100000">
+                                          <p:val>
+                                            <p:strVal val="#ppt_x"/>
+                                          </p:val>
+                                        </p:tav>
+                                      </p:tavLst>
+                                    </p:anim>
+                                    <p:anim calcmode="lin" valueType="num">
+                                      <p:cBhvr additive="base">
+                                        <p:cTn id="14" dur="500" fill="hold"/>
+                                        <p:tgtEl>
+                                          <p:spTgt spid="2"/>
+                                        </p:tgtEl>
+                                        <p:attrNameLst>
+                                          <p:attrName>ppt_y</p:attrName>
+                                        </p:attrNameLst>
+                                      </p:cBhvr>
+                                      <p:tavLst>
+                                        <p:tav tm="0">
+                                          <p:val>
+                                            <p:strVal val="1+#ppt_h/2"/>
+                                          </p:val>
+                                        </p:tav>
+                                        <p:tav tm="100000">
+                                          <p:val>
+                                            <p:strVal val="#ppt_y"/>
+                                          </p:val>
+                                        </p:tav>
+                                      </p:tavLst>
+                                    </p:anim>
+                                  </p:childTnLst>
+                                </p:cTn>
+                              </p:par>
+                              <p:par>
+                                <p:cTn id="15" presetID="2" presetClass="entr" presetSubtype="4" fill="hold" grpId="0" nodeType="withEffect">
+                                  <p:stCondLst>
+                                    <p:cond delay="0"/>
+                                  </p:stCondLst>
+                                  <p:childTnLst>
+                                    <p:set>
+                                      <p:cBhvr>
+                                        <p:cTn id="16" dur="1" fill="hold">
+                                          <p:stCondLst>
+                                            <p:cond delay="0"/>
+                                          </p:stCondLst>
+                                        </p:cTn>
+                                        <p:tgtEl>
+                                          <p:spTgt spid="7"/>
+                                        </p:tgtEl>
+                                        <p:attrNameLst>
+                                          <p:attrName>style.visibility</p:attrName>
+                                        </p:attrNameLst>
+                                      </p:cBhvr>
+                                      <p:to>
+                                        <p:strVal val="visible"/>
+                                      </p:to>
+                                    </p:set>
+                                    <p:anim calcmode="lin" valueType="num">
+                                      <p:cBhvr additive="base">
+                                        <p:cTn id="17" dur="500" fill="hold"/>
+                                        <p:tgtEl>
+                                          <p:spTgt spid="7"/>
+                                        </p:tgtEl>
+                                        <p:attrNameLst>
+                                          <p:attrName>ppt_x</p:attrName>
+                                        </p:attrNameLst>
+                                      </p:cBhvr>
+                                      <p:tavLst>
+                                        <p:tav tm="0">
+                                          <p:val>
+                                            <p:strVal val="#ppt_x"/>
+                                          </p:val>
+                                        </p:tav>
+                                        <p:tav tm="100000">
+                                          <p:val>
+                                            <p:strVal val="#ppt_x"/>
+                                          </p:val>
+                                        </p:tav>
+                                      </p:tavLst>
+                                    </p:anim>
+                                    <p:anim calcmode="lin" valueType="num">
+                                      <p:cBhvr additive="base">
+                                        <p:cTn id="18" dur="500" fill="hold"/>
+                                        <p:tgtEl>
+                                          <p:spTgt spid="7"/>
+                                        </p:tgtEl>
+                                        <p:attrNameLst>
+                                          <p:attrName>ppt_y</p:attrName>
+                                        </p:attrNameLst>
+                                      </p:cBhvr>
+                                      <p:tavLst>
+                                        <p:tav tm="0">
+                                          <p:val>
+                                            <p:strVal val="1+#ppt_h/2"/>
+                                          </p:val>
+                                        </p:tav>
+                                        <p:tav tm="100000">
+                                          <p:val>
+                                            <p:strVal val="#ppt_y"/>
+                                          </p:val>
+                                        </p:tav>
+                                      </p:tavLst>
+                                    </p:anim>
+                                  </p:childTnLst>
+                                </p:cTn>
+                              </p:par>
+                            </p:childTnLst>
+                          </p:cTn>
+                        </p:par>
+                      </p:childTnLst>
+                    </p:cTn>
+                  </p:par>
+                  <p:par>
+                    <p:cTn id="19" fill="hold">
+                      <p:stCondLst>
+                        <p:cond delay="indefinite"/>
+                      </p:stCondLst>
+                      <p:childTnLst>
+                        <p:par>
+                          <p:cTn id="20" fill="hold">
+                            <p:stCondLst>
+                              <p:cond delay="0"/>
+                            </p:stCondLst>
+                            <p:childTnLst>
+                              <p:par>
+                                <p:cTn id="21" presetID="2" presetClass="entr" presetSubtype="4" fill="hold" grpId="0" nodeType="clickEffect">
+                                  <p:stCondLst>
+                                    <p:cond delay="0"/>
+                                  </p:stCondLst>
+                                  <p:childTnLst>
+                                    <p:set>
+                                      <p:cBhvr>
+                                        <p:cTn id="22" dur="1" fill="hold">
+                                          <p:stCondLst>
+                                            <p:cond delay="0"/>
+                                          </p:stCondLst>
+                                        </p:cTn>
+                                        <p:tgtEl>
+                                          <p:spTgt spid="4"/>
+                                        </p:tgtEl>
+                                        <p:attrNameLst>
+                                          <p:attrName>style.visibility</p:attrName>
+                                        </p:attrNameLst>
+                                      </p:cBhvr>
+                                      <p:to>
+                                        <p:strVal val="visible"/>
+                                      </p:to>
+                                    </p:set>
+                                    <p:anim calcmode="lin" valueType="num">
+                                      <p:cBhvr additive="base">
+                                        <p:cTn id="23" dur="500" fill="hold"/>
+                                        <p:tgtEl>
+                                          <p:spTgt spid="4"/>
+                                        </p:tgtEl>
+                                        <p:attrNameLst>
+                                          <p:attrName>ppt_x</p:attrName>
+                                        </p:attrNameLst>
+                                      </p:cBhvr>
+                                      <p:tavLst>
+                                        <p:tav tm="0">
+                                          <p:val>
+                                            <p:strVal val="#ppt_x"/>
+                                          </p:val>
+                                        </p:tav>
+                                        <p:tav tm="100000">
+                                          <p:val>
+                                            <p:strVal val="#ppt_x"/>
+                                          </p:val>
+                                        </p:tav>
+                                      </p:tavLst>
+                                    </p:anim>
+                                    <p:anim calcmode="lin" valueType="num">
+                                      <p:cBhvr additive="base">
+                                        <p:cTn id="24" dur="500" fill="hold"/>
+                                        <p:tgtEl>
+                                          <p:spTgt spid="4"/>
+                                        </p:tgtEl>
+                                        <p:attrNameLst>
+                                          <p:attrName>ppt_y</p:attrName>
+                                        </p:attrNameLst>
+                                      </p:cBhvr>
+                                      <p:tavLst>
+                                        <p:tav tm="0">
+                                          <p:val>
+                                            <p:strVal val="1+#ppt_h/2"/>
+                                          </p:val>
+                                        </p:tav>
+                                        <p:tav tm="100000">
+                                          <p:val>
+                                            <p:strVal val="#ppt_y"/>
+                                          </p:val>
+                                        </p:tav>
+                                      </p:tavLst>
+                                    </p:anim>
+                                  </p:childTnLst>
+                                </p:cTn>
+                              </p:par>
+                            </p:childTnLst>
+                          </p:cTn>
+                        </p:par>
+                      </p:childTnLst>
+                    </p:cTn>
+                  </p:par>
+                  <p:par>
+                    <p:cTn id="25" fill="hold">
+                      <p:stCondLst>
+                        <p:cond delay="indefinite"/>
+                      </p:stCondLst>
+                      <p:childTnLst>
+                        <p:par>
+                          <p:cTn id="26" fill="hold">
+                            <p:stCondLst>
+                              <p:cond delay="0"/>
+                            </p:stCondLst>
+                            <p:childTnLst>
+                              <p:par>
+                                <p:cTn id="27" presetID="2" presetClass="entr" presetSubtype="4" fill="hold" grpId="0" nodeType="clickEffect">
+                                  <p:stCondLst>
+                                    <p:cond delay="0"/>
+                                  </p:stCondLst>
+                                  <p:childTnLst>
+                                    <p:set>
+                                      <p:cBhvr>
+                                        <p:cTn id="28" dur="1" fill="hold">
+                                          <p:stCondLst>
+                                            <p:cond delay="0"/>
+                                          </p:stCondLst>
+                                        </p:cTn>
+                                        <p:tgtEl>
+                                          <p:spTgt spid="8"/>
+                                        </p:tgtEl>
+                                        <p:attrNameLst>
+                                          <p:attrName>style.visibility</p:attrName>
+                                        </p:attrNameLst>
+                                      </p:cBhvr>
+                                      <p:to>
+                                        <p:strVal val="visible"/>
+                                      </p:to>
+                                    </p:set>
+                                    <p:anim calcmode="lin" valueType="num">
+                                      <p:cBhvr additive="base">
+                                        <p:cTn id="29" dur="500" fill="hold"/>
+                                        <p:tgtEl>
+                                          <p:spTgt spid="8"/>
+                                        </p:tgtEl>
+                                        <p:attrNameLst>
+                                          <p:attrName>ppt_x</p:attrName>
+                                        </p:attrNameLst>
+                                      </p:cBhvr>
+                                      <p:tavLst>
+                                        <p:tav tm="0">
+                                          <p:val>
+                                            <p:strVal val="#ppt_x"/>
+                                          </p:val>
+                                        </p:tav>
+                                        <p:tav tm="100000">
+                                          <p:val>
+                                            <p:strVal val="#ppt_x"/>
+                                          </p:val>
+                                        </p:tav>
+                                      </p:tavLst>
+                                    </p:anim>
+                                    <p:anim calcmode="lin" valueType="num">
+                                      <p:cBhvr additive="base">
+                                        <p:cTn id="30" dur="500" fill="hold"/>
+                                        <p:tgtEl>
+                                          <p:spTgt spid="8"/>
+                                        </p:tgtEl>
+                                        <p:attrNameLst>
+                                          <p:attrName>ppt_y</p:attrName>
+                                        </p:attrNameLst>
+                                      </p:cBhvr>
+                                      <p:tavLst>
+                                        <p:tav tm="0">
+                                          <p:val>
+                                            <p:strVal val="1+#ppt_h/2"/>
+                                          </p:val>
+                                        </p:tav>
+                                        <p:tav tm="100000">
+                                          <p:val>
+                                            <p:strVal val="#ppt_y"/>
+                                          </p:val>
+                                        </p:tav>
+                                      </p:tavLst>
+                                    </p:anim>
+                                  </p:childTnLst>
+                                </p:cTn>
+                              </p:par>
+                            </p:childTnLst>
+                          </p:cTn>
+                        </p:par>
+                      </p:childTnLst>
+                    </p:cTn>
+                  </p:par>
+                  <p:par>
+                    <p:cTn id="31" fill="hold">
+                      <p:stCondLst>
+                        <p:cond delay="indefinite"/>
+                      </p:stCondLst>
+                      <p:childTnLst>
+                        <p:par>
+                          <p:cTn id="32" fill="hold">
+                            <p:stCondLst>
+                              <p:cond delay="0"/>
+                            </p:stCondLst>
+                            <p:childTnLst>
+                              <p:par>
+                                <p:cTn id="33" presetID="2" presetClass="entr" presetSubtype="4" fill="hold" grpId="0" nodeType="clickEffect">
+                                  <p:stCondLst>
+                                    <p:cond delay="0"/>
+                                  </p:stCondLst>
+                                  <p:childTnLst>
+                                    <p:set>
+                                      <p:cBhvr>
+                                        <p:cTn id="34" dur="1" fill="hold">
+                                          <p:stCondLst>
+                                            <p:cond delay="0"/>
+                                          </p:stCondLst>
+                                        </p:cTn>
+                                        <p:tgtEl>
+                                          <p:spTgt spid="6">
+                                            <p:txEl>
+                                              <p:pRg st="1" end="1"/>
+                                            </p:txEl>
+                                          </p:spTgt>
+                                        </p:tgtEl>
+                                        <p:attrNameLst>
+                                          <p:attrName>style.visibility</p:attrName>
+                                        </p:attrNameLst>
+                                      </p:cBhvr>
+                                      <p:to>
+                                        <p:strVal val="visible"/>
+                                      </p:to>
+                                    </p:set>
+                                    <p:anim calcmode="lin" valueType="num">
+                                      <p:cBhvr additive="base">
+                                        <p:cTn id="35" dur="500" fill="hold"/>
+                                        <p:tgtEl>
+                                          <p:spTgt spid="6">
+                                            <p:txEl>
+                                              <p:pRg st="1" end="1"/>
+                                            </p:txEl>
+                                          </p:spTgt>
+                                        </p:tgtEl>
+                                        <p:attrNameLst>
+                                          <p:attrName>ppt_x</p:attrName>
+                                        </p:attrNameLst>
+                                      </p:cBhvr>
+                                      <p:tavLst>
+                                        <p:tav tm="0">
+                                          <p:val>
+                                            <p:strVal val="#ppt_x"/>
+                                          </p:val>
+                                        </p:tav>
+                                        <p:tav tm="100000">
+                                          <p:val>
+                                            <p:strVal val="#ppt_x"/>
+                                          </p:val>
+                                        </p:tav>
+                                      </p:tavLst>
+                                    </p:anim>
+                                    <p:anim calcmode="lin" valueType="num">
+                                      <p:cBhvr additive="base">
+                                        <p:cTn id="36" dur="500" fill="hold"/>
+                                        <p:tgtEl>
+                                          <p:spTgt spid="6">
+                                            <p:txEl>
+                                              <p:pRg st="1" end="1"/>
+                                            </p:txEl>
+                                          </p:spTgt>
+                                        </p:tgtEl>
+                                        <p:attrNameLst>
+                                          <p:attrName>ppt_y</p:attrName>
+                                        </p:attrNameLst>
+                                      </p:cBhvr>
+                                      <p:tavLst>
+                                        <p:tav tm="0">
+                                          <p:val>
+                                            <p:strVal val="1+#ppt_h/2"/>
+                                          </p:val>
+                                        </p:tav>
+                                        <p:tav tm="100000">
+                                          <p:val>
+                                            <p:strVal val="#ppt_y"/>
+                                          </p:val>
+                                        </p:tav>
+                                      </p:tavLst>
+                                    </p:anim>
+                                  </p:childTnLst>
+                                </p:cTn>
+                              </p:par>
+                            </p:childTnLst>
+                          </p:cTn>
+                        </p:par>
+                      </p:childTnLst>
+                    </p:cTn>
+                  </p:par>
+                </p:childTnLst>
+              </p:cTn>
+              <p:prevCondLst>
+                <p:cond evt="onPrev" delay="0">
+                  <p:tgtEl>
+                    <p:sldTgt/>
+                  </p:tgtEl>
+                </p:cond>
+              </p:prevCondLst>
+              <p:nextCondLst>
+                <p:cond evt="onNext" delay="0">
+                  <p:tgtEl>
+                    <p:sldTgt/>
+                  </p:tgtEl>
+                </p:cond>
+              </p:nextCondLst>
+            </p:seq>
+          </p:childTnLst>
+        </p:cTn>
       </p:par>
     </p:tnLst>
+    <p:bldLst>
+      <p:bldP spid="6" grpId="0" uiExpand="1" build="p"/>
+      <p:bldP spid="2" grpId="0"/>
+      <p:bldP spid="7" grpId="0"/>
+      <p:bldP spid="4" grpId="0"/>
+      <p:bldP spid="8" grpId="0"/>
+    </p:bldLst>
   </p:timing>
 </p:sld>
 </file>
@@ -4390,6 +4972,13 @@
           <a:p>
             <a:pPr lvl="1"/>
             <a:r>
+              <a:rPr lang="en-US" dirty="0" smtClean="0"/>
+              <a:t>Most proxies ignore these on file request</a:t>
+            </a:r>
+          </a:p>
+          <a:p>
+            <a:pPr lvl="1"/>
+            <a:r>
               <a:rPr lang="en-US" dirty="0" smtClean="0">
                 <a:hlinkClick r:id="rId3"/>
               </a:rPr>
@@ -4407,8 +4996,8 @@
         </p:nvSpPr>
         <p:spPr>
           <a:xfrm>
-            <a:off x="621672" y="2057400"/>
-            <a:ext cx="7696199" cy="2200602"/>
+            <a:off x="621671" y="2823196"/>
+            <a:ext cx="7696199" cy="1661993"/>
           </a:xfrm>
           <a:prstGeom prst="rect">
             <a:avLst/>
@@ -4438,12 +5027,8 @@
           <a:p>
             <a:pPr fontAlgn="base"/>
             <a:r>
-              <a:rPr lang="en-US" sz="1100" i="1" dirty="0"/>
-              <a:t>Unless the origin server explicitly prohibits the caching of their responses, the application of GET and HEAD methods to any resources SHOULD NOT have side effects that would lead to erroneous behavior if these responses are taken from a cache. They MAY still have side effects, but a cache is not required to consider such side effects in its caching decisions. Caches are always expected to observe an origin server’s explicit restrictions on caching</a:t>
-            </a:r>
-            <a:r>
               <a:rPr lang="en-US" sz="1100" i="1" dirty="0" smtClean="0"/>
-              <a:t>.</a:t>
+              <a:t>…</a:t>
             </a:r>
           </a:p>
           <a:p>
@@ -4462,7 +5047,19 @@
             </a:r>
             <a:r>
               <a:rPr lang="en-US" sz="1100" i="1" dirty="0"/>
-              <a:t> part) to perform operations with significant side effects, caches MUST NOT treat responses to such URIs as fresh unless the server provides an explicit expiration time. This specifically means that responses from HTTP/1.0 servers for such URIs SHOULD NOT be taken from a cache. See section 9.1.1 for related information.</a:t>
+              <a:t> part) to perform operations with significant side effects, caches MUST NOT treat responses to such URIs as fresh unless the server provides an explicit expiration time. </a:t>
+            </a:r>
+            <a:r>
+              <a:rPr lang="en-US" sz="1100" b="1" i="1" u="sng" dirty="0">
+                <a:solidFill>
+                  <a:srgbClr val="FF0000"/>
+                </a:solidFill>
+              </a:rPr>
+              <a:t>This specifically means that responses from HTTP/1.0 servers for such URIs SHOULD NOT be taken from a cache</a:t>
+            </a:r>
+            <a:r>
+              <a:rPr lang="en-US" sz="1100" i="1" dirty="0"/>
+              <a:t>. See section 9.1.1 for related information.</a:t>
             </a:r>
           </a:p>
           <a:p>
@@ -4478,8 +5075,8 @@
         </p:nvSpPr>
         <p:spPr>
           <a:xfrm>
-            <a:off x="621672" y="3962400"/>
-            <a:ext cx="7696199" cy="2677656"/>
+            <a:off x="621672" y="4704301"/>
+            <a:ext cx="7696199" cy="1492716"/>
           </a:xfrm>
           <a:prstGeom prst="rect">
             <a:avLst/>
@@ -4506,38 +5103,29 @@
           </a:p>
           <a:p>
             <a:r>
-              <a:rPr lang="en-US" sz="1100" i="1" dirty="0" err="1"/>
-              <a:t>Implementors</a:t>
-            </a:r>
+              <a:rPr lang="en-US" sz="1100" i="1" dirty="0" smtClean="0"/>
+              <a:t>…</a:t>
+            </a:r>
+          </a:p>
+          <a:p>
+            <a:endParaRPr lang="en-US" sz="1100" i="1" dirty="0"/>
+          </a:p>
+          <a:p>
             <a:r>
               <a:rPr lang="en-US" sz="1100" i="1" dirty="0"/>
-              <a:t> should be aware that the software represents the user in their interactions over the Internet, and should be careful to allow the user to be aware of any actions they might take which may have an unexpected significance to themselves or others</a:t>
-            </a:r>
-            <a:r>
-              <a:rPr lang="en-US" sz="1100" i="1" dirty="0" smtClean="0"/>
+              <a:t>Naturally, it is not possible to ensure that the server does not generate side-effects as a result of performing a GET request; in fact, some dynamic resources consider that a feature. </a:t>
+            </a:r>
+            <a:r>
+              <a:rPr lang="en-US" sz="1100" b="1" i="1" u="sng" dirty="0">
+                <a:solidFill>
+                  <a:srgbClr val="FF0000"/>
+                </a:solidFill>
+              </a:rPr>
+              <a:t>The important distinction here is that the user did not request the side-effects, so therefore cannot be held accountable for them</a:t>
+            </a:r>
+            <a:r>
+              <a:rPr lang="en-US" sz="1100" i="1" dirty="0"/>
               <a:t>.</a:t>
-            </a:r>
-          </a:p>
-          <a:p>
-            <a:endParaRPr lang="en-US" sz="1100" i="1" dirty="0"/>
-          </a:p>
-          <a:p>
-            <a:r>
-              <a:rPr lang="en-US" sz="1100" i="1" dirty="0"/>
-              <a:t>In particular, the convention has been established that the GET and HEAD methods SHOULD NOT have the significance of taking an action other than retrieval. These methods ought to be considered "safe". This allows user agents to represent other methods, such as POST, PUT and DELETE, in a special way, so that the user is made aware of the fact that a possibly unsafe action is being requested</a:t>
-            </a:r>
-            <a:r>
-              <a:rPr lang="en-US" sz="1100" i="1" dirty="0" smtClean="0"/>
-              <a:t>.</a:t>
-            </a:r>
-          </a:p>
-          <a:p>
-            <a:endParaRPr lang="en-US" sz="1100" i="1" dirty="0"/>
-          </a:p>
-          <a:p>
-            <a:r>
-              <a:rPr lang="en-US" sz="1100" i="1" dirty="0"/>
-              <a:t>Naturally, it is not possible to ensure that the server does not generate side-effects as a result of performing a GET request; in fact, some dynamic resources consider that a feature. The important distinction here is that the user did not request the side-effects, so therefore cannot be held accountable for them.</a:t>
             </a:r>
           </a:p>
           <a:p>
@@ -4558,9 +5146,492 @@
   <p:timing>
     <p:tnLst>
       <p:par>
-        <p:cTn id="1" dur="indefinite" restart="never" nodeType="tmRoot"/>
+        <p:cTn id="1" dur="indefinite" restart="never" nodeType="tmRoot">
+          <p:childTnLst>
+            <p:seq concurrent="1" nextAc="seek">
+              <p:cTn id="2" dur="indefinite" nodeType="mainSeq">
+                <p:childTnLst>
+                  <p:par>
+                    <p:cTn id="3" fill="hold">
+                      <p:stCondLst>
+                        <p:cond delay="indefinite"/>
+                      </p:stCondLst>
+                      <p:childTnLst>
+                        <p:par>
+                          <p:cTn id="4" fill="hold">
+                            <p:stCondLst>
+                              <p:cond delay="0"/>
+                            </p:stCondLst>
+                            <p:childTnLst>
+                              <p:par>
+                                <p:cTn id="5" presetID="2" presetClass="entr" presetSubtype="4" fill="hold" grpId="0" nodeType="clickEffect">
+                                  <p:stCondLst>
+                                    <p:cond delay="0"/>
+                                  </p:stCondLst>
+                                  <p:childTnLst>
+                                    <p:set>
+                                      <p:cBhvr>
+                                        <p:cTn id="6" dur="1" fill="hold">
+                                          <p:stCondLst>
+                                            <p:cond delay="0"/>
+                                          </p:stCondLst>
+                                        </p:cTn>
+                                        <p:tgtEl>
+                                          <p:spTgt spid="6">
+                                            <p:txEl>
+                                              <p:pRg st="0" end="0"/>
+                                            </p:txEl>
+                                          </p:spTgt>
+                                        </p:tgtEl>
+                                        <p:attrNameLst>
+                                          <p:attrName>style.visibility</p:attrName>
+                                        </p:attrNameLst>
+                                      </p:cBhvr>
+                                      <p:to>
+                                        <p:strVal val="visible"/>
+                                      </p:to>
+                                    </p:set>
+                                    <p:anim calcmode="lin" valueType="num">
+                                      <p:cBhvr additive="base">
+                                        <p:cTn id="7" dur="500" fill="hold"/>
+                                        <p:tgtEl>
+                                          <p:spTgt spid="6">
+                                            <p:txEl>
+                                              <p:pRg st="0" end="0"/>
+                                            </p:txEl>
+                                          </p:spTgt>
+                                        </p:tgtEl>
+                                        <p:attrNameLst>
+                                          <p:attrName>ppt_x</p:attrName>
+                                        </p:attrNameLst>
+                                      </p:cBhvr>
+                                      <p:tavLst>
+                                        <p:tav tm="0">
+                                          <p:val>
+                                            <p:strVal val="#ppt_x"/>
+                                          </p:val>
+                                        </p:tav>
+                                        <p:tav tm="100000">
+                                          <p:val>
+                                            <p:strVal val="#ppt_x"/>
+                                          </p:val>
+                                        </p:tav>
+                                      </p:tavLst>
+                                    </p:anim>
+                                    <p:anim calcmode="lin" valueType="num">
+                                      <p:cBhvr additive="base">
+                                        <p:cTn id="8" dur="500" fill="hold"/>
+                                        <p:tgtEl>
+                                          <p:spTgt spid="6">
+                                            <p:txEl>
+                                              <p:pRg st="0" end="0"/>
+                                            </p:txEl>
+                                          </p:spTgt>
+                                        </p:tgtEl>
+                                        <p:attrNameLst>
+                                          <p:attrName>ppt_y</p:attrName>
+                                        </p:attrNameLst>
+                                      </p:cBhvr>
+                                      <p:tavLst>
+                                        <p:tav tm="0">
+                                          <p:val>
+                                            <p:strVal val="1+#ppt_h/2"/>
+                                          </p:val>
+                                        </p:tav>
+                                        <p:tav tm="100000">
+                                          <p:val>
+                                            <p:strVal val="#ppt_y"/>
+                                          </p:val>
+                                        </p:tav>
+                                      </p:tavLst>
+                                    </p:anim>
+                                  </p:childTnLst>
+                                </p:cTn>
+                              </p:par>
+                              <p:par>
+                                <p:cTn id="9" presetID="2" presetClass="entr" presetSubtype="4" fill="hold" grpId="0" nodeType="withEffect">
+                                  <p:stCondLst>
+                                    <p:cond delay="0"/>
+                                  </p:stCondLst>
+                                  <p:childTnLst>
+                                    <p:set>
+                                      <p:cBhvr>
+                                        <p:cTn id="10" dur="1" fill="hold">
+                                          <p:stCondLst>
+                                            <p:cond delay="0"/>
+                                          </p:stCondLst>
+                                        </p:cTn>
+                                        <p:tgtEl>
+                                          <p:spTgt spid="6">
+                                            <p:txEl>
+                                              <p:pRg st="1" end="1"/>
+                                            </p:txEl>
+                                          </p:spTgt>
+                                        </p:tgtEl>
+                                        <p:attrNameLst>
+                                          <p:attrName>style.visibility</p:attrName>
+                                        </p:attrNameLst>
+                                      </p:cBhvr>
+                                      <p:to>
+                                        <p:strVal val="visible"/>
+                                      </p:to>
+                                    </p:set>
+                                    <p:anim calcmode="lin" valueType="num">
+                                      <p:cBhvr additive="base">
+                                        <p:cTn id="11" dur="500" fill="hold"/>
+                                        <p:tgtEl>
+                                          <p:spTgt spid="6">
+                                            <p:txEl>
+                                              <p:pRg st="1" end="1"/>
+                                            </p:txEl>
+                                          </p:spTgt>
+                                        </p:tgtEl>
+                                        <p:attrNameLst>
+                                          <p:attrName>ppt_x</p:attrName>
+                                        </p:attrNameLst>
+                                      </p:cBhvr>
+                                      <p:tavLst>
+                                        <p:tav tm="0">
+                                          <p:val>
+                                            <p:strVal val="#ppt_x"/>
+                                          </p:val>
+                                        </p:tav>
+                                        <p:tav tm="100000">
+                                          <p:val>
+                                            <p:strVal val="#ppt_x"/>
+                                          </p:val>
+                                        </p:tav>
+                                      </p:tavLst>
+                                    </p:anim>
+                                    <p:anim calcmode="lin" valueType="num">
+                                      <p:cBhvr additive="base">
+                                        <p:cTn id="12" dur="500" fill="hold"/>
+                                        <p:tgtEl>
+                                          <p:spTgt spid="6">
+                                            <p:txEl>
+                                              <p:pRg st="1" end="1"/>
+                                            </p:txEl>
+                                          </p:spTgt>
+                                        </p:tgtEl>
+                                        <p:attrNameLst>
+                                          <p:attrName>ppt_y</p:attrName>
+                                        </p:attrNameLst>
+                                      </p:cBhvr>
+                                      <p:tavLst>
+                                        <p:tav tm="0">
+                                          <p:val>
+                                            <p:strVal val="1+#ppt_h/2"/>
+                                          </p:val>
+                                        </p:tav>
+                                        <p:tav tm="100000">
+                                          <p:val>
+                                            <p:strVal val="#ppt_y"/>
+                                          </p:val>
+                                        </p:tav>
+                                      </p:tavLst>
+                                    </p:anim>
+                                  </p:childTnLst>
+                                </p:cTn>
+                              </p:par>
+                              <p:par>
+                                <p:cTn id="13" presetID="2" presetClass="entr" presetSubtype="4" fill="hold" grpId="0" nodeType="withEffect">
+                                  <p:stCondLst>
+                                    <p:cond delay="0"/>
+                                  </p:stCondLst>
+                                  <p:childTnLst>
+                                    <p:set>
+                                      <p:cBhvr>
+                                        <p:cTn id="14" dur="1" fill="hold">
+                                          <p:stCondLst>
+                                            <p:cond delay="0"/>
+                                          </p:stCondLst>
+                                        </p:cTn>
+                                        <p:tgtEl>
+                                          <p:spTgt spid="6">
+                                            <p:txEl>
+                                              <p:pRg st="2" end="2"/>
+                                            </p:txEl>
+                                          </p:spTgt>
+                                        </p:tgtEl>
+                                        <p:attrNameLst>
+                                          <p:attrName>style.visibility</p:attrName>
+                                        </p:attrNameLst>
+                                      </p:cBhvr>
+                                      <p:to>
+                                        <p:strVal val="visible"/>
+                                      </p:to>
+                                    </p:set>
+                                    <p:anim calcmode="lin" valueType="num">
+                                      <p:cBhvr additive="base">
+                                        <p:cTn id="15" dur="500" fill="hold"/>
+                                        <p:tgtEl>
+                                          <p:spTgt spid="6">
+                                            <p:txEl>
+                                              <p:pRg st="2" end="2"/>
+                                            </p:txEl>
+                                          </p:spTgt>
+                                        </p:tgtEl>
+                                        <p:attrNameLst>
+                                          <p:attrName>ppt_x</p:attrName>
+                                        </p:attrNameLst>
+                                      </p:cBhvr>
+                                      <p:tavLst>
+                                        <p:tav tm="0">
+                                          <p:val>
+                                            <p:strVal val="#ppt_x"/>
+                                          </p:val>
+                                        </p:tav>
+                                        <p:tav tm="100000">
+                                          <p:val>
+                                            <p:strVal val="#ppt_x"/>
+                                          </p:val>
+                                        </p:tav>
+                                      </p:tavLst>
+                                    </p:anim>
+                                    <p:anim calcmode="lin" valueType="num">
+                                      <p:cBhvr additive="base">
+                                        <p:cTn id="16" dur="500" fill="hold"/>
+                                        <p:tgtEl>
+                                          <p:spTgt spid="6">
+                                            <p:txEl>
+                                              <p:pRg st="2" end="2"/>
+                                            </p:txEl>
+                                          </p:spTgt>
+                                        </p:tgtEl>
+                                        <p:attrNameLst>
+                                          <p:attrName>ppt_y</p:attrName>
+                                        </p:attrNameLst>
+                                      </p:cBhvr>
+                                      <p:tavLst>
+                                        <p:tav tm="0">
+                                          <p:val>
+                                            <p:strVal val="1+#ppt_h/2"/>
+                                          </p:val>
+                                        </p:tav>
+                                        <p:tav tm="100000">
+                                          <p:val>
+                                            <p:strVal val="#ppt_y"/>
+                                          </p:val>
+                                        </p:tav>
+                                      </p:tavLst>
+                                    </p:anim>
+                                  </p:childTnLst>
+                                </p:cTn>
+                              </p:par>
+                            </p:childTnLst>
+                          </p:cTn>
+                        </p:par>
+                      </p:childTnLst>
+                    </p:cTn>
+                  </p:par>
+                  <p:par>
+                    <p:cTn id="17" fill="hold">
+                      <p:stCondLst>
+                        <p:cond delay="indefinite"/>
+                      </p:stCondLst>
+                      <p:childTnLst>
+                        <p:par>
+                          <p:cTn id="18" fill="hold">
+                            <p:stCondLst>
+                              <p:cond delay="0"/>
+                            </p:stCondLst>
+                            <p:childTnLst>
+                              <p:par>
+                                <p:cTn id="19" presetID="2" presetClass="entr" presetSubtype="4" fill="hold" grpId="0" nodeType="clickEffect">
+                                  <p:stCondLst>
+                                    <p:cond delay="0"/>
+                                  </p:stCondLst>
+                                  <p:childTnLst>
+                                    <p:set>
+                                      <p:cBhvr>
+                                        <p:cTn id="20" dur="1" fill="hold">
+                                          <p:stCondLst>
+                                            <p:cond delay="0"/>
+                                          </p:stCondLst>
+                                        </p:cTn>
+                                        <p:tgtEl>
+                                          <p:spTgt spid="2"/>
+                                        </p:tgtEl>
+                                        <p:attrNameLst>
+                                          <p:attrName>style.visibility</p:attrName>
+                                        </p:attrNameLst>
+                                      </p:cBhvr>
+                                      <p:to>
+                                        <p:strVal val="visible"/>
+                                      </p:to>
+                                    </p:set>
+                                    <p:anim calcmode="lin" valueType="num">
+                                      <p:cBhvr additive="base">
+                                        <p:cTn id="21" dur="500" fill="hold"/>
+                                        <p:tgtEl>
+                                          <p:spTgt spid="2"/>
+                                        </p:tgtEl>
+                                        <p:attrNameLst>
+                                          <p:attrName>ppt_x</p:attrName>
+                                        </p:attrNameLst>
+                                      </p:cBhvr>
+                                      <p:tavLst>
+                                        <p:tav tm="0">
+                                          <p:val>
+                                            <p:strVal val="#ppt_x"/>
+                                          </p:val>
+                                        </p:tav>
+                                        <p:tav tm="100000">
+                                          <p:val>
+                                            <p:strVal val="#ppt_x"/>
+                                          </p:val>
+                                        </p:tav>
+                                      </p:tavLst>
+                                    </p:anim>
+                                    <p:anim calcmode="lin" valueType="num">
+                                      <p:cBhvr additive="base">
+                                        <p:cTn id="22" dur="500" fill="hold"/>
+                                        <p:tgtEl>
+                                          <p:spTgt spid="2"/>
+                                        </p:tgtEl>
+                                        <p:attrNameLst>
+                                          <p:attrName>ppt_y</p:attrName>
+                                        </p:attrNameLst>
+                                      </p:cBhvr>
+                                      <p:tavLst>
+                                        <p:tav tm="0">
+                                          <p:val>
+                                            <p:strVal val="1+#ppt_h/2"/>
+                                          </p:val>
+                                        </p:tav>
+                                        <p:tav tm="100000">
+                                          <p:val>
+                                            <p:strVal val="#ppt_y"/>
+                                          </p:val>
+                                        </p:tav>
+                                      </p:tavLst>
+                                    </p:anim>
+                                  </p:childTnLst>
+                                </p:cTn>
+                              </p:par>
+                            </p:childTnLst>
+                          </p:cTn>
+                        </p:par>
+                      </p:childTnLst>
+                    </p:cTn>
+                  </p:par>
+                  <p:par>
+                    <p:cTn id="23" fill="hold">
+                      <p:stCondLst>
+                        <p:cond delay="indefinite"/>
+                      </p:stCondLst>
+                      <p:childTnLst>
+                        <p:par>
+                          <p:cTn id="24" fill="hold">
+                            <p:stCondLst>
+                              <p:cond delay="0"/>
+                            </p:stCondLst>
+                            <p:childTnLst>
+                              <p:par>
+                                <p:cTn id="25" presetID="2" presetClass="entr" presetSubtype="4" fill="hold" grpId="0" nodeType="clickEffect">
+                                  <p:stCondLst>
+                                    <p:cond delay="0"/>
+                                  </p:stCondLst>
+                                  <p:childTnLst>
+                                    <p:set>
+                                      <p:cBhvr>
+                                        <p:cTn id="26" dur="1" fill="hold">
+                                          <p:stCondLst>
+                                            <p:cond delay="0"/>
+                                          </p:stCondLst>
+                                        </p:cTn>
+                                        <p:tgtEl>
+                                          <p:spTgt spid="7"/>
+                                        </p:tgtEl>
+                                        <p:attrNameLst>
+                                          <p:attrName>style.visibility</p:attrName>
+                                        </p:attrNameLst>
+                                      </p:cBhvr>
+                                      <p:to>
+                                        <p:strVal val="visible"/>
+                                      </p:to>
+                                    </p:set>
+                                    <p:anim calcmode="lin" valueType="num">
+                                      <p:cBhvr additive="base">
+                                        <p:cTn id="27" dur="500" fill="hold"/>
+                                        <p:tgtEl>
+                                          <p:spTgt spid="7"/>
+                                        </p:tgtEl>
+                                        <p:attrNameLst>
+                                          <p:attrName>ppt_x</p:attrName>
+                                        </p:attrNameLst>
+                                      </p:cBhvr>
+                                      <p:tavLst>
+                                        <p:tav tm="0">
+                                          <p:val>
+                                            <p:strVal val="#ppt_x"/>
+                                          </p:val>
+                                        </p:tav>
+                                        <p:tav tm="100000">
+                                          <p:val>
+                                            <p:strVal val="#ppt_x"/>
+                                          </p:val>
+                                        </p:tav>
+                                      </p:tavLst>
+                                    </p:anim>
+                                    <p:anim calcmode="lin" valueType="num">
+                                      <p:cBhvr additive="base">
+                                        <p:cTn id="28" dur="500" fill="hold"/>
+                                        <p:tgtEl>
+                                          <p:spTgt spid="7"/>
+                                        </p:tgtEl>
+                                        <p:attrNameLst>
+                                          <p:attrName>ppt_y</p:attrName>
+                                        </p:attrNameLst>
+                                      </p:cBhvr>
+                                      <p:tavLst>
+                                        <p:tav tm="0">
+                                          <p:val>
+                                            <p:strVal val="1+#ppt_h/2"/>
+                                          </p:val>
+                                        </p:tav>
+                                        <p:tav tm="100000">
+                                          <p:val>
+                                            <p:strVal val="#ppt_y"/>
+                                          </p:val>
+                                        </p:tav>
+                                      </p:tavLst>
+                                    </p:anim>
+                                  </p:childTnLst>
+                                </p:cTn>
+                              </p:par>
+                            </p:childTnLst>
+                          </p:cTn>
+                        </p:par>
+                      </p:childTnLst>
+                    </p:cTn>
+                  </p:par>
+                </p:childTnLst>
+              </p:cTn>
+              <p:prevCondLst>
+                <p:cond evt="onPrev" delay="0">
+                  <p:tgtEl>
+                    <p:sldTgt/>
+                  </p:tgtEl>
+                </p:cond>
+              </p:prevCondLst>
+              <p:nextCondLst>
+                <p:cond evt="onNext" delay="0">
+                  <p:tgtEl>
+                    <p:sldTgt/>
+                  </p:tgtEl>
+                </p:cond>
+              </p:nextCondLst>
+            </p:seq>
+          </p:childTnLst>
+        </p:cTn>
       </p:par>
     </p:tnLst>
+    <p:bldLst>
+      <p:bldP spid="6" grpId="0" uiExpand="1" build="p"/>
+      <p:bldP spid="2" grpId="0"/>
+      <p:bldP spid="7" grpId="0"/>
+    </p:bldLst>
   </p:timing>
 </p:sld>
 </file>
@@ -4671,7 +5742,6 @@
               <a:rPr lang="en-US" dirty="0" smtClean="0"/>
               <a:t>Styles.Cbaa7269c72b8711cdf6266de0e9dffe.css</a:t>
             </a:r>
-            <a:endParaRPr lang="en-US" dirty="0" smtClean="0"/>
           </a:p>
           <a:p>
             <a:r>
@@ -4723,9 +5793,1114 @@
   <p:timing>
     <p:tnLst>
       <p:par>
-        <p:cTn id="1" dur="indefinite" restart="never" nodeType="tmRoot"/>
+        <p:cTn id="1" dur="indefinite" restart="never" nodeType="tmRoot">
+          <p:childTnLst>
+            <p:seq concurrent="1" nextAc="seek">
+              <p:cTn id="2" dur="indefinite" nodeType="mainSeq">
+                <p:childTnLst>
+                  <p:par>
+                    <p:cTn id="3" fill="hold">
+                      <p:stCondLst>
+                        <p:cond delay="indefinite"/>
+                      </p:stCondLst>
+                      <p:childTnLst>
+                        <p:par>
+                          <p:cTn id="4" fill="hold">
+                            <p:stCondLst>
+                              <p:cond delay="0"/>
+                            </p:stCondLst>
+                            <p:childTnLst>
+                              <p:par>
+                                <p:cTn id="5" presetID="2" presetClass="entr" presetSubtype="4" fill="hold" grpId="0" nodeType="clickEffect">
+                                  <p:stCondLst>
+                                    <p:cond delay="0"/>
+                                  </p:stCondLst>
+                                  <p:childTnLst>
+                                    <p:set>
+                                      <p:cBhvr>
+                                        <p:cTn id="6" dur="1" fill="hold">
+                                          <p:stCondLst>
+                                            <p:cond delay="0"/>
+                                          </p:stCondLst>
+                                        </p:cTn>
+                                        <p:tgtEl>
+                                          <p:spTgt spid="6">
+                                            <p:txEl>
+                                              <p:pRg st="0" end="0"/>
+                                            </p:txEl>
+                                          </p:spTgt>
+                                        </p:tgtEl>
+                                        <p:attrNameLst>
+                                          <p:attrName>style.visibility</p:attrName>
+                                        </p:attrNameLst>
+                                      </p:cBhvr>
+                                      <p:to>
+                                        <p:strVal val="visible"/>
+                                      </p:to>
+                                    </p:set>
+                                    <p:anim calcmode="lin" valueType="num">
+                                      <p:cBhvr additive="base">
+                                        <p:cTn id="7" dur="500" fill="hold"/>
+                                        <p:tgtEl>
+                                          <p:spTgt spid="6">
+                                            <p:txEl>
+                                              <p:pRg st="0" end="0"/>
+                                            </p:txEl>
+                                          </p:spTgt>
+                                        </p:tgtEl>
+                                        <p:attrNameLst>
+                                          <p:attrName>ppt_x</p:attrName>
+                                        </p:attrNameLst>
+                                      </p:cBhvr>
+                                      <p:tavLst>
+                                        <p:tav tm="0">
+                                          <p:val>
+                                            <p:strVal val="#ppt_x"/>
+                                          </p:val>
+                                        </p:tav>
+                                        <p:tav tm="100000">
+                                          <p:val>
+                                            <p:strVal val="#ppt_x"/>
+                                          </p:val>
+                                        </p:tav>
+                                      </p:tavLst>
+                                    </p:anim>
+                                    <p:anim calcmode="lin" valueType="num">
+                                      <p:cBhvr additive="base">
+                                        <p:cTn id="8" dur="500" fill="hold"/>
+                                        <p:tgtEl>
+                                          <p:spTgt spid="6">
+                                            <p:txEl>
+                                              <p:pRg st="0" end="0"/>
+                                            </p:txEl>
+                                          </p:spTgt>
+                                        </p:tgtEl>
+                                        <p:attrNameLst>
+                                          <p:attrName>ppt_y</p:attrName>
+                                        </p:attrNameLst>
+                                      </p:cBhvr>
+                                      <p:tavLst>
+                                        <p:tav tm="0">
+                                          <p:val>
+                                            <p:strVal val="1+#ppt_h/2"/>
+                                          </p:val>
+                                        </p:tav>
+                                        <p:tav tm="100000">
+                                          <p:val>
+                                            <p:strVal val="#ppt_y"/>
+                                          </p:val>
+                                        </p:tav>
+                                      </p:tavLst>
+                                    </p:anim>
+                                  </p:childTnLst>
+                                </p:cTn>
+                              </p:par>
+                            </p:childTnLst>
+                          </p:cTn>
+                        </p:par>
+                      </p:childTnLst>
+                    </p:cTn>
+                  </p:par>
+                  <p:par>
+                    <p:cTn id="9" fill="hold">
+                      <p:stCondLst>
+                        <p:cond delay="indefinite"/>
+                      </p:stCondLst>
+                      <p:childTnLst>
+                        <p:par>
+                          <p:cTn id="10" fill="hold">
+                            <p:stCondLst>
+                              <p:cond delay="0"/>
+                            </p:stCondLst>
+                            <p:childTnLst>
+                              <p:par>
+                                <p:cTn id="11" presetID="2" presetClass="entr" presetSubtype="4" fill="hold" grpId="0" nodeType="clickEffect">
+                                  <p:stCondLst>
+                                    <p:cond delay="0"/>
+                                  </p:stCondLst>
+                                  <p:childTnLst>
+                                    <p:set>
+                                      <p:cBhvr>
+                                        <p:cTn id="12" dur="1" fill="hold">
+                                          <p:stCondLst>
+                                            <p:cond delay="0"/>
+                                          </p:stCondLst>
+                                        </p:cTn>
+                                        <p:tgtEl>
+                                          <p:spTgt spid="6">
+                                            <p:txEl>
+                                              <p:pRg st="1" end="1"/>
+                                            </p:txEl>
+                                          </p:spTgt>
+                                        </p:tgtEl>
+                                        <p:attrNameLst>
+                                          <p:attrName>style.visibility</p:attrName>
+                                        </p:attrNameLst>
+                                      </p:cBhvr>
+                                      <p:to>
+                                        <p:strVal val="visible"/>
+                                      </p:to>
+                                    </p:set>
+                                    <p:anim calcmode="lin" valueType="num">
+                                      <p:cBhvr additive="base">
+                                        <p:cTn id="13" dur="500" fill="hold"/>
+                                        <p:tgtEl>
+                                          <p:spTgt spid="6">
+                                            <p:txEl>
+                                              <p:pRg st="1" end="1"/>
+                                            </p:txEl>
+                                          </p:spTgt>
+                                        </p:tgtEl>
+                                        <p:attrNameLst>
+                                          <p:attrName>ppt_x</p:attrName>
+                                        </p:attrNameLst>
+                                      </p:cBhvr>
+                                      <p:tavLst>
+                                        <p:tav tm="0">
+                                          <p:val>
+                                            <p:strVal val="#ppt_x"/>
+                                          </p:val>
+                                        </p:tav>
+                                        <p:tav tm="100000">
+                                          <p:val>
+                                            <p:strVal val="#ppt_x"/>
+                                          </p:val>
+                                        </p:tav>
+                                      </p:tavLst>
+                                    </p:anim>
+                                    <p:anim calcmode="lin" valueType="num">
+                                      <p:cBhvr additive="base">
+                                        <p:cTn id="14" dur="500" fill="hold"/>
+                                        <p:tgtEl>
+                                          <p:spTgt spid="6">
+                                            <p:txEl>
+                                              <p:pRg st="1" end="1"/>
+                                            </p:txEl>
+                                          </p:spTgt>
+                                        </p:tgtEl>
+                                        <p:attrNameLst>
+                                          <p:attrName>ppt_y</p:attrName>
+                                        </p:attrNameLst>
+                                      </p:cBhvr>
+                                      <p:tavLst>
+                                        <p:tav tm="0">
+                                          <p:val>
+                                            <p:strVal val="1+#ppt_h/2"/>
+                                          </p:val>
+                                        </p:tav>
+                                        <p:tav tm="100000">
+                                          <p:val>
+                                            <p:strVal val="#ppt_y"/>
+                                          </p:val>
+                                        </p:tav>
+                                      </p:tavLst>
+                                    </p:anim>
+                                  </p:childTnLst>
+                                </p:cTn>
+                              </p:par>
+                              <p:par>
+                                <p:cTn id="15" presetID="2" presetClass="entr" presetSubtype="4" fill="hold" grpId="0" nodeType="withEffect">
+                                  <p:stCondLst>
+                                    <p:cond delay="0"/>
+                                  </p:stCondLst>
+                                  <p:childTnLst>
+                                    <p:set>
+                                      <p:cBhvr>
+                                        <p:cTn id="16" dur="1" fill="hold">
+                                          <p:stCondLst>
+                                            <p:cond delay="0"/>
+                                          </p:stCondLst>
+                                        </p:cTn>
+                                        <p:tgtEl>
+                                          <p:spTgt spid="6">
+                                            <p:txEl>
+                                              <p:pRg st="2" end="2"/>
+                                            </p:txEl>
+                                          </p:spTgt>
+                                        </p:tgtEl>
+                                        <p:attrNameLst>
+                                          <p:attrName>style.visibility</p:attrName>
+                                        </p:attrNameLst>
+                                      </p:cBhvr>
+                                      <p:to>
+                                        <p:strVal val="visible"/>
+                                      </p:to>
+                                    </p:set>
+                                    <p:anim calcmode="lin" valueType="num">
+                                      <p:cBhvr additive="base">
+                                        <p:cTn id="17" dur="500" fill="hold"/>
+                                        <p:tgtEl>
+                                          <p:spTgt spid="6">
+                                            <p:txEl>
+                                              <p:pRg st="2" end="2"/>
+                                            </p:txEl>
+                                          </p:spTgt>
+                                        </p:tgtEl>
+                                        <p:attrNameLst>
+                                          <p:attrName>ppt_x</p:attrName>
+                                        </p:attrNameLst>
+                                      </p:cBhvr>
+                                      <p:tavLst>
+                                        <p:tav tm="0">
+                                          <p:val>
+                                            <p:strVal val="#ppt_x"/>
+                                          </p:val>
+                                        </p:tav>
+                                        <p:tav tm="100000">
+                                          <p:val>
+                                            <p:strVal val="#ppt_x"/>
+                                          </p:val>
+                                        </p:tav>
+                                      </p:tavLst>
+                                    </p:anim>
+                                    <p:anim calcmode="lin" valueType="num">
+                                      <p:cBhvr additive="base">
+                                        <p:cTn id="18" dur="500" fill="hold"/>
+                                        <p:tgtEl>
+                                          <p:spTgt spid="6">
+                                            <p:txEl>
+                                              <p:pRg st="2" end="2"/>
+                                            </p:txEl>
+                                          </p:spTgt>
+                                        </p:tgtEl>
+                                        <p:attrNameLst>
+                                          <p:attrName>ppt_y</p:attrName>
+                                        </p:attrNameLst>
+                                      </p:cBhvr>
+                                      <p:tavLst>
+                                        <p:tav tm="0">
+                                          <p:val>
+                                            <p:strVal val="1+#ppt_h/2"/>
+                                          </p:val>
+                                        </p:tav>
+                                        <p:tav tm="100000">
+                                          <p:val>
+                                            <p:strVal val="#ppt_y"/>
+                                          </p:val>
+                                        </p:tav>
+                                      </p:tavLst>
+                                    </p:anim>
+                                  </p:childTnLst>
+                                </p:cTn>
+                              </p:par>
+                            </p:childTnLst>
+                          </p:cTn>
+                        </p:par>
+                      </p:childTnLst>
+                    </p:cTn>
+                  </p:par>
+                  <p:par>
+                    <p:cTn id="19" fill="hold">
+                      <p:stCondLst>
+                        <p:cond delay="indefinite"/>
+                      </p:stCondLst>
+                      <p:childTnLst>
+                        <p:par>
+                          <p:cTn id="20" fill="hold">
+                            <p:stCondLst>
+                              <p:cond delay="0"/>
+                            </p:stCondLst>
+                            <p:childTnLst>
+                              <p:par>
+                                <p:cTn id="21" presetID="2" presetClass="entr" presetSubtype="4" fill="hold" grpId="0" nodeType="clickEffect">
+                                  <p:stCondLst>
+                                    <p:cond delay="0"/>
+                                  </p:stCondLst>
+                                  <p:childTnLst>
+                                    <p:set>
+                                      <p:cBhvr>
+                                        <p:cTn id="22" dur="1" fill="hold">
+                                          <p:stCondLst>
+                                            <p:cond delay="0"/>
+                                          </p:stCondLst>
+                                        </p:cTn>
+                                        <p:tgtEl>
+                                          <p:spTgt spid="6">
+                                            <p:txEl>
+                                              <p:pRg st="3" end="3"/>
+                                            </p:txEl>
+                                          </p:spTgt>
+                                        </p:tgtEl>
+                                        <p:attrNameLst>
+                                          <p:attrName>style.visibility</p:attrName>
+                                        </p:attrNameLst>
+                                      </p:cBhvr>
+                                      <p:to>
+                                        <p:strVal val="visible"/>
+                                      </p:to>
+                                    </p:set>
+                                    <p:anim calcmode="lin" valueType="num">
+                                      <p:cBhvr additive="base">
+                                        <p:cTn id="23" dur="500" fill="hold"/>
+                                        <p:tgtEl>
+                                          <p:spTgt spid="6">
+                                            <p:txEl>
+                                              <p:pRg st="3" end="3"/>
+                                            </p:txEl>
+                                          </p:spTgt>
+                                        </p:tgtEl>
+                                        <p:attrNameLst>
+                                          <p:attrName>ppt_x</p:attrName>
+                                        </p:attrNameLst>
+                                      </p:cBhvr>
+                                      <p:tavLst>
+                                        <p:tav tm="0">
+                                          <p:val>
+                                            <p:strVal val="#ppt_x"/>
+                                          </p:val>
+                                        </p:tav>
+                                        <p:tav tm="100000">
+                                          <p:val>
+                                            <p:strVal val="#ppt_x"/>
+                                          </p:val>
+                                        </p:tav>
+                                      </p:tavLst>
+                                    </p:anim>
+                                    <p:anim calcmode="lin" valueType="num">
+                                      <p:cBhvr additive="base">
+                                        <p:cTn id="24" dur="500" fill="hold"/>
+                                        <p:tgtEl>
+                                          <p:spTgt spid="6">
+                                            <p:txEl>
+                                              <p:pRg st="3" end="3"/>
+                                            </p:txEl>
+                                          </p:spTgt>
+                                        </p:tgtEl>
+                                        <p:attrNameLst>
+                                          <p:attrName>ppt_y</p:attrName>
+                                        </p:attrNameLst>
+                                      </p:cBhvr>
+                                      <p:tavLst>
+                                        <p:tav tm="0">
+                                          <p:val>
+                                            <p:strVal val="1+#ppt_h/2"/>
+                                          </p:val>
+                                        </p:tav>
+                                        <p:tav tm="100000">
+                                          <p:val>
+                                            <p:strVal val="#ppt_y"/>
+                                          </p:val>
+                                        </p:tav>
+                                      </p:tavLst>
+                                    </p:anim>
+                                  </p:childTnLst>
+                                </p:cTn>
+                              </p:par>
+                              <p:par>
+                                <p:cTn id="25" presetID="2" presetClass="entr" presetSubtype="4" fill="hold" grpId="0" nodeType="withEffect">
+                                  <p:stCondLst>
+                                    <p:cond delay="0"/>
+                                  </p:stCondLst>
+                                  <p:childTnLst>
+                                    <p:set>
+                                      <p:cBhvr>
+                                        <p:cTn id="26" dur="1" fill="hold">
+                                          <p:stCondLst>
+                                            <p:cond delay="0"/>
+                                          </p:stCondLst>
+                                        </p:cTn>
+                                        <p:tgtEl>
+                                          <p:spTgt spid="6">
+                                            <p:txEl>
+                                              <p:pRg st="4" end="4"/>
+                                            </p:txEl>
+                                          </p:spTgt>
+                                        </p:tgtEl>
+                                        <p:attrNameLst>
+                                          <p:attrName>style.visibility</p:attrName>
+                                        </p:attrNameLst>
+                                      </p:cBhvr>
+                                      <p:to>
+                                        <p:strVal val="visible"/>
+                                      </p:to>
+                                    </p:set>
+                                    <p:anim calcmode="lin" valueType="num">
+                                      <p:cBhvr additive="base">
+                                        <p:cTn id="27" dur="500" fill="hold"/>
+                                        <p:tgtEl>
+                                          <p:spTgt spid="6">
+                                            <p:txEl>
+                                              <p:pRg st="4" end="4"/>
+                                            </p:txEl>
+                                          </p:spTgt>
+                                        </p:tgtEl>
+                                        <p:attrNameLst>
+                                          <p:attrName>ppt_x</p:attrName>
+                                        </p:attrNameLst>
+                                      </p:cBhvr>
+                                      <p:tavLst>
+                                        <p:tav tm="0">
+                                          <p:val>
+                                            <p:strVal val="#ppt_x"/>
+                                          </p:val>
+                                        </p:tav>
+                                        <p:tav tm="100000">
+                                          <p:val>
+                                            <p:strVal val="#ppt_x"/>
+                                          </p:val>
+                                        </p:tav>
+                                      </p:tavLst>
+                                    </p:anim>
+                                    <p:anim calcmode="lin" valueType="num">
+                                      <p:cBhvr additive="base">
+                                        <p:cTn id="28" dur="500" fill="hold"/>
+                                        <p:tgtEl>
+                                          <p:spTgt spid="6">
+                                            <p:txEl>
+                                              <p:pRg st="4" end="4"/>
+                                            </p:txEl>
+                                          </p:spTgt>
+                                        </p:tgtEl>
+                                        <p:attrNameLst>
+                                          <p:attrName>ppt_y</p:attrName>
+                                        </p:attrNameLst>
+                                      </p:cBhvr>
+                                      <p:tavLst>
+                                        <p:tav tm="0">
+                                          <p:val>
+                                            <p:strVal val="1+#ppt_h/2"/>
+                                          </p:val>
+                                        </p:tav>
+                                        <p:tav tm="100000">
+                                          <p:val>
+                                            <p:strVal val="#ppt_y"/>
+                                          </p:val>
+                                        </p:tav>
+                                      </p:tavLst>
+                                    </p:anim>
+                                  </p:childTnLst>
+                                </p:cTn>
+                              </p:par>
+                            </p:childTnLst>
+                          </p:cTn>
+                        </p:par>
+                      </p:childTnLst>
+                    </p:cTn>
+                  </p:par>
+                  <p:par>
+                    <p:cTn id="29" fill="hold">
+                      <p:stCondLst>
+                        <p:cond delay="indefinite"/>
+                      </p:stCondLst>
+                      <p:childTnLst>
+                        <p:par>
+                          <p:cTn id="30" fill="hold">
+                            <p:stCondLst>
+                              <p:cond delay="0"/>
+                            </p:stCondLst>
+                            <p:childTnLst>
+                              <p:par>
+                                <p:cTn id="31" presetID="2" presetClass="entr" presetSubtype="4" fill="hold" grpId="0" nodeType="clickEffect">
+                                  <p:stCondLst>
+                                    <p:cond delay="0"/>
+                                  </p:stCondLst>
+                                  <p:childTnLst>
+                                    <p:set>
+                                      <p:cBhvr>
+                                        <p:cTn id="32" dur="1" fill="hold">
+                                          <p:stCondLst>
+                                            <p:cond delay="0"/>
+                                          </p:stCondLst>
+                                        </p:cTn>
+                                        <p:tgtEl>
+                                          <p:spTgt spid="6">
+                                            <p:txEl>
+                                              <p:pRg st="5" end="5"/>
+                                            </p:txEl>
+                                          </p:spTgt>
+                                        </p:tgtEl>
+                                        <p:attrNameLst>
+                                          <p:attrName>style.visibility</p:attrName>
+                                        </p:attrNameLst>
+                                      </p:cBhvr>
+                                      <p:to>
+                                        <p:strVal val="visible"/>
+                                      </p:to>
+                                    </p:set>
+                                    <p:anim calcmode="lin" valueType="num">
+                                      <p:cBhvr additive="base">
+                                        <p:cTn id="33" dur="500" fill="hold"/>
+                                        <p:tgtEl>
+                                          <p:spTgt spid="6">
+                                            <p:txEl>
+                                              <p:pRg st="5" end="5"/>
+                                            </p:txEl>
+                                          </p:spTgt>
+                                        </p:tgtEl>
+                                        <p:attrNameLst>
+                                          <p:attrName>ppt_x</p:attrName>
+                                        </p:attrNameLst>
+                                      </p:cBhvr>
+                                      <p:tavLst>
+                                        <p:tav tm="0">
+                                          <p:val>
+                                            <p:strVal val="#ppt_x"/>
+                                          </p:val>
+                                        </p:tav>
+                                        <p:tav tm="100000">
+                                          <p:val>
+                                            <p:strVal val="#ppt_x"/>
+                                          </p:val>
+                                        </p:tav>
+                                      </p:tavLst>
+                                    </p:anim>
+                                    <p:anim calcmode="lin" valueType="num">
+                                      <p:cBhvr additive="base">
+                                        <p:cTn id="34" dur="500" fill="hold"/>
+                                        <p:tgtEl>
+                                          <p:spTgt spid="6">
+                                            <p:txEl>
+                                              <p:pRg st="5" end="5"/>
+                                            </p:txEl>
+                                          </p:spTgt>
+                                        </p:tgtEl>
+                                        <p:attrNameLst>
+                                          <p:attrName>ppt_y</p:attrName>
+                                        </p:attrNameLst>
+                                      </p:cBhvr>
+                                      <p:tavLst>
+                                        <p:tav tm="0">
+                                          <p:val>
+                                            <p:strVal val="1+#ppt_h/2"/>
+                                          </p:val>
+                                        </p:tav>
+                                        <p:tav tm="100000">
+                                          <p:val>
+                                            <p:strVal val="#ppt_y"/>
+                                          </p:val>
+                                        </p:tav>
+                                      </p:tavLst>
+                                    </p:anim>
+                                  </p:childTnLst>
+                                </p:cTn>
+                              </p:par>
+                              <p:par>
+                                <p:cTn id="35" presetID="2" presetClass="entr" presetSubtype="4" fill="hold" grpId="0" nodeType="withEffect">
+                                  <p:stCondLst>
+                                    <p:cond delay="0"/>
+                                  </p:stCondLst>
+                                  <p:childTnLst>
+                                    <p:set>
+                                      <p:cBhvr>
+                                        <p:cTn id="36" dur="1" fill="hold">
+                                          <p:stCondLst>
+                                            <p:cond delay="0"/>
+                                          </p:stCondLst>
+                                        </p:cTn>
+                                        <p:tgtEl>
+                                          <p:spTgt spid="6">
+                                            <p:txEl>
+                                              <p:pRg st="6" end="6"/>
+                                            </p:txEl>
+                                          </p:spTgt>
+                                        </p:tgtEl>
+                                        <p:attrNameLst>
+                                          <p:attrName>style.visibility</p:attrName>
+                                        </p:attrNameLst>
+                                      </p:cBhvr>
+                                      <p:to>
+                                        <p:strVal val="visible"/>
+                                      </p:to>
+                                    </p:set>
+                                    <p:anim calcmode="lin" valueType="num">
+                                      <p:cBhvr additive="base">
+                                        <p:cTn id="37" dur="500" fill="hold"/>
+                                        <p:tgtEl>
+                                          <p:spTgt spid="6">
+                                            <p:txEl>
+                                              <p:pRg st="6" end="6"/>
+                                            </p:txEl>
+                                          </p:spTgt>
+                                        </p:tgtEl>
+                                        <p:attrNameLst>
+                                          <p:attrName>ppt_x</p:attrName>
+                                        </p:attrNameLst>
+                                      </p:cBhvr>
+                                      <p:tavLst>
+                                        <p:tav tm="0">
+                                          <p:val>
+                                            <p:strVal val="#ppt_x"/>
+                                          </p:val>
+                                        </p:tav>
+                                        <p:tav tm="100000">
+                                          <p:val>
+                                            <p:strVal val="#ppt_x"/>
+                                          </p:val>
+                                        </p:tav>
+                                      </p:tavLst>
+                                    </p:anim>
+                                    <p:anim calcmode="lin" valueType="num">
+                                      <p:cBhvr additive="base">
+                                        <p:cTn id="38" dur="500" fill="hold"/>
+                                        <p:tgtEl>
+                                          <p:spTgt spid="6">
+                                            <p:txEl>
+                                              <p:pRg st="6" end="6"/>
+                                            </p:txEl>
+                                          </p:spTgt>
+                                        </p:tgtEl>
+                                        <p:attrNameLst>
+                                          <p:attrName>ppt_y</p:attrName>
+                                        </p:attrNameLst>
+                                      </p:cBhvr>
+                                      <p:tavLst>
+                                        <p:tav tm="0">
+                                          <p:val>
+                                            <p:strVal val="1+#ppt_h/2"/>
+                                          </p:val>
+                                        </p:tav>
+                                        <p:tav tm="100000">
+                                          <p:val>
+                                            <p:strVal val="#ppt_y"/>
+                                          </p:val>
+                                        </p:tav>
+                                      </p:tavLst>
+                                    </p:anim>
+                                  </p:childTnLst>
+                                </p:cTn>
+                              </p:par>
+                            </p:childTnLst>
+                          </p:cTn>
+                        </p:par>
+                      </p:childTnLst>
+                    </p:cTn>
+                  </p:par>
+                  <p:par>
+                    <p:cTn id="39" fill="hold">
+                      <p:stCondLst>
+                        <p:cond delay="indefinite"/>
+                      </p:stCondLst>
+                      <p:childTnLst>
+                        <p:par>
+                          <p:cTn id="40" fill="hold">
+                            <p:stCondLst>
+                              <p:cond delay="0"/>
+                            </p:stCondLst>
+                            <p:childTnLst>
+                              <p:par>
+                                <p:cTn id="41" presetID="2" presetClass="entr" presetSubtype="4" fill="hold" grpId="0" nodeType="clickEffect">
+                                  <p:stCondLst>
+                                    <p:cond delay="0"/>
+                                  </p:stCondLst>
+                                  <p:childTnLst>
+                                    <p:set>
+                                      <p:cBhvr>
+                                        <p:cTn id="42" dur="1" fill="hold">
+                                          <p:stCondLst>
+                                            <p:cond delay="0"/>
+                                          </p:stCondLst>
+                                        </p:cTn>
+                                        <p:tgtEl>
+                                          <p:spTgt spid="6">
+                                            <p:txEl>
+                                              <p:pRg st="7" end="7"/>
+                                            </p:txEl>
+                                          </p:spTgt>
+                                        </p:tgtEl>
+                                        <p:attrNameLst>
+                                          <p:attrName>style.visibility</p:attrName>
+                                        </p:attrNameLst>
+                                      </p:cBhvr>
+                                      <p:to>
+                                        <p:strVal val="visible"/>
+                                      </p:to>
+                                    </p:set>
+                                    <p:anim calcmode="lin" valueType="num">
+                                      <p:cBhvr additive="base">
+                                        <p:cTn id="43" dur="500" fill="hold"/>
+                                        <p:tgtEl>
+                                          <p:spTgt spid="6">
+                                            <p:txEl>
+                                              <p:pRg st="7" end="7"/>
+                                            </p:txEl>
+                                          </p:spTgt>
+                                        </p:tgtEl>
+                                        <p:attrNameLst>
+                                          <p:attrName>ppt_x</p:attrName>
+                                        </p:attrNameLst>
+                                      </p:cBhvr>
+                                      <p:tavLst>
+                                        <p:tav tm="0">
+                                          <p:val>
+                                            <p:strVal val="#ppt_x"/>
+                                          </p:val>
+                                        </p:tav>
+                                        <p:tav tm="100000">
+                                          <p:val>
+                                            <p:strVal val="#ppt_x"/>
+                                          </p:val>
+                                        </p:tav>
+                                      </p:tavLst>
+                                    </p:anim>
+                                    <p:anim calcmode="lin" valueType="num">
+                                      <p:cBhvr additive="base">
+                                        <p:cTn id="44" dur="500" fill="hold"/>
+                                        <p:tgtEl>
+                                          <p:spTgt spid="6">
+                                            <p:txEl>
+                                              <p:pRg st="7" end="7"/>
+                                            </p:txEl>
+                                          </p:spTgt>
+                                        </p:tgtEl>
+                                        <p:attrNameLst>
+                                          <p:attrName>ppt_y</p:attrName>
+                                        </p:attrNameLst>
+                                      </p:cBhvr>
+                                      <p:tavLst>
+                                        <p:tav tm="0">
+                                          <p:val>
+                                            <p:strVal val="1+#ppt_h/2"/>
+                                          </p:val>
+                                        </p:tav>
+                                        <p:tav tm="100000">
+                                          <p:val>
+                                            <p:strVal val="#ppt_y"/>
+                                          </p:val>
+                                        </p:tav>
+                                      </p:tavLst>
+                                    </p:anim>
+                                  </p:childTnLst>
+                                </p:cTn>
+                              </p:par>
+                            </p:childTnLst>
+                          </p:cTn>
+                        </p:par>
+                      </p:childTnLst>
+                    </p:cTn>
+                  </p:par>
+                  <p:par>
+                    <p:cTn id="45" fill="hold">
+                      <p:stCondLst>
+                        <p:cond delay="indefinite"/>
+                      </p:stCondLst>
+                      <p:childTnLst>
+                        <p:par>
+                          <p:cTn id="46" fill="hold">
+                            <p:stCondLst>
+                              <p:cond delay="0"/>
+                            </p:stCondLst>
+                            <p:childTnLst>
+                              <p:par>
+                                <p:cTn id="47" presetID="2" presetClass="entr" presetSubtype="4" fill="hold" grpId="0" nodeType="clickEffect">
+                                  <p:stCondLst>
+                                    <p:cond delay="0"/>
+                                  </p:stCondLst>
+                                  <p:childTnLst>
+                                    <p:set>
+                                      <p:cBhvr>
+                                        <p:cTn id="48" dur="1" fill="hold">
+                                          <p:stCondLst>
+                                            <p:cond delay="0"/>
+                                          </p:stCondLst>
+                                        </p:cTn>
+                                        <p:tgtEl>
+                                          <p:spTgt spid="6">
+                                            <p:txEl>
+                                              <p:pRg st="8" end="8"/>
+                                            </p:txEl>
+                                          </p:spTgt>
+                                        </p:tgtEl>
+                                        <p:attrNameLst>
+                                          <p:attrName>style.visibility</p:attrName>
+                                        </p:attrNameLst>
+                                      </p:cBhvr>
+                                      <p:to>
+                                        <p:strVal val="visible"/>
+                                      </p:to>
+                                    </p:set>
+                                    <p:anim calcmode="lin" valueType="num">
+                                      <p:cBhvr additive="base">
+                                        <p:cTn id="49" dur="500" fill="hold"/>
+                                        <p:tgtEl>
+                                          <p:spTgt spid="6">
+                                            <p:txEl>
+                                              <p:pRg st="8" end="8"/>
+                                            </p:txEl>
+                                          </p:spTgt>
+                                        </p:tgtEl>
+                                        <p:attrNameLst>
+                                          <p:attrName>ppt_x</p:attrName>
+                                        </p:attrNameLst>
+                                      </p:cBhvr>
+                                      <p:tavLst>
+                                        <p:tav tm="0">
+                                          <p:val>
+                                            <p:strVal val="#ppt_x"/>
+                                          </p:val>
+                                        </p:tav>
+                                        <p:tav tm="100000">
+                                          <p:val>
+                                            <p:strVal val="#ppt_x"/>
+                                          </p:val>
+                                        </p:tav>
+                                      </p:tavLst>
+                                    </p:anim>
+                                    <p:anim calcmode="lin" valueType="num">
+                                      <p:cBhvr additive="base">
+                                        <p:cTn id="50" dur="500" fill="hold"/>
+                                        <p:tgtEl>
+                                          <p:spTgt spid="6">
+                                            <p:txEl>
+                                              <p:pRg st="8" end="8"/>
+                                            </p:txEl>
+                                          </p:spTgt>
+                                        </p:tgtEl>
+                                        <p:attrNameLst>
+                                          <p:attrName>ppt_y</p:attrName>
+                                        </p:attrNameLst>
+                                      </p:cBhvr>
+                                      <p:tavLst>
+                                        <p:tav tm="0">
+                                          <p:val>
+                                            <p:strVal val="1+#ppt_h/2"/>
+                                          </p:val>
+                                        </p:tav>
+                                        <p:tav tm="100000">
+                                          <p:val>
+                                            <p:strVal val="#ppt_y"/>
+                                          </p:val>
+                                        </p:tav>
+                                      </p:tavLst>
+                                    </p:anim>
+                                  </p:childTnLst>
+                                </p:cTn>
+                              </p:par>
+                            </p:childTnLst>
+                          </p:cTn>
+                        </p:par>
+                      </p:childTnLst>
+                    </p:cTn>
+                  </p:par>
+                  <p:par>
+                    <p:cTn id="51" fill="hold">
+                      <p:stCondLst>
+                        <p:cond delay="indefinite"/>
+                      </p:stCondLst>
+                      <p:childTnLst>
+                        <p:par>
+                          <p:cTn id="52" fill="hold">
+                            <p:stCondLst>
+                              <p:cond delay="0"/>
+                            </p:stCondLst>
+                            <p:childTnLst>
+                              <p:par>
+                                <p:cTn id="53" presetID="2" presetClass="entr" presetSubtype="4" fill="hold" grpId="0" nodeType="clickEffect">
+                                  <p:stCondLst>
+                                    <p:cond delay="0"/>
+                                  </p:stCondLst>
+                                  <p:childTnLst>
+                                    <p:set>
+                                      <p:cBhvr>
+                                        <p:cTn id="54" dur="1" fill="hold">
+                                          <p:stCondLst>
+                                            <p:cond delay="0"/>
+                                          </p:stCondLst>
+                                        </p:cTn>
+                                        <p:tgtEl>
+                                          <p:spTgt spid="6">
+                                            <p:txEl>
+                                              <p:pRg st="9" end="9"/>
+                                            </p:txEl>
+                                          </p:spTgt>
+                                        </p:tgtEl>
+                                        <p:attrNameLst>
+                                          <p:attrName>style.visibility</p:attrName>
+                                        </p:attrNameLst>
+                                      </p:cBhvr>
+                                      <p:to>
+                                        <p:strVal val="visible"/>
+                                      </p:to>
+                                    </p:set>
+                                    <p:anim calcmode="lin" valueType="num">
+                                      <p:cBhvr additive="base">
+                                        <p:cTn id="55" dur="500" fill="hold"/>
+                                        <p:tgtEl>
+                                          <p:spTgt spid="6">
+                                            <p:txEl>
+                                              <p:pRg st="9" end="9"/>
+                                            </p:txEl>
+                                          </p:spTgt>
+                                        </p:tgtEl>
+                                        <p:attrNameLst>
+                                          <p:attrName>ppt_x</p:attrName>
+                                        </p:attrNameLst>
+                                      </p:cBhvr>
+                                      <p:tavLst>
+                                        <p:tav tm="0">
+                                          <p:val>
+                                            <p:strVal val="#ppt_x"/>
+                                          </p:val>
+                                        </p:tav>
+                                        <p:tav tm="100000">
+                                          <p:val>
+                                            <p:strVal val="#ppt_x"/>
+                                          </p:val>
+                                        </p:tav>
+                                      </p:tavLst>
+                                    </p:anim>
+                                    <p:anim calcmode="lin" valueType="num">
+                                      <p:cBhvr additive="base">
+                                        <p:cTn id="56" dur="500" fill="hold"/>
+                                        <p:tgtEl>
+                                          <p:spTgt spid="6">
+                                            <p:txEl>
+                                              <p:pRg st="9" end="9"/>
+                                            </p:txEl>
+                                          </p:spTgt>
+                                        </p:tgtEl>
+                                        <p:attrNameLst>
+                                          <p:attrName>ppt_y</p:attrName>
+                                        </p:attrNameLst>
+                                      </p:cBhvr>
+                                      <p:tavLst>
+                                        <p:tav tm="0">
+                                          <p:val>
+                                            <p:strVal val="1+#ppt_h/2"/>
+                                          </p:val>
+                                        </p:tav>
+                                        <p:tav tm="100000">
+                                          <p:val>
+                                            <p:strVal val="#ppt_y"/>
+                                          </p:val>
+                                        </p:tav>
+                                      </p:tavLst>
+                                    </p:anim>
+                                  </p:childTnLst>
+                                </p:cTn>
+                              </p:par>
+                            </p:childTnLst>
+                          </p:cTn>
+                        </p:par>
+                      </p:childTnLst>
+                    </p:cTn>
+                  </p:par>
+                  <p:par>
+                    <p:cTn id="57" fill="hold">
+                      <p:stCondLst>
+                        <p:cond delay="indefinite"/>
+                      </p:stCondLst>
+                      <p:childTnLst>
+                        <p:par>
+                          <p:cTn id="58" fill="hold">
+                            <p:stCondLst>
+                              <p:cond delay="0"/>
+                            </p:stCondLst>
+                            <p:childTnLst>
+                              <p:par>
+                                <p:cTn id="59" presetID="2" presetClass="entr" presetSubtype="4" fill="hold" grpId="0" nodeType="clickEffect">
+                                  <p:stCondLst>
+                                    <p:cond delay="0"/>
+                                  </p:stCondLst>
+                                  <p:childTnLst>
+                                    <p:set>
+                                      <p:cBhvr>
+                                        <p:cTn id="60" dur="1" fill="hold">
+                                          <p:stCondLst>
+                                            <p:cond delay="0"/>
+                                          </p:stCondLst>
+                                        </p:cTn>
+                                        <p:tgtEl>
+                                          <p:spTgt spid="6">
+                                            <p:txEl>
+                                              <p:pRg st="10" end="10"/>
+                                            </p:txEl>
+                                          </p:spTgt>
+                                        </p:tgtEl>
+                                        <p:attrNameLst>
+                                          <p:attrName>style.visibility</p:attrName>
+                                        </p:attrNameLst>
+                                      </p:cBhvr>
+                                      <p:to>
+                                        <p:strVal val="visible"/>
+                                      </p:to>
+                                    </p:set>
+                                    <p:anim calcmode="lin" valueType="num">
+                                      <p:cBhvr additive="base">
+                                        <p:cTn id="61" dur="500" fill="hold"/>
+                                        <p:tgtEl>
+                                          <p:spTgt spid="6">
+                                            <p:txEl>
+                                              <p:pRg st="10" end="10"/>
+                                            </p:txEl>
+                                          </p:spTgt>
+                                        </p:tgtEl>
+                                        <p:attrNameLst>
+                                          <p:attrName>ppt_x</p:attrName>
+                                        </p:attrNameLst>
+                                      </p:cBhvr>
+                                      <p:tavLst>
+                                        <p:tav tm="0">
+                                          <p:val>
+                                            <p:strVal val="#ppt_x"/>
+                                          </p:val>
+                                        </p:tav>
+                                        <p:tav tm="100000">
+                                          <p:val>
+                                            <p:strVal val="#ppt_x"/>
+                                          </p:val>
+                                        </p:tav>
+                                      </p:tavLst>
+                                    </p:anim>
+                                    <p:anim calcmode="lin" valueType="num">
+                                      <p:cBhvr additive="base">
+                                        <p:cTn id="62" dur="500" fill="hold"/>
+                                        <p:tgtEl>
+                                          <p:spTgt spid="6">
+                                            <p:txEl>
+                                              <p:pRg st="10" end="10"/>
+                                            </p:txEl>
+                                          </p:spTgt>
+                                        </p:tgtEl>
+                                        <p:attrNameLst>
+                                          <p:attrName>ppt_y</p:attrName>
+                                        </p:attrNameLst>
+                                      </p:cBhvr>
+                                      <p:tavLst>
+                                        <p:tav tm="0">
+                                          <p:val>
+                                            <p:strVal val="1+#ppt_h/2"/>
+                                          </p:val>
+                                        </p:tav>
+                                        <p:tav tm="100000">
+                                          <p:val>
+                                            <p:strVal val="#ppt_y"/>
+                                          </p:val>
+                                        </p:tav>
+                                      </p:tavLst>
+                                    </p:anim>
+                                  </p:childTnLst>
+                                </p:cTn>
+                              </p:par>
+                            </p:childTnLst>
+                          </p:cTn>
+                        </p:par>
+                      </p:childTnLst>
+                    </p:cTn>
+                  </p:par>
+                </p:childTnLst>
+              </p:cTn>
+              <p:prevCondLst>
+                <p:cond evt="onPrev" delay="0">
+                  <p:tgtEl>
+                    <p:sldTgt/>
+                  </p:tgtEl>
+                </p:cond>
+              </p:prevCondLst>
+              <p:nextCondLst>
+                <p:cond evt="onNext" delay="0">
+                  <p:tgtEl>
+                    <p:sldTgt/>
+                  </p:tgtEl>
+                </p:cond>
+              </p:nextCondLst>
+            </p:seq>
+          </p:childTnLst>
+        </p:cTn>
       </p:par>
     </p:tnLst>
+    <p:bldLst>
+      <p:bldP spid="6" grpId="0" uiExpand="1" build="p"/>
+    </p:bldLst>
   </p:timing>
 </p:sld>
 </file>
@@ -4783,19 +6958,17 @@
         <p:spPr/>
         <p:txBody>
           <a:bodyPr>
-            <a:normAutofit lnSpcReduction="10000"/>
+            <a:normAutofit/>
           </a:bodyPr>
           <a:lstStyle/>
           <a:p>
             <a:r>
               <a:rPr lang="en-US" dirty="0" smtClean="0"/>
-              <a:t>New ECMA5Script feature</a:t>
-            </a:r>
-          </a:p>
-          <a:p>
+              <a:t>Support </a:t>
+            </a:r>
             <a:r>
               <a:rPr lang="en-US" dirty="0" smtClean="0"/>
-              <a:t>Support by: </a:t>
+              <a:t>by: </a:t>
             </a:r>
             <a:r>
               <a:rPr lang="nl-BE" dirty="0">
@@ -4814,13 +6987,11 @@
           <a:p>
             <a:r>
               <a:rPr lang="en-US" dirty="0" smtClean="0"/>
-              <a:t>Backwards compatible until ECMA3Script</a:t>
-            </a:r>
-          </a:p>
-          <a:p>
+              <a:t>Global </a:t>
+            </a:r>
             <a:r>
               <a:rPr lang="en-US" dirty="0" smtClean="0"/>
-              <a:t>Global scope or function scope</a:t>
+              <a:t>scope or function scope</a:t>
             </a:r>
           </a:p>
           <a:p>
@@ -4903,9 +7074,859 @@
   <p:timing>
     <p:tnLst>
       <p:par>
-        <p:cTn id="1" dur="indefinite" restart="never" nodeType="tmRoot"/>
+        <p:cTn id="1" dur="indefinite" restart="never" nodeType="tmRoot">
+          <p:childTnLst>
+            <p:seq concurrent="1" nextAc="seek">
+              <p:cTn id="2" dur="indefinite" nodeType="mainSeq">
+                <p:childTnLst>
+                  <p:par>
+                    <p:cTn id="3" fill="hold">
+                      <p:stCondLst>
+                        <p:cond delay="indefinite"/>
+                      </p:stCondLst>
+                      <p:childTnLst>
+                        <p:par>
+                          <p:cTn id="4" fill="hold">
+                            <p:stCondLst>
+                              <p:cond delay="0"/>
+                            </p:stCondLst>
+                            <p:childTnLst>
+                              <p:par>
+                                <p:cTn id="5" presetID="2" presetClass="entr" presetSubtype="4" fill="hold" grpId="0" nodeType="clickEffect">
+                                  <p:stCondLst>
+                                    <p:cond delay="0"/>
+                                  </p:stCondLst>
+                                  <p:childTnLst>
+                                    <p:set>
+                                      <p:cBhvr>
+                                        <p:cTn id="6" dur="1" fill="hold">
+                                          <p:stCondLst>
+                                            <p:cond delay="0"/>
+                                          </p:stCondLst>
+                                        </p:cTn>
+                                        <p:tgtEl>
+                                          <p:spTgt spid="6">
+                                            <p:txEl>
+                                              <p:pRg st="0" end="0"/>
+                                            </p:txEl>
+                                          </p:spTgt>
+                                        </p:tgtEl>
+                                        <p:attrNameLst>
+                                          <p:attrName>style.visibility</p:attrName>
+                                        </p:attrNameLst>
+                                      </p:cBhvr>
+                                      <p:to>
+                                        <p:strVal val="visible"/>
+                                      </p:to>
+                                    </p:set>
+                                    <p:anim calcmode="lin" valueType="num">
+                                      <p:cBhvr additive="base">
+                                        <p:cTn id="7" dur="500" fill="hold"/>
+                                        <p:tgtEl>
+                                          <p:spTgt spid="6">
+                                            <p:txEl>
+                                              <p:pRg st="0" end="0"/>
+                                            </p:txEl>
+                                          </p:spTgt>
+                                        </p:tgtEl>
+                                        <p:attrNameLst>
+                                          <p:attrName>ppt_x</p:attrName>
+                                        </p:attrNameLst>
+                                      </p:cBhvr>
+                                      <p:tavLst>
+                                        <p:tav tm="0">
+                                          <p:val>
+                                            <p:strVal val="#ppt_x"/>
+                                          </p:val>
+                                        </p:tav>
+                                        <p:tav tm="100000">
+                                          <p:val>
+                                            <p:strVal val="#ppt_x"/>
+                                          </p:val>
+                                        </p:tav>
+                                      </p:tavLst>
+                                    </p:anim>
+                                    <p:anim calcmode="lin" valueType="num">
+                                      <p:cBhvr additive="base">
+                                        <p:cTn id="8" dur="500" fill="hold"/>
+                                        <p:tgtEl>
+                                          <p:spTgt spid="6">
+                                            <p:txEl>
+                                              <p:pRg st="0" end="0"/>
+                                            </p:txEl>
+                                          </p:spTgt>
+                                        </p:tgtEl>
+                                        <p:attrNameLst>
+                                          <p:attrName>ppt_y</p:attrName>
+                                        </p:attrNameLst>
+                                      </p:cBhvr>
+                                      <p:tavLst>
+                                        <p:tav tm="0">
+                                          <p:val>
+                                            <p:strVal val="1+#ppt_h/2"/>
+                                          </p:val>
+                                        </p:tav>
+                                        <p:tav tm="100000">
+                                          <p:val>
+                                            <p:strVal val="#ppt_y"/>
+                                          </p:val>
+                                        </p:tav>
+                                      </p:tavLst>
+                                    </p:anim>
+                                  </p:childTnLst>
+                                </p:cTn>
+                              </p:par>
+                            </p:childTnLst>
+                          </p:cTn>
+                        </p:par>
+                      </p:childTnLst>
+                    </p:cTn>
+                  </p:par>
+                  <p:par>
+                    <p:cTn id="9" fill="hold">
+                      <p:stCondLst>
+                        <p:cond delay="indefinite"/>
+                      </p:stCondLst>
+                      <p:childTnLst>
+                        <p:par>
+                          <p:cTn id="10" fill="hold">
+                            <p:stCondLst>
+                              <p:cond delay="0"/>
+                            </p:stCondLst>
+                            <p:childTnLst>
+                              <p:par>
+                                <p:cTn id="11" presetID="2" presetClass="entr" presetSubtype="4" fill="hold" grpId="0" nodeType="clickEffect">
+                                  <p:stCondLst>
+                                    <p:cond delay="0"/>
+                                  </p:stCondLst>
+                                  <p:childTnLst>
+                                    <p:set>
+                                      <p:cBhvr>
+                                        <p:cTn id="12" dur="1" fill="hold">
+                                          <p:stCondLst>
+                                            <p:cond delay="0"/>
+                                          </p:stCondLst>
+                                        </p:cTn>
+                                        <p:tgtEl>
+                                          <p:spTgt spid="6">
+                                            <p:txEl>
+                                              <p:pRg st="1" end="1"/>
+                                            </p:txEl>
+                                          </p:spTgt>
+                                        </p:tgtEl>
+                                        <p:attrNameLst>
+                                          <p:attrName>style.visibility</p:attrName>
+                                        </p:attrNameLst>
+                                      </p:cBhvr>
+                                      <p:to>
+                                        <p:strVal val="visible"/>
+                                      </p:to>
+                                    </p:set>
+                                    <p:anim calcmode="lin" valueType="num">
+                                      <p:cBhvr additive="base">
+                                        <p:cTn id="13" dur="500" fill="hold"/>
+                                        <p:tgtEl>
+                                          <p:spTgt spid="6">
+                                            <p:txEl>
+                                              <p:pRg st="1" end="1"/>
+                                            </p:txEl>
+                                          </p:spTgt>
+                                        </p:tgtEl>
+                                        <p:attrNameLst>
+                                          <p:attrName>ppt_x</p:attrName>
+                                        </p:attrNameLst>
+                                      </p:cBhvr>
+                                      <p:tavLst>
+                                        <p:tav tm="0">
+                                          <p:val>
+                                            <p:strVal val="#ppt_x"/>
+                                          </p:val>
+                                        </p:tav>
+                                        <p:tav tm="100000">
+                                          <p:val>
+                                            <p:strVal val="#ppt_x"/>
+                                          </p:val>
+                                        </p:tav>
+                                      </p:tavLst>
+                                    </p:anim>
+                                    <p:anim calcmode="lin" valueType="num">
+                                      <p:cBhvr additive="base">
+                                        <p:cTn id="14" dur="500" fill="hold"/>
+                                        <p:tgtEl>
+                                          <p:spTgt spid="6">
+                                            <p:txEl>
+                                              <p:pRg st="1" end="1"/>
+                                            </p:txEl>
+                                          </p:spTgt>
+                                        </p:tgtEl>
+                                        <p:attrNameLst>
+                                          <p:attrName>ppt_y</p:attrName>
+                                        </p:attrNameLst>
+                                      </p:cBhvr>
+                                      <p:tavLst>
+                                        <p:tav tm="0">
+                                          <p:val>
+                                            <p:strVal val="1+#ppt_h/2"/>
+                                          </p:val>
+                                        </p:tav>
+                                        <p:tav tm="100000">
+                                          <p:val>
+                                            <p:strVal val="#ppt_y"/>
+                                          </p:val>
+                                        </p:tav>
+                                      </p:tavLst>
+                                    </p:anim>
+                                  </p:childTnLst>
+                                </p:cTn>
+                              </p:par>
+                            </p:childTnLst>
+                          </p:cTn>
+                        </p:par>
+                      </p:childTnLst>
+                    </p:cTn>
+                  </p:par>
+                  <p:par>
+                    <p:cTn id="15" fill="hold">
+                      <p:stCondLst>
+                        <p:cond delay="indefinite"/>
+                      </p:stCondLst>
+                      <p:childTnLst>
+                        <p:par>
+                          <p:cTn id="16" fill="hold">
+                            <p:stCondLst>
+                              <p:cond delay="0"/>
+                            </p:stCondLst>
+                            <p:childTnLst>
+                              <p:par>
+                                <p:cTn id="17" presetID="2" presetClass="entr" presetSubtype="4" fill="hold" grpId="0" nodeType="clickEffect">
+                                  <p:stCondLst>
+                                    <p:cond delay="0"/>
+                                  </p:stCondLst>
+                                  <p:childTnLst>
+                                    <p:set>
+                                      <p:cBhvr>
+                                        <p:cTn id="18" dur="1" fill="hold">
+                                          <p:stCondLst>
+                                            <p:cond delay="0"/>
+                                          </p:stCondLst>
+                                        </p:cTn>
+                                        <p:tgtEl>
+                                          <p:spTgt spid="6">
+                                            <p:txEl>
+                                              <p:pRg st="2" end="2"/>
+                                            </p:txEl>
+                                          </p:spTgt>
+                                        </p:tgtEl>
+                                        <p:attrNameLst>
+                                          <p:attrName>style.visibility</p:attrName>
+                                        </p:attrNameLst>
+                                      </p:cBhvr>
+                                      <p:to>
+                                        <p:strVal val="visible"/>
+                                      </p:to>
+                                    </p:set>
+                                    <p:anim calcmode="lin" valueType="num">
+                                      <p:cBhvr additive="base">
+                                        <p:cTn id="19" dur="500" fill="hold"/>
+                                        <p:tgtEl>
+                                          <p:spTgt spid="6">
+                                            <p:txEl>
+                                              <p:pRg st="2" end="2"/>
+                                            </p:txEl>
+                                          </p:spTgt>
+                                        </p:tgtEl>
+                                        <p:attrNameLst>
+                                          <p:attrName>ppt_x</p:attrName>
+                                        </p:attrNameLst>
+                                      </p:cBhvr>
+                                      <p:tavLst>
+                                        <p:tav tm="0">
+                                          <p:val>
+                                            <p:strVal val="#ppt_x"/>
+                                          </p:val>
+                                        </p:tav>
+                                        <p:tav tm="100000">
+                                          <p:val>
+                                            <p:strVal val="#ppt_x"/>
+                                          </p:val>
+                                        </p:tav>
+                                      </p:tavLst>
+                                    </p:anim>
+                                    <p:anim calcmode="lin" valueType="num">
+                                      <p:cBhvr additive="base">
+                                        <p:cTn id="20" dur="500" fill="hold"/>
+                                        <p:tgtEl>
+                                          <p:spTgt spid="6">
+                                            <p:txEl>
+                                              <p:pRg st="2" end="2"/>
+                                            </p:txEl>
+                                          </p:spTgt>
+                                        </p:tgtEl>
+                                        <p:attrNameLst>
+                                          <p:attrName>ppt_y</p:attrName>
+                                        </p:attrNameLst>
+                                      </p:cBhvr>
+                                      <p:tavLst>
+                                        <p:tav tm="0">
+                                          <p:val>
+                                            <p:strVal val="1+#ppt_h/2"/>
+                                          </p:val>
+                                        </p:tav>
+                                        <p:tav tm="100000">
+                                          <p:val>
+                                            <p:strVal val="#ppt_y"/>
+                                          </p:val>
+                                        </p:tav>
+                                      </p:tavLst>
+                                    </p:anim>
+                                  </p:childTnLst>
+                                </p:cTn>
+                              </p:par>
+                            </p:childTnLst>
+                          </p:cTn>
+                        </p:par>
+                      </p:childTnLst>
+                    </p:cTn>
+                  </p:par>
+                  <p:par>
+                    <p:cTn id="21" fill="hold">
+                      <p:stCondLst>
+                        <p:cond delay="indefinite"/>
+                      </p:stCondLst>
+                      <p:childTnLst>
+                        <p:par>
+                          <p:cTn id="22" fill="hold">
+                            <p:stCondLst>
+                              <p:cond delay="0"/>
+                            </p:stCondLst>
+                            <p:childTnLst>
+                              <p:par>
+                                <p:cTn id="23" presetID="2" presetClass="entr" presetSubtype="4" fill="hold" grpId="0" nodeType="clickEffect">
+                                  <p:stCondLst>
+                                    <p:cond delay="0"/>
+                                  </p:stCondLst>
+                                  <p:childTnLst>
+                                    <p:set>
+                                      <p:cBhvr>
+                                        <p:cTn id="24" dur="1" fill="hold">
+                                          <p:stCondLst>
+                                            <p:cond delay="0"/>
+                                          </p:stCondLst>
+                                        </p:cTn>
+                                        <p:tgtEl>
+                                          <p:spTgt spid="6">
+                                            <p:txEl>
+                                              <p:pRg st="3" end="3"/>
+                                            </p:txEl>
+                                          </p:spTgt>
+                                        </p:tgtEl>
+                                        <p:attrNameLst>
+                                          <p:attrName>style.visibility</p:attrName>
+                                        </p:attrNameLst>
+                                      </p:cBhvr>
+                                      <p:to>
+                                        <p:strVal val="visible"/>
+                                      </p:to>
+                                    </p:set>
+                                    <p:anim calcmode="lin" valueType="num">
+                                      <p:cBhvr additive="base">
+                                        <p:cTn id="25" dur="500" fill="hold"/>
+                                        <p:tgtEl>
+                                          <p:spTgt spid="6">
+                                            <p:txEl>
+                                              <p:pRg st="3" end="3"/>
+                                            </p:txEl>
+                                          </p:spTgt>
+                                        </p:tgtEl>
+                                        <p:attrNameLst>
+                                          <p:attrName>ppt_x</p:attrName>
+                                        </p:attrNameLst>
+                                      </p:cBhvr>
+                                      <p:tavLst>
+                                        <p:tav tm="0">
+                                          <p:val>
+                                            <p:strVal val="#ppt_x"/>
+                                          </p:val>
+                                        </p:tav>
+                                        <p:tav tm="100000">
+                                          <p:val>
+                                            <p:strVal val="#ppt_x"/>
+                                          </p:val>
+                                        </p:tav>
+                                      </p:tavLst>
+                                    </p:anim>
+                                    <p:anim calcmode="lin" valueType="num">
+                                      <p:cBhvr additive="base">
+                                        <p:cTn id="26" dur="500" fill="hold"/>
+                                        <p:tgtEl>
+                                          <p:spTgt spid="6">
+                                            <p:txEl>
+                                              <p:pRg st="3" end="3"/>
+                                            </p:txEl>
+                                          </p:spTgt>
+                                        </p:tgtEl>
+                                        <p:attrNameLst>
+                                          <p:attrName>ppt_y</p:attrName>
+                                        </p:attrNameLst>
+                                      </p:cBhvr>
+                                      <p:tavLst>
+                                        <p:tav tm="0">
+                                          <p:val>
+                                            <p:strVal val="1+#ppt_h/2"/>
+                                          </p:val>
+                                        </p:tav>
+                                        <p:tav tm="100000">
+                                          <p:val>
+                                            <p:strVal val="#ppt_y"/>
+                                          </p:val>
+                                        </p:tav>
+                                      </p:tavLst>
+                                    </p:anim>
+                                  </p:childTnLst>
+                                </p:cTn>
+                              </p:par>
+                            </p:childTnLst>
+                          </p:cTn>
+                        </p:par>
+                      </p:childTnLst>
+                    </p:cTn>
+                  </p:par>
+                  <p:par>
+                    <p:cTn id="27" fill="hold">
+                      <p:stCondLst>
+                        <p:cond delay="indefinite"/>
+                      </p:stCondLst>
+                      <p:childTnLst>
+                        <p:par>
+                          <p:cTn id="28" fill="hold">
+                            <p:stCondLst>
+                              <p:cond delay="0"/>
+                            </p:stCondLst>
+                            <p:childTnLst>
+                              <p:par>
+                                <p:cTn id="29" presetID="2" presetClass="entr" presetSubtype="4" fill="hold" grpId="0" nodeType="clickEffect">
+                                  <p:stCondLst>
+                                    <p:cond delay="0"/>
+                                  </p:stCondLst>
+                                  <p:childTnLst>
+                                    <p:set>
+                                      <p:cBhvr>
+                                        <p:cTn id="30" dur="1" fill="hold">
+                                          <p:stCondLst>
+                                            <p:cond delay="0"/>
+                                          </p:stCondLst>
+                                        </p:cTn>
+                                        <p:tgtEl>
+                                          <p:spTgt spid="6">
+                                            <p:txEl>
+                                              <p:pRg st="4" end="4"/>
+                                            </p:txEl>
+                                          </p:spTgt>
+                                        </p:tgtEl>
+                                        <p:attrNameLst>
+                                          <p:attrName>style.visibility</p:attrName>
+                                        </p:attrNameLst>
+                                      </p:cBhvr>
+                                      <p:to>
+                                        <p:strVal val="visible"/>
+                                      </p:to>
+                                    </p:set>
+                                    <p:anim calcmode="lin" valueType="num">
+                                      <p:cBhvr additive="base">
+                                        <p:cTn id="31" dur="500" fill="hold"/>
+                                        <p:tgtEl>
+                                          <p:spTgt spid="6">
+                                            <p:txEl>
+                                              <p:pRg st="4" end="4"/>
+                                            </p:txEl>
+                                          </p:spTgt>
+                                        </p:tgtEl>
+                                        <p:attrNameLst>
+                                          <p:attrName>ppt_x</p:attrName>
+                                        </p:attrNameLst>
+                                      </p:cBhvr>
+                                      <p:tavLst>
+                                        <p:tav tm="0">
+                                          <p:val>
+                                            <p:strVal val="#ppt_x"/>
+                                          </p:val>
+                                        </p:tav>
+                                        <p:tav tm="100000">
+                                          <p:val>
+                                            <p:strVal val="#ppt_x"/>
+                                          </p:val>
+                                        </p:tav>
+                                      </p:tavLst>
+                                    </p:anim>
+                                    <p:anim calcmode="lin" valueType="num">
+                                      <p:cBhvr additive="base">
+                                        <p:cTn id="32" dur="500" fill="hold"/>
+                                        <p:tgtEl>
+                                          <p:spTgt spid="6">
+                                            <p:txEl>
+                                              <p:pRg st="4" end="4"/>
+                                            </p:txEl>
+                                          </p:spTgt>
+                                        </p:tgtEl>
+                                        <p:attrNameLst>
+                                          <p:attrName>ppt_y</p:attrName>
+                                        </p:attrNameLst>
+                                      </p:cBhvr>
+                                      <p:tavLst>
+                                        <p:tav tm="0">
+                                          <p:val>
+                                            <p:strVal val="1+#ppt_h/2"/>
+                                          </p:val>
+                                        </p:tav>
+                                        <p:tav tm="100000">
+                                          <p:val>
+                                            <p:strVal val="#ppt_y"/>
+                                          </p:val>
+                                        </p:tav>
+                                      </p:tavLst>
+                                    </p:anim>
+                                  </p:childTnLst>
+                                </p:cTn>
+                              </p:par>
+                            </p:childTnLst>
+                          </p:cTn>
+                        </p:par>
+                      </p:childTnLst>
+                    </p:cTn>
+                  </p:par>
+                  <p:par>
+                    <p:cTn id="33" fill="hold">
+                      <p:stCondLst>
+                        <p:cond delay="indefinite"/>
+                      </p:stCondLst>
+                      <p:childTnLst>
+                        <p:par>
+                          <p:cTn id="34" fill="hold">
+                            <p:stCondLst>
+                              <p:cond delay="0"/>
+                            </p:stCondLst>
+                            <p:childTnLst>
+                              <p:par>
+                                <p:cTn id="35" presetID="2" presetClass="entr" presetSubtype="4" fill="hold" grpId="0" nodeType="clickEffect">
+                                  <p:stCondLst>
+                                    <p:cond delay="0"/>
+                                  </p:stCondLst>
+                                  <p:childTnLst>
+                                    <p:set>
+                                      <p:cBhvr>
+                                        <p:cTn id="36" dur="1" fill="hold">
+                                          <p:stCondLst>
+                                            <p:cond delay="0"/>
+                                          </p:stCondLst>
+                                        </p:cTn>
+                                        <p:tgtEl>
+                                          <p:spTgt spid="6">
+                                            <p:txEl>
+                                              <p:pRg st="5" end="5"/>
+                                            </p:txEl>
+                                          </p:spTgt>
+                                        </p:tgtEl>
+                                        <p:attrNameLst>
+                                          <p:attrName>style.visibility</p:attrName>
+                                        </p:attrNameLst>
+                                      </p:cBhvr>
+                                      <p:to>
+                                        <p:strVal val="visible"/>
+                                      </p:to>
+                                    </p:set>
+                                    <p:anim calcmode="lin" valueType="num">
+                                      <p:cBhvr additive="base">
+                                        <p:cTn id="37" dur="500" fill="hold"/>
+                                        <p:tgtEl>
+                                          <p:spTgt spid="6">
+                                            <p:txEl>
+                                              <p:pRg st="5" end="5"/>
+                                            </p:txEl>
+                                          </p:spTgt>
+                                        </p:tgtEl>
+                                        <p:attrNameLst>
+                                          <p:attrName>ppt_x</p:attrName>
+                                        </p:attrNameLst>
+                                      </p:cBhvr>
+                                      <p:tavLst>
+                                        <p:tav tm="0">
+                                          <p:val>
+                                            <p:strVal val="#ppt_x"/>
+                                          </p:val>
+                                        </p:tav>
+                                        <p:tav tm="100000">
+                                          <p:val>
+                                            <p:strVal val="#ppt_x"/>
+                                          </p:val>
+                                        </p:tav>
+                                      </p:tavLst>
+                                    </p:anim>
+                                    <p:anim calcmode="lin" valueType="num">
+                                      <p:cBhvr additive="base">
+                                        <p:cTn id="38" dur="500" fill="hold"/>
+                                        <p:tgtEl>
+                                          <p:spTgt spid="6">
+                                            <p:txEl>
+                                              <p:pRg st="5" end="5"/>
+                                            </p:txEl>
+                                          </p:spTgt>
+                                        </p:tgtEl>
+                                        <p:attrNameLst>
+                                          <p:attrName>ppt_y</p:attrName>
+                                        </p:attrNameLst>
+                                      </p:cBhvr>
+                                      <p:tavLst>
+                                        <p:tav tm="0">
+                                          <p:val>
+                                            <p:strVal val="1+#ppt_h/2"/>
+                                          </p:val>
+                                        </p:tav>
+                                        <p:tav tm="100000">
+                                          <p:val>
+                                            <p:strVal val="#ppt_y"/>
+                                          </p:val>
+                                        </p:tav>
+                                      </p:tavLst>
+                                    </p:anim>
+                                  </p:childTnLst>
+                                </p:cTn>
+                              </p:par>
+                            </p:childTnLst>
+                          </p:cTn>
+                        </p:par>
+                      </p:childTnLst>
+                    </p:cTn>
+                  </p:par>
+                  <p:par>
+                    <p:cTn id="39" fill="hold">
+                      <p:stCondLst>
+                        <p:cond delay="indefinite"/>
+                      </p:stCondLst>
+                      <p:childTnLst>
+                        <p:par>
+                          <p:cTn id="40" fill="hold">
+                            <p:stCondLst>
+                              <p:cond delay="0"/>
+                            </p:stCondLst>
+                            <p:childTnLst>
+                              <p:par>
+                                <p:cTn id="41" presetID="2" presetClass="entr" presetSubtype="4" fill="hold" grpId="0" nodeType="clickEffect">
+                                  <p:stCondLst>
+                                    <p:cond delay="0"/>
+                                  </p:stCondLst>
+                                  <p:childTnLst>
+                                    <p:set>
+                                      <p:cBhvr>
+                                        <p:cTn id="42" dur="1" fill="hold">
+                                          <p:stCondLst>
+                                            <p:cond delay="0"/>
+                                          </p:stCondLst>
+                                        </p:cTn>
+                                        <p:tgtEl>
+                                          <p:spTgt spid="6">
+                                            <p:txEl>
+                                              <p:pRg st="6" end="6"/>
+                                            </p:txEl>
+                                          </p:spTgt>
+                                        </p:tgtEl>
+                                        <p:attrNameLst>
+                                          <p:attrName>style.visibility</p:attrName>
+                                        </p:attrNameLst>
+                                      </p:cBhvr>
+                                      <p:to>
+                                        <p:strVal val="visible"/>
+                                      </p:to>
+                                    </p:set>
+                                    <p:anim calcmode="lin" valueType="num">
+                                      <p:cBhvr additive="base">
+                                        <p:cTn id="43" dur="500" fill="hold"/>
+                                        <p:tgtEl>
+                                          <p:spTgt spid="6">
+                                            <p:txEl>
+                                              <p:pRg st="6" end="6"/>
+                                            </p:txEl>
+                                          </p:spTgt>
+                                        </p:tgtEl>
+                                        <p:attrNameLst>
+                                          <p:attrName>ppt_x</p:attrName>
+                                        </p:attrNameLst>
+                                      </p:cBhvr>
+                                      <p:tavLst>
+                                        <p:tav tm="0">
+                                          <p:val>
+                                            <p:strVal val="#ppt_x"/>
+                                          </p:val>
+                                        </p:tav>
+                                        <p:tav tm="100000">
+                                          <p:val>
+                                            <p:strVal val="#ppt_x"/>
+                                          </p:val>
+                                        </p:tav>
+                                      </p:tavLst>
+                                    </p:anim>
+                                    <p:anim calcmode="lin" valueType="num">
+                                      <p:cBhvr additive="base">
+                                        <p:cTn id="44" dur="500" fill="hold"/>
+                                        <p:tgtEl>
+                                          <p:spTgt spid="6">
+                                            <p:txEl>
+                                              <p:pRg st="6" end="6"/>
+                                            </p:txEl>
+                                          </p:spTgt>
+                                        </p:tgtEl>
+                                        <p:attrNameLst>
+                                          <p:attrName>ppt_y</p:attrName>
+                                        </p:attrNameLst>
+                                      </p:cBhvr>
+                                      <p:tavLst>
+                                        <p:tav tm="0">
+                                          <p:val>
+                                            <p:strVal val="1+#ppt_h/2"/>
+                                          </p:val>
+                                        </p:tav>
+                                        <p:tav tm="100000">
+                                          <p:val>
+                                            <p:strVal val="#ppt_y"/>
+                                          </p:val>
+                                        </p:tav>
+                                      </p:tavLst>
+                                    </p:anim>
+                                  </p:childTnLst>
+                                </p:cTn>
+                              </p:par>
+                            </p:childTnLst>
+                          </p:cTn>
+                        </p:par>
+                      </p:childTnLst>
+                    </p:cTn>
+                  </p:par>
+                  <p:par>
+                    <p:cTn id="45" fill="hold">
+                      <p:stCondLst>
+                        <p:cond delay="indefinite"/>
+                      </p:stCondLst>
+                      <p:childTnLst>
+                        <p:par>
+                          <p:cTn id="46" fill="hold">
+                            <p:stCondLst>
+                              <p:cond delay="0"/>
+                            </p:stCondLst>
+                            <p:childTnLst>
+                              <p:par>
+                                <p:cTn id="47" presetID="2" presetClass="entr" presetSubtype="4" fill="hold" grpId="0" nodeType="clickEffect">
+                                  <p:stCondLst>
+                                    <p:cond delay="0"/>
+                                  </p:stCondLst>
+                                  <p:childTnLst>
+                                    <p:set>
+                                      <p:cBhvr>
+                                        <p:cTn id="48" dur="1" fill="hold">
+                                          <p:stCondLst>
+                                            <p:cond delay="0"/>
+                                          </p:stCondLst>
+                                        </p:cTn>
+                                        <p:tgtEl>
+                                          <p:spTgt spid="6">
+                                            <p:txEl>
+                                              <p:pRg st="7" end="7"/>
+                                            </p:txEl>
+                                          </p:spTgt>
+                                        </p:tgtEl>
+                                        <p:attrNameLst>
+                                          <p:attrName>style.visibility</p:attrName>
+                                        </p:attrNameLst>
+                                      </p:cBhvr>
+                                      <p:to>
+                                        <p:strVal val="visible"/>
+                                      </p:to>
+                                    </p:set>
+                                    <p:anim calcmode="lin" valueType="num">
+                                      <p:cBhvr additive="base">
+                                        <p:cTn id="49" dur="500" fill="hold"/>
+                                        <p:tgtEl>
+                                          <p:spTgt spid="6">
+                                            <p:txEl>
+                                              <p:pRg st="7" end="7"/>
+                                            </p:txEl>
+                                          </p:spTgt>
+                                        </p:tgtEl>
+                                        <p:attrNameLst>
+                                          <p:attrName>ppt_x</p:attrName>
+                                        </p:attrNameLst>
+                                      </p:cBhvr>
+                                      <p:tavLst>
+                                        <p:tav tm="0">
+                                          <p:val>
+                                            <p:strVal val="#ppt_x"/>
+                                          </p:val>
+                                        </p:tav>
+                                        <p:tav tm="100000">
+                                          <p:val>
+                                            <p:strVal val="#ppt_x"/>
+                                          </p:val>
+                                        </p:tav>
+                                      </p:tavLst>
+                                    </p:anim>
+                                    <p:anim calcmode="lin" valueType="num">
+                                      <p:cBhvr additive="base">
+                                        <p:cTn id="50" dur="500" fill="hold"/>
+                                        <p:tgtEl>
+                                          <p:spTgt spid="6">
+                                            <p:txEl>
+                                              <p:pRg st="7" end="7"/>
+                                            </p:txEl>
+                                          </p:spTgt>
+                                        </p:tgtEl>
+                                        <p:attrNameLst>
+                                          <p:attrName>ppt_y</p:attrName>
+                                        </p:attrNameLst>
+                                      </p:cBhvr>
+                                      <p:tavLst>
+                                        <p:tav tm="0">
+                                          <p:val>
+                                            <p:strVal val="1+#ppt_h/2"/>
+                                          </p:val>
+                                        </p:tav>
+                                        <p:tav tm="100000">
+                                          <p:val>
+                                            <p:strVal val="#ppt_y"/>
+                                          </p:val>
+                                        </p:tav>
+                                      </p:tavLst>
+                                    </p:anim>
+                                  </p:childTnLst>
+                                </p:cTn>
+                              </p:par>
+                            </p:childTnLst>
+                          </p:cTn>
+                        </p:par>
+                      </p:childTnLst>
+                    </p:cTn>
+                  </p:par>
+                </p:childTnLst>
+              </p:cTn>
+              <p:prevCondLst>
+                <p:cond evt="onPrev" delay="0">
+                  <p:tgtEl>
+                    <p:sldTgt/>
+                  </p:tgtEl>
+                </p:cond>
+              </p:prevCondLst>
+              <p:nextCondLst>
+                <p:cond evt="onNext" delay="0">
+                  <p:tgtEl>
+                    <p:sldTgt/>
+                  </p:tgtEl>
+                </p:cond>
+              </p:nextCondLst>
+            </p:seq>
+          </p:childTnLst>
+        </p:cTn>
       </p:par>
     </p:tnLst>
+    <p:bldLst>
+      <p:bldP spid="6" grpId="0" uiExpand="1" build="p"/>
+    </p:bldLst>
   </p:timing>
 </p:sld>
 </file>
@@ -4975,6 +7996,13 @@
               <a:rPr lang="en-US" dirty="0" smtClean="0"/>
               <a:t>Debugger;</a:t>
             </a:r>
+          </a:p>
+          <a:p>
+            <a:pPr lvl="1"/>
+            <a:r>
+              <a:rPr lang="en-US" dirty="0" smtClean="0"/>
+              <a:t>ECMA5Script</a:t>
+            </a:r>
             <a:endParaRPr lang="nl-BE" dirty="0"/>
           </a:p>
         </p:txBody>
@@ -4992,9 +8020,326 @@
   <p:timing>
     <p:tnLst>
       <p:par>
-        <p:cTn id="1" dur="indefinite" restart="never" nodeType="tmRoot"/>
+        <p:cTn id="1" dur="indefinite" restart="never" nodeType="tmRoot">
+          <p:childTnLst>
+            <p:seq concurrent="1" nextAc="seek">
+              <p:cTn id="2" dur="indefinite" nodeType="mainSeq">
+                <p:childTnLst>
+                  <p:par>
+                    <p:cTn id="3" fill="hold">
+                      <p:stCondLst>
+                        <p:cond delay="indefinite"/>
+                      </p:stCondLst>
+                      <p:childTnLst>
+                        <p:par>
+                          <p:cTn id="4" fill="hold">
+                            <p:stCondLst>
+                              <p:cond delay="0"/>
+                            </p:stCondLst>
+                            <p:childTnLst>
+                              <p:par>
+                                <p:cTn id="5" presetID="2" presetClass="entr" presetSubtype="4" fill="hold" grpId="0" nodeType="clickEffect">
+                                  <p:stCondLst>
+                                    <p:cond delay="0"/>
+                                  </p:stCondLst>
+                                  <p:childTnLst>
+                                    <p:set>
+                                      <p:cBhvr>
+                                        <p:cTn id="6" dur="1" fill="hold">
+                                          <p:stCondLst>
+                                            <p:cond delay="0"/>
+                                          </p:stCondLst>
+                                        </p:cTn>
+                                        <p:tgtEl>
+                                          <p:spTgt spid="6">
+                                            <p:txEl>
+                                              <p:pRg st="0" end="0"/>
+                                            </p:txEl>
+                                          </p:spTgt>
+                                        </p:tgtEl>
+                                        <p:attrNameLst>
+                                          <p:attrName>style.visibility</p:attrName>
+                                        </p:attrNameLst>
+                                      </p:cBhvr>
+                                      <p:to>
+                                        <p:strVal val="visible"/>
+                                      </p:to>
+                                    </p:set>
+                                    <p:anim calcmode="lin" valueType="num">
+                                      <p:cBhvr additive="base">
+                                        <p:cTn id="7" dur="500" fill="hold"/>
+                                        <p:tgtEl>
+                                          <p:spTgt spid="6">
+                                            <p:txEl>
+                                              <p:pRg st="0" end="0"/>
+                                            </p:txEl>
+                                          </p:spTgt>
+                                        </p:tgtEl>
+                                        <p:attrNameLst>
+                                          <p:attrName>ppt_x</p:attrName>
+                                        </p:attrNameLst>
+                                      </p:cBhvr>
+                                      <p:tavLst>
+                                        <p:tav tm="0">
+                                          <p:val>
+                                            <p:strVal val="#ppt_x"/>
+                                          </p:val>
+                                        </p:tav>
+                                        <p:tav tm="100000">
+                                          <p:val>
+                                            <p:strVal val="#ppt_x"/>
+                                          </p:val>
+                                        </p:tav>
+                                      </p:tavLst>
+                                    </p:anim>
+                                    <p:anim calcmode="lin" valueType="num">
+                                      <p:cBhvr additive="base">
+                                        <p:cTn id="8" dur="500" fill="hold"/>
+                                        <p:tgtEl>
+                                          <p:spTgt spid="6">
+                                            <p:txEl>
+                                              <p:pRg st="0" end="0"/>
+                                            </p:txEl>
+                                          </p:spTgt>
+                                        </p:tgtEl>
+                                        <p:attrNameLst>
+                                          <p:attrName>ppt_y</p:attrName>
+                                        </p:attrNameLst>
+                                      </p:cBhvr>
+                                      <p:tavLst>
+                                        <p:tav tm="0">
+                                          <p:val>
+                                            <p:strVal val="1+#ppt_h/2"/>
+                                          </p:val>
+                                        </p:tav>
+                                        <p:tav tm="100000">
+                                          <p:val>
+                                            <p:strVal val="#ppt_y"/>
+                                          </p:val>
+                                        </p:tav>
+                                      </p:tavLst>
+                                    </p:anim>
+                                  </p:childTnLst>
+                                </p:cTn>
+                              </p:par>
+                            </p:childTnLst>
+                          </p:cTn>
+                        </p:par>
+                      </p:childTnLst>
+                    </p:cTn>
+                  </p:par>
+                  <p:par>
+                    <p:cTn id="9" fill="hold">
+                      <p:stCondLst>
+                        <p:cond delay="indefinite"/>
+                      </p:stCondLst>
+                      <p:childTnLst>
+                        <p:par>
+                          <p:cTn id="10" fill="hold">
+                            <p:stCondLst>
+                              <p:cond delay="0"/>
+                            </p:stCondLst>
+                            <p:childTnLst>
+                              <p:par>
+                                <p:cTn id="11" presetID="2" presetClass="entr" presetSubtype="4" fill="hold" grpId="0" nodeType="clickEffect">
+                                  <p:stCondLst>
+                                    <p:cond delay="0"/>
+                                  </p:stCondLst>
+                                  <p:childTnLst>
+                                    <p:set>
+                                      <p:cBhvr>
+                                        <p:cTn id="12" dur="1" fill="hold">
+                                          <p:stCondLst>
+                                            <p:cond delay="0"/>
+                                          </p:stCondLst>
+                                        </p:cTn>
+                                        <p:tgtEl>
+                                          <p:spTgt spid="6">
+                                            <p:txEl>
+                                              <p:pRg st="1" end="1"/>
+                                            </p:txEl>
+                                          </p:spTgt>
+                                        </p:tgtEl>
+                                        <p:attrNameLst>
+                                          <p:attrName>style.visibility</p:attrName>
+                                        </p:attrNameLst>
+                                      </p:cBhvr>
+                                      <p:to>
+                                        <p:strVal val="visible"/>
+                                      </p:to>
+                                    </p:set>
+                                    <p:anim calcmode="lin" valueType="num">
+                                      <p:cBhvr additive="base">
+                                        <p:cTn id="13" dur="500" fill="hold"/>
+                                        <p:tgtEl>
+                                          <p:spTgt spid="6">
+                                            <p:txEl>
+                                              <p:pRg st="1" end="1"/>
+                                            </p:txEl>
+                                          </p:spTgt>
+                                        </p:tgtEl>
+                                        <p:attrNameLst>
+                                          <p:attrName>ppt_x</p:attrName>
+                                        </p:attrNameLst>
+                                      </p:cBhvr>
+                                      <p:tavLst>
+                                        <p:tav tm="0">
+                                          <p:val>
+                                            <p:strVal val="#ppt_x"/>
+                                          </p:val>
+                                        </p:tav>
+                                        <p:tav tm="100000">
+                                          <p:val>
+                                            <p:strVal val="#ppt_x"/>
+                                          </p:val>
+                                        </p:tav>
+                                      </p:tavLst>
+                                    </p:anim>
+                                    <p:anim calcmode="lin" valueType="num">
+                                      <p:cBhvr additive="base">
+                                        <p:cTn id="14" dur="500" fill="hold"/>
+                                        <p:tgtEl>
+                                          <p:spTgt spid="6">
+                                            <p:txEl>
+                                              <p:pRg st="1" end="1"/>
+                                            </p:txEl>
+                                          </p:spTgt>
+                                        </p:tgtEl>
+                                        <p:attrNameLst>
+                                          <p:attrName>ppt_y</p:attrName>
+                                        </p:attrNameLst>
+                                      </p:cBhvr>
+                                      <p:tavLst>
+                                        <p:tav tm="0">
+                                          <p:val>
+                                            <p:strVal val="1+#ppt_h/2"/>
+                                          </p:val>
+                                        </p:tav>
+                                        <p:tav tm="100000">
+                                          <p:val>
+                                            <p:strVal val="#ppt_y"/>
+                                          </p:val>
+                                        </p:tav>
+                                      </p:tavLst>
+                                    </p:anim>
+                                  </p:childTnLst>
+                                </p:cTn>
+                              </p:par>
+                              <p:par>
+                                <p:cTn id="15" presetID="2" presetClass="entr" presetSubtype="4" fill="hold" grpId="0" nodeType="withEffect">
+                                  <p:stCondLst>
+                                    <p:cond delay="0"/>
+                                  </p:stCondLst>
+                                  <p:childTnLst>
+                                    <p:set>
+                                      <p:cBhvr>
+                                        <p:cTn id="16" dur="1" fill="hold">
+                                          <p:stCondLst>
+                                            <p:cond delay="0"/>
+                                          </p:stCondLst>
+                                        </p:cTn>
+                                        <p:tgtEl>
+                                          <p:spTgt spid="6">
+                                            <p:txEl>
+                                              <p:pRg st="2" end="2"/>
+                                            </p:txEl>
+                                          </p:spTgt>
+                                        </p:tgtEl>
+                                        <p:attrNameLst>
+                                          <p:attrName>style.visibility</p:attrName>
+                                        </p:attrNameLst>
+                                      </p:cBhvr>
+                                      <p:to>
+                                        <p:strVal val="visible"/>
+                                      </p:to>
+                                    </p:set>
+                                    <p:anim calcmode="lin" valueType="num">
+                                      <p:cBhvr additive="base">
+                                        <p:cTn id="17" dur="500" fill="hold"/>
+                                        <p:tgtEl>
+                                          <p:spTgt spid="6">
+                                            <p:txEl>
+                                              <p:pRg st="2" end="2"/>
+                                            </p:txEl>
+                                          </p:spTgt>
+                                        </p:tgtEl>
+                                        <p:attrNameLst>
+                                          <p:attrName>ppt_x</p:attrName>
+                                        </p:attrNameLst>
+                                      </p:cBhvr>
+                                      <p:tavLst>
+                                        <p:tav tm="0">
+                                          <p:val>
+                                            <p:strVal val="#ppt_x"/>
+                                          </p:val>
+                                        </p:tav>
+                                        <p:tav tm="100000">
+                                          <p:val>
+                                            <p:strVal val="#ppt_x"/>
+                                          </p:val>
+                                        </p:tav>
+                                      </p:tavLst>
+                                    </p:anim>
+                                    <p:anim calcmode="lin" valueType="num">
+                                      <p:cBhvr additive="base">
+                                        <p:cTn id="18" dur="500" fill="hold"/>
+                                        <p:tgtEl>
+                                          <p:spTgt spid="6">
+                                            <p:txEl>
+                                              <p:pRg st="2" end="2"/>
+                                            </p:txEl>
+                                          </p:spTgt>
+                                        </p:tgtEl>
+                                        <p:attrNameLst>
+                                          <p:attrName>ppt_y</p:attrName>
+                                        </p:attrNameLst>
+                                      </p:cBhvr>
+                                      <p:tavLst>
+                                        <p:tav tm="0">
+                                          <p:val>
+                                            <p:strVal val="1+#ppt_h/2"/>
+                                          </p:val>
+                                        </p:tav>
+                                        <p:tav tm="100000">
+                                          <p:val>
+                                            <p:strVal val="#ppt_y"/>
+                                          </p:val>
+                                        </p:tav>
+                                      </p:tavLst>
+                                    </p:anim>
+                                  </p:childTnLst>
+                                </p:cTn>
+                              </p:par>
+                            </p:childTnLst>
+                          </p:cTn>
+                        </p:par>
+                      </p:childTnLst>
+                    </p:cTn>
+                  </p:par>
+                </p:childTnLst>
+              </p:cTn>
+              <p:prevCondLst>
+                <p:cond evt="onPrev" delay="0">
+                  <p:tgtEl>
+                    <p:sldTgt/>
+                  </p:tgtEl>
+                </p:cond>
+              </p:prevCondLst>
+              <p:nextCondLst>
+                <p:cond evt="onNext" delay="0">
+                  <p:tgtEl>
+                    <p:sldTgt/>
+                  </p:tgtEl>
+                </p:cond>
+              </p:nextCondLst>
+            </p:seq>
+          </p:childTnLst>
+        </p:cTn>
       </p:par>
     </p:tnLst>
+    <p:bldLst>
+      <p:bldP spid="6" grpId="0" build="p"/>
+    </p:bldLst>
   </p:timing>
 </p:sld>
 </file>
@@ -5215,7 +8560,7 @@
         <p:spPr>
           <a:xfrm>
             <a:off x="5334000" y="2039385"/>
-            <a:ext cx="3445174" cy="2031325"/>
+            <a:ext cx="3254417" cy="2031325"/>
           </a:xfrm>
           <a:prstGeom prst="rect">
             <a:avLst/>
@@ -5249,22 +8594,19 @@
               <a:buChar char="§"/>
             </a:pPr>
             <a:r>
+              <a:rPr lang="en-US" dirty="0"/>
+              <a:t>Only load script when they</a:t>
+            </a:r>
+            <a:br>
+              <a:rPr lang="en-US" dirty="0"/>
+            </a:br>
+            <a:r>
+              <a:rPr lang="en-US" dirty="0"/>
+              <a:t>are </a:t>
+            </a:r>
+            <a:r>
               <a:rPr lang="en-US" dirty="0" smtClean="0"/>
-              <a:t>Individual modules can be </a:t>
-            </a:r>
-            <a:br>
-              <a:rPr lang="en-US" dirty="0" smtClean="0"/>
-            </a:br>
-            <a:r>
-              <a:rPr lang="en-US" dirty="0" smtClean="0"/>
-              <a:t>can be compressed to nearly</a:t>
-            </a:r>
-            <a:br>
-              <a:rPr lang="en-US" dirty="0" smtClean="0"/>
-            </a:br>
-            <a:r>
-              <a:rPr lang="en-US" dirty="0" smtClean="0"/>
-              <a:t>the same size (minify)</a:t>
+              <a:t>needed</a:t>
             </a:r>
           </a:p>
           <a:p>
@@ -5277,14 +8619,21 @@
             </a:pPr>
             <a:r>
               <a:rPr lang="en-US" dirty="0" smtClean="0"/>
-              <a:t>Only load script when they</a:t>
+              <a:t>Individual modules can be </a:t>
             </a:r>
             <a:br>
               <a:rPr lang="en-US" dirty="0" smtClean="0"/>
             </a:br>
             <a:r>
               <a:rPr lang="en-US" dirty="0" smtClean="0"/>
-              <a:t>are needed</a:t>
+              <a:t>compressed to nearly</a:t>
+            </a:r>
+            <a:br>
+              <a:rPr lang="en-US" dirty="0" smtClean="0"/>
+            </a:br>
+            <a:r>
+              <a:rPr lang="en-US" dirty="0" smtClean="0"/>
+              <a:t>the same size (minify)</a:t>
             </a:r>
           </a:p>
           <a:p>
@@ -5312,9 +8661,488 @@
   <p:timing>
     <p:tnLst>
       <p:par>
-        <p:cTn id="1" dur="indefinite" restart="never" nodeType="tmRoot"/>
+        <p:cTn id="1" dur="indefinite" restart="never" nodeType="tmRoot">
+          <p:childTnLst>
+            <p:seq concurrent="1" nextAc="seek">
+              <p:cTn id="2" dur="indefinite" nodeType="mainSeq">
+                <p:childTnLst>
+                  <p:par>
+                    <p:cTn id="3" fill="hold">
+                      <p:stCondLst>
+                        <p:cond delay="indefinite"/>
+                      </p:stCondLst>
+                      <p:childTnLst>
+                        <p:par>
+                          <p:cTn id="4" fill="hold">
+                            <p:stCondLst>
+                              <p:cond delay="0"/>
+                            </p:stCondLst>
+                            <p:childTnLst>
+                              <p:par>
+                                <p:cTn id="5" presetID="2" presetClass="entr" presetSubtype="4" fill="hold" grpId="0" nodeType="clickEffect">
+                                  <p:stCondLst>
+                                    <p:cond delay="0"/>
+                                  </p:stCondLst>
+                                  <p:childTnLst>
+                                    <p:set>
+                                      <p:cBhvr>
+                                        <p:cTn id="6" dur="1" fill="hold">
+                                          <p:stCondLst>
+                                            <p:cond delay="0"/>
+                                          </p:stCondLst>
+                                        </p:cTn>
+                                        <p:tgtEl>
+                                          <p:spTgt spid="6">
+                                            <p:txEl>
+                                              <p:pRg st="0" end="0"/>
+                                            </p:txEl>
+                                          </p:spTgt>
+                                        </p:tgtEl>
+                                        <p:attrNameLst>
+                                          <p:attrName>style.visibility</p:attrName>
+                                        </p:attrNameLst>
+                                      </p:cBhvr>
+                                      <p:to>
+                                        <p:strVal val="visible"/>
+                                      </p:to>
+                                    </p:set>
+                                    <p:anim calcmode="lin" valueType="num">
+                                      <p:cBhvr additive="base">
+                                        <p:cTn id="7" dur="500" fill="hold"/>
+                                        <p:tgtEl>
+                                          <p:spTgt spid="6">
+                                            <p:txEl>
+                                              <p:pRg st="0" end="0"/>
+                                            </p:txEl>
+                                          </p:spTgt>
+                                        </p:tgtEl>
+                                        <p:attrNameLst>
+                                          <p:attrName>ppt_x</p:attrName>
+                                        </p:attrNameLst>
+                                      </p:cBhvr>
+                                      <p:tavLst>
+                                        <p:tav tm="0">
+                                          <p:val>
+                                            <p:strVal val="#ppt_x"/>
+                                          </p:val>
+                                        </p:tav>
+                                        <p:tav tm="100000">
+                                          <p:val>
+                                            <p:strVal val="#ppt_x"/>
+                                          </p:val>
+                                        </p:tav>
+                                      </p:tavLst>
+                                    </p:anim>
+                                    <p:anim calcmode="lin" valueType="num">
+                                      <p:cBhvr additive="base">
+                                        <p:cTn id="8" dur="500" fill="hold"/>
+                                        <p:tgtEl>
+                                          <p:spTgt spid="6">
+                                            <p:txEl>
+                                              <p:pRg st="0" end="0"/>
+                                            </p:txEl>
+                                          </p:spTgt>
+                                        </p:tgtEl>
+                                        <p:attrNameLst>
+                                          <p:attrName>ppt_y</p:attrName>
+                                        </p:attrNameLst>
+                                      </p:cBhvr>
+                                      <p:tavLst>
+                                        <p:tav tm="0">
+                                          <p:val>
+                                            <p:strVal val="1+#ppt_h/2"/>
+                                          </p:val>
+                                        </p:tav>
+                                        <p:tav tm="100000">
+                                          <p:val>
+                                            <p:strVal val="#ppt_y"/>
+                                          </p:val>
+                                        </p:tav>
+                                      </p:tavLst>
+                                    </p:anim>
+                                  </p:childTnLst>
+                                </p:cTn>
+                              </p:par>
+                            </p:childTnLst>
+                          </p:cTn>
+                        </p:par>
+                      </p:childTnLst>
+                    </p:cTn>
+                  </p:par>
+                  <p:par>
+                    <p:cTn id="9" fill="hold">
+                      <p:stCondLst>
+                        <p:cond delay="indefinite"/>
+                      </p:stCondLst>
+                      <p:childTnLst>
+                        <p:par>
+                          <p:cTn id="10" fill="hold">
+                            <p:stCondLst>
+                              <p:cond delay="0"/>
+                            </p:stCondLst>
+                            <p:childTnLst>
+                              <p:par>
+                                <p:cTn id="11" presetID="2" presetClass="entr" presetSubtype="4" fill="hold" grpId="0" nodeType="clickEffect">
+                                  <p:stCondLst>
+                                    <p:cond delay="0"/>
+                                  </p:stCondLst>
+                                  <p:childTnLst>
+                                    <p:set>
+                                      <p:cBhvr>
+                                        <p:cTn id="12" dur="1" fill="hold">
+                                          <p:stCondLst>
+                                            <p:cond delay="0"/>
+                                          </p:stCondLst>
+                                        </p:cTn>
+                                        <p:tgtEl>
+                                          <p:spTgt spid="2"/>
+                                        </p:tgtEl>
+                                        <p:attrNameLst>
+                                          <p:attrName>style.visibility</p:attrName>
+                                        </p:attrNameLst>
+                                      </p:cBhvr>
+                                      <p:to>
+                                        <p:strVal val="visible"/>
+                                      </p:to>
+                                    </p:set>
+                                    <p:anim calcmode="lin" valueType="num">
+                                      <p:cBhvr additive="base">
+                                        <p:cTn id="13" dur="500" fill="hold"/>
+                                        <p:tgtEl>
+                                          <p:spTgt spid="2"/>
+                                        </p:tgtEl>
+                                        <p:attrNameLst>
+                                          <p:attrName>ppt_x</p:attrName>
+                                        </p:attrNameLst>
+                                      </p:cBhvr>
+                                      <p:tavLst>
+                                        <p:tav tm="0">
+                                          <p:val>
+                                            <p:strVal val="#ppt_x"/>
+                                          </p:val>
+                                        </p:tav>
+                                        <p:tav tm="100000">
+                                          <p:val>
+                                            <p:strVal val="#ppt_x"/>
+                                          </p:val>
+                                        </p:tav>
+                                      </p:tavLst>
+                                    </p:anim>
+                                    <p:anim calcmode="lin" valueType="num">
+                                      <p:cBhvr additive="base">
+                                        <p:cTn id="14" dur="500" fill="hold"/>
+                                        <p:tgtEl>
+                                          <p:spTgt spid="2"/>
+                                        </p:tgtEl>
+                                        <p:attrNameLst>
+                                          <p:attrName>ppt_y</p:attrName>
+                                        </p:attrNameLst>
+                                      </p:cBhvr>
+                                      <p:tavLst>
+                                        <p:tav tm="0">
+                                          <p:val>
+                                            <p:strVal val="1+#ppt_h/2"/>
+                                          </p:val>
+                                        </p:tav>
+                                        <p:tav tm="100000">
+                                          <p:val>
+                                            <p:strVal val="#ppt_y"/>
+                                          </p:val>
+                                        </p:tav>
+                                      </p:tavLst>
+                                    </p:anim>
+                                  </p:childTnLst>
+                                </p:cTn>
+                              </p:par>
+                              <p:par>
+                                <p:cTn id="15" presetID="2" presetClass="entr" presetSubtype="4" fill="hold" grpId="0" nodeType="withEffect">
+                                  <p:stCondLst>
+                                    <p:cond delay="0"/>
+                                  </p:stCondLst>
+                                  <p:childTnLst>
+                                    <p:set>
+                                      <p:cBhvr>
+                                        <p:cTn id="16" dur="1" fill="hold">
+                                          <p:stCondLst>
+                                            <p:cond delay="0"/>
+                                          </p:stCondLst>
+                                        </p:cTn>
+                                        <p:tgtEl>
+                                          <p:spTgt spid="7"/>
+                                        </p:tgtEl>
+                                        <p:attrNameLst>
+                                          <p:attrName>style.visibility</p:attrName>
+                                        </p:attrNameLst>
+                                      </p:cBhvr>
+                                      <p:to>
+                                        <p:strVal val="visible"/>
+                                      </p:to>
+                                    </p:set>
+                                    <p:anim calcmode="lin" valueType="num">
+                                      <p:cBhvr additive="base">
+                                        <p:cTn id="17" dur="500" fill="hold"/>
+                                        <p:tgtEl>
+                                          <p:spTgt spid="7"/>
+                                        </p:tgtEl>
+                                        <p:attrNameLst>
+                                          <p:attrName>ppt_x</p:attrName>
+                                        </p:attrNameLst>
+                                      </p:cBhvr>
+                                      <p:tavLst>
+                                        <p:tav tm="0">
+                                          <p:val>
+                                            <p:strVal val="#ppt_x"/>
+                                          </p:val>
+                                        </p:tav>
+                                        <p:tav tm="100000">
+                                          <p:val>
+                                            <p:strVal val="#ppt_x"/>
+                                          </p:val>
+                                        </p:tav>
+                                      </p:tavLst>
+                                    </p:anim>
+                                    <p:anim calcmode="lin" valueType="num">
+                                      <p:cBhvr additive="base">
+                                        <p:cTn id="18" dur="500" fill="hold"/>
+                                        <p:tgtEl>
+                                          <p:spTgt spid="7"/>
+                                        </p:tgtEl>
+                                        <p:attrNameLst>
+                                          <p:attrName>ppt_y</p:attrName>
+                                        </p:attrNameLst>
+                                      </p:cBhvr>
+                                      <p:tavLst>
+                                        <p:tav tm="0">
+                                          <p:val>
+                                            <p:strVal val="1+#ppt_h/2"/>
+                                          </p:val>
+                                        </p:tav>
+                                        <p:tav tm="100000">
+                                          <p:val>
+                                            <p:strVal val="#ppt_y"/>
+                                          </p:val>
+                                        </p:tav>
+                                      </p:tavLst>
+                                    </p:anim>
+                                  </p:childTnLst>
+                                </p:cTn>
+                              </p:par>
+                            </p:childTnLst>
+                          </p:cTn>
+                        </p:par>
+                      </p:childTnLst>
+                    </p:cTn>
+                  </p:par>
+                  <p:par>
+                    <p:cTn id="19" fill="hold">
+                      <p:stCondLst>
+                        <p:cond delay="indefinite"/>
+                      </p:stCondLst>
+                      <p:childTnLst>
+                        <p:par>
+                          <p:cTn id="20" fill="hold">
+                            <p:stCondLst>
+                              <p:cond delay="0"/>
+                            </p:stCondLst>
+                            <p:childTnLst>
+                              <p:par>
+                                <p:cTn id="21" presetID="2" presetClass="entr" presetSubtype="4" fill="hold" grpId="0" nodeType="clickEffect">
+                                  <p:stCondLst>
+                                    <p:cond delay="0"/>
+                                  </p:stCondLst>
+                                  <p:childTnLst>
+                                    <p:set>
+                                      <p:cBhvr>
+                                        <p:cTn id="22" dur="1" fill="hold">
+                                          <p:stCondLst>
+                                            <p:cond delay="0"/>
+                                          </p:stCondLst>
+                                        </p:cTn>
+                                        <p:tgtEl>
+                                          <p:spTgt spid="4"/>
+                                        </p:tgtEl>
+                                        <p:attrNameLst>
+                                          <p:attrName>style.visibility</p:attrName>
+                                        </p:attrNameLst>
+                                      </p:cBhvr>
+                                      <p:to>
+                                        <p:strVal val="visible"/>
+                                      </p:to>
+                                    </p:set>
+                                    <p:anim calcmode="lin" valueType="num">
+                                      <p:cBhvr additive="base">
+                                        <p:cTn id="23" dur="500" fill="hold"/>
+                                        <p:tgtEl>
+                                          <p:spTgt spid="4"/>
+                                        </p:tgtEl>
+                                        <p:attrNameLst>
+                                          <p:attrName>ppt_x</p:attrName>
+                                        </p:attrNameLst>
+                                      </p:cBhvr>
+                                      <p:tavLst>
+                                        <p:tav tm="0">
+                                          <p:val>
+                                            <p:strVal val="#ppt_x"/>
+                                          </p:val>
+                                        </p:tav>
+                                        <p:tav tm="100000">
+                                          <p:val>
+                                            <p:strVal val="#ppt_x"/>
+                                          </p:val>
+                                        </p:tav>
+                                      </p:tavLst>
+                                    </p:anim>
+                                    <p:anim calcmode="lin" valueType="num">
+                                      <p:cBhvr additive="base">
+                                        <p:cTn id="24" dur="500" fill="hold"/>
+                                        <p:tgtEl>
+                                          <p:spTgt spid="4"/>
+                                        </p:tgtEl>
+                                        <p:attrNameLst>
+                                          <p:attrName>ppt_y</p:attrName>
+                                        </p:attrNameLst>
+                                      </p:cBhvr>
+                                      <p:tavLst>
+                                        <p:tav tm="0">
+                                          <p:val>
+                                            <p:strVal val="1+#ppt_h/2"/>
+                                          </p:val>
+                                        </p:tav>
+                                        <p:tav tm="100000">
+                                          <p:val>
+                                            <p:strVal val="#ppt_y"/>
+                                          </p:val>
+                                        </p:tav>
+                                      </p:tavLst>
+                                    </p:anim>
+                                  </p:childTnLst>
+                                </p:cTn>
+                              </p:par>
+                            </p:childTnLst>
+                          </p:cTn>
+                        </p:par>
+                      </p:childTnLst>
+                    </p:cTn>
+                  </p:par>
+                  <p:par>
+                    <p:cTn id="25" fill="hold">
+                      <p:stCondLst>
+                        <p:cond delay="indefinite"/>
+                      </p:stCondLst>
+                      <p:childTnLst>
+                        <p:par>
+                          <p:cTn id="26" fill="hold">
+                            <p:stCondLst>
+                              <p:cond delay="0"/>
+                            </p:stCondLst>
+                            <p:childTnLst>
+                              <p:par>
+                                <p:cTn id="27" presetID="2" presetClass="entr" presetSubtype="4" fill="hold" grpId="0" nodeType="clickEffect">
+                                  <p:stCondLst>
+                                    <p:cond delay="0"/>
+                                  </p:stCondLst>
+                                  <p:childTnLst>
+                                    <p:set>
+                                      <p:cBhvr>
+                                        <p:cTn id="28" dur="1" fill="hold">
+                                          <p:stCondLst>
+                                            <p:cond delay="0"/>
+                                          </p:stCondLst>
+                                        </p:cTn>
+                                        <p:tgtEl>
+                                          <p:spTgt spid="8"/>
+                                        </p:tgtEl>
+                                        <p:attrNameLst>
+                                          <p:attrName>style.visibility</p:attrName>
+                                        </p:attrNameLst>
+                                      </p:cBhvr>
+                                      <p:to>
+                                        <p:strVal val="visible"/>
+                                      </p:to>
+                                    </p:set>
+                                    <p:anim calcmode="lin" valueType="num">
+                                      <p:cBhvr additive="base">
+                                        <p:cTn id="29" dur="500" fill="hold"/>
+                                        <p:tgtEl>
+                                          <p:spTgt spid="8"/>
+                                        </p:tgtEl>
+                                        <p:attrNameLst>
+                                          <p:attrName>ppt_x</p:attrName>
+                                        </p:attrNameLst>
+                                      </p:cBhvr>
+                                      <p:tavLst>
+                                        <p:tav tm="0">
+                                          <p:val>
+                                            <p:strVal val="#ppt_x"/>
+                                          </p:val>
+                                        </p:tav>
+                                        <p:tav tm="100000">
+                                          <p:val>
+                                            <p:strVal val="#ppt_x"/>
+                                          </p:val>
+                                        </p:tav>
+                                      </p:tavLst>
+                                    </p:anim>
+                                    <p:anim calcmode="lin" valueType="num">
+                                      <p:cBhvr additive="base">
+                                        <p:cTn id="30" dur="500" fill="hold"/>
+                                        <p:tgtEl>
+                                          <p:spTgt spid="8"/>
+                                        </p:tgtEl>
+                                        <p:attrNameLst>
+                                          <p:attrName>ppt_y</p:attrName>
+                                        </p:attrNameLst>
+                                      </p:cBhvr>
+                                      <p:tavLst>
+                                        <p:tav tm="0">
+                                          <p:val>
+                                            <p:strVal val="1+#ppt_h/2"/>
+                                          </p:val>
+                                        </p:tav>
+                                        <p:tav tm="100000">
+                                          <p:val>
+                                            <p:strVal val="#ppt_y"/>
+                                          </p:val>
+                                        </p:tav>
+                                      </p:tavLst>
+                                    </p:anim>
+                                  </p:childTnLst>
+                                </p:cTn>
+                              </p:par>
+                            </p:childTnLst>
+                          </p:cTn>
+                        </p:par>
+                      </p:childTnLst>
+                    </p:cTn>
+                  </p:par>
+                </p:childTnLst>
+              </p:cTn>
+              <p:prevCondLst>
+                <p:cond evt="onPrev" delay="0">
+                  <p:tgtEl>
+                    <p:sldTgt/>
+                  </p:tgtEl>
+                </p:cond>
+              </p:prevCondLst>
+              <p:nextCondLst>
+                <p:cond evt="onNext" delay="0">
+                  <p:tgtEl>
+                    <p:sldTgt/>
+                  </p:tgtEl>
+                </p:cond>
+              </p:nextCondLst>
+            </p:seq>
+          </p:childTnLst>
+        </p:cTn>
       </p:par>
     </p:tnLst>
+    <p:bldLst>
+      <p:bldP spid="6" grpId="0" build="p"/>
+      <p:bldP spid="2" grpId="0"/>
+      <p:bldP spid="7" grpId="0"/>
+      <p:bldP spid="4" grpId="0"/>
+      <p:bldP spid="8" grpId="0"/>
+    </p:bldLst>
   </p:timing>
 </p:sld>
 </file>
@@ -6113,15 +9941,6 @@
 </file>
 
 <file path=customXml/item1.xml><?xml version="1.0" encoding="utf-8"?>
-<?mso-contentType ?>
-<FormTemplates xmlns="http://schemas.microsoft.com/sharepoint/v3/contenttype/forms">
-  <Display>DocumentLibraryForm</Display>
-  <Edit>DocumentLibraryForm</Edit>
-  <New>DocumentLibraryForm</New>
-</FormTemplates>
-</file>
-
-<file path=customXml/item2.xml><?xml version="1.0" encoding="utf-8"?>
 <ct:contentTypeSchema xmlns:ct="http://schemas.microsoft.com/office/2006/metadata/contentType" xmlns:ma="http://schemas.microsoft.com/office/2006/metadata/properties/metaAttributes" ct:_="" ma:_="" ma:contentTypeName="Document" ma:contentTypeID="0x010100E38A22C3A72A5C41AD5BCCFBCF9BC258" ma:contentTypeVersion="0" ma:contentTypeDescription="Create a new document." ma:contentTypeScope="" ma:versionID="47b5a05ff17c9f87f17ba393f078e50e">
   <xsd:schema xmlns:xsd="http://www.w3.org/2001/XMLSchema" xmlns:xs="http://www.w3.org/2001/XMLSchema" xmlns:p="http://schemas.microsoft.com/office/2006/metadata/properties" targetNamespace="http://schemas.microsoft.com/office/2006/metadata/properties" ma:root="true" ma:fieldsID="c64490b4aec6201516c3a874156f37b2">
     <xsd:element name="properties">
@@ -6235,21 +10054,22 @@
 </ct:contentTypeSchema>
 </file>
 
-<file path=customXml/item3.xml><?xml version="1.0" encoding="utf-8"?>
+<file path=customXml/item2.xml><?xml version="1.0" encoding="utf-8"?>
 <p:properties xmlns:p="http://schemas.microsoft.com/office/2006/metadata/properties" xmlns:xsi="http://www.w3.org/2001/XMLSchema-instance" xmlns:pc="http://schemas.microsoft.com/office/infopath/2007/PartnerControls">
   <documentManagement/>
 </p:properties>
 </file>
 
-<file path=customXml/itemProps1.xml><?xml version="1.0" encoding="utf-8"?>
-<ds:datastoreItem xmlns:ds="http://schemas.openxmlformats.org/officeDocument/2006/customXml" ds:itemID="{D1F7498C-F9C2-422B-BC41-0960A3F778D1}">
-  <ds:schemaRefs>
-    <ds:schemaRef ds:uri="http://schemas.microsoft.com/sharepoint/v3/contenttype/forms"/>
-  </ds:schemaRefs>
-</ds:datastoreItem>
+<file path=customXml/item3.xml><?xml version="1.0" encoding="utf-8"?>
+<?mso-contentType ?>
+<FormTemplates xmlns="http://schemas.microsoft.com/sharepoint/v3/contenttype/forms">
+  <Display>DocumentLibraryForm</Display>
+  <Edit>DocumentLibraryForm</Edit>
+  <New>DocumentLibraryForm</New>
+</FormTemplates>
 </file>
 
-<file path=customXml/itemProps2.xml><?xml version="1.0" encoding="utf-8"?>
+<file path=customXml/itemProps1.xml><?xml version="1.0" encoding="utf-8"?>
 <ds:datastoreItem xmlns:ds="http://schemas.openxmlformats.org/officeDocument/2006/customXml" ds:itemID="{DD63C643-5D3F-445B-B1D2-93AE57167F43}">
   <ds:schemaRefs>
     <ds:schemaRef ds:uri="http://schemas.microsoft.com/office/2006/metadata/contentType"/>
@@ -6265,7 +10085,7 @@
 </ds:datastoreItem>
 </file>
 
-<file path=customXml/itemProps3.xml><?xml version="1.0" encoding="utf-8"?>
+<file path=customXml/itemProps2.xml><?xml version="1.0" encoding="utf-8"?>
 <ds:datastoreItem xmlns:ds="http://schemas.openxmlformats.org/officeDocument/2006/customXml" ds:itemID="{99174808-9C2B-4902-8C9D-44348A1FD8BB}">
   <ds:schemaRefs>
     <ds:schemaRef ds:uri="http://purl.org/dc/dcmitype/"/>
@@ -6278,4 +10098,12 @@
     <ds:schemaRef ds:uri="http://schemas.microsoft.com/office/infopath/2007/PartnerControls"/>
   </ds:schemaRefs>
 </ds:datastoreItem>
+</file>
+
+<file path=customXml/itemProps3.xml><?xml version="1.0" encoding="utf-8"?>
+<ds:datastoreItem xmlns:ds="http://schemas.openxmlformats.org/officeDocument/2006/customXml" ds:itemID="{D1F7498C-F9C2-422B-BC41-0960A3F778D1}">
+  <ds:schemaRefs>
+    <ds:schemaRef ds:uri="http://schemas.microsoft.com/sharepoint/v3/contenttype/forms"/>
+  </ds:schemaRefs>
+</ds:datastoreItem>
 </file>
--- a/Bootcamp_2013_Javascript.pptx
+++ b/Bootcamp_2013_Javascript.pptx
@@ -5,10 +5,10 @@
     <p:sldMasterId id="2147483648" r:id="rId4"/>
   </p:sldMasterIdLst>
   <p:notesMasterIdLst>
-    <p:notesMasterId r:id="rId22"/>
+    <p:notesMasterId r:id="rId24"/>
   </p:notesMasterIdLst>
   <p:handoutMasterIdLst>
-    <p:handoutMasterId r:id="rId23"/>
+    <p:handoutMasterId r:id="rId25"/>
   </p:handoutMasterIdLst>
   <p:sldIdLst>
     <p:sldId id="256" r:id="rId5"/>
@@ -27,7 +27,9 @@
     <p:sldId id="272" r:id="rId18"/>
     <p:sldId id="273" r:id="rId19"/>
     <p:sldId id="274" r:id="rId20"/>
-    <p:sldId id="275" r:id="rId21"/>
+    <p:sldId id="280" r:id="rId21"/>
+    <p:sldId id="281" r:id="rId22"/>
+    <p:sldId id="275" r:id="rId23"/>
   </p:sldIdLst>
   <p:sldSz cx="9144000" cy="6858000" type="screen4x3"/>
   <p:notesSz cx="6858000" cy="9144000"/>
@@ -128,7 +130,7 @@
   </p:defaultTextStyle>
   <p:extLst>
     <p:ext uri="{EFAFB233-063F-42B5-8137-9DF3F51BA10A}">
-      <p15:sldGuideLst xmlns:p15="http://schemas.microsoft.com/office/powerpoint/2012/main" xmlns="">
+      <p15:sldGuideLst xmlns:p15="http://schemas.microsoft.com/office/powerpoint/2012/main">
         <p15:guide id="1" orient="horz" pos="2160">
           <p15:clr>
             <a:srgbClr val="A4A3A4"/>
@@ -142,7 +144,7 @@
       </p15:sldGuideLst>
     </p:ext>
     <p:ext uri="{2D200454-40CA-4A62-9FC3-DE9A4176ACB9}">
-      <p15:notesGuideLst xmlns:p15="http://schemas.microsoft.com/office/powerpoint/2012/main" xmlns="">
+      <p15:notesGuideLst xmlns:p15="http://schemas.microsoft.com/office/powerpoint/2012/main">
         <p15:guide id="1" orient="horz" pos="2880">
           <p15:clr>
             <a:srgbClr val="A4A3A4"/>
@@ -242,7 +244,7 @@
             <a:fld id="{EE6C105D-2CF9-41DB-85FD-D66740423677}" type="datetimeFigureOut">
               <a:rPr lang="nl-BE" smtClean="0"/>
               <a:pPr/>
-              <a:t>27/05/2013</a:t>
+              <a:t>2/06/2013</a:t>
             </a:fld>
             <a:endParaRPr lang="nl-BE"/>
           </a:p>
@@ -318,7 +320,7 @@
     </p:spTree>
     <p:extLst>
       <p:ext uri="{BB962C8B-B14F-4D97-AF65-F5344CB8AC3E}">
-        <p14:creationId xmlns:p14="http://schemas.microsoft.com/office/powerpoint/2010/main" xmlns="" val="3153120616"/>
+        <p14:creationId xmlns:p14="http://schemas.microsoft.com/office/powerpoint/2010/main" val="3153120616"/>
       </p:ext>
     </p:extLst>
   </p:cSld>
@@ -409,7 +411,7 @@
             <a:fld id="{EB0EBD4C-DAF9-4E72-A1A4-1160C8AA0ED9}" type="datetimeFigureOut">
               <a:rPr lang="nl-BE" smtClean="0"/>
               <a:pPr/>
-              <a:t>27/05/2013</a:t>
+              <a:t>2/06/2013</a:t>
             </a:fld>
             <a:endParaRPr lang="nl-BE"/>
           </a:p>
@@ -580,7 +582,7 @@
     </p:spTree>
     <p:extLst>
       <p:ext uri="{BB962C8B-B14F-4D97-AF65-F5344CB8AC3E}">
-        <p14:creationId xmlns:p14="http://schemas.microsoft.com/office/powerpoint/2010/main" xmlns="" val="3581364128"/>
+        <p14:creationId xmlns:p14="http://schemas.microsoft.com/office/powerpoint/2010/main" val="3581364128"/>
       </p:ext>
     </p:extLst>
   </p:cSld>
@@ -755,7 +757,7 @@
     </p:spTree>
     <p:extLst>
       <p:ext uri="{BB962C8B-B14F-4D97-AF65-F5344CB8AC3E}">
-        <p14:creationId xmlns:p14="http://schemas.microsoft.com/office/powerpoint/2010/main" xmlns="" val="3350252289"/>
+        <p14:creationId xmlns:p14="http://schemas.microsoft.com/office/powerpoint/2010/main" val="3350252289"/>
       </p:ext>
     </p:extLst>
   </p:cSld>
@@ -854,7 +856,7 @@
     </p:spTree>
     <p:extLst>
       <p:ext uri="{BB962C8B-B14F-4D97-AF65-F5344CB8AC3E}">
-        <p14:creationId xmlns:p14="http://schemas.microsoft.com/office/powerpoint/2010/main" xmlns="" val="318376778"/>
+        <p14:creationId xmlns:p14="http://schemas.microsoft.com/office/powerpoint/2010/main" val="318376778"/>
       </p:ext>
     </p:extLst>
   </p:cSld>
@@ -978,7 +980,7 @@
     </p:spTree>
     <p:extLst>
       <p:ext uri="{BB962C8B-B14F-4D97-AF65-F5344CB8AC3E}">
-        <p14:creationId xmlns:p14="http://schemas.microsoft.com/office/powerpoint/2010/main" xmlns="" val="887362603"/>
+        <p14:creationId xmlns:p14="http://schemas.microsoft.com/office/powerpoint/2010/main" val="887362603"/>
       </p:ext>
     </p:extLst>
   </p:cSld>
@@ -1079,7 +1081,7 @@
     </p:spTree>
     <p:extLst>
       <p:ext uri="{BB962C8B-B14F-4D97-AF65-F5344CB8AC3E}">
-        <p14:creationId xmlns:p14="http://schemas.microsoft.com/office/powerpoint/2010/main" xmlns="" val="2888998979"/>
+        <p14:creationId xmlns:p14="http://schemas.microsoft.com/office/powerpoint/2010/main" val="2888998979"/>
       </p:ext>
     </p:extLst>
   </p:cSld>
@@ -1172,7 +1174,7 @@
     </p:spTree>
     <p:extLst>
       <p:ext uri="{BB962C8B-B14F-4D97-AF65-F5344CB8AC3E}">
-        <p14:creationId xmlns:p14="http://schemas.microsoft.com/office/powerpoint/2010/main" xmlns="" val="281400538"/>
+        <p14:creationId xmlns:p14="http://schemas.microsoft.com/office/powerpoint/2010/main" val="281400538"/>
       </p:ext>
     </p:extLst>
   </p:cSld>
@@ -1478,7 +1480,7 @@
           <a:blip r:embed="rId2" cstate="print">
             <a:extLst>
               <a:ext uri="{28A0092B-C50C-407E-A947-70E740481C1C}">
-                <a14:useLocalDpi xmlns:a14="http://schemas.microsoft.com/office/drawing/2010/main" xmlns="" val="0"/>
+                <a14:useLocalDpi xmlns:a14="http://schemas.microsoft.com/office/drawing/2010/main" val="0"/>
               </a:ext>
             </a:extLst>
           </a:blip>
@@ -1498,7 +1500,7 @@
           <a:noFill/>
           <a:extLst>
             <a:ext uri="{909E8E84-426E-40DD-AFC4-6F175D3DCCD1}">
-              <a14:hiddenFill xmlns:a14="http://schemas.microsoft.com/office/drawing/2010/main" xmlns="">
+              <a14:hiddenFill xmlns:a14="http://schemas.microsoft.com/office/drawing/2010/main">
                 <a:solidFill>
                   <a:srgbClr val="FFFFFF"/>
                 </a:solidFill>
@@ -1971,7 +1973,7 @@
     </p:spTree>
     <p:extLst>
       <p:ext uri="{BB962C8B-B14F-4D97-AF65-F5344CB8AC3E}">
-        <p14:creationId xmlns:p14="http://schemas.microsoft.com/office/powerpoint/2010/main" xmlns="" val="32359562"/>
+        <p14:creationId xmlns:p14="http://schemas.microsoft.com/office/powerpoint/2010/main" val="32359562"/>
       </p:ext>
     </p:extLst>
   </p:cSld>
@@ -2272,7 +2274,7 @@
           <a:blip r:embed="rId2" cstate="print">
             <a:extLst>
               <a:ext uri="{28A0092B-C50C-407E-A947-70E740481C1C}">
-                <a14:useLocalDpi xmlns:a14="http://schemas.microsoft.com/office/drawing/2010/main" xmlns="" val="0"/>
+                <a14:useLocalDpi xmlns:a14="http://schemas.microsoft.com/office/drawing/2010/main" val="0"/>
               </a:ext>
             </a:extLst>
           </a:blip>
@@ -2292,7 +2294,7 @@
           <a:noFill/>
           <a:extLst>
             <a:ext uri="{909E8E84-426E-40DD-AFC4-6F175D3DCCD1}">
-              <a14:hiddenFill xmlns:a14="http://schemas.microsoft.com/office/drawing/2010/main" xmlns="">
+              <a14:hiddenFill xmlns:a14="http://schemas.microsoft.com/office/drawing/2010/main">
                 <a:solidFill>
                   <a:srgbClr val="FFFFFF"/>
                 </a:solidFill>
@@ -2521,7 +2523,7 @@
           <a:blip r:embed="rId2" cstate="print">
             <a:extLst>
               <a:ext uri="{28A0092B-C50C-407E-A947-70E740481C1C}">
-                <a14:useLocalDpi xmlns:a14="http://schemas.microsoft.com/office/drawing/2010/main" xmlns="" val="0"/>
+                <a14:useLocalDpi xmlns:a14="http://schemas.microsoft.com/office/drawing/2010/main" val="0"/>
               </a:ext>
             </a:extLst>
           </a:blip>
@@ -2545,14 +2547,14 @@
           <a:effectLst/>
           <a:extLst>
             <a:ext uri="{909E8E84-426E-40DD-AFC4-6F175D3DCCD1}">
-              <a14:hiddenFill xmlns:a14="http://schemas.microsoft.com/office/drawing/2010/main" xmlns="">
+              <a14:hiddenFill xmlns:a14="http://schemas.microsoft.com/office/drawing/2010/main">
                 <a:solidFill>
                   <a:schemeClr val="accent1"/>
                 </a:solidFill>
               </a14:hiddenFill>
             </a:ext>
             <a:ext uri="{91240B29-F687-4F45-9708-019B960494DF}">
-              <a14:hiddenLine xmlns:a14="http://schemas.microsoft.com/office/drawing/2010/main" xmlns="" w="9525">
+              <a14:hiddenLine xmlns:a14="http://schemas.microsoft.com/office/drawing/2010/main" w="9525">
                 <a:solidFill>
                   <a:schemeClr val="tx1"/>
                 </a:solidFill>
@@ -2562,7 +2564,7 @@
               </a14:hiddenLine>
             </a:ext>
             <a:ext uri="{AF507438-7753-43E0-B8FC-AC1667EBCBE1}">
-              <a14:hiddenEffects xmlns:a14="http://schemas.microsoft.com/office/drawing/2010/main" xmlns="">
+              <a14:hiddenEffects xmlns:a14="http://schemas.microsoft.com/office/drawing/2010/main">
                 <a:effectLst>
                   <a:outerShdw dist="35921" dir="2700000" algn="ctr" rotWithShape="0">
                     <a:schemeClr val="bg2"/>
@@ -2656,7 +2658,7 @@
     </p:spTree>
     <p:extLst>
       <p:ext uri="{BB962C8B-B14F-4D97-AF65-F5344CB8AC3E}">
-        <p14:creationId xmlns:p14="http://schemas.microsoft.com/office/powerpoint/2010/main" xmlns="" val="3167805242"/>
+        <p14:creationId xmlns:p14="http://schemas.microsoft.com/office/powerpoint/2010/main" val="3167805242"/>
       </p:ext>
     </p:extLst>
   </p:cSld>
@@ -2782,7 +2784,7 @@
           <a:blip r:embed="rId2" cstate="print">
             <a:extLst>
               <a:ext uri="{28A0092B-C50C-407E-A947-70E740481C1C}">
-                <a14:useLocalDpi xmlns:a14="http://schemas.microsoft.com/office/drawing/2010/main" xmlns="" val="0"/>
+                <a14:useLocalDpi xmlns:a14="http://schemas.microsoft.com/office/drawing/2010/main" val="0"/>
               </a:ext>
             </a:extLst>
           </a:blip>
@@ -2802,7 +2804,7 @@
           <a:noFill/>
           <a:extLst>
             <a:ext uri="{909E8E84-426E-40DD-AFC4-6F175D3DCCD1}">
-              <a14:hiddenFill xmlns:a14="http://schemas.microsoft.com/office/drawing/2010/main" xmlns="">
+              <a14:hiddenFill xmlns:a14="http://schemas.microsoft.com/office/drawing/2010/main">
                 <a:solidFill>
                   <a:srgbClr val="FFFFFF"/>
                 </a:solidFill>
@@ -2814,7 +2816,7 @@
     </p:spTree>
     <p:extLst>
       <p:ext uri="{BB962C8B-B14F-4D97-AF65-F5344CB8AC3E}">
-        <p14:creationId xmlns:p14="http://schemas.microsoft.com/office/powerpoint/2010/main" xmlns="" val="1934964490"/>
+        <p14:creationId xmlns:p14="http://schemas.microsoft.com/office/powerpoint/2010/main" val="1934964490"/>
       </p:ext>
     </p:extLst>
   </p:cSld>
@@ -3246,7 +3248,7 @@
     </p:spTree>
     <p:extLst>
       <p:ext uri="{BB962C8B-B14F-4D97-AF65-F5344CB8AC3E}">
-        <p14:creationId xmlns:p14="http://schemas.microsoft.com/office/powerpoint/2010/main" xmlns="" val="161331180"/>
+        <p14:creationId xmlns:p14="http://schemas.microsoft.com/office/powerpoint/2010/main" val="161331180"/>
       </p:ext>
     </p:extLst>
   </p:cSld>
@@ -3392,7 +3394,7 @@
           <a:blip r:embed="rId10" cstate="print">
             <a:extLst>
               <a:ext uri="{28A0092B-C50C-407E-A947-70E740481C1C}">
-                <a14:useLocalDpi xmlns:a14="http://schemas.microsoft.com/office/drawing/2010/main" xmlns="" val="0"/>
+                <a14:useLocalDpi xmlns:a14="http://schemas.microsoft.com/office/drawing/2010/main" val="0"/>
               </a:ext>
             </a:extLst>
           </a:blip>
@@ -3412,7 +3414,7 @@
           <a:noFill/>
           <a:extLst>
             <a:ext uri="{909E8E84-426E-40DD-AFC4-6F175D3DCCD1}">
-              <a14:hiddenFill xmlns:a14="http://schemas.microsoft.com/office/drawing/2010/main" xmlns="">
+              <a14:hiddenFill xmlns:a14="http://schemas.microsoft.com/office/drawing/2010/main">
                 <a:solidFill>
                   <a:srgbClr val="FFFFFF"/>
                 </a:solidFill>
@@ -3762,7 +3764,7 @@
     </p:spTree>
     <p:extLst>
       <p:ext uri="{BB962C8B-B14F-4D97-AF65-F5344CB8AC3E}">
-        <p14:creationId xmlns:p14="http://schemas.microsoft.com/office/powerpoint/2010/main" xmlns="" val="2171318384"/>
+        <p14:creationId xmlns:p14="http://schemas.microsoft.com/office/powerpoint/2010/main" val="2171318384"/>
       </p:ext>
     </p:extLst>
   </p:cSld>
@@ -3926,7 +3928,7 @@
     </p:spTree>
     <p:extLst>
       <p:ext uri="{BB962C8B-B14F-4D97-AF65-F5344CB8AC3E}">
-        <p14:creationId xmlns:p14="http://schemas.microsoft.com/office/powerpoint/2010/main" xmlns="" val="4157722389"/>
+        <p14:creationId xmlns:p14="http://schemas.microsoft.com/office/powerpoint/2010/main" val="4157722389"/>
       </p:ext>
     </p:extLst>
   </p:cSld>
@@ -5199,7 +5201,7 @@
     </p:spTree>
     <p:extLst>
       <p:ext uri="{BB962C8B-B14F-4D97-AF65-F5344CB8AC3E}">
-        <p14:creationId xmlns:p14="http://schemas.microsoft.com/office/powerpoint/2010/main" xmlns="" val="1150581003"/>
+        <p14:creationId xmlns:p14="http://schemas.microsoft.com/office/powerpoint/2010/main" val="1150581003"/>
       </p:ext>
     </p:extLst>
   </p:cSld>
@@ -6145,7 +6147,7 @@
     </p:spTree>
     <p:extLst>
       <p:ext uri="{BB962C8B-B14F-4D97-AF65-F5344CB8AC3E}">
-        <p14:creationId xmlns:p14="http://schemas.microsoft.com/office/powerpoint/2010/main" xmlns="" val="1502351786"/>
+        <p14:creationId xmlns:p14="http://schemas.microsoft.com/office/powerpoint/2010/main" val="1502351786"/>
       </p:ext>
     </p:extLst>
   </p:cSld>
@@ -6688,7 +6690,7 @@
     </p:spTree>
     <p:extLst>
       <p:ext uri="{BB962C8B-B14F-4D97-AF65-F5344CB8AC3E}">
-        <p14:creationId xmlns:p14="http://schemas.microsoft.com/office/powerpoint/2010/main" xmlns="" val="140361558"/>
+        <p14:creationId xmlns:p14="http://schemas.microsoft.com/office/powerpoint/2010/main" val="140361558"/>
       </p:ext>
     </p:extLst>
   </p:cSld>
@@ -7634,7 +7636,7 @@
     </p:spTree>
     <p:extLst>
       <p:ext uri="{BB962C8B-B14F-4D97-AF65-F5344CB8AC3E}">
-        <p14:creationId xmlns:p14="http://schemas.microsoft.com/office/powerpoint/2010/main" xmlns="" val="2887598583"/>
+        <p14:creationId xmlns:p14="http://schemas.microsoft.com/office/powerpoint/2010/main" val="2887598583"/>
       </p:ext>
     </p:extLst>
   </p:cSld>
@@ -8357,7 +8359,7 @@
     </p:spTree>
     <p:extLst>
       <p:ext uri="{BB962C8B-B14F-4D97-AF65-F5344CB8AC3E}">
-        <p14:creationId xmlns:p14="http://schemas.microsoft.com/office/powerpoint/2010/main" xmlns="" val="2641290698"/>
+        <p14:creationId xmlns:p14="http://schemas.microsoft.com/office/powerpoint/2010/main" val="2641290698"/>
       </p:ext>
     </p:extLst>
   </p:cSld>
@@ -8408,11 +8410,7 @@
           <a:p>
             <a:r>
               <a:rPr lang="en-US" dirty="0" smtClean="0"/>
-              <a:t>Testing: Jasmine &amp; </a:t>
-            </a:r>
-            <a:r>
-              <a:rPr lang="en-US" dirty="0" err="1" smtClean="0"/>
-              <a:t>PhantomJs</a:t>
+              <a:t>Testing JavaScript</a:t>
             </a:r>
             <a:endParaRPr lang="nl-BE" dirty="0"/>
           </a:p>
@@ -8440,7 +8438,7 @@
     </p:spTree>
     <p:extLst>
       <p:ext uri="{BB962C8B-B14F-4D97-AF65-F5344CB8AC3E}">
-        <p14:creationId xmlns:p14="http://schemas.microsoft.com/office/powerpoint/2010/main" xmlns="" val="1458169294"/>
+        <p14:creationId xmlns:p14="http://schemas.microsoft.com/office/powerpoint/2010/main" val="1458169294"/>
       </p:ext>
     </p:extLst>
   </p:cSld>
@@ -8491,6 +8489,1325 @@
           <a:p>
             <a:r>
               <a:rPr lang="en-US" dirty="0" smtClean="0"/>
+              <a:t>Testing JavaScript</a:t>
+            </a:r>
+            <a:endParaRPr lang="nl-BE" dirty="0"/>
+          </a:p>
+        </p:txBody>
+      </p:sp>
+      <p:pic>
+        <p:nvPicPr>
+          <p:cNvPr id="7" name="Picture 2" descr="http://www.outsideinview.com/wp-content/uploads/2012/12/why3.jpg"/>
+          <p:cNvPicPr>
+            <a:picLocks noChangeAspect="1" noChangeArrowheads="1"/>
+          </p:cNvPicPr>
+          <p:nvPr/>
+        </p:nvPicPr>
+        <p:blipFill>
+          <a:blip r:embed="rId2" cstate="print">
+            <a:clrChange>
+              <a:clrFrom>
+                <a:srgbClr val="FFFFFF"/>
+              </a:clrFrom>
+              <a:clrTo>
+                <a:srgbClr val="FFFFFF">
+                  <a:alpha val="0"/>
+                </a:srgbClr>
+              </a:clrTo>
+            </a:clrChange>
+            <a:extLst>
+              <a:ext uri="{28A0092B-C50C-407E-A947-70E740481C1C}">
+                <a14:useLocalDpi xmlns:a14="http://schemas.microsoft.com/office/drawing/2010/main" val="0"/>
+              </a:ext>
+            </a:extLst>
+          </a:blip>
+          <a:srcRect/>
+          <a:stretch>
+            <a:fillRect/>
+          </a:stretch>
+        </p:blipFill>
+        <p:spPr bwMode="auto">
+          <a:xfrm>
+            <a:off x="1447801" y="838200"/>
+            <a:ext cx="5562600" cy="6256807"/>
+          </a:xfrm>
+          <a:prstGeom prst="rect">
+            <a:avLst/>
+          </a:prstGeom>
+          <a:noFill/>
+          <a:extLst>
+            <a:ext uri="{909E8E84-426E-40DD-AFC4-6F175D3DCCD1}">
+              <a14:hiddenFill xmlns:a14="http://schemas.microsoft.com/office/drawing/2010/main">
+                <a:solidFill>
+                  <a:srgbClr val="FFFFFF"/>
+                </a:solidFill>
+              </a14:hiddenFill>
+            </a:ext>
+          </a:extLst>
+        </p:spPr>
+      </p:pic>
+      <p:sp>
+        <p:nvSpPr>
+          <p:cNvPr id="3" name="Folded Corner 2"/>
+          <p:cNvSpPr/>
+          <p:nvPr/>
+        </p:nvSpPr>
+        <p:spPr>
+          <a:xfrm rot="1241733">
+            <a:off x="6771232" y="470410"/>
+            <a:ext cx="1685666" cy="1248587"/>
+          </a:xfrm>
+          <a:prstGeom prst="foldedCorner">
+            <a:avLst/>
+          </a:prstGeom>
+        </p:spPr>
+        <p:style>
+          <a:lnRef idx="1">
+            <a:schemeClr val="accent5"/>
+          </a:lnRef>
+          <a:fillRef idx="2">
+            <a:schemeClr val="accent5"/>
+          </a:fillRef>
+          <a:effectRef idx="1">
+            <a:schemeClr val="accent5"/>
+          </a:effectRef>
+          <a:fontRef idx="minor">
+            <a:schemeClr val="dk1"/>
+          </a:fontRef>
+        </p:style>
+        <p:txBody>
+          <a:bodyPr rtlCol="0" anchor="ctr"/>
+          <a:lstStyle/>
+          <a:p>
+            <a:pPr algn="ctr"/>
+            <a:r>
+              <a:rPr lang="nl-BE" b="1" dirty="0" smtClean="0">
+                <a:latin typeface="Buxton Sketch" panose="03080500000500000004" pitchFamily="66" charset="0"/>
+              </a:rPr>
+              <a:t>I </a:t>
+            </a:r>
+            <a:r>
+              <a:rPr lang="nl-BE" b="1" dirty="0" err="1" smtClean="0">
+                <a:latin typeface="Buxton Sketch" panose="03080500000500000004" pitchFamily="66" charset="0"/>
+              </a:rPr>
+              <a:t>find</a:t>
+            </a:r>
+            <a:r>
+              <a:rPr lang="nl-BE" b="1" dirty="0" smtClean="0">
+                <a:latin typeface="Buxton Sketch" panose="03080500000500000004" pitchFamily="66" charset="0"/>
+              </a:rPr>
+              <a:t> </a:t>
+            </a:r>
+            <a:r>
+              <a:rPr lang="nl-BE" b="1" dirty="0" err="1" smtClean="0">
+                <a:latin typeface="Buxton Sketch" panose="03080500000500000004" pitchFamily="66" charset="0"/>
+              </a:rPr>
+              <a:t>this</a:t>
+            </a:r>
+            <a:r>
+              <a:rPr lang="nl-BE" b="1" dirty="0" smtClean="0">
+                <a:latin typeface="Buxton Sketch" panose="03080500000500000004" pitchFamily="66" charset="0"/>
+              </a:rPr>
+              <a:t> hard </a:t>
+            </a:r>
+            <a:r>
+              <a:rPr lang="nl-BE" b="1" dirty="0" err="1" smtClean="0">
+                <a:latin typeface="Buxton Sketch" panose="03080500000500000004" pitchFamily="66" charset="0"/>
+              </a:rPr>
+              <a:t>to</a:t>
+            </a:r>
+            <a:r>
+              <a:rPr lang="nl-BE" b="1" dirty="0" smtClean="0">
+                <a:latin typeface="Buxton Sketch" panose="03080500000500000004" pitchFamily="66" charset="0"/>
+              </a:rPr>
+              <a:t> do</a:t>
+            </a:r>
+            <a:endParaRPr lang="nl-BE" b="1" dirty="0">
+              <a:latin typeface="Buxton Sketch" panose="03080500000500000004" pitchFamily="66" charset="0"/>
+            </a:endParaRPr>
+          </a:p>
+        </p:txBody>
+      </p:sp>
+      <p:sp>
+        <p:nvSpPr>
+          <p:cNvPr id="8" name="Folded Corner 7"/>
+          <p:cNvSpPr/>
+          <p:nvPr/>
+        </p:nvSpPr>
+        <p:spPr>
+          <a:xfrm rot="20132892">
+            <a:off x="402553" y="1300422"/>
+            <a:ext cx="1707558" cy="1099759"/>
+          </a:xfrm>
+          <a:prstGeom prst="foldedCorner">
+            <a:avLst/>
+          </a:prstGeom>
+        </p:spPr>
+        <p:style>
+          <a:lnRef idx="1">
+            <a:schemeClr val="accent5"/>
+          </a:lnRef>
+          <a:fillRef idx="2">
+            <a:schemeClr val="accent5"/>
+          </a:fillRef>
+          <a:effectRef idx="1">
+            <a:schemeClr val="accent5"/>
+          </a:effectRef>
+          <a:fontRef idx="minor">
+            <a:schemeClr val="dk1"/>
+          </a:fontRef>
+        </p:style>
+        <p:txBody>
+          <a:bodyPr rtlCol="0" anchor="ctr"/>
+          <a:lstStyle/>
+          <a:p>
+            <a:pPr algn="ctr"/>
+            <a:r>
+              <a:rPr lang="nl-BE" b="1" dirty="0" smtClean="0">
+                <a:latin typeface="Buxton Sketch" panose="03080500000500000004" pitchFamily="66" charset="0"/>
+              </a:rPr>
+              <a:t>I </a:t>
+            </a:r>
+            <a:r>
+              <a:rPr lang="nl-BE" b="1" dirty="0" err="1" smtClean="0">
+                <a:latin typeface="Buxton Sketch" panose="03080500000500000004" pitchFamily="66" charset="0"/>
+              </a:rPr>
+              <a:t>don’t</a:t>
+            </a:r>
+            <a:r>
+              <a:rPr lang="nl-BE" b="1" dirty="0" smtClean="0">
+                <a:latin typeface="Buxton Sketch" panose="03080500000500000004" pitchFamily="66" charset="0"/>
+              </a:rPr>
+              <a:t> </a:t>
+            </a:r>
+            <a:r>
+              <a:rPr lang="nl-BE" b="1" dirty="0" err="1" smtClean="0">
+                <a:latin typeface="Buxton Sketch" panose="03080500000500000004" pitchFamily="66" charset="0"/>
+              </a:rPr>
+              <a:t>know</a:t>
+            </a:r>
+            <a:r>
+              <a:rPr lang="nl-BE" b="1" dirty="0" smtClean="0">
+                <a:latin typeface="Buxton Sketch" panose="03080500000500000004" pitchFamily="66" charset="0"/>
+              </a:rPr>
+              <a:t> </a:t>
+            </a:r>
+            <a:r>
+              <a:rPr lang="nl-BE" b="1" dirty="0" err="1" smtClean="0">
+                <a:latin typeface="Buxton Sketch" panose="03080500000500000004" pitchFamily="66" charset="0"/>
+              </a:rPr>
+              <a:t>where</a:t>
+            </a:r>
+            <a:r>
+              <a:rPr lang="nl-BE" b="1" dirty="0" smtClean="0">
+                <a:latin typeface="Buxton Sketch" panose="03080500000500000004" pitchFamily="66" charset="0"/>
+              </a:rPr>
+              <a:t> </a:t>
+            </a:r>
+            <a:r>
+              <a:rPr lang="nl-BE" b="1" dirty="0" err="1" smtClean="0">
+                <a:latin typeface="Buxton Sketch" panose="03080500000500000004" pitchFamily="66" charset="0"/>
+              </a:rPr>
+              <a:t>to</a:t>
+            </a:r>
+            <a:r>
+              <a:rPr lang="nl-BE" b="1" dirty="0" smtClean="0">
+                <a:latin typeface="Buxton Sketch" panose="03080500000500000004" pitchFamily="66" charset="0"/>
+              </a:rPr>
+              <a:t> start</a:t>
+            </a:r>
+            <a:endParaRPr lang="nl-BE" b="1" dirty="0">
+              <a:latin typeface="Buxton Sketch" panose="03080500000500000004" pitchFamily="66" charset="0"/>
+            </a:endParaRPr>
+          </a:p>
+        </p:txBody>
+      </p:sp>
+      <p:sp>
+        <p:nvSpPr>
+          <p:cNvPr id="9" name="Folded Corner 8"/>
+          <p:cNvSpPr/>
+          <p:nvPr/>
+        </p:nvSpPr>
+        <p:spPr>
+          <a:xfrm rot="20132892">
+            <a:off x="6221749" y="4249507"/>
+            <a:ext cx="2438400" cy="1752600"/>
+          </a:xfrm>
+          <a:prstGeom prst="foldedCorner">
+            <a:avLst/>
+          </a:prstGeom>
+        </p:spPr>
+        <p:style>
+          <a:lnRef idx="1">
+            <a:schemeClr val="accent5"/>
+          </a:lnRef>
+          <a:fillRef idx="2">
+            <a:schemeClr val="accent5"/>
+          </a:fillRef>
+          <a:effectRef idx="1">
+            <a:schemeClr val="accent5"/>
+          </a:effectRef>
+          <a:fontRef idx="minor">
+            <a:schemeClr val="dk1"/>
+          </a:fontRef>
+        </p:style>
+        <p:txBody>
+          <a:bodyPr rtlCol="0" anchor="ctr"/>
+          <a:lstStyle/>
+          <a:p>
+            <a:pPr algn="ctr"/>
+            <a:r>
+              <a:rPr lang="nl-BE" b="1" dirty="0" smtClean="0">
+                <a:latin typeface="Buxton Sketch" panose="03080500000500000004" pitchFamily="66" charset="0"/>
+              </a:rPr>
+              <a:t>I </a:t>
+            </a:r>
+            <a:r>
+              <a:rPr lang="nl-BE" b="1" dirty="0" err="1" smtClean="0">
+                <a:latin typeface="Buxton Sketch" panose="03080500000500000004" pitchFamily="66" charset="0"/>
+              </a:rPr>
+              <a:t>don’t</a:t>
+            </a:r>
+            <a:r>
+              <a:rPr lang="nl-BE" b="1" dirty="0" smtClean="0">
+                <a:latin typeface="Buxton Sketch" panose="03080500000500000004" pitchFamily="66" charset="0"/>
+              </a:rPr>
+              <a:t> have </a:t>
+            </a:r>
+            <a:r>
+              <a:rPr lang="nl-BE" b="1" dirty="0" err="1" smtClean="0">
+                <a:latin typeface="Buxton Sketch" panose="03080500000500000004" pitchFamily="66" charset="0"/>
+              </a:rPr>
+              <a:t>that</a:t>
+            </a:r>
+            <a:r>
+              <a:rPr lang="nl-BE" b="1" dirty="0" smtClean="0">
+                <a:latin typeface="Buxton Sketch" panose="03080500000500000004" pitchFamily="66" charset="0"/>
+              </a:rPr>
+              <a:t> </a:t>
+            </a:r>
+            <a:r>
+              <a:rPr lang="nl-BE" b="1" dirty="0" err="1" smtClean="0">
+                <a:latin typeface="Buxton Sketch" panose="03080500000500000004" pitchFamily="66" charset="0"/>
+              </a:rPr>
+              <a:t>much</a:t>
+            </a:r>
+            <a:r>
+              <a:rPr lang="nl-BE" b="1" dirty="0" smtClean="0">
+                <a:latin typeface="Buxton Sketch" panose="03080500000500000004" pitchFamily="66" charset="0"/>
+              </a:rPr>
+              <a:t> JS code, </a:t>
+            </a:r>
+            <a:r>
+              <a:rPr lang="nl-BE" b="1" dirty="0" err="1" smtClean="0">
+                <a:latin typeface="Buxton Sketch" panose="03080500000500000004" pitchFamily="66" charset="0"/>
+              </a:rPr>
+              <a:t>it</a:t>
+            </a:r>
+            <a:r>
+              <a:rPr lang="nl-BE" b="1" dirty="0" smtClean="0">
+                <a:latin typeface="Buxton Sketch" panose="03080500000500000004" pitchFamily="66" charset="0"/>
+              </a:rPr>
+              <a:t> </a:t>
+            </a:r>
+            <a:r>
+              <a:rPr lang="nl-BE" b="1" dirty="0" err="1" smtClean="0">
+                <a:latin typeface="Buxton Sketch" panose="03080500000500000004" pitchFamily="66" charset="0"/>
+              </a:rPr>
+              <a:t>wouldn’t</a:t>
+            </a:r>
+            <a:r>
+              <a:rPr lang="nl-BE" b="1" dirty="0" smtClean="0">
+                <a:latin typeface="Buxton Sketch" panose="03080500000500000004" pitchFamily="66" charset="0"/>
+              </a:rPr>
+              <a:t> </a:t>
+            </a:r>
+            <a:r>
+              <a:rPr lang="nl-BE" b="1" dirty="0" err="1" smtClean="0">
+                <a:latin typeface="Buxton Sketch" panose="03080500000500000004" pitchFamily="66" charset="0"/>
+              </a:rPr>
+              <a:t>be</a:t>
+            </a:r>
+            <a:r>
+              <a:rPr lang="nl-BE" b="1" dirty="0" smtClean="0">
+                <a:latin typeface="Buxton Sketch" panose="03080500000500000004" pitchFamily="66" charset="0"/>
+              </a:rPr>
+              <a:t> </a:t>
+            </a:r>
+            <a:r>
+              <a:rPr lang="nl-BE" b="1" dirty="0" err="1" smtClean="0">
+                <a:latin typeface="Buxton Sketch" panose="03080500000500000004" pitchFamily="66" charset="0"/>
+              </a:rPr>
+              <a:t>worth</a:t>
+            </a:r>
+            <a:r>
+              <a:rPr lang="nl-BE" b="1" dirty="0" smtClean="0">
+                <a:latin typeface="Buxton Sketch" panose="03080500000500000004" pitchFamily="66" charset="0"/>
+              </a:rPr>
+              <a:t> the effort</a:t>
+            </a:r>
+            <a:endParaRPr lang="nl-BE" b="1" dirty="0">
+              <a:latin typeface="Buxton Sketch" panose="03080500000500000004" pitchFamily="66" charset="0"/>
+            </a:endParaRPr>
+          </a:p>
+        </p:txBody>
+      </p:sp>
+      <p:sp>
+        <p:nvSpPr>
+          <p:cNvPr id="10" name="Folded Corner 9"/>
+          <p:cNvSpPr/>
+          <p:nvPr/>
+        </p:nvSpPr>
+        <p:spPr>
+          <a:xfrm rot="1241733">
+            <a:off x="482533" y="4489122"/>
+            <a:ext cx="2438400" cy="1752600"/>
+          </a:xfrm>
+          <a:prstGeom prst="foldedCorner">
+            <a:avLst/>
+          </a:prstGeom>
+        </p:spPr>
+        <p:style>
+          <a:lnRef idx="1">
+            <a:schemeClr val="accent5"/>
+          </a:lnRef>
+          <a:fillRef idx="2">
+            <a:schemeClr val="accent5"/>
+          </a:fillRef>
+          <a:effectRef idx="1">
+            <a:schemeClr val="accent5"/>
+          </a:effectRef>
+          <a:fontRef idx="minor">
+            <a:schemeClr val="dk1"/>
+          </a:fontRef>
+        </p:style>
+        <p:txBody>
+          <a:bodyPr rtlCol="0" anchor="ctr"/>
+          <a:lstStyle/>
+          <a:p>
+            <a:pPr algn="ctr"/>
+            <a:r>
+              <a:rPr lang="nl-BE" b="1" dirty="0" smtClean="0">
+                <a:latin typeface="Buxton Sketch" panose="03080500000500000004" pitchFamily="66" charset="0"/>
+              </a:rPr>
+              <a:t>My JS code is </a:t>
+            </a:r>
+            <a:r>
+              <a:rPr lang="nl-BE" b="1" dirty="0" err="1" smtClean="0">
+                <a:latin typeface="Buxton Sketch" panose="03080500000500000004" pitchFamily="66" charset="0"/>
+              </a:rPr>
+              <a:t>so</a:t>
+            </a:r>
+            <a:r>
+              <a:rPr lang="nl-BE" b="1" dirty="0" smtClean="0">
+                <a:latin typeface="Buxton Sketch" panose="03080500000500000004" pitchFamily="66" charset="0"/>
+              </a:rPr>
+              <a:t> </a:t>
+            </a:r>
+            <a:r>
+              <a:rPr lang="nl-BE" b="1" dirty="0" err="1" smtClean="0">
+                <a:latin typeface="Buxton Sketch" panose="03080500000500000004" pitchFamily="66" charset="0"/>
+              </a:rPr>
+              <a:t>simple</a:t>
+            </a:r>
+            <a:r>
+              <a:rPr lang="nl-BE" b="1" dirty="0" smtClean="0">
+                <a:latin typeface="Buxton Sketch" panose="03080500000500000004" pitchFamily="66" charset="0"/>
+              </a:rPr>
+              <a:t> </a:t>
+            </a:r>
+            <a:r>
+              <a:rPr lang="nl-BE" b="1" dirty="0" err="1" smtClean="0">
+                <a:latin typeface="Buxton Sketch" panose="03080500000500000004" pitchFamily="66" charset="0"/>
+              </a:rPr>
+              <a:t>it’s</a:t>
+            </a:r>
+            <a:r>
+              <a:rPr lang="nl-BE" b="1" dirty="0" smtClean="0">
+                <a:latin typeface="Buxton Sketch" panose="03080500000500000004" pitchFamily="66" charset="0"/>
+              </a:rPr>
+              <a:t> </a:t>
+            </a:r>
+            <a:r>
+              <a:rPr lang="nl-BE" b="1" dirty="0" err="1" smtClean="0">
+                <a:latin typeface="Buxton Sketch" panose="03080500000500000004" pitchFamily="66" charset="0"/>
+              </a:rPr>
+              <a:t>impossible</a:t>
+            </a:r>
+            <a:r>
+              <a:rPr lang="nl-BE" b="1" dirty="0" smtClean="0">
+                <a:latin typeface="Buxton Sketch" panose="03080500000500000004" pitchFamily="66" charset="0"/>
+              </a:rPr>
+              <a:t> </a:t>
+            </a:r>
+            <a:r>
+              <a:rPr lang="nl-BE" b="1" dirty="0" err="1" smtClean="0">
+                <a:latin typeface="Buxton Sketch" panose="03080500000500000004" pitchFamily="66" charset="0"/>
+              </a:rPr>
+              <a:t>to</a:t>
+            </a:r>
+            <a:r>
+              <a:rPr lang="nl-BE" b="1" dirty="0" smtClean="0">
+                <a:latin typeface="Buxton Sketch" panose="03080500000500000004" pitchFamily="66" charset="0"/>
+              </a:rPr>
+              <a:t> break</a:t>
+            </a:r>
+            <a:endParaRPr lang="nl-BE" b="1" dirty="0">
+              <a:latin typeface="Buxton Sketch" panose="03080500000500000004" pitchFamily="66" charset="0"/>
+            </a:endParaRPr>
+          </a:p>
+        </p:txBody>
+      </p:sp>
+      <p:sp>
+        <p:nvSpPr>
+          <p:cNvPr id="11" name="Folded Corner 10"/>
+          <p:cNvSpPr/>
+          <p:nvPr/>
+        </p:nvSpPr>
+        <p:spPr>
+          <a:xfrm>
+            <a:off x="3276599" y="4859668"/>
+            <a:ext cx="2438400" cy="1752600"/>
+          </a:xfrm>
+          <a:prstGeom prst="foldedCorner">
+            <a:avLst/>
+          </a:prstGeom>
+        </p:spPr>
+        <p:style>
+          <a:lnRef idx="1">
+            <a:schemeClr val="accent5"/>
+          </a:lnRef>
+          <a:fillRef idx="2">
+            <a:schemeClr val="accent5"/>
+          </a:fillRef>
+          <a:effectRef idx="1">
+            <a:schemeClr val="accent5"/>
+          </a:effectRef>
+          <a:fontRef idx="minor">
+            <a:schemeClr val="dk1"/>
+          </a:fontRef>
+        </p:style>
+        <p:txBody>
+          <a:bodyPr rtlCol="0" anchor="ctr"/>
+          <a:lstStyle/>
+          <a:p>
+            <a:pPr algn="ctr"/>
+            <a:r>
+              <a:rPr lang="nl-BE" b="1" dirty="0" err="1" smtClean="0">
+                <a:latin typeface="Buxton Sketch" panose="03080500000500000004" pitchFamily="66" charset="0"/>
+              </a:rPr>
+              <a:t>I’m</a:t>
+            </a:r>
+            <a:r>
+              <a:rPr lang="nl-BE" b="1" dirty="0" smtClean="0">
+                <a:latin typeface="Buxton Sketch" panose="03080500000500000004" pitchFamily="66" charset="0"/>
+              </a:rPr>
+              <a:t> a </a:t>
+            </a:r>
+            <a:r>
+              <a:rPr lang="nl-BE" b="1" dirty="0" err="1" smtClean="0">
+                <a:latin typeface="Buxton Sketch" panose="03080500000500000004" pitchFamily="66" charset="0"/>
+              </a:rPr>
+              <a:t>genious</a:t>
+            </a:r>
+            <a:r>
+              <a:rPr lang="nl-BE" b="1" dirty="0" smtClean="0">
+                <a:latin typeface="Buxton Sketch" panose="03080500000500000004" pitchFamily="66" charset="0"/>
+              </a:rPr>
+              <a:t>, I </a:t>
+            </a:r>
+            <a:r>
+              <a:rPr lang="nl-BE" b="1" dirty="0" err="1" smtClean="0">
+                <a:latin typeface="Buxton Sketch" panose="03080500000500000004" pitchFamily="66" charset="0"/>
+              </a:rPr>
+              <a:t>don’t</a:t>
+            </a:r>
+            <a:r>
+              <a:rPr lang="nl-BE" b="1" dirty="0" smtClean="0">
+                <a:latin typeface="Buxton Sketch" panose="03080500000500000004" pitchFamily="66" charset="0"/>
+              </a:rPr>
+              <a:t> </a:t>
+            </a:r>
+            <a:r>
+              <a:rPr lang="nl-BE" b="1" dirty="0" err="1" smtClean="0">
+                <a:latin typeface="Buxton Sketch" panose="03080500000500000004" pitchFamily="66" charset="0"/>
+              </a:rPr>
+              <a:t>need</a:t>
+            </a:r>
+            <a:r>
+              <a:rPr lang="nl-BE" b="1" dirty="0" smtClean="0">
+                <a:latin typeface="Buxton Sketch" panose="03080500000500000004" pitchFamily="66" charset="0"/>
+              </a:rPr>
+              <a:t> </a:t>
+            </a:r>
+            <a:r>
+              <a:rPr lang="nl-BE" b="1" dirty="0" err="1" smtClean="0">
+                <a:latin typeface="Buxton Sketch" panose="03080500000500000004" pitchFamily="66" charset="0"/>
+              </a:rPr>
+              <a:t>testing</a:t>
+            </a:r>
+            <a:endParaRPr lang="nl-BE" b="1" dirty="0">
+              <a:latin typeface="Buxton Sketch" panose="03080500000500000004" pitchFamily="66" charset="0"/>
+            </a:endParaRPr>
+          </a:p>
+        </p:txBody>
+      </p:sp>
+      <p:sp>
+        <p:nvSpPr>
+          <p:cNvPr id="12" name="Folded Corner 11"/>
+          <p:cNvSpPr/>
+          <p:nvPr/>
+        </p:nvSpPr>
+        <p:spPr>
+          <a:xfrm>
+            <a:off x="6221749" y="2019352"/>
+            <a:ext cx="2438400" cy="1752600"/>
+          </a:xfrm>
+          <a:prstGeom prst="foldedCorner">
+            <a:avLst/>
+          </a:prstGeom>
+        </p:spPr>
+        <p:style>
+          <a:lnRef idx="1">
+            <a:schemeClr val="accent5"/>
+          </a:lnRef>
+          <a:fillRef idx="2">
+            <a:schemeClr val="accent5"/>
+          </a:fillRef>
+          <a:effectRef idx="1">
+            <a:schemeClr val="accent5"/>
+          </a:effectRef>
+          <a:fontRef idx="minor">
+            <a:schemeClr val="dk1"/>
+          </a:fontRef>
+        </p:style>
+        <p:txBody>
+          <a:bodyPr rtlCol="0" anchor="ctr"/>
+          <a:lstStyle/>
+          <a:p>
+            <a:pPr algn="ctr"/>
+            <a:r>
+              <a:rPr lang="nl-BE" b="1" dirty="0" smtClean="0">
+                <a:latin typeface="Buxton Sketch" panose="03080500000500000004" pitchFamily="66" charset="0"/>
+              </a:rPr>
+              <a:t>I </a:t>
+            </a:r>
+            <a:r>
+              <a:rPr lang="nl-BE" b="1" dirty="0" err="1" smtClean="0">
+                <a:latin typeface="Buxton Sketch" panose="03080500000500000004" pitchFamily="66" charset="0"/>
+              </a:rPr>
+              <a:t>can’t</a:t>
+            </a:r>
+            <a:r>
+              <a:rPr lang="nl-BE" b="1" dirty="0" smtClean="0">
+                <a:latin typeface="Buxton Sketch" panose="03080500000500000004" pitchFamily="66" charset="0"/>
+              </a:rPr>
+              <a:t> run these tests </a:t>
+            </a:r>
+            <a:r>
+              <a:rPr lang="nl-BE" b="1" dirty="0" err="1" smtClean="0">
+                <a:latin typeface="Buxton Sketch" panose="03080500000500000004" pitchFamily="66" charset="0"/>
+              </a:rPr>
+              <a:t>within</a:t>
+            </a:r>
+            <a:r>
+              <a:rPr lang="nl-BE" b="1" dirty="0" smtClean="0">
+                <a:latin typeface="Buxton Sketch" panose="03080500000500000004" pitchFamily="66" charset="0"/>
+              </a:rPr>
+              <a:t> </a:t>
+            </a:r>
+            <a:r>
+              <a:rPr lang="nl-BE" b="1" dirty="0" err="1" smtClean="0">
+                <a:latin typeface="Buxton Sketch" panose="03080500000500000004" pitchFamily="66" charset="0"/>
+              </a:rPr>
+              <a:t>my</a:t>
+            </a:r>
+            <a:r>
+              <a:rPr lang="nl-BE" b="1" dirty="0" smtClean="0">
+                <a:latin typeface="Buxton Sketch" panose="03080500000500000004" pitchFamily="66" charset="0"/>
+              </a:rPr>
+              <a:t> </a:t>
+            </a:r>
+            <a:r>
+              <a:rPr lang="nl-BE" b="1" dirty="0" err="1" smtClean="0">
+                <a:latin typeface="Buxton Sketch" panose="03080500000500000004" pitchFamily="66" charset="0"/>
+              </a:rPr>
+              <a:t>favourite</a:t>
+            </a:r>
+            <a:r>
+              <a:rPr lang="nl-BE" b="1" dirty="0" smtClean="0">
+                <a:latin typeface="Buxton Sketch" panose="03080500000500000004" pitchFamily="66" charset="0"/>
+              </a:rPr>
+              <a:t> IDE (</a:t>
+            </a:r>
+            <a:r>
+              <a:rPr lang="nl-BE" b="1" dirty="0" err="1" smtClean="0">
+                <a:latin typeface="Buxton Sketch" panose="03080500000500000004" pitchFamily="66" charset="0"/>
+              </a:rPr>
+              <a:t>being</a:t>
+            </a:r>
+            <a:r>
+              <a:rPr lang="nl-BE" b="1" dirty="0" smtClean="0">
+                <a:latin typeface="Buxton Sketch" panose="03080500000500000004" pitchFamily="66" charset="0"/>
+              </a:rPr>
+              <a:t> Visual Studio of course)</a:t>
+            </a:r>
+            <a:endParaRPr lang="nl-BE" b="1" dirty="0">
+              <a:latin typeface="Buxton Sketch" panose="03080500000500000004" pitchFamily="66" charset="0"/>
+            </a:endParaRPr>
+          </a:p>
+        </p:txBody>
+      </p:sp>
+      <p:sp>
+        <p:nvSpPr>
+          <p:cNvPr id="13" name="Folded Corner 12"/>
+          <p:cNvSpPr/>
+          <p:nvPr/>
+        </p:nvSpPr>
+        <p:spPr>
+          <a:xfrm>
+            <a:off x="477993" y="2805255"/>
+            <a:ext cx="1939615" cy="1334826"/>
+          </a:xfrm>
+          <a:prstGeom prst="foldedCorner">
+            <a:avLst/>
+          </a:prstGeom>
+        </p:spPr>
+        <p:style>
+          <a:lnRef idx="1">
+            <a:schemeClr val="accent5"/>
+          </a:lnRef>
+          <a:fillRef idx="2">
+            <a:schemeClr val="accent5"/>
+          </a:fillRef>
+          <a:effectRef idx="1">
+            <a:schemeClr val="accent5"/>
+          </a:effectRef>
+          <a:fontRef idx="minor">
+            <a:schemeClr val="dk1"/>
+          </a:fontRef>
+        </p:style>
+        <p:txBody>
+          <a:bodyPr rtlCol="0" anchor="ctr"/>
+          <a:lstStyle/>
+          <a:p>
+            <a:pPr algn="ctr"/>
+            <a:r>
+              <a:rPr lang="nl-BE" b="1" dirty="0" smtClean="0">
+                <a:latin typeface="Buxton Sketch" panose="03080500000500000004" pitchFamily="66" charset="0"/>
+              </a:rPr>
+              <a:t>Running UI tests takes </a:t>
+            </a:r>
+            <a:r>
+              <a:rPr lang="nl-BE" b="1" dirty="0" err="1" smtClean="0">
+                <a:latin typeface="Buxton Sketch" panose="03080500000500000004" pitchFamily="66" charset="0"/>
+              </a:rPr>
+              <a:t>too</a:t>
+            </a:r>
+            <a:r>
+              <a:rPr lang="nl-BE" b="1" dirty="0" smtClean="0">
+                <a:latin typeface="Buxton Sketch" panose="03080500000500000004" pitchFamily="66" charset="0"/>
+              </a:rPr>
+              <a:t> </a:t>
+            </a:r>
+            <a:r>
+              <a:rPr lang="nl-BE" b="1" dirty="0" err="1" smtClean="0">
+                <a:latin typeface="Buxton Sketch" panose="03080500000500000004" pitchFamily="66" charset="0"/>
+              </a:rPr>
+              <a:t>much</a:t>
+            </a:r>
+            <a:r>
+              <a:rPr lang="nl-BE" b="1" dirty="0" smtClean="0">
+                <a:latin typeface="Buxton Sketch" panose="03080500000500000004" pitchFamily="66" charset="0"/>
+              </a:rPr>
+              <a:t> time</a:t>
+            </a:r>
+            <a:endParaRPr lang="nl-BE" b="1" dirty="0">
+              <a:latin typeface="Buxton Sketch" panose="03080500000500000004" pitchFamily="66" charset="0"/>
+            </a:endParaRPr>
+          </a:p>
+        </p:txBody>
+      </p:sp>
+    </p:spTree>
+    <p:extLst>
+      <p:ext uri="{BB962C8B-B14F-4D97-AF65-F5344CB8AC3E}">
+        <p14:creationId xmlns:p14="http://schemas.microsoft.com/office/powerpoint/2010/main" val="3140034788"/>
+      </p:ext>
+    </p:extLst>
+  </p:cSld>
+  <p:clrMapOvr>
+    <a:masterClrMapping/>
+  </p:clrMapOvr>
+  <p:timing>
+    <p:tnLst>
+      <p:par>
+        <p:cTn id="1" dur="indefinite" restart="never" nodeType="tmRoot">
+          <p:childTnLst>
+            <p:seq concurrent="1" nextAc="seek">
+              <p:cTn id="2" dur="indefinite" nodeType="mainSeq">
+                <p:childTnLst>
+                  <p:par>
+                    <p:cTn id="3" fill="hold">
+                      <p:stCondLst>
+                        <p:cond delay="indefinite"/>
+                      </p:stCondLst>
+                      <p:childTnLst>
+                        <p:par>
+                          <p:cTn id="4" fill="hold">
+                            <p:stCondLst>
+                              <p:cond delay="0"/>
+                            </p:stCondLst>
+                            <p:childTnLst>
+                              <p:par>
+                                <p:cTn id="5" presetID="1" presetClass="entr" presetSubtype="0" fill="hold" grpId="0" nodeType="clickEffect">
+                                  <p:stCondLst>
+                                    <p:cond delay="0"/>
+                                  </p:stCondLst>
+                                  <p:childTnLst>
+                                    <p:set>
+                                      <p:cBhvr>
+                                        <p:cTn id="6" dur="1" fill="hold">
+                                          <p:stCondLst>
+                                            <p:cond delay="0"/>
+                                          </p:stCondLst>
+                                        </p:cTn>
+                                        <p:tgtEl>
+                                          <p:spTgt spid="8"/>
+                                        </p:tgtEl>
+                                        <p:attrNameLst>
+                                          <p:attrName>style.visibility</p:attrName>
+                                        </p:attrNameLst>
+                                      </p:cBhvr>
+                                      <p:to>
+                                        <p:strVal val="visible"/>
+                                      </p:to>
+                                    </p:set>
+                                  </p:childTnLst>
+                                </p:cTn>
+                              </p:par>
+                            </p:childTnLst>
+                          </p:cTn>
+                        </p:par>
+                      </p:childTnLst>
+                    </p:cTn>
+                  </p:par>
+                  <p:par>
+                    <p:cTn id="7" fill="hold">
+                      <p:stCondLst>
+                        <p:cond delay="indefinite"/>
+                      </p:stCondLst>
+                      <p:childTnLst>
+                        <p:par>
+                          <p:cTn id="8" fill="hold">
+                            <p:stCondLst>
+                              <p:cond delay="0"/>
+                            </p:stCondLst>
+                            <p:childTnLst>
+                              <p:par>
+                                <p:cTn id="9" presetID="1" presetClass="entr" presetSubtype="0" fill="hold" grpId="0" nodeType="clickEffect">
+                                  <p:stCondLst>
+                                    <p:cond delay="0"/>
+                                  </p:stCondLst>
+                                  <p:childTnLst>
+                                    <p:set>
+                                      <p:cBhvr>
+                                        <p:cTn id="10" dur="1" fill="hold">
+                                          <p:stCondLst>
+                                            <p:cond delay="0"/>
+                                          </p:stCondLst>
+                                        </p:cTn>
+                                        <p:tgtEl>
+                                          <p:spTgt spid="10"/>
+                                        </p:tgtEl>
+                                        <p:attrNameLst>
+                                          <p:attrName>style.visibility</p:attrName>
+                                        </p:attrNameLst>
+                                      </p:cBhvr>
+                                      <p:to>
+                                        <p:strVal val="visible"/>
+                                      </p:to>
+                                    </p:set>
+                                  </p:childTnLst>
+                                </p:cTn>
+                              </p:par>
+                            </p:childTnLst>
+                          </p:cTn>
+                        </p:par>
+                      </p:childTnLst>
+                    </p:cTn>
+                  </p:par>
+                  <p:par>
+                    <p:cTn id="11" fill="hold">
+                      <p:stCondLst>
+                        <p:cond delay="indefinite"/>
+                      </p:stCondLst>
+                      <p:childTnLst>
+                        <p:par>
+                          <p:cTn id="12" fill="hold">
+                            <p:stCondLst>
+                              <p:cond delay="0"/>
+                            </p:stCondLst>
+                            <p:childTnLst>
+                              <p:par>
+                                <p:cTn id="13" presetID="1" presetClass="entr" presetSubtype="0" fill="hold" grpId="0" nodeType="clickEffect">
+                                  <p:stCondLst>
+                                    <p:cond delay="0"/>
+                                  </p:stCondLst>
+                                  <p:childTnLst>
+                                    <p:set>
+                                      <p:cBhvr>
+                                        <p:cTn id="14" dur="1" fill="hold">
+                                          <p:stCondLst>
+                                            <p:cond delay="0"/>
+                                          </p:stCondLst>
+                                        </p:cTn>
+                                        <p:tgtEl>
+                                          <p:spTgt spid="12"/>
+                                        </p:tgtEl>
+                                        <p:attrNameLst>
+                                          <p:attrName>style.visibility</p:attrName>
+                                        </p:attrNameLst>
+                                      </p:cBhvr>
+                                      <p:to>
+                                        <p:strVal val="visible"/>
+                                      </p:to>
+                                    </p:set>
+                                  </p:childTnLst>
+                                </p:cTn>
+                              </p:par>
+                            </p:childTnLst>
+                          </p:cTn>
+                        </p:par>
+                      </p:childTnLst>
+                    </p:cTn>
+                  </p:par>
+                  <p:par>
+                    <p:cTn id="15" fill="hold">
+                      <p:stCondLst>
+                        <p:cond delay="indefinite"/>
+                      </p:stCondLst>
+                      <p:childTnLst>
+                        <p:par>
+                          <p:cTn id="16" fill="hold">
+                            <p:stCondLst>
+                              <p:cond delay="0"/>
+                            </p:stCondLst>
+                            <p:childTnLst>
+                              <p:par>
+                                <p:cTn id="17" presetID="1" presetClass="entr" presetSubtype="0" fill="hold" grpId="0" nodeType="clickEffect">
+                                  <p:stCondLst>
+                                    <p:cond delay="0"/>
+                                  </p:stCondLst>
+                                  <p:childTnLst>
+                                    <p:set>
+                                      <p:cBhvr>
+                                        <p:cTn id="18" dur="1" fill="hold">
+                                          <p:stCondLst>
+                                            <p:cond delay="0"/>
+                                          </p:stCondLst>
+                                        </p:cTn>
+                                        <p:tgtEl>
+                                          <p:spTgt spid="11"/>
+                                        </p:tgtEl>
+                                        <p:attrNameLst>
+                                          <p:attrName>style.visibility</p:attrName>
+                                        </p:attrNameLst>
+                                      </p:cBhvr>
+                                      <p:to>
+                                        <p:strVal val="visible"/>
+                                      </p:to>
+                                    </p:set>
+                                  </p:childTnLst>
+                                </p:cTn>
+                              </p:par>
+                            </p:childTnLst>
+                          </p:cTn>
+                        </p:par>
+                      </p:childTnLst>
+                    </p:cTn>
+                  </p:par>
+                  <p:par>
+                    <p:cTn id="19" fill="hold">
+                      <p:stCondLst>
+                        <p:cond delay="indefinite"/>
+                      </p:stCondLst>
+                      <p:childTnLst>
+                        <p:par>
+                          <p:cTn id="20" fill="hold">
+                            <p:stCondLst>
+                              <p:cond delay="0"/>
+                            </p:stCondLst>
+                            <p:childTnLst>
+                              <p:par>
+                                <p:cTn id="21" presetID="1" presetClass="entr" presetSubtype="0" fill="hold" grpId="0" nodeType="clickEffect">
+                                  <p:stCondLst>
+                                    <p:cond delay="0"/>
+                                  </p:stCondLst>
+                                  <p:childTnLst>
+                                    <p:set>
+                                      <p:cBhvr>
+                                        <p:cTn id="22" dur="1" fill="hold">
+                                          <p:stCondLst>
+                                            <p:cond delay="0"/>
+                                          </p:stCondLst>
+                                        </p:cTn>
+                                        <p:tgtEl>
+                                          <p:spTgt spid="9"/>
+                                        </p:tgtEl>
+                                        <p:attrNameLst>
+                                          <p:attrName>style.visibility</p:attrName>
+                                        </p:attrNameLst>
+                                      </p:cBhvr>
+                                      <p:to>
+                                        <p:strVal val="visible"/>
+                                      </p:to>
+                                    </p:set>
+                                  </p:childTnLst>
+                                </p:cTn>
+                              </p:par>
+                            </p:childTnLst>
+                          </p:cTn>
+                        </p:par>
+                      </p:childTnLst>
+                    </p:cTn>
+                  </p:par>
+                  <p:par>
+                    <p:cTn id="23" fill="hold">
+                      <p:stCondLst>
+                        <p:cond delay="indefinite"/>
+                      </p:stCondLst>
+                      <p:childTnLst>
+                        <p:par>
+                          <p:cTn id="24" fill="hold">
+                            <p:stCondLst>
+                              <p:cond delay="0"/>
+                            </p:stCondLst>
+                            <p:childTnLst>
+                              <p:par>
+                                <p:cTn id="25" presetID="1" presetClass="entr" presetSubtype="0" fill="hold" grpId="0" nodeType="clickEffect">
+                                  <p:stCondLst>
+                                    <p:cond delay="0"/>
+                                  </p:stCondLst>
+                                  <p:childTnLst>
+                                    <p:set>
+                                      <p:cBhvr>
+                                        <p:cTn id="26" dur="1" fill="hold">
+                                          <p:stCondLst>
+                                            <p:cond delay="0"/>
+                                          </p:stCondLst>
+                                        </p:cTn>
+                                        <p:tgtEl>
+                                          <p:spTgt spid="3"/>
+                                        </p:tgtEl>
+                                        <p:attrNameLst>
+                                          <p:attrName>style.visibility</p:attrName>
+                                        </p:attrNameLst>
+                                      </p:cBhvr>
+                                      <p:to>
+                                        <p:strVal val="visible"/>
+                                      </p:to>
+                                    </p:set>
+                                  </p:childTnLst>
+                                </p:cTn>
+                              </p:par>
+                            </p:childTnLst>
+                          </p:cTn>
+                        </p:par>
+                      </p:childTnLst>
+                    </p:cTn>
+                  </p:par>
+                  <p:par>
+                    <p:cTn id="27" fill="hold">
+                      <p:stCondLst>
+                        <p:cond delay="indefinite"/>
+                      </p:stCondLst>
+                      <p:childTnLst>
+                        <p:par>
+                          <p:cTn id="28" fill="hold">
+                            <p:stCondLst>
+                              <p:cond delay="0"/>
+                            </p:stCondLst>
+                            <p:childTnLst>
+                              <p:par>
+                                <p:cTn id="29" presetID="1" presetClass="entr" presetSubtype="0" fill="hold" grpId="0" nodeType="clickEffect">
+                                  <p:stCondLst>
+                                    <p:cond delay="0"/>
+                                  </p:stCondLst>
+                                  <p:childTnLst>
+                                    <p:set>
+                                      <p:cBhvr>
+                                        <p:cTn id="30" dur="1" fill="hold">
+                                          <p:stCondLst>
+                                            <p:cond delay="0"/>
+                                          </p:stCondLst>
+                                        </p:cTn>
+                                        <p:tgtEl>
+                                          <p:spTgt spid="13"/>
+                                        </p:tgtEl>
+                                        <p:attrNameLst>
+                                          <p:attrName>style.visibility</p:attrName>
+                                        </p:attrNameLst>
+                                      </p:cBhvr>
+                                      <p:to>
+                                        <p:strVal val="visible"/>
+                                      </p:to>
+                                    </p:set>
+                                  </p:childTnLst>
+                                </p:cTn>
+                              </p:par>
+                            </p:childTnLst>
+                          </p:cTn>
+                        </p:par>
+                      </p:childTnLst>
+                    </p:cTn>
+                  </p:par>
+                </p:childTnLst>
+              </p:cTn>
+              <p:prevCondLst>
+                <p:cond evt="onPrev" delay="0">
+                  <p:tgtEl>
+                    <p:sldTgt/>
+                  </p:tgtEl>
+                </p:cond>
+              </p:prevCondLst>
+              <p:nextCondLst>
+                <p:cond evt="onNext" delay="0">
+                  <p:tgtEl>
+                    <p:sldTgt/>
+                  </p:tgtEl>
+                </p:cond>
+              </p:nextCondLst>
+            </p:seq>
+          </p:childTnLst>
+        </p:cTn>
+      </p:par>
+    </p:tnLst>
+    <p:bldLst>
+      <p:bldP spid="3" grpId="0" animBg="1"/>
+      <p:bldP spid="8" grpId="0" animBg="1"/>
+      <p:bldP spid="9" grpId="0" animBg="1"/>
+      <p:bldP spid="10" grpId="0" animBg="1"/>
+      <p:bldP spid="11" grpId="0" animBg="1"/>
+      <p:bldP spid="12" grpId="0" animBg="1"/>
+      <p:bldP spid="13" grpId="0" animBg="1"/>
+    </p:bldLst>
+  </p:timing>
+</p:sld>
+</file>
+
+<file path=ppt/slides/slide18.xml><?xml version="1.0" encoding="utf-8"?>
+<p:sld xmlns:a="http://schemas.openxmlformats.org/drawingml/2006/main" xmlns:r="http://schemas.openxmlformats.org/officeDocument/2006/relationships" xmlns:p="http://schemas.openxmlformats.org/presentationml/2006/main">
+  <p:cSld>
+    <p:spTree>
+      <p:nvGrpSpPr>
+        <p:cNvPr id="1" name=""/>
+        <p:cNvGrpSpPr/>
+        <p:nvPr/>
+      </p:nvGrpSpPr>
+      <p:grpSpPr>
+        <a:xfrm>
+          <a:off x="0" y="0"/>
+          <a:ext cx="0" cy="0"/>
+          <a:chOff x="0" y="0"/>
+          <a:chExt cx="0" cy="0"/>
+        </a:xfrm>
+      </p:grpSpPr>
+      <p:sp>
+        <p:nvSpPr>
+          <p:cNvPr id="5" name="Title 4"/>
+          <p:cNvSpPr>
+            <a:spLocks noGrp="1"/>
+          </p:cNvSpPr>
+          <p:nvPr>
+            <p:ph type="title"/>
+          </p:nvPr>
+        </p:nvSpPr>
+        <p:spPr/>
+        <p:txBody>
+          <a:bodyPr/>
+          <a:lstStyle/>
+          <a:p>
+            <a:r>
+              <a:rPr lang="en-US" dirty="0" smtClean="0"/>
+              <a:t>Testing: Jasmine &amp; </a:t>
+            </a:r>
+            <a:r>
+              <a:rPr lang="en-US" dirty="0" err="1" smtClean="0"/>
+              <a:t>PhantomJs</a:t>
+            </a:r>
+            <a:endParaRPr lang="nl-BE" dirty="0"/>
+          </a:p>
+        </p:txBody>
+      </p:sp>
+      <p:sp>
+        <p:nvSpPr>
+          <p:cNvPr id="2" name="Content Placeholder 1"/>
+          <p:cNvSpPr>
+            <a:spLocks noGrp="1"/>
+          </p:cNvSpPr>
+          <p:nvPr>
+            <p:ph idx="1"/>
+          </p:nvPr>
+        </p:nvSpPr>
+        <p:spPr/>
+        <p:txBody>
+          <a:bodyPr/>
+          <a:lstStyle/>
+          <a:p>
+            <a:r>
+              <a:rPr lang="nl-BE" dirty="0">
+                <a:hlinkClick r:id="rId2"/>
+              </a:rPr>
+              <a:t>http://pivotal.github.io/jasmine</a:t>
+            </a:r>
+            <a:r>
+              <a:rPr lang="nl-BE" dirty="0" smtClean="0">
+                <a:hlinkClick r:id="rId2"/>
+              </a:rPr>
+              <a:t>/</a:t>
+            </a:r>
+            <a:endParaRPr lang="nl-BE" dirty="0" smtClean="0"/>
+          </a:p>
+          <a:p>
+            <a:pPr lvl="2"/>
+            <a:r>
+              <a:rPr lang="nl-BE" dirty="0" smtClean="0"/>
+              <a:t>Unit </a:t>
+            </a:r>
+            <a:r>
+              <a:rPr lang="nl-BE" dirty="0" err="1" smtClean="0"/>
+              <a:t>testing</a:t>
+            </a:r>
+            <a:r>
+              <a:rPr lang="nl-BE" dirty="0" smtClean="0"/>
+              <a:t> FW</a:t>
+            </a:r>
+          </a:p>
+          <a:p>
+            <a:pPr lvl="2"/>
+            <a:r>
+              <a:rPr lang="nl-BE" dirty="0" smtClean="0"/>
+              <a:t>Test runner</a:t>
+            </a:r>
+          </a:p>
+          <a:p>
+            <a:pPr lvl="2"/>
+            <a:r>
+              <a:rPr lang="nl-BE" dirty="0" smtClean="0"/>
+              <a:t>BDD-</a:t>
+            </a:r>
+            <a:r>
+              <a:rPr lang="nl-BE" dirty="0" err="1" smtClean="0"/>
+              <a:t>style</a:t>
+            </a:r>
+            <a:endParaRPr lang="nl-BE" dirty="0" smtClean="0"/>
+          </a:p>
+          <a:p>
+            <a:pPr lvl="2"/>
+            <a:r>
+              <a:rPr lang="nl-BE" dirty="0" err="1" smtClean="0"/>
+              <a:t>Matchers</a:t>
+            </a:r>
+            <a:endParaRPr lang="nl-BE" dirty="0" smtClean="0"/>
+          </a:p>
+          <a:p>
+            <a:r>
+              <a:rPr lang="nl-BE" dirty="0">
+                <a:hlinkClick r:id="rId3"/>
+              </a:rPr>
+              <a:t>http://phantomjs.org</a:t>
+            </a:r>
+            <a:r>
+              <a:rPr lang="nl-BE" dirty="0" smtClean="0">
+                <a:hlinkClick r:id="rId3"/>
+              </a:rPr>
+              <a:t>/</a:t>
+            </a:r>
+            <a:endParaRPr lang="nl-BE" dirty="0" smtClean="0"/>
+          </a:p>
+          <a:p>
+            <a:pPr lvl="1"/>
+            <a:r>
+              <a:rPr lang="nl-BE" dirty="0" err="1" smtClean="0"/>
+              <a:t>Headless</a:t>
+            </a:r>
+            <a:r>
+              <a:rPr lang="nl-BE" dirty="0" smtClean="0"/>
+              <a:t> website </a:t>
+            </a:r>
+            <a:r>
+              <a:rPr lang="nl-BE" dirty="0" err="1" smtClean="0"/>
+              <a:t>testing</a:t>
+            </a:r>
+            <a:endParaRPr lang="nl-BE" dirty="0" smtClean="0"/>
+          </a:p>
+          <a:p>
+            <a:pPr lvl="1"/>
+            <a:endParaRPr lang="nl-BE" dirty="0"/>
+          </a:p>
+          <a:p>
+            <a:r>
+              <a:rPr lang="nl-BE" dirty="0" smtClean="0"/>
+              <a:t>VS Integration</a:t>
+            </a:r>
+            <a:endParaRPr lang="nl-BE" dirty="0"/>
+          </a:p>
+        </p:txBody>
+      </p:sp>
+    </p:spTree>
+    <p:extLst>
+      <p:ext uri="{BB962C8B-B14F-4D97-AF65-F5344CB8AC3E}">
+        <p14:creationId xmlns:p14="http://schemas.microsoft.com/office/powerpoint/2010/main" val="3994350105"/>
+      </p:ext>
+    </p:extLst>
+  </p:cSld>
+  <p:clrMapOvr>
+    <a:masterClrMapping/>
+  </p:clrMapOvr>
+  <p:timing>
+    <p:tnLst>
+      <p:par>
+        <p:cTn id="1" dur="indefinite" restart="never" nodeType="tmRoot"/>
+      </p:par>
+    </p:tnLst>
+  </p:timing>
+</p:sld>
+</file>
+
+<file path=ppt/slides/slide19.xml><?xml version="1.0" encoding="utf-8"?>
+<p:sld xmlns:a="http://schemas.openxmlformats.org/drawingml/2006/main" xmlns:r="http://schemas.openxmlformats.org/officeDocument/2006/relationships" xmlns:p="http://schemas.openxmlformats.org/presentationml/2006/main">
+  <p:cSld>
+    <p:spTree>
+      <p:nvGrpSpPr>
+        <p:cNvPr id="1" name=""/>
+        <p:cNvGrpSpPr/>
+        <p:nvPr/>
+      </p:nvGrpSpPr>
+      <p:grpSpPr>
+        <a:xfrm>
+          <a:off x="0" y="0"/>
+          <a:ext cx="0" cy="0"/>
+          <a:chOff x="0" y="0"/>
+          <a:chExt cx="0" cy="0"/>
+        </a:xfrm>
+      </p:grpSpPr>
+      <p:sp>
+        <p:nvSpPr>
+          <p:cNvPr id="5" name="Title 4"/>
+          <p:cNvSpPr>
+            <a:spLocks noGrp="1"/>
+          </p:cNvSpPr>
+          <p:nvPr>
+            <p:ph type="title"/>
+          </p:nvPr>
+        </p:nvSpPr>
+        <p:spPr/>
+        <p:txBody>
+          <a:bodyPr/>
+          <a:lstStyle/>
+          <a:p>
+            <a:r>
+              <a:rPr lang="en-US" dirty="0" smtClean="0"/>
               <a:t>References</a:t>
             </a:r>
             <a:endParaRPr lang="nl-BE" dirty="0"/>
@@ -8542,7 +9859,7 @@
     </p:spTree>
     <p:extLst>
       <p:ext uri="{BB962C8B-B14F-4D97-AF65-F5344CB8AC3E}">
-        <p14:creationId xmlns:p14="http://schemas.microsoft.com/office/powerpoint/2010/main" xmlns="" val="4059509388"/>
+        <p14:creationId xmlns:p14="http://schemas.microsoft.com/office/powerpoint/2010/main" val="4059509388"/>
       </p:ext>
     </p:extLst>
   </p:cSld>
@@ -8604,11 +9921,7 @@
             </a:r>
             <a:r>
               <a:rPr lang="en-US" dirty="0" smtClean="0"/>
-              <a:t> </a:t>
-            </a:r>
-            <a:r>
-              <a:rPr lang="en-US" dirty="0" smtClean="0"/>
-              <a:t>Validate</a:t>
+              <a:t> Validate</a:t>
             </a:r>
             <a:endParaRPr lang="nl-BE" dirty="0" smtClean="0"/>
           </a:p>
@@ -8635,7 +9948,7 @@
     </p:spTree>
     <p:extLst>
       <p:ext uri="{BB962C8B-B14F-4D97-AF65-F5344CB8AC3E}">
-        <p14:creationId xmlns:p14="http://schemas.microsoft.com/office/powerpoint/2010/main" xmlns="" val="1267957920"/>
+        <p14:creationId xmlns:p14="http://schemas.microsoft.com/office/powerpoint/2010/main" val="1267957920"/>
       </p:ext>
     </p:extLst>
   </p:cSld>
@@ -8957,7 +10270,7 @@
     </p:spTree>
     <p:extLst>
       <p:ext uri="{BB962C8B-B14F-4D97-AF65-F5344CB8AC3E}">
-        <p14:creationId xmlns:p14="http://schemas.microsoft.com/office/powerpoint/2010/main" xmlns="" val="3842584209"/>
+        <p14:creationId xmlns:p14="http://schemas.microsoft.com/office/powerpoint/2010/main" val="3842584209"/>
       </p:ext>
     </p:extLst>
   </p:cSld>
@@ -10062,7 +11375,7 @@
     </p:spTree>
     <p:extLst>
       <p:ext uri="{BB962C8B-B14F-4D97-AF65-F5344CB8AC3E}">
-        <p14:creationId xmlns:p14="http://schemas.microsoft.com/office/powerpoint/2010/main" xmlns="" val="3437518475"/>
+        <p14:creationId xmlns:p14="http://schemas.microsoft.com/office/powerpoint/2010/main" val="3437518475"/>
       </p:ext>
     </p:extLst>
   </p:cSld>
@@ -11712,7 +13025,7 @@
     </p:spTree>
     <p:extLst>
       <p:ext uri="{BB962C8B-B14F-4D97-AF65-F5344CB8AC3E}">
-        <p14:creationId xmlns:p14="http://schemas.microsoft.com/office/powerpoint/2010/main" xmlns="" val="3437518475"/>
+        <p14:creationId xmlns:p14="http://schemas.microsoft.com/office/powerpoint/2010/main" val="3437518475"/>
       </p:ext>
     </p:extLst>
   </p:cSld>
@@ -13513,7 +14826,7 @@
     </p:spTree>
     <p:extLst>
       <p:ext uri="{BB962C8B-B14F-4D97-AF65-F5344CB8AC3E}">
-        <p14:creationId xmlns:p14="http://schemas.microsoft.com/office/powerpoint/2010/main" xmlns="" val="2710161560"/>
+        <p14:creationId xmlns:p14="http://schemas.microsoft.com/office/powerpoint/2010/main" val="2710161560"/>
       </p:ext>
     </p:extLst>
   </p:cSld>
@@ -15122,7 +16435,7 @@
     </p:spTree>
     <p:extLst>
       <p:ext uri="{BB962C8B-B14F-4D97-AF65-F5344CB8AC3E}">
-        <p14:creationId xmlns:p14="http://schemas.microsoft.com/office/powerpoint/2010/main" xmlns="" val="1963849782"/>
+        <p14:creationId xmlns:p14="http://schemas.microsoft.com/office/powerpoint/2010/main" val="1963849782"/>
       </p:ext>
     </p:extLst>
   </p:cSld>
@@ -15988,7 +17301,7 @@
     </p:spTree>
     <p:extLst>
       <p:ext uri="{BB962C8B-B14F-4D97-AF65-F5344CB8AC3E}">
-        <p14:creationId xmlns:p14="http://schemas.microsoft.com/office/powerpoint/2010/main" xmlns="" val="205797419"/>
+        <p14:creationId xmlns:p14="http://schemas.microsoft.com/office/powerpoint/2010/main" val="205797419"/>
       </p:ext>
     </p:extLst>
   </p:cSld>
@@ -16819,7 +18132,7 @@
     </p:spTree>
     <p:extLst>
       <p:ext uri="{BB962C8B-B14F-4D97-AF65-F5344CB8AC3E}">
-        <p14:creationId xmlns:p14="http://schemas.microsoft.com/office/powerpoint/2010/main" xmlns="" val="3219053044"/>
+        <p14:creationId xmlns:p14="http://schemas.microsoft.com/office/powerpoint/2010/main" val="3219053044"/>
       </p:ext>
     </p:extLst>
   </p:cSld>
@@ -18113,18 +19426,18 @@
 </file>
 
 <file path=customXml/item1.xml><?xml version="1.0" encoding="utf-8"?>
+<p:properties xmlns:p="http://schemas.microsoft.com/office/2006/metadata/properties" xmlns:xsi="http://www.w3.org/2001/XMLSchema-instance" xmlns:pc="http://schemas.microsoft.com/office/infopath/2007/PartnerControls">
+  <documentManagement/>
+</p:properties>
+</file>
+
+<file path=customXml/item2.xml><?xml version="1.0" encoding="utf-8"?>
 <?mso-contentType ?>
 <FormTemplates xmlns="http://schemas.microsoft.com/sharepoint/v3/contenttype/forms">
   <Display>DocumentLibraryForm</Display>
   <Edit>DocumentLibraryForm</Edit>
   <New>DocumentLibraryForm</New>
 </FormTemplates>
-</file>
-
-<file path=customXml/item2.xml><?xml version="1.0" encoding="utf-8"?>
-<p:properties xmlns:p="http://schemas.microsoft.com/office/2006/metadata/properties" xmlns:xsi="http://www.w3.org/2001/XMLSchema-instance" xmlns:pc="http://schemas.microsoft.com/office/infopath/2007/PartnerControls">
-  <documentManagement/>
-</p:properties>
 </file>
 
 <file path=customXml/item3.xml><?xml version="1.0" encoding="utf-8"?>
@@ -18242,14 +19555,6 @@
 </file>
 
 <file path=customXml/itemProps1.xml><?xml version="1.0" encoding="utf-8"?>
-<ds:datastoreItem xmlns:ds="http://schemas.openxmlformats.org/officeDocument/2006/customXml" ds:itemID="{D1F7498C-F9C2-422B-BC41-0960A3F778D1}">
-  <ds:schemaRefs>
-    <ds:schemaRef ds:uri="http://schemas.microsoft.com/sharepoint/v3/contenttype/forms"/>
-  </ds:schemaRefs>
-</ds:datastoreItem>
-</file>
-
-<file path=customXml/itemProps2.xml><?xml version="1.0" encoding="utf-8"?>
 <ds:datastoreItem xmlns:ds="http://schemas.openxmlformats.org/officeDocument/2006/customXml" ds:itemID="{99174808-9C2B-4902-8C9D-44348A1FD8BB}">
   <ds:schemaRefs>
     <ds:schemaRef ds:uri="http://purl.org/dc/dcmitype/"/>
@@ -18260,6 +19565,14 @@
     <ds:schemaRef ds:uri="http://purl.org/dc/elements/1.1/"/>
     <ds:schemaRef ds:uri="http://schemas.openxmlformats.org/package/2006/metadata/core-properties"/>
     <ds:schemaRef ds:uri="http://schemas.microsoft.com/office/infopath/2007/PartnerControls"/>
+  </ds:schemaRefs>
+</ds:datastoreItem>
+</file>
+
+<file path=customXml/itemProps2.xml><?xml version="1.0" encoding="utf-8"?>
+<ds:datastoreItem xmlns:ds="http://schemas.openxmlformats.org/officeDocument/2006/customXml" ds:itemID="{D1F7498C-F9C2-422B-BC41-0960A3F778D1}">
+  <ds:schemaRefs>
+    <ds:schemaRef ds:uri="http://schemas.microsoft.com/sharepoint/v3/contenttype/forms"/>
   </ds:schemaRefs>
 </ds:datastoreItem>
 </file>

--- a/Bootcamp_2013_Javascript.pptx
+++ b/Bootcamp_2013_Javascript.pptx
@@ -244,7 +244,7 @@
             <a:fld id="{EE6C105D-2CF9-41DB-85FD-D66740423677}" type="datetimeFigureOut">
               <a:rPr lang="nl-BE" smtClean="0"/>
               <a:pPr/>
-              <a:t>2/06/2013</a:t>
+              <a:t>3/06/2013</a:t>
             </a:fld>
             <a:endParaRPr lang="nl-BE"/>
           </a:p>
@@ -411,7 +411,7 @@
             <a:fld id="{EB0EBD4C-DAF9-4E72-A1A4-1160C8AA0ED9}" type="datetimeFigureOut">
               <a:rPr lang="nl-BE" smtClean="0"/>
               <a:pPr/>
-              <a:t>2/06/2013</a:t>
+              <a:t>3/06/2013</a:t>
             </a:fld>
             <a:endParaRPr lang="nl-BE"/>
           </a:p>
@@ -17969,8 +17969,17 @@
             <a:pPr lvl="1"/>
             <a:r>
               <a:rPr lang="en-US" dirty="0" smtClean="0"/>
-              <a:t>Most proxies ignore these on file request</a:t>
-            </a:r>
+              <a:t>Proxies can be configured to ignore </a:t>
+            </a:r>
+            <a:r>
+              <a:rPr lang="en-US" dirty="0" err="1" smtClean="0"/>
+              <a:t>querystring</a:t>
+            </a:r>
+            <a:r>
+              <a:rPr lang="en-US" dirty="0" smtClean="0"/>
+              <a:t> on files</a:t>
+            </a:r>
+            <a:endParaRPr lang="en-US" dirty="0" smtClean="0"/>
           </a:p>
           <a:p>
             <a:pPr lvl="1"/>
@@ -19426,18 +19435,18 @@
 </file>
 
 <file path=customXml/item1.xml><?xml version="1.0" encoding="utf-8"?>
-<p:properties xmlns:p="http://schemas.microsoft.com/office/2006/metadata/properties" xmlns:xsi="http://www.w3.org/2001/XMLSchema-instance" xmlns:pc="http://schemas.microsoft.com/office/infopath/2007/PartnerControls">
-  <documentManagement/>
-</p:properties>
-</file>
-
-<file path=customXml/item2.xml><?xml version="1.0" encoding="utf-8"?>
 <?mso-contentType ?>
 <FormTemplates xmlns="http://schemas.microsoft.com/sharepoint/v3/contenttype/forms">
   <Display>DocumentLibraryForm</Display>
   <Edit>DocumentLibraryForm</Edit>
   <New>DocumentLibraryForm</New>
 </FormTemplates>
+</file>
+
+<file path=customXml/item2.xml><?xml version="1.0" encoding="utf-8"?>
+<p:properties xmlns:p="http://schemas.microsoft.com/office/2006/metadata/properties" xmlns:xsi="http://www.w3.org/2001/XMLSchema-instance" xmlns:pc="http://schemas.microsoft.com/office/infopath/2007/PartnerControls">
+  <documentManagement/>
+</p:properties>
 </file>
 
 <file path=customXml/item3.xml><?xml version="1.0" encoding="utf-8"?>
@@ -19555,6 +19564,14 @@
 </file>
 
 <file path=customXml/itemProps1.xml><?xml version="1.0" encoding="utf-8"?>
+<ds:datastoreItem xmlns:ds="http://schemas.openxmlformats.org/officeDocument/2006/customXml" ds:itemID="{D1F7498C-F9C2-422B-BC41-0960A3F778D1}">
+  <ds:schemaRefs>
+    <ds:schemaRef ds:uri="http://schemas.microsoft.com/sharepoint/v3/contenttype/forms"/>
+  </ds:schemaRefs>
+</ds:datastoreItem>
+</file>
+
+<file path=customXml/itemProps2.xml><?xml version="1.0" encoding="utf-8"?>
 <ds:datastoreItem xmlns:ds="http://schemas.openxmlformats.org/officeDocument/2006/customXml" ds:itemID="{99174808-9C2B-4902-8C9D-44348A1FD8BB}">
   <ds:schemaRefs>
     <ds:schemaRef ds:uri="http://purl.org/dc/dcmitype/"/>
@@ -19565,14 +19582,6 @@
     <ds:schemaRef ds:uri="http://purl.org/dc/elements/1.1/"/>
     <ds:schemaRef ds:uri="http://schemas.openxmlformats.org/package/2006/metadata/core-properties"/>
     <ds:schemaRef ds:uri="http://schemas.microsoft.com/office/infopath/2007/PartnerControls"/>
-  </ds:schemaRefs>
-</ds:datastoreItem>
-</file>
-
-<file path=customXml/itemProps2.xml><?xml version="1.0" encoding="utf-8"?>
-<ds:datastoreItem xmlns:ds="http://schemas.openxmlformats.org/officeDocument/2006/customXml" ds:itemID="{D1F7498C-F9C2-422B-BC41-0960A3F778D1}">
-  <ds:schemaRefs>
-    <ds:schemaRef ds:uri="http://schemas.microsoft.com/sharepoint/v3/contenttype/forms"/>
   </ds:schemaRefs>
 </ds:datastoreItem>
 </file>

--- a/Bootcamp_2013_Javascript.pptx
+++ b/Bootcamp_2013_Javascript.pptx
@@ -6131,16 +6131,13 @@
           <a:p>
             <a:r>
               <a:rPr lang="en-US" dirty="0" smtClean="0"/>
-              <a:t>Debugger;</a:t>
-            </a:r>
-          </a:p>
-          <a:p>
-            <a:pPr lvl="1"/>
+              <a:t>Debugger</a:t>
+            </a:r>
             <a:r>
               <a:rPr lang="en-US" dirty="0" smtClean="0"/>
-              <a:t>ECMA5Script</a:t>
-            </a:r>
-            <a:endParaRPr lang="nl-BE" dirty="0"/>
+              <a:t>;</a:t>
+            </a:r>
+            <a:endParaRPr lang="en-US" dirty="0" smtClean="0"/>
           </a:p>
         </p:txBody>
       </p:sp>
@@ -6339,91 +6336,6 @@
                                           <p:spTgt spid="6">
                                             <p:txEl>
                                               <p:pRg st="1" end="1"/>
-                                            </p:txEl>
-                                          </p:spTgt>
-                                        </p:tgtEl>
-                                        <p:attrNameLst>
-                                          <p:attrName>ppt_y</p:attrName>
-                                        </p:attrNameLst>
-                                      </p:cBhvr>
-                                      <p:tavLst>
-                                        <p:tav tm="0">
-                                          <p:val>
-                                            <p:strVal val="1+#ppt_h/2"/>
-                                          </p:val>
-                                        </p:tav>
-                                        <p:tav tm="100000">
-                                          <p:val>
-                                            <p:strVal val="#ppt_y"/>
-                                          </p:val>
-                                        </p:tav>
-                                      </p:tavLst>
-                                    </p:anim>
-                                  </p:childTnLst>
-                                </p:cTn>
-                              </p:par>
-                              <p:par>
-                                <p:cTn id="15" presetID="2" presetClass="entr" presetSubtype="4" fill="hold" grpId="0" nodeType="withEffect">
-                                  <p:stCondLst>
-                                    <p:cond delay="0"/>
-                                  </p:stCondLst>
-                                  <p:childTnLst>
-                                    <p:set>
-                                      <p:cBhvr>
-                                        <p:cTn id="16" dur="1" fill="hold">
-                                          <p:stCondLst>
-                                            <p:cond delay="0"/>
-                                          </p:stCondLst>
-                                        </p:cTn>
-                                        <p:tgtEl>
-                                          <p:spTgt spid="6">
-                                            <p:txEl>
-                                              <p:pRg st="2" end="2"/>
-                                            </p:txEl>
-                                          </p:spTgt>
-                                        </p:tgtEl>
-                                        <p:attrNameLst>
-                                          <p:attrName>style.visibility</p:attrName>
-                                        </p:attrNameLst>
-                                      </p:cBhvr>
-                                      <p:to>
-                                        <p:strVal val="visible"/>
-                                      </p:to>
-                                    </p:set>
-                                    <p:anim calcmode="lin" valueType="num">
-                                      <p:cBhvr additive="base">
-                                        <p:cTn id="17" dur="500" fill="hold"/>
-                                        <p:tgtEl>
-                                          <p:spTgt spid="6">
-                                            <p:txEl>
-                                              <p:pRg st="2" end="2"/>
-                                            </p:txEl>
-                                          </p:spTgt>
-                                        </p:tgtEl>
-                                        <p:attrNameLst>
-                                          <p:attrName>ppt_x</p:attrName>
-                                        </p:attrNameLst>
-                                      </p:cBhvr>
-                                      <p:tavLst>
-                                        <p:tav tm="0">
-                                          <p:val>
-                                            <p:strVal val="#ppt_x"/>
-                                          </p:val>
-                                        </p:tav>
-                                        <p:tav tm="100000">
-                                          <p:val>
-                                            <p:strVal val="#ppt_x"/>
-                                          </p:val>
-                                        </p:tav>
-                                      </p:tavLst>
-                                    </p:anim>
-                                    <p:anim calcmode="lin" valueType="num">
-                                      <p:cBhvr additive="base">
-                                        <p:cTn id="18" dur="500" fill="hold"/>
-                                        <p:tgtEl>
-                                          <p:spTgt spid="6">
-                                            <p:txEl>
-                                              <p:pRg st="2" end="2"/>
                                             </p:txEl>
                                           </p:spTgt>
                                         </p:tgtEl>

--- a/Bootcamp_2013_Javascript.pptx
+++ b/Bootcamp_2013_Javascript.pptx
@@ -244,7 +244,7 @@
             <a:fld id="{EE6C105D-2CF9-41DB-85FD-D66740423677}" type="datetimeFigureOut">
               <a:rPr lang="nl-BE" smtClean="0"/>
               <a:pPr/>
-              <a:t>3/06/2013</a:t>
+              <a:t>5/06/2013</a:t>
             </a:fld>
             <a:endParaRPr lang="nl-BE"/>
           </a:p>
@@ -411,7 +411,7 @@
             <a:fld id="{EB0EBD4C-DAF9-4E72-A1A4-1160C8AA0ED9}" type="datetimeFigureOut">
               <a:rPr lang="nl-BE" smtClean="0"/>
               <a:pPr/>
-              <a:t>3/06/2013</a:t>
+              <a:t>5/06/2013</a:t>
             </a:fld>
             <a:endParaRPr lang="nl-BE"/>
           </a:p>
@@ -3833,7 +3833,9 @@
         </p:nvSpPr>
         <p:spPr/>
         <p:txBody>
-          <a:bodyPr/>
+          <a:bodyPr>
+            <a:normAutofit/>
+          </a:bodyPr>
           <a:lstStyle/>
           <a:p>
             <a:r>
@@ -3913,15 +3915,20 @@
             <a:pPr lvl="1"/>
             <a:r>
               <a:rPr lang="en-US" dirty="0" smtClean="0"/>
+              <a:t>Request </a:t>
+            </a:r>
+            <a:r>
+              <a:rPr lang="en-US" dirty="0"/>
+              <a:t>Handlers</a:t>
+            </a:r>
+          </a:p>
+          <a:p>
+            <a:pPr lvl="1"/>
+            <a:r>
+              <a:rPr lang="en-US" dirty="0" smtClean="0"/>
               <a:t>MVC Routing</a:t>
             </a:r>
-          </a:p>
-          <a:p>
-            <a:pPr lvl="1"/>
-            <a:r>
-              <a:rPr lang="en-US" dirty="0" smtClean="0"/>
-              <a:t>Request Handlers</a:t>
-            </a:r>
+            <a:endParaRPr lang="en-US" dirty="0" smtClean="0"/>
           </a:p>
         </p:txBody>
       </p:sp>
@@ -5198,6 +5205,88 @@
           </a:p>
         </p:txBody>
       </p:sp>
+      <p:pic>
+        <p:nvPicPr>
+          <p:cNvPr id="1026" name="Picture 2" descr="http://www.toychestnews.com/catalogimages/STK_IMAGES/STK440001-460000/STK442493.jpg"/>
+          <p:cNvPicPr>
+            <a:picLocks noChangeAspect="1" noChangeArrowheads="1"/>
+          </p:cNvPicPr>
+          <p:nvPr/>
+        </p:nvPicPr>
+        <p:blipFill>
+          <a:blip r:embed="rId5" cstate="print">
+            <a:extLst>
+              <a:ext uri="{28A0092B-C50C-407E-A947-70E740481C1C}">
+                <a14:useLocalDpi xmlns:a14="http://schemas.microsoft.com/office/drawing/2010/main" val="0"/>
+              </a:ext>
+            </a:extLst>
+          </a:blip>
+          <a:srcRect/>
+          <a:stretch>
+            <a:fillRect/>
+          </a:stretch>
+        </p:blipFill>
+        <p:spPr bwMode="auto">
+          <a:xfrm flipH="1">
+            <a:off x="7086600" y="1524000"/>
+            <a:ext cx="1253801" cy="1841398"/>
+          </a:xfrm>
+          <a:prstGeom prst="rect">
+            <a:avLst/>
+          </a:prstGeom>
+          <a:noFill/>
+          <a:extLst>
+            <a:ext uri="{909E8E84-426E-40DD-AFC4-6F175D3DCCD1}">
+              <a14:hiddenFill xmlns:a14="http://schemas.microsoft.com/office/drawing/2010/main">
+                <a:solidFill>
+                  <a:srgbClr val="FFFFFF"/>
+                </a:solidFill>
+              </a14:hiddenFill>
+            </a:ext>
+          </a:extLst>
+        </p:spPr>
+      </p:pic>
+      <p:pic>
+        <p:nvPicPr>
+          <p:cNvPr id="1028" name="Picture 4" descr="http://www.digital-loggers.com/vb.jpg"/>
+          <p:cNvPicPr>
+            <a:picLocks noChangeAspect="1" noChangeArrowheads="1"/>
+          </p:cNvPicPr>
+          <p:nvPr/>
+        </p:nvPicPr>
+        <p:blipFill>
+          <a:blip r:embed="rId6" cstate="print">
+            <a:extLst>
+              <a:ext uri="{28A0092B-C50C-407E-A947-70E740481C1C}">
+                <a14:useLocalDpi xmlns:a14="http://schemas.microsoft.com/office/drawing/2010/main" val="0"/>
+              </a:ext>
+            </a:extLst>
+          </a:blip>
+          <a:srcRect/>
+          <a:stretch>
+            <a:fillRect/>
+          </a:stretch>
+        </p:blipFill>
+        <p:spPr bwMode="auto">
+          <a:xfrm>
+            <a:off x="7338768" y="2479404"/>
+            <a:ext cx="749463" cy="399713"/>
+          </a:xfrm>
+          <a:prstGeom prst="rect">
+            <a:avLst/>
+          </a:prstGeom>
+          <a:noFill/>
+          <a:extLst>
+            <a:ext uri="{909E8E84-426E-40DD-AFC4-6F175D3DCCD1}">
+              <a14:hiddenFill xmlns:a14="http://schemas.microsoft.com/office/drawing/2010/main">
+                <a:solidFill>
+                  <a:srgbClr val="FFFFFF"/>
+                </a:solidFill>
+              </a14:hiddenFill>
+            </a:ext>
+          </a:extLst>
+        </p:spPr>
+      </p:pic>
     </p:spTree>
     <p:extLst>
       <p:ext uri="{BB962C8B-B14F-4D97-AF65-F5344CB8AC3E}">
@@ -5229,7 +5318,7 @@
                             </p:stCondLst>
                             <p:childTnLst>
                               <p:par>
-                                <p:cTn id="5" presetID="2" presetClass="entr" presetSubtype="4" fill="hold" grpId="0" nodeType="clickEffect">
+                                <p:cTn id="5" presetID="1" presetClass="entr" presetSubtype="0" fill="hold" nodeType="clickEffect">
                                   <p:stCondLst>
                                     <p:cond delay="0"/>
                                   </p:stCondLst>
@@ -5242,11 +5331,7 @@
                                           </p:stCondLst>
                                         </p:cTn>
                                         <p:tgtEl>
-                                          <p:spTgt spid="6">
-                                            <p:txEl>
-                                              <p:pRg st="0" end="0"/>
-                                            </p:txEl>
-                                          </p:spTgt>
+                                          <p:spTgt spid="1026"/>
                                         </p:tgtEl>
                                         <p:attrNameLst>
                                           <p:attrName>style.visibility</p:attrName>
@@ -5256,60 +5341,33 @@
                                         <p:strVal val="visible"/>
                                       </p:to>
                                     </p:set>
-                                    <p:anim calcmode="lin" valueType="num">
-                                      <p:cBhvr additive="base">
-                                        <p:cTn id="7" dur="500" fill="hold"/>
-                                        <p:tgtEl>
-                                          <p:spTgt spid="6">
-                                            <p:txEl>
-                                              <p:pRg st="0" end="0"/>
-                                            </p:txEl>
-                                          </p:spTgt>
-                                        </p:tgtEl>
-                                        <p:attrNameLst>
-                                          <p:attrName>ppt_x</p:attrName>
-                                        </p:attrNameLst>
-                                      </p:cBhvr>
-                                      <p:tavLst>
-                                        <p:tav tm="0">
-                                          <p:val>
-                                            <p:strVal val="#ppt_x"/>
-                                          </p:val>
-                                        </p:tav>
-                                        <p:tav tm="100000">
-                                          <p:val>
-                                            <p:strVal val="#ppt_x"/>
-                                          </p:val>
-                                        </p:tav>
-                                      </p:tavLst>
-                                    </p:anim>
-                                    <p:anim calcmode="lin" valueType="num">
-                                      <p:cBhvr additive="base">
-                                        <p:cTn id="8" dur="500" fill="hold"/>
-                                        <p:tgtEl>
-                                          <p:spTgt spid="6">
-                                            <p:txEl>
-                                              <p:pRg st="0" end="0"/>
-                                            </p:txEl>
-                                          </p:spTgt>
-                                        </p:tgtEl>
-                                        <p:attrNameLst>
-                                          <p:attrName>ppt_y</p:attrName>
-                                        </p:attrNameLst>
-                                      </p:cBhvr>
-                                      <p:tavLst>
-                                        <p:tav tm="0">
-                                          <p:val>
-                                            <p:strVal val="1+#ppt_h/2"/>
-                                          </p:val>
-                                        </p:tav>
-                                        <p:tav tm="100000">
-                                          <p:val>
-                                            <p:strVal val="#ppt_y"/>
-                                          </p:val>
-                                        </p:tav>
-                                      </p:tavLst>
-                                    </p:anim>
+                                  </p:childTnLst>
+                                </p:cTn>
+                              </p:par>
+                              <p:par>
+                                <p:cTn id="7" presetID="1" presetClass="entr" presetSubtype="0" fill="hold" nodeType="withEffect">
+                                  <p:stCondLst>
+                                    <p:cond delay="0"/>
+                                  </p:stCondLst>
+                                  <p:childTnLst>
+                                    <p:set>
+                                      <p:cBhvr>
+                                        <p:cTn id="8" dur="1" fill="hold">
+                                          <p:stCondLst>
+                                            <p:cond delay="0"/>
+                                          </p:stCondLst>
+                                        </p:cTn>
+                                        <p:tgtEl>
+                                          <p:spTgt spid="1028"/>
+                                        </p:tgtEl>
+                                        <p:attrNameLst>
+                                          <p:attrName>style.visibility</p:attrName>
+                                        </p:attrNameLst>
+                                      </p:cBhvr>
+                                      <p:to>
+                                        <p:strVal val="visible"/>
+                                      </p:to>
+                                    </p:set>
                                   </p:childTnLst>
                                 </p:cTn>
                               </p:par>
@@ -5347,7 +5405,7 @@
                                         <p:tgtEl>
                                           <p:spTgt spid="6">
                                             <p:txEl>
-                                              <p:pRg st="1" end="1"/>
+                                              <p:pRg st="0" end="0"/>
                                             </p:txEl>
                                           </p:spTgt>
                                         </p:tgtEl>
@@ -5365,7 +5423,7 @@
                                         <p:tgtEl>
                                           <p:spTgt spid="6">
                                             <p:txEl>
-                                              <p:pRg st="1" end="1"/>
+                                              <p:pRg st="0" end="0"/>
                                             </p:txEl>
                                           </p:spTgt>
                                         </p:tgtEl>
@@ -5392,7 +5450,7 @@
                                         <p:tgtEl>
                                           <p:spTgt spid="6">
                                             <p:txEl>
-                                              <p:pRg st="1" end="1"/>
+                                              <p:pRg st="0" end="0"/>
                                             </p:txEl>
                                           </p:spTgt>
                                         </p:tgtEl>
@@ -5450,7 +5508,7 @@
                                         <p:tgtEl>
                                           <p:spTgt spid="6">
                                             <p:txEl>
-                                              <p:pRg st="2" end="2"/>
+                                              <p:pRg st="1" end="1"/>
                                             </p:txEl>
                                           </p:spTgt>
                                         </p:tgtEl>
@@ -5468,7 +5526,7 @@
                                         <p:tgtEl>
                                           <p:spTgt spid="6">
                                             <p:txEl>
-                                              <p:pRg st="2" end="2"/>
+                                              <p:pRg st="1" end="1"/>
                                             </p:txEl>
                                           </p:spTgt>
                                         </p:tgtEl>
@@ -5495,7 +5553,7 @@
                                         <p:tgtEl>
                                           <p:spTgt spid="6">
                                             <p:txEl>
-                                              <p:pRg st="2" end="2"/>
+                                              <p:pRg st="1" end="1"/>
                                             </p:txEl>
                                           </p:spTgt>
                                         </p:tgtEl>
@@ -5553,7 +5611,7 @@
                                         <p:tgtEl>
                                           <p:spTgt spid="6">
                                             <p:txEl>
-                                              <p:pRg st="3" end="3"/>
+                                              <p:pRg st="2" end="2"/>
                                             </p:txEl>
                                           </p:spTgt>
                                         </p:tgtEl>
@@ -5571,7 +5629,7 @@
                                         <p:tgtEl>
                                           <p:spTgt spid="6">
                                             <p:txEl>
-                                              <p:pRg st="3" end="3"/>
+                                              <p:pRg st="2" end="2"/>
                                             </p:txEl>
                                           </p:spTgt>
                                         </p:tgtEl>
@@ -5598,7 +5656,7 @@
                                         <p:tgtEl>
                                           <p:spTgt spid="6">
                                             <p:txEl>
-                                              <p:pRg st="3" end="3"/>
+                                              <p:pRg st="2" end="2"/>
                                             </p:txEl>
                                           </p:spTgt>
                                         </p:tgtEl>
@@ -5656,7 +5714,7 @@
                                         <p:tgtEl>
                                           <p:spTgt spid="6">
                                             <p:txEl>
-                                              <p:pRg st="4" end="4"/>
+                                              <p:pRg st="3" end="3"/>
                                             </p:txEl>
                                           </p:spTgt>
                                         </p:tgtEl>
@@ -5674,7 +5732,7 @@
                                         <p:tgtEl>
                                           <p:spTgt spid="6">
                                             <p:txEl>
-                                              <p:pRg st="4" end="4"/>
+                                              <p:pRg st="3" end="3"/>
                                             </p:txEl>
                                           </p:spTgt>
                                         </p:tgtEl>
@@ -5701,7 +5759,7 @@
                                         <p:tgtEl>
                                           <p:spTgt spid="6">
                                             <p:txEl>
-                                              <p:pRg st="4" end="4"/>
+                                              <p:pRg st="3" end="3"/>
                                             </p:txEl>
                                           </p:spTgt>
                                         </p:tgtEl>
@@ -5759,7 +5817,7 @@
                                         <p:tgtEl>
                                           <p:spTgt spid="6">
                                             <p:txEl>
-                                              <p:pRg st="5" end="5"/>
+                                              <p:pRg st="4" end="4"/>
                                             </p:txEl>
                                           </p:spTgt>
                                         </p:tgtEl>
@@ -5777,7 +5835,7 @@
                                         <p:tgtEl>
                                           <p:spTgt spid="6">
                                             <p:txEl>
-                                              <p:pRg st="5" end="5"/>
+                                              <p:pRg st="4" end="4"/>
                                             </p:txEl>
                                           </p:spTgt>
                                         </p:tgtEl>
@@ -5804,7 +5862,7 @@
                                         <p:tgtEl>
                                           <p:spTgt spid="6">
                                             <p:txEl>
-                                              <p:pRg st="5" end="5"/>
+                                              <p:pRg st="4" end="4"/>
                                             </p:txEl>
                                           </p:spTgt>
                                         </p:tgtEl>
@@ -5862,7 +5920,7 @@
                                         <p:tgtEl>
                                           <p:spTgt spid="6">
                                             <p:txEl>
-                                              <p:pRg st="6" end="6"/>
+                                              <p:pRg st="5" end="5"/>
                                             </p:txEl>
                                           </p:spTgt>
                                         </p:tgtEl>
@@ -5880,7 +5938,7 @@
                                         <p:tgtEl>
                                           <p:spTgt spid="6">
                                             <p:txEl>
-                                              <p:pRg st="6" end="6"/>
+                                              <p:pRg st="5" end="5"/>
                                             </p:txEl>
                                           </p:spTgt>
                                         </p:tgtEl>
@@ -5907,7 +5965,7 @@
                                         <p:tgtEl>
                                           <p:spTgt spid="6">
                                             <p:txEl>
-                                              <p:pRg st="6" end="6"/>
+                                              <p:pRg st="5" end="5"/>
                                             </p:txEl>
                                           </p:spTgt>
                                         </p:tgtEl>
@@ -5965,7 +6023,7 @@
                                         <p:tgtEl>
                                           <p:spTgt spid="6">
                                             <p:txEl>
-                                              <p:pRg st="7" end="7"/>
+                                              <p:pRg st="6" end="6"/>
                                             </p:txEl>
                                           </p:spTgt>
                                         </p:tgtEl>
@@ -5983,7 +6041,7 @@
                                         <p:tgtEl>
                                           <p:spTgt spid="6">
                                             <p:txEl>
-                                              <p:pRg st="7" end="7"/>
+                                              <p:pRg st="6" end="6"/>
                                             </p:txEl>
                                           </p:spTgt>
                                         </p:tgtEl>
@@ -6007,6 +6065,109 @@
                                     <p:anim calcmode="lin" valueType="num">
                                       <p:cBhvr additive="base">
                                         <p:cTn id="50" dur="500" fill="hold"/>
+                                        <p:tgtEl>
+                                          <p:spTgt spid="6">
+                                            <p:txEl>
+                                              <p:pRg st="6" end="6"/>
+                                            </p:txEl>
+                                          </p:spTgt>
+                                        </p:tgtEl>
+                                        <p:attrNameLst>
+                                          <p:attrName>ppt_y</p:attrName>
+                                        </p:attrNameLst>
+                                      </p:cBhvr>
+                                      <p:tavLst>
+                                        <p:tav tm="0">
+                                          <p:val>
+                                            <p:strVal val="1+#ppt_h/2"/>
+                                          </p:val>
+                                        </p:tav>
+                                        <p:tav tm="100000">
+                                          <p:val>
+                                            <p:strVal val="#ppt_y"/>
+                                          </p:val>
+                                        </p:tav>
+                                      </p:tavLst>
+                                    </p:anim>
+                                  </p:childTnLst>
+                                </p:cTn>
+                              </p:par>
+                            </p:childTnLst>
+                          </p:cTn>
+                        </p:par>
+                      </p:childTnLst>
+                    </p:cTn>
+                  </p:par>
+                  <p:par>
+                    <p:cTn id="51" fill="hold">
+                      <p:stCondLst>
+                        <p:cond delay="indefinite"/>
+                      </p:stCondLst>
+                      <p:childTnLst>
+                        <p:par>
+                          <p:cTn id="52" fill="hold">
+                            <p:stCondLst>
+                              <p:cond delay="0"/>
+                            </p:stCondLst>
+                            <p:childTnLst>
+                              <p:par>
+                                <p:cTn id="53" presetID="2" presetClass="entr" presetSubtype="4" fill="hold" grpId="0" nodeType="clickEffect">
+                                  <p:stCondLst>
+                                    <p:cond delay="0"/>
+                                  </p:stCondLst>
+                                  <p:childTnLst>
+                                    <p:set>
+                                      <p:cBhvr>
+                                        <p:cTn id="54" dur="1" fill="hold">
+                                          <p:stCondLst>
+                                            <p:cond delay="0"/>
+                                          </p:stCondLst>
+                                        </p:cTn>
+                                        <p:tgtEl>
+                                          <p:spTgt spid="6">
+                                            <p:txEl>
+                                              <p:pRg st="7" end="7"/>
+                                            </p:txEl>
+                                          </p:spTgt>
+                                        </p:tgtEl>
+                                        <p:attrNameLst>
+                                          <p:attrName>style.visibility</p:attrName>
+                                        </p:attrNameLst>
+                                      </p:cBhvr>
+                                      <p:to>
+                                        <p:strVal val="visible"/>
+                                      </p:to>
+                                    </p:set>
+                                    <p:anim calcmode="lin" valueType="num">
+                                      <p:cBhvr additive="base">
+                                        <p:cTn id="55" dur="500" fill="hold"/>
+                                        <p:tgtEl>
+                                          <p:spTgt spid="6">
+                                            <p:txEl>
+                                              <p:pRg st="7" end="7"/>
+                                            </p:txEl>
+                                          </p:spTgt>
+                                        </p:tgtEl>
+                                        <p:attrNameLst>
+                                          <p:attrName>ppt_x</p:attrName>
+                                        </p:attrNameLst>
+                                      </p:cBhvr>
+                                      <p:tavLst>
+                                        <p:tav tm="0">
+                                          <p:val>
+                                            <p:strVal val="#ppt_x"/>
+                                          </p:val>
+                                        </p:tav>
+                                        <p:tav tm="100000">
+                                          <p:val>
+                                            <p:strVal val="#ppt_x"/>
+                                          </p:val>
+                                        </p:tav>
+                                      </p:tavLst>
+                                    </p:anim>
+                                    <p:anim calcmode="lin" valueType="num">
+                                      <p:cBhvr additive="base">
+                                        <p:cTn id="56" dur="500" fill="hold"/>
                                         <p:tgtEl>
                                           <p:spTgt spid="6">
                                             <p:txEl>
@@ -6131,13 +6292,8 @@
           <a:p>
             <a:r>
               <a:rPr lang="en-US" dirty="0" smtClean="0"/>
-              <a:t>Debugger</a:t>
-            </a:r>
-            <a:r>
-              <a:rPr lang="en-US" dirty="0" smtClean="0"/>
-              <a:t>;</a:t>
-            </a:r>
-            <a:endParaRPr lang="en-US" dirty="0" smtClean="0"/>
+              <a:t>Debugger;</a:t>
+            </a:r>
           </a:p>
         </p:txBody>
       </p:sp>
@@ -17175,7 +17331,7 @@
         <p:spPr>
           <a:xfrm>
             <a:off x="5334000" y="2039385"/>
-            <a:ext cx="2329548" cy="646331"/>
+            <a:ext cx="2329548" cy="923330"/>
           </a:xfrm>
           <a:prstGeom prst="rect">
             <a:avLst/>
@@ -17204,7 +17360,24 @@
             </a:br>
             <a:r>
               <a:rPr lang="en-US" dirty="0" smtClean="0"/>
-              <a:t>(Expires header)</a:t>
+              <a:t>(Expires header</a:t>
+            </a:r>
+            <a:r>
+              <a:rPr lang="en-US" dirty="0" smtClean="0"/>
+              <a:t>)</a:t>
+            </a:r>
+          </a:p>
+          <a:p>
+            <a:pPr marL="342900" indent="-342900">
+              <a:buClr>
+                <a:schemeClr val="accent2"/>
+              </a:buClr>
+              <a:buFont typeface="Wingdings" panose="05000000000000000000" pitchFamily="2" charset="2"/>
+              <a:buChar char="§"/>
+            </a:pPr>
+            <a:r>
+              <a:rPr lang="en-US" dirty="0" smtClean="0"/>
+              <a:t>Cache Buster!</a:t>
             </a:r>
             <a:endParaRPr lang="nl-BE" dirty="0"/>
           </a:p>
@@ -17891,7 +18064,6 @@
               <a:rPr lang="en-US" dirty="0" smtClean="0"/>
               <a:t> on files</a:t>
             </a:r>
-            <a:endParaRPr lang="en-US" dirty="0" smtClean="0"/>
           </a:p>
           <a:p>
             <a:pPr lvl="1"/>
@@ -19347,18 +19519,18 @@
 </file>
 
 <file path=customXml/item1.xml><?xml version="1.0" encoding="utf-8"?>
+<p:properties xmlns:p="http://schemas.microsoft.com/office/2006/metadata/properties" xmlns:xsi="http://www.w3.org/2001/XMLSchema-instance" xmlns:pc="http://schemas.microsoft.com/office/infopath/2007/PartnerControls">
+  <documentManagement/>
+</p:properties>
+</file>
+
+<file path=customXml/item2.xml><?xml version="1.0" encoding="utf-8"?>
 <?mso-contentType ?>
 <FormTemplates xmlns="http://schemas.microsoft.com/sharepoint/v3/contenttype/forms">
   <Display>DocumentLibraryForm</Display>
   <Edit>DocumentLibraryForm</Edit>
   <New>DocumentLibraryForm</New>
 </FormTemplates>
-</file>
-
-<file path=customXml/item2.xml><?xml version="1.0" encoding="utf-8"?>
-<p:properties xmlns:p="http://schemas.microsoft.com/office/2006/metadata/properties" xmlns:xsi="http://www.w3.org/2001/XMLSchema-instance" xmlns:pc="http://schemas.microsoft.com/office/infopath/2007/PartnerControls">
-  <documentManagement/>
-</p:properties>
 </file>
 
 <file path=customXml/item3.xml><?xml version="1.0" encoding="utf-8"?>
@@ -19476,14 +19648,6 @@
 </file>
 
 <file path=customXml/itemProps1.xml><?xml version="1.0" encoding="utf-8"?>
-<ds:datastoreItem xmlns:ds="http://schemas.openxmlformats.org/officeDocument/2006/customXml" ds:itemID="{D1F7498C-F9C2-422B-BC41-0960A3F778D1}">
-  <ds:schemaRefs>
-    <ds:schemaRef ds:uri="http://schemas.microsoft.com/sharepoint/v3/contenttype/forms"/>
-  </ds:schemaRefs>
-</ds:datastoreItem>
-</file>
-
-<file path=customXml/itemProps2.xml><?xml version="1.0" encoding="utf-8"?>
 <ds:datastoreItem xmlns:ds="http://schemas.openxmlformats.org/officeDocument/2006/customXml" ds:itemID="{99174808-9C2B-4902-8C9D-44348A1FD8BB}">
   <ds:schemaRefs>
     <ds:schemaRef ds:uri="http://purl.org/dc/dcmitype/"/>
@@ -19494,6 +19658,14 @@
     <ds:schemaRef ds:uri="http://purl.org/dc/elements/1.1/"/>
     <ds:schemaRef ds:uri="http://schemas.openxmlformats.org/package/2006/metadata/core-properties"/>
     <ds:schemaRef ds:uri="http://schemas.microsoft.com/office/infopath/2007/PartnerControls"/>
+  </ds:schemaRefs>
+</ds:datastoreItem>
+</file>
+
+<file path=customXml/itemProps2.xml><?xml version="1.0" encoding="utf-8"?>
+<ds:datastoreItem xmlns:ds="http://schemas.openxmlformats.org/officeDocument/2006/customXml" ds:itemID="{D1F7498C-F9C2-422B-BC41-0960A3F778D1}">
+  <ds:schemaRefs>
+    <ds:schemaRef ds:uri="http://schemas.microsoft.com/sharepoint/v3/contenttype/forms"/>
   </ds:schemaRefs>
 </ds:datastoreItem>
 </file>

--- a/Bootcamp_2013_Javascript.pptx
+++ b/Bootcamp_2013_Javascript.pptx
@@ -5,10 +5,10 @@
     <p:sldMasterId id="2147483648" r:id="rId4"/>
   </p:sldMasterIdLst>
   <p:notesMasterIdLst>
-    <p:notesMasterId r:id="rId24"/>
+    <p:notesMasterId r:id="rId25"/>
   </p:notesMasterIdLst>
   <p:handoutMasterIdLst>
-    <p:handoutMasterId r:id="rId25"/>
+    <p:handoutMasterId r:id="rId26"/>
   </p:handoutMasterIdLst>
   <p:sldIdLst>
     <p:sldId id="256" r:id="rId5"/>
@@ -17,19 +17,20 @@
     <p:sldId id="263" r:id="rId8"/>
     <p:sldId id="279" r:id="rId9"/>
     <p:sldId id="278" r:id="rId10"/>
-    <p:sldId id="268" r:id="rId11"/>
-    <p:sldId id="277" r:id="rId12"/>
-    <p:sldId id="265" r:id="rId13"/>
-    <p:sldId id="276" r:id="rId14"/>
-    <p:sldId id="266" r:id="rId15"/>
-    <p:sldId id="267" r:id="rId16"/>
-    <p:sldId id="269" r:id="rId17"/>
-    <p:sldId id="272" r:id="rId18"/>
-    <p:sldId id="273" r:id="rId19"/>
-    <p:sldId id="274" r:id="rId20"/>
-    <p:sldId id="280" r:id="rId21"/>
-    <p:sldId id="281" r:id="rId22"/>
-    <p:sldId id="275" r:id="rId23"/>
+    <p:sldId id="282" r:id="rId11"/>
+    <p:sldId id="268" r:id="rId12"/>
+    <p:sldId id="277" r:id="rId13"/>
+    <p:sldId id="265" r:id="rId14"/>
+    <p:sldId id="276" r:id="rId15"/>
+    <p:sldId id="266" r:id="rId16"/>
+    <p:sldId id="267" r:id="rId17"/>
+    <p:sldId id="269" r:id="rId18"/>
+    <p:sldId id="272" r:id="rId19"/>
+    <p:sldId id="273" r:id="rId20"/>
+    <p:sldId id="274" r:id="rId21"/>
+    <p:sldId id="280" r:id="rId22"/>
+    <p:sldId id="281" r:id="rId23"/>
+    <p:sldId id="275" r:id="rId24"/>
   </p:sldIdLst>
   <p:sldSz cx="9144000" cy="6858000" type="screen4x3"/>
   <p:notesSz cx="6858000" cy="9144000"/>
@@ -130,7 +131,7 @@
   </p:defaultTextStyle>
   <p:extLst>
     <p:ext uri="{EFAFB233-063F-42B5-8137-9DF3F51BA10A}">
-      <p15:sldGuideLst xmlns:p15="http://schemas.microsoft.com/office/powerpoint/2012/main">
+      <p15:sldGuideLst xmlns:p15="http://schemas.microsoft.com/office/powerpoint/2012/main" xmlns="">
         <p15:guide id="1" orient="horz" pos="2160">
           <p15:clr>
             <a:srgbClr val="A4A3A4"/>
@@ -144,7 +145,7 @@
       </p15:sldGuideLst>
     </p:ext>
     <p:ext uri="{2D200454-40CA-4A62-9FC3-DE9A4176ACB9}">
-      <p15:notesGuideLst xmlns:p15="http://schemas.microsoft.com/office/powerpoint/2012/main">
+      <p15:notesGuideLst xmlns:p15="http://schemas.microsoft.com/office/powerpoint/2012/main" xmlns="">
         <p15:guide id="1" orient="horz" pos="2880">
           <p15:clr>
             <a:srgbClr val="A4A3A4"/>
@@ -320,7 +321,7 @@
     </p:spTree>
     <p:extLst>
       <p:ext uri="{BB962C8B-B14F-4D97-AF65-F5344CB8AC3E}">
-        <p14:creationId xmlns:p14="http://schemas.microsoft.com/office/powerpoint/2010/main" val="3153120616"/>
+        <p14:creationId xmlns:p14="http://schemas.microsoft.com/office/powerpoint/2010/main" xmlns="" val="3153120616"/>
       </p:ext>
     </p:extLst>
   </p:cSld>
@@ -582,7 +583,7 @@
     </p:spTree>
     <p:extLst>
       <p:ext uri="{BB962C8B-B14F-4D97-AF65-F5344CB8AC3E}">
-        <p14:creationId xmlns:p14="http://schemas.microsoft.com/office/powerpoint/2010/main" val="3581364128"/>
+        <p14:creationId xmlns:p14="http://schemas.microsoft.com/office/powerpoint/2010/main" xmlns="" val="3581364128"/>
       </p:ext>
     </p:extLst>
   </p:cSld>
@@ -757,7 +758,7 @@
     </p:spTree>
     <p:extLst>
       <p:ext uri="{BB962C8B-B14F-4D97-AF65-F5344CB8AC3E}">
-        <p14:creationId xmlns:p14="http://schemas.microsoft.com/office/powerpoint/2010/main" val="3350252289"/>
+        <p14:creationId xmlns:p14="http://schemas.microsoft.com/office/powerpoint/2010/main" xmlns="" val="3350252289"/>
       </p:ext>
     </p:extLst>
   </p:cSld>
@@ -811,20 +812,6 @@
           <a:bodyPr/>
           <a:lstStyle/>
           <a:p>
-            <a:r>
-              <a:rPr lang="en-US" dirty="0" smtClean="0"/>
-              <a:t>It’s one of the two not both… unless you have node.js</a:t>
-            </a:r>
-            <a:r>
-              <a:rPr lang="en-US" baseline="0" dirty="0" smtClean="0"/>
-              <a:t> </a:t>
-            </a:r>
-            <a:r>
-              <a:rPr lang="en-US" baseline="0" dirty="0" smtClean="0">
-                <a:sym typeface="Wingdings" panose="05000000000000000000" pitchFamily="2" charset="2"/>
-              </a:rPr>
-              <a:t></a:t>
-            </a:r>
             <a:endParaRPr lang="nl-BE" dirty="0"/>
           </a:p>
         </p:txBody>
@@ -856,7 +843,7 @@
     </p:spTree>
     <p:extLst>
       <p:ext uri="{BB962C8B-B14F-4D97-AF65-F5344CB8AC3E}">
-        <p14:creationId xmlns:p14="http://schemas.microsoft.com/office/powerpoint/2010/main" val="318376778"/>
+        <p14:creationId xmlns:p14="http://schemas.microsoft.com/office/powerpoint/2010/main" xmlns="" val="3350252289"/>
       </p:ext>
     </p:extLst>
   </p:cSld>
@@ -924,31 +911,6 @@
               </a:rPr>
               <a:t></a:t>
             </a:r>
-          </a:p>
-          <a:p>
-            <a:endParaRPr lang="en-US" baseline="0" dirty="0" smtClean="0">
-              <a:sym typeface="Wingdings" panose="05000000000000000000" pitchFamily="2" charset="2"/>
-            </a:endParaRPr>
-          </a:p>
-          <a:p>
-            <a:r>
-              <a:rPr lang="en-US" baseline="0" dirty="0" smtClean="0">
-                <a:sym typeface="Wingdings" panose="05000000000000000000" pitchFamily="2" charset="2"/>
-              </a:rPr>
-              <a:t>@</a:t>
-            </a:r>
-            <a:r>
-              <a:rPr lang="en-US" baseline="0" dirty="0" err="1" smtClean="0">
-                <a:sym typeface="Wingdings" panose="05000000000000000000" pitchFamily="2" charset="2"/>
-              </a:rPr>
-              <a:t>Scripts.Render</a:t>
-            </a:r>
-            <a:r>
-              <a:rPr lang="en-US" baseline="0" dirty="0" smtClean="0">
-                <a:sym typeface="Wingdings" panose="05000000000000000000" pitchFamily="2" charset="2"/>
-              </a:rPr>
-              <a:t>(“”) must be used to use MVC 4 bundle caching</a:t>
-            </a:r>
             <a:endParaRPr lang="nl-BE" dirty="0"/>
           </a:p>
         </p:txBody>
@@ -980,7 +942,7 @@
     </p:spTree>
     <p:extLst>
       <p:ext uri="{BB962C8B-B14F-4D97-AF65-F5344CB8AC3E}">
-        <p14:creationId xmlns:p14="http://schemas.microsoft.com/office/powerpoint/2010/main" val="887362603"/>
+        <p14:creationId xmlns:p14="http://schemas.microsoft.com/office/powerpoint/2010/main" xmlns="" val="318376778"/>
       </p:ext>
     </p:extLst>
   </p:cSld>
@@ -1036,19 +998,42 @@
           <a:p>
             <a:r>
               <a:rPr lang="en-US" dirty="0" smtClean="0"/>
-              <a:t>A</a:t>
+              <a:t>It’s one of the two not both… unless you have node.js</a:t>
             </a:r>
             <a:r>
               <a:rPr lang="en-US" baseline="0" dirty="0" smtClean="0"/>
-              <a:t> number of proxy ignore </a:t>
-            </a:r>
-            <a:r>
-              <a:rPr lang="en-US" baseline="0" dirty="0" err="1" smtClean="0"/>
-              <a:t>querystring</a:t>
-            </a:r>
-            <a:r>
-              <a:rPr lang="en-US" baseline="0" dirty="0" smtClean="0"/>
-              <a:t> on files by default</a:t>
+              <a:t> </a:t>
+            </a:r>
+            <a:r>
+              <a:rPr lang="en-US" baseline="0" dirty="0" smtClean="0">
+                <a:sym typeface="Wingdings" panose="05000000000000000000" pitchFamily="2" charset="2"/>
+              </a:rPr>
+              <a:t></a:t>
+            </a:r>
+          </a:p>
+          <a:p>
+            <a:endParaRPr lang="en-US" baseline="0" dirty="0" smtClean="0">
+              <a:sym typeface="Wingdings" panose="05000000000000000000" pitchFamily="2" charset="2"/>
+            </a:endParaRPr>
+          </a:p>
+          <a:p>
+            <a:r>
+              <a:rPr lang="en-US" baseline="0" dirty="0" smtClean="0">
+                <a:sym typeface="Wingdings" panose="05000000000000000000" pitchFamily="2" charset="2"/>
+              </a:rPr>
+              <a:t>@</a:t>
+            </a:r>
+            <a:r>
+              <a:rPr lang="en-US" baseline="0" dirty="0" err="1" smtClean="0">
+                <a:sym typeface="Wingdings" panose="05000000000000000000" pitchFamily="2" charset="2"/>
+              </a:rPr>
+              <a:t>Scripts.Render</a:t>
+            </a:r>
+            <a:r>
+              <a:rPr lang="en-US" baseline="0" dirty="0" smtClean="0">
+                <a:sym typeface="Wingdings" panose="05000000000000000000" pitchFamily="2" charset="2"/>
+              </a:rPr>
+              <a:t>(“”) must be used to use MVC 4 bundle caching</a:t>
             </a:r>
             <a:endParaRPr lang="nl-BE" dirty="0"/>
           </a:p>
@@ -1081,7 +1066,7 @@
     </p:spTree>
     <p:extLst>
       <p:ext uri="{BB962C8B-B14F-4D97-AF65-F5344CB8AC3E}">
-        <p14:creationId xmlns:p14="http://schemas.microsoft.com/office/powerpoint/2010/main" val="2888998979"/>
+        <p14:creationId xmlns:p14="http://schemas.microsoft.com/office/powerpoint/2010/main" xmlns="" val="887362603"/>
       </p:ext>
     </p:extLst>
   </p:cSld>
@@ -1137,11 +1122,19 @@
           <a:p>
             <a:r>
               <a:rPr lang="en-US" dirty="0" smtClean="0"/>
-              <a:t>Pre ECMA3</a:t>
+              <a:t>A</a:t>
             </a:r>
             <a:r>
               <a:rPr lang="en-US" baseline="0" dirty="0" smtClean="0"/>
-              <a:t> = throws exception</a:t>
+              <a:t> number of proxy ignore </a:t>
+            </a:r>
+            <a:r>
+              <a:rPr lang="en-US" baseline="0" dirty="0" err="1" smtClean="0"/>
+              <a:t>querystring</a:t>
+            </a:r>
+            <a:r>
+              <a:rPr lang="en-US" baseline="0" dirty="0" smtClean="0"/>
+              <a:t> on files by default</a:t>
             </a:r>
             <a:endParaRPr lang="nl-BE" dirty="0"/>
           </a:p>
@@ -1165,7 +1158,7 @@
             <a:fld id="{D51253A1-6239-4477-A3B0-2072521666AE}" type="slidenum">
               <a:rPr lang="nl-BE" smtClean="0"/>
               <a:pPr/>
-              <a:t>11</a:t>
+              <a:t>10</a:t>
             </a:fld>
             <a:endParaRPr lang="nl-BE"/>
           </a:p>
@@ -1174,7 +1167,100 @@
     </p:spTree>
     <p:extLst>
       <p:ext uri="{BB962C8B-B14F-4D97-AF65-F5344CB8AC3E}">
-        <p14:creationId xmlns:p14="http://schemas.microsoft.com/office/powerpoint/2010/main" val="281400538"/>
+        <p14:creationId xmlns:p14="http://schemas.microsoft.com/office/powerpoint/2010/main" xmlns="" val="2888998979"/>
+      </p:ext>
+    </p:extLst>
+  </p:cSld>
+  <p:clrMapOvr>
+    <a:masterClrMapping/>
+  </p:clrMapOvr>
+</p:notes>
+</file>
+
+<file path=ppt/notesSlides/notesSlide6.xml><?xml version="1.0" encoding="utf-8"?>
+<p:notes xmlns:a="http://schemas.openxmlformats.org/drawingml/2006/main" xmlns:r="http://schemas.openxmlformats.org/officeDocument/2006/relationships" xmlns:p="http://schemas.openxmlformats.org/presentationml/2006/main">
+  <p:cSld>
+    <p:spTree>
+      <p:nvGrpSpPr>
+        <p:cNvPr id="1" name=""/>
+        <p:cNvGrpSpPr/>
+        <p:nvPr/>
+      </p:nvGrpSpPr>
+      <p:grpSpPr>
+        <a:xfrm>
+          <a:off x="0" y="0"/>
+          <a:ext cx="0" cy="0"/>
+          <a:chOff x="0" y="0"/>
+          <a:chExt cx="0" cy="0"/>
+        </a:xfrm>
+      </p:grpSpPr>
+      <p:sp>
+        <p:nvSpPr>
+          <p:cNvPr id="2" name="Slide Image Placeholder 1"/>
+          <p:cNvSpPr>
+            <a:spLocks noGrp="1" noRot="1" noChangeAspect="1"/>
+          </p:cNvSpPr>
+          <p:nvPr>
+            <p:ph type="sldImg"/>
+          </p:nvPr>
+        </p:nvSpPr>
+        <p:spPr/>
+      </p:sp>
+      <p:sp>
+        <p:nvSpPr>
+          <p:cNvPr id="3" name="Notes Placeholder 2"/>
+          <p:cNvSpPr>
+            <a:spLocks noGrp="1"/>
+          </p:cNvSpPr>
+          <p:nvPr>
+            <p:ph type="body" idx="1"/>
+          </p:nvPr>
+        </p:nvSpPr>
+        <p:spPr/>
+        <p:txBody>
+          <a:bodyPr/>
+          <a:lstStyle/>
+          <a:p>
+            <a:r>
+              <a:rPr lang="en-US" dirty="0" smtClean="0"/>
+              <a:t>Pre ECMA3</a:t>
+            </a:r>
+            <a:r>
+              <a:rPr lang="en-US" baseline="0" dirty="0" smtClean="0"/>
+              <a:t> = throws exception</a:t>
+            </a:r>
+            <a:endParaRPr lang="nl-BE" dirty="0"/>
+          </a:p>
+        </p:txBody>
+      </p:sp>
+      <p:sp>
+        <p:nvSpPr>
+          <p:cNvPr id="4" name="Slide Number Placeholder 3"/>
+          <p:cNvSpPr>
+            <a:spLocks noGrp="1"/>
+          </p:cNvSpPr>
+          <p:nvPr>
+            <p:ph type="sldNum" sz="quarter" idx="10"/>
+          </p:nvPr>
+        </p:nvSpPr>
+        <p:spPr/>
+        <p:txBody>
+          <a:bodyPr/>
+          <a:lstStyle/>
+          <a:p>
+            <a:fld id="{D51253A1-6239-4477-A3B0-2072521666AE}" type="slidenum">
+              <a:rPr lang="nl-BE" smtClean="0"/>
+              <a:pPr/>
+              <a:t>12</a:t>
+            </a:fld>
+            <a:endParaRPr lang="nl-BE"/>
+          </a:p>
+        </p:txBody>
+      </p:sp>
+    </p:spTree>
+    <p:extLst>
+      <p:ext uri="{BB962C8B-B14F-4D97-AF65-F5344CB8AC3E}">
+        <p14:creationId xmlns:p14="http://schemas.microsoft.com/office/powerpoint/2010/main" xmlns="" val="281400538"/>
       </p:ext>
     </p:extLst>
   </p:cSld>
@@ -1480,7 +1566,7 @@
           <a:blip r:embed="rId2" cstate="print">
             <a:extLst>
               <a:ext uri="{28A0092B-C50C-407E-A947-70E740481C1C}">
-                <a14:useLocalDpi xmlns:a14="http://schemas.microsoft.com/office/drawing/2010/main" val="0"/>
+                <a14:useLocalDpi xmlns:a14="http://schemas.microsoft.com/office/drawing/2010/main" xmlns="" val="0"/>
               </a:ext>
             </a:extLst>
           </a:blip>
@@ -1500,7 +1586,7 @@
           <a:noFill/>
           <a:extLst>
             <a:ext uri="{909E8E84-426E-40DD-AFC4-6F175D3DCCD1}">
-              <a14:hiddenFill xmlns:a14="http://schemas.microsoft.com/office/drawing/2010/main">
+              <a14:hiddenFill xmlns:a14="http://schemas.microsoft.com/office/drawing/2010/main" xmlns="">
                 <a:solidFill>
                   <a:srgbClr val="FFFFFF"/>
                 </a:solidFill>
@@ -1973,7 +2059,7 @@
     </p:spTree>
     <p:extLst>
       <p:ext uri="{BB962C8B-B14F-4D97-AF65-F5344CB8AC3E}">
-        <p14:creationId xmlns:p14="http://schemas.microsoft.com/office/powerpoint/2010/main" val="32359562"/>
+        <p14:creationId xmlns:p14="http://schemas.microsoft.com/office/powerpoint/2010/main" xmlns="" val="32359562"/>
       </p:ext>
     </p:extLst>
   </p:cSld>
@@ -2274,7 +2360,7 @@
           <a:blip r:embed="rId2" cstate="print">
             <a:extLst>
               <a:ext uri="{28A0092B-C50C-407E-A947-70E740481C1C}">
-                <a14:useLocalDpi xmlns:a14="http://schemas.microsoft.com/office/drawing/2010/main" val="0"/>
+                <a14:useLocalDpi xmlns:a14="http://schemas.microsoft.com/office/drawing/2010/main" xmlns="" val="0"/>
               </a:ext>
             </a:extLst>
           </a:blip>
@@ -2294,7 +2380,7 @@
           <a:noFill/>
           <a:extLst>
             <a:ext uri="{909E8E84-426E-40DD-AFC4-6F175D3DCCD1}">
-              <a14:hiddenFill xmlns:a14="http://schemas.microsoft.com/office/drawing/2010/main">
+              <a14:hiddenFill xmlns:a14="http://schemas.microsoft.com/office/drawing/2010/main" xmlns="">
                 <a:solidFill>
                   <a:srgbClr val="FFFFFF"/>
                 </a:solidFill>
@@ -2523,7 +2609,7 @@
           <a:blip r:embed="rId2" cstate="print">
             <a:extLst>
               <a:ext uri="{28A0092B-C50C-407E-A947-70E740481C1C}">
-                <a14:useLocalDpi xmlns:a14="http://schemas.microsoft.com/office/drawing/2010/main" val="0"/>
+                <a14:useLocalDpi xmlns:a14="http://schemas.microsoft.com/office/drawing/2010/main" xmlns="" val="0"/>
               </a:ext>
             </a:extLst>
           </a:blip>
@@ -2547,14 +2633,14 @@
           <a:effectLst/>
           <a:extLst>
             <a:ext uri="{909E8E84-426E-40DD-AFC4-6F175D3DCCD1}">
-              <a14:hiddenFill xmlns:a14="http://schemas.microsoft.com/office/drawing/2010/main">
+              <a14:hiddenFill xmlns:a14="http://schemas.microsoft.com/office/drawing/2010/main" xmlns="">
                 <a:solidFill>
                   <a:schemeClr val="accent1"/>
                 </a:solidFill>
               </a14:hiddenFill>
             </a:ext>
             <a:ext uri="{91240B29-F687-4F45-9708-019B960494DF}">
-              <a14:hiddenLine xmlns:a14="http://schemas.microsoft.com/office/drawing/2010/main" w="9525">
+              <a14:hiddenLine xmlns:a14="http://schemas.microsoft.com/office/drawing/2010/main" xmlns="" w="9525">
                 <a:solidFill>
                   <a:schemeClr val="tx1"/>
                 </a:solidFill>
@@ -2564,7 +2650,7 @@
               </a14:hiddenLine>
             </a:ext>
             <a:ext uri="{AF507438-7753-43E0-B8FC-AC1667EBCBE1}">
-              <a14:hiddenEffects xmlns:a14="http://schemas.microsoft.com/office/drawing/2010/main">
+              <a14:hiddenEffects xmlns:a14="http://schemas.microsoft.com/office/drawing/2010/main" xmlns="">
                 <a:effectLst>
                   <a:outerShdw dist="35921" dir="2700000" algn="ctr" rotWithShape="0">
                     <a:schemeClr val="bg2"/>
@@ -2658,7 +2744,7 @@
     </p:spTree>
     <p:extLst>
       <p:ext uri="{BB962C8B-B14F-4D97-AF65-F5344CB8AC3E}">
-        <p14:creationId xmlns:p14="http://schemas.microsoft.com/office/powerpoint/2010/main" val="3167805242"/>
+        <p14:creationId xmlns:p14="http://schemas.microsoft.com/office/powerpoint/2010/main" xmlns="" val="3167805242"/>
       </p:ext>
     </p:extLst>
   </p:cSld>
@@ -2784,7 +2870,7 @@
           <a:blip r:embed="rId2" cstate="print">
             <a:extLst>
               <a:ext uri="{28A0092B-C50C-407E-A947-70E740481C1C}">
-                <a14:useLocalDpi xmlns:a14="http://schemas.microsoft.com/office/drawing/2010/main" val="0"/>
+                <a14:useLocalDpi xmlns:a14="http://schemas.microsoft.com/office/drawing/2010/main" xmlns="" val="0"/>
               </a:ext>
             </a:extLst>
           </a:blip>
@@ -2804,7 +2890,7 @@
           <a:noFill/>
           <a:extLst>
             <a:ext uri="{909E8E84-426E-40DD-AFC4-6F175D3DCCD1}">
-              <a14:hiddenFill xmlns:a14="http://schemas.microsoft.com/office/drawing/2010/main">
+              <a14:hiddenFill xmlns:a14="http://schemas.microsoft.com/office/drawing/2010/main" xmlns="">
                 <a:solidFill>
                   <a:srgbClr val="FFFFFF"/>
                 </a:solidFill>
@@ -2816,7 +2902,7 @@
     </p:spTree>
     <p:extLst>
       <p:ext uri="{BB962C8B-B14F-4D97-AF65-F5344CB8AC3E}">
-        <p14:creationId xmlns:p14="http://schemas.microsoft.com/office/powerpoint/2010/main" val="1934964490"/>
+        <p14:creationId xmlns:p14="http://schemas.microsoft.com/office/powerpoint/2010/main" xmlns="" val="1934964490"/>
       </p:ext>
     </p:extLst>
   </p:cSld>
@@ -3248,7 +3334,7 @@
     </p:spTree>
     <p:extLst>
       <p:ext uri="{BB962C8B-B14F-4D97-AF65-F5344CB8AC3E}">
-        <p14:creationId xmlns:p14="http://schemas.microsoft.com/office/powerpoint/2010/main" val="161331180"/>
+        <p14:creationId xmlns:p14="http://schemas.microsoft.com/office/powerpoint/2010/main" xmlns="" val="161331180"/>
       </p:ext>
     </p:extLst>
   </p:cSld>
@@ -3394,7 +3480,7 @@
           <a:blip r:embed="rId10" cstate="print">
             <a:extLst>
               <a:ext uri="{28A0092B-C50C-407E-A947-70E740481C1C}">
-                <a14:useLocalDpi xmlns:a14="http://schemas.microsoft.com/office/drawing/2010/main" val="0"/>
+                <a14:useLocalDpi xmlns:a14="http://schemas.microsoft.com/office/drawing/2010/main" xmlns="" val="0"/>
               </a:ext>
             </a:extLst>
           </a:blip>
@@ -3414,7 +3500,7 @@
           <a:noFill/>
           <a:extLst>
             <a:ext uri="{909E8E84-426E-40DD-AFC4-6F175D3DCCD1}">
-              <a14:hiddenFill xmlns:a14="http://schemas.microsoft.com/office/drawing/2010/main">
+              <a14:hiddenFill xmlns:a14="http://schemas.microsoft.com/office/drawing/2010/main" xmlns="">
                 <a:solidFill>
                   <a:srgbClr val="FFFFFF"/>
                 </a:solidFill>
@@ -3764,7 +3850,7 @@
     </p:spTree>
     <p:extLst>
       <p:ext uri="{BB962C8B-B14F-4D97-AF65-F5344CB8AC3E}">
-        <p14:creationId xmlns:p14="http://schemas.microsoft.com/office/powerpoint/2010/main" val="2171318384"/>
+        <p14:creationId xmlns:p14="http://schemas.microsoft.com/office/powerpoint/2010/main" xmlns="" val="2171318384"/>
       </p:ext>
     </p:extLst>
   </p:cSld>
@@ -3833,109 +3919,195 @@
         </p:nvSpPr>
         <p:spPr/>
         <p:txBody>
-          <a:bodyPr>
-            <a:normAutofit/>
+          <a:bodyPr/>
+          <a:lstStyle/>
+          <a:p>
+            <a:r>
+              <a:rPr lang="en-US" dirty="0" smtClean="0"/>
+              <a:t>Don’t use </a:t>
+            </a:r>
+            <a:r>
+              <a:rPr lang="en-US" dirty="0" err="1" smtClean="0"/>
+              <a:t>querystrings</a:t>
+            </a:r>
+            <a:endParaRPr lang="en-US" dirty="0" smtClean="0"/>
+          </a:p>
+          <a:p>
+            <a:pPr lvl="1"/>
+            <a:r>
+              <a:rPr lang="en-US" dirty="0" smtClean="0"/>
+              <a:t>Proxies can be configured to ignore </a:t>
+            </a:r>
+            <a:r>
+              <a:rPr lang="en-US" dirty="0" err="1" smtClean="0"/>
+              <a:t>querystring</a:t>
+            </a:r>
+            <a:r>
+              <a:rPr lang="en-US" dirty="0" smtClean="0"/>
+              <a:t> on files</a:t>
+            </a:r>
+          </a:p>
+          <a:p>
+            <a:pPr lvl="1"/>
+            <a:r>
+              <a:rPr lang="en-US" dirty="0" smtClean="0">
+                <a:hlinkClick r:id="rId3"/>
+              </a:rPr>
+              <a:t>Section 13.9 from the HTTP Specifications</a:t>
+            </a:r>
+            <a:endParaRPr lang="en-US" dirty="0" smtClean="0"/>
+          </a:p>
+        </p:txBody>
+      </p:sp>
+      <p:sp>
+        <p:nvSpPr>
+          <p:cNvPr id="2" name="TextBox 1"/>
+          <p:cNvSpPr txBox="1"/>
+          <p:nvPr/>
+        </p:nvSpPr>
+        <p:spPr>
+          <a:xfrm>
+            <a:off x="621671" y="2823196"/>
+            <a:ext cx="7696199" cy="1661993"/>
+          </a:xfrm>
+          <a:prstGeom prst="rect">
+            <a:avLst/>
+          </a:prstGeom>
+          <a:noFill/>
+        </p:spPr>
+        <p:txBody>
+          <a:bodyPr wrap="square" rtlCol="0">
+            <a:spAutoFit/>
           </a:bodyPr>
           <a:lstStyle/>
           <a:p>
-            <a:r>
-              <a:rPr lang="en-US" dirty="0" smtClean="0"/>
-              <a:t>Version your file!</a:t>
-            </a:r>
-          </a:p>
-          <a:p>
-            <a:pPr lvl="1"/>
-            <a:r>
-              <a:rPr lang="en-US" dirty="0" smtClean="0"/>
-              <a:t>Timestamp			</a:t>
-            </a:r>
-          </a:p>
-          <a:p>
-            <a:pPr lvl="3"/>
-            <a:r>
-              <a:rPr lang="en-US" dirty="0" smtClean="0"/>
-              <a:t>Styles.</a:t>
-            </a:r>
-            <a:r>
-              <a:rPr lang="nl-BE" dirty="0" smtClean="0"/>
-              <a:t>1369296175102.css</a:t>
-            </a:r>
-            <a:endParaRPr lang="en-US" dirty="0" smtClean="0"/>
-          </a:p>
-          <a:p>
-            <a:pPr lvl="1"/>
-            <a:r>
-              <a:rPr lang="en-US" dirty="0" smtClean="0"/>
-              <a:t>Version number		</a:t>
-            </a:r>
-          </a:p>
-          <a:p>
-            <a:pPr lvl="3"/>
-            <a:r>
-              <a:rPr lang="en-US" dirty="0" smtClean="0"/>
-              <a:t>Styles.1.0.0.0.css</a:t>
-            </a:r>
-          </a:p>
-          <a:p>
-            <a:pPr lvl="1"/>
-            <a:r>
-              <a:rPr lang="en-US" dirty="0" smtClean="0"/>
-              <a:t>MD5				</a:t>
-            </a:r>
-          </a:p>
-          <a:p>
-            <a:pPr lvl="3"/>
-            <a:r>
-              <a:rPr lang="en-US" dirty="0" smtClean="0"/>
-              <a:t>Styles.Cbaa7269c72b8711cdf6266de0e9dffe.css</a:t>
-            </a:r>
-          </a:p>
-          <a:p>
-            <a:r>
-              <a:rPr lang="en-US" dirty="0" smtClean="0"/>
-              <a:t>Can be automated!</a:t>
-            </a:r>
-          </a:p>
-          <a:p>
-            <a:pPr lvl="1"/>
-            <a:r>
-              <a:rPr lang="en-US" dirty="0" smtClean="0"/>
-              <a:t>IIS Rewrite Rules ( handles it before </a:t>
-            </a:r>
-            <a:r>
-              <a:rPr lang="en-US" dirty="0" err="1" smtClean="0"/>
-              <a:t>.net</a:t>
-            </a:r>
-            <a:r>
-              <a:rPr lang="en-US" dirty="0" smtClean="0"/>
-              <a:t> runtime! )</a:t>
-            </a:r>
-          </a:p>
-          <a:p>
-            <a:pPr lvl="1"/>
-            <a:r>
-              <a:rPr lang="en-US" dirty="0" smtClean="0"/>
-              <a:t>Request </a:t>
-            </a:r>
-            <a:r>
-              <a:rPr lang="en-US" dirty="0"/>
-              <a:t>Handlers</a:t>
-            </a:r>
-          </a:p>
-          <a:p>
-            <a:pPr lvl="1"/>
-            <a:r>
-              <a:rPr lang="en-US" dirty="0" smtClean="0"/>
-              <a:t>MVC Routing</a:t>
-            </a:r>
-            <a:endParaRPr lang="en-US" dirty="0" smtClean="0"/>
+            <a:pPr fontAlgn="base"/>
+            <a:r>
+              <a:rPr lang="en-US" sz="1100" b="1" i="1" dirty="0"/>
+              <a:t>13.9 Side Effects of GET and </a:t>
+            </a:r>
+            <a:r>
+              <a:rPr lang="en-US" sz="1100" b="1" i="1" dirty="0" smtClean="0"/>
+              <a:t>HEAD</a:t>
+            </a:r>
+          </a:p>
+          <a:p>
+            <a:pPr fontAlgn="base"/>
+            <a:endParaRPr lang="en-US" sz="1100" i="1" dirty="0"/>
+          </a:p>
+          <a:p>
+            <a:pPr fontAlgn="base"/>
+            <a:r>
+              <a:rPr lang="en-US" sz="1100" i="1" dirty="0" smtClean="0"/>
+              <a:t>…</a:t>
+            </a:r>
+          </a:p>
+          <a:p>
+            <a:pPr fontAlgn="base"/>
+            <a:endParaRPr lang="en-US" sz="1100" i="1" dirty="0"/>
+          </a:p>
+          <a:p>
+            <a:pPr fontAlgn="base"/>
+            <a:r>
+              <a:rPr lang="en-US" sz="1100" i="1" dirty="0"/>
+              <a:t>We note one exception to this rule: since some applications have traditionally used GETs and HEADs with query URLs (those containing a “?” in the </a:t>
+            </a:r>
+            <a:r>
+              <a:rPr lang="en-US" sz="1100" i="1" dirty="0" err="1"/>
+              <a:t>rel_path</a:t>
+            </a:r>
+            <a:r>
+              <a:rPr lang="en-US" sz="1100" i="1" dirty="0"/>
+              <a:t> part) to perform operations with significant side effects, caches MUST NOT treat responses to such URIs as fresh unless the server provides an explicit expiration time. </a:t>
+            </a:r>
+            <a:r>
+              <a:rPr lang="en-US" sz="1100" b="1" i="1" u="sng" dirty="0">
+                <a:solidFill>
+                  <a:srgbClr val="FF0000"/>
+                </a:solidFill>
+              </a:rPr>
+              <a:t>This specifically means that responses from HTTP/1.0 servers for such URIs SHOULD NOT be taken from a cache</a:t>
+            </a:r>
+            <a:r>
+              <a:rPr lang="en-US" sz="1100" i="1" dirty="0"/>
+              <a:t>. See section 9.1.1 for related information.</a:t>
+            </a:r>
+          </a:p>
+          <a:p>
+            <a:endParaRPr lang="nl-BE" sz="1400" dirty="0"/>
+          </a:p>
+        </p:txBody>
+      </p:sp>
+      <p:sp>
+        <p:nvSpPr>
+          <p:cNvPr id="7" name="TextBox 6"/>
+          <p:cNvSpPr txBox="1"/>
+          <p:nvPr/>
+        </p:nvSpPr>
+        <p:spPr>
+          <a:xfrm>
+            <a:off x="621672" y="4704301"/>
+            <a:ext cx="7696199" cy="1492716"/>
+          </a:xfrm>
+          <a:prstGeom prst="rect">
+            <a:avLst/>
+          </a:prstGeom>
+          <a:noFill/>
+        </p:spPr>
+        <p:txBody>
+          <a:bodyPr wrap="square" rtlCol="0">
+            <a:spAutoFit/>
+          </a:bodyPr>
+          <a:lstStyle/>
+          <a:p>
+            <a:r>
+              <a:rPr lang="en-US" sz="1100" b="1" i="1" dirty="0"/>
+              <a:t>9.1.1 Safe </a:t>
+            </a:r>
+            <a:r>
+              <a:rPr lang="en-US" sz="1100" b="1" i="1" dirty="0" smtClean="0"/>
+              <a:t>Methods</a:t>
+            </a:r>
+          </a:p>
+          <a:p>
+            <a:endParaRPr lang="en-US" sz="1100" b="1" i="1" dirty="0"/>
+          </a:p>
+          <a:p>
+            <a:r>
+              <a:rPr lang="en-US" sz="1100" i="1" dirty="0" smtClean="0"/>
+              <a:t>…</a:t>
+            </a:r>
+          </a:p>
+          <a:p>
+            <a:endParaRPr lang="en-US" sz="1100" i="1" dirty="0"/>
+          </a:p>
+          <a:p>
+            <a:r>
+              <a:rPr lang="en-US" sz="1100" i="1" dirty="0"/>
+              <a:t>Naturally, it is not possible to ensure that the server does not generate side-effects as a result of performing a GET request; in fact, some dynamic resources consider that a feature. </a:t>
+            </a:r>
+            <a:r>
+              <a:rPr lang="en-US" sz="1100" b="1" i="1" u="sng" dirty="0">
+                <a:solidFill>
+                  <a:srgbClr val="FF0000"/>
+                </a:solidFill>
+              </a:rPr>
+              <a:t>The important distinction here is that the user did not request the side-effects, so therefore cannot be held accountable for them</a:t>
+            </a:r>
+            <a:r>
+              <a:rPr lang="en-US" sz="1100" i="1" dirty="0"/>
+              <a:t>.</a:t>
+            </a:r>
+          </a:p>
+          <a:p>
+            <a:endParaRPr lang="nl-BE" sz="1400" dirty="0"/>
           </a:p>
         </p:txBody>
       </p:sp>
     </p:spTree>
     <p:extLst>
       <p:ext uri="{BB962C8B-B14F-4D97-AF65-F5344CB8AC3E}">
-        <p14:creationId xmlns:p14="http://schemas.microsoft.com/office/powerpoint/2010/main" val="4157722389"/>
+        <p14:creationId xmlns:p14="http://schemas.microsoft.com/office/powerpoint/2010/main" xmlns="" val="3219053044"/>
       </p:ext>
     </p:extLst>
   </p:cSld>
@@ -4047,6 +4219,659 @@
                                   </p:childTnLst>
                                 </p:cTn>
                               </p:par>
+                              <p:par>
+                                <p:cTn id="9" presetID="2" presetClass="entr" presetSubtype="4" fill="hold" grpId="0" nodeType="withEffect">
+                                  <p:stCondLst>
+                                    <p:cond delay="0"/>
+                                  </p:stCondLst>
+                                  <p:childTnLst>
+                                    <p:set>
+                                      <p:cBhvr>
+                                        <p:cTn id="10" dur="1" fill="hold">
+                                          <p:stCondLst>
+                                            <p:cond delay="0"/>
+                                          </p:stCondLst>
+                                        </p:cTn>
+                                        <p:tgtEl>
+                                          <p:spTgt spid="6">
+                                            <p:txEl>
+                                              <p:pRg st="1" end="1"/>
+                                            </p:txEl>
+                                          </p:spTgt>
+                                        </p:tgtEl>
+                                        <p:attrNameLst>
+                                          <p:attrName>style.visibility</p:attrName>
+                                        </p:attrNameLst>
+                                      </p:cBhvr>
+                                      <p:to>
+                                        <p:strVal val="visible"/>
+                                      </p:to>
+                                    </p:set>
+                                    <p:anim calcmode="lin" valueType="num">
+                                      <p:cBhvr additive="base">
+                                        <p:cTn id="11" dur="500" fill="hold"/>
+                                        <p:tgtEl>
+                                          <p:spTgt spid="6">
+                                            <p:txEl>
+                                              <p:pRg st="1" end="1"/>
+                                            </p:txEl>
+                                          </p:spTgt>
+                                        </p:tgtEl>
+                                        <p:attrNameLst>
+                                          <p:attrName>ppt_x</p:attrName>
+                                        </p:attrNameLst>
+                                      </p:cBhvr>
+                                      <p:tavLst>
+                                        <p:tav tm="0">
+                                          <p:val>
+                                            <p:strVal val="#ppt_x"/>
+                                          </p:val>
+                                        </p:tav>
+                                        <p:tav tm="100000">
+                                          <p:val>
+                                            <p:strVal val="#ppt_x"/>
+                                          </p:val>
+                                        </p:tav>
+                                      </p:tavLst>
+                                    </p:anim>
+                                    <p:anim calcmode="lin" valueType="num">
+                                      <p:cBhvr additive="base">
+                                        <p:cTn id="12" dur="500" fill="hold"/>
+                                        <p:tgtEl>
+                                          <p:spTgt spid="6">
+                                            <p:txEl>
+                                              <p:pRg st="1" end="1"/>
+                                            </p:txEl>
+                                          </p:spTgt>
+                                        </p:tgtEl>
+                                        <p:attrNameLst>
+                                          <p:attrName>ppt_y</p:attrName>
+                                        </p:attrNameLst>
+                                      </p:cBhvr>
+                                      <p:tavLst>
+                                        <p:tav tm="0">
+                                          <p:val>
+                                            <p:strVal val="1+#ppt_h/2"/>
+                                          </p:val>
+                                        </p:tav>
+                                        <p:tav tm="100000">
+                                          <p:val>
+                                            <p:strVal val="#ppt_y"/>
+                                          </p:val>
+                                        </p:tav>
+                                      </p:tavLst>
+                                    </p:anim>
+                                  </p:childTnLst>
+                                </p:cTn>
+                              </p:par>
+                              <p:par>
+                                <p:cTn id="13" presetID="2" presetClass="entr" presetSubtype="4" fill="hold" grpId="0" nodeType="withEffect">
+                                  <p:stCondLst>
+                                    <p:cond delay="0"/>
+                                  </p:stCondLst>
+                                  <p:childTnLst>
+                                    <p:set>
+                                      <p:cBhvr>
+                                        <p:cTn id="14" dur="1" fill="hold">
+                                          <p:stCondLst>
+                                            <p:cond delay="0"/>
+                                          </p:stCondLst>
+                                        </p:cTn>
+                                        <p:tgtEl>
+                                          <p:spTgt spid="6">
+                                            <p:txEl>
+                                              <p:pRg st="2" end="2"/>
+                                            </p:txEl>
+                                          </p:spTgt>
+                                        </p:tgtEl>
+                                        <p:attrNameLst>
+                                          <p:attrName>style.visibility</p:attrName>
+                                        </p:attrNameLst>
+                                      </p:cBhvr>
+                                      <p:to>
+                                        <p:strVal val="visible"/>
+                                      </p:to>
+                                    </p:set>
+                                    <p:anim calcmode="lin" valueType="num">
+                                      <p:cBhvr additive="base">
+                                        <p:cTn id="15" dur="500" fill="hold"/>
+                                        <p:tgtEl>
+                                          <p:spTgt spid="6">
+                                            <p:txEl>
+                                              <p:pRg st="2" end="2"/>
+                                            </p:txEl>
+                                          </p:spTgt>
+                                        </p:tgtEl>
+                                        <p:attrNameLst>
+                                          <p:attrName>ppt_x</p:attrName>
+                                        </p:attrNameLst>
+                                      </p:cBhvr>
+                                      <p:tavLst>
+                                        <p:tav tm="0">
+                                          <p:val>
+                                            <p:strVal val="#ppt_x"/>
+                                          </p:val>
+                                        </p:tav>
+                                        <p:tav tm="100000">
+                                          <p:val>
+                                            <p:strVal val="#ppt_x"/>
+                                          </p:val>
+                                        </p:tav>
+                                      </p:tavLst>
+                                    </p:anim>
+                                    <p:anim calcmode="lin" valueType="num">
+                                      <p:cBhvr additive="base">
+                                        <p:cTn id="16" dur="500" fill="hold"/>
+                                        <p:tgtEl>
+                                          <p:spTgt spid="6">
+                                            <p:txEl>
+                                              <p:pRg st="2" end="2"/>
+                                            </p:txEl>
+                                          </p:spTgt>
+                                        </p:tgtEl>
+                                        <p:attrNameLst>
+                                          <p:attrName>ppt_y</p:attrName>
+                                        </p:attrNameLst>
+                                      </p:cBhvr>
+                                      <p:tavLst>
+                                        <p:tav tm="0">
+                                          <p:val>
+                                            <p:strVal val="1+#ppt_h/2"/>
+                                          </p:val>
+                                        </p:tav>
+                                        <p:tav tm="100000">
+                                          <p:val>
+                                            <p:strVal val="#ppt_y"/>
+                                          </p:val>
+                                        </p:tav>
+                                      </p:tavLst>
+                                    </p:anim>
+                                  </p:childTnLst>
+                                </p:cTn>
+                              </p:par>
+                            </p:childTnLst>
+                          </p:cTn>
+                        </p:par>
+                      </p:childTnLst>
+                    </p:cTn>
+                  </p:par>
+                  <p:par>
+                    <p:cTn id="17" fill="hold">
+                      <p:stCondLst>
+                        <p:cond delay="indefinite"/>
+                      </p:stCondLst>
+                      <p:childTnLst>
+                        <p:par>
+                          <p:cTn id="18" fill="hold">
+                            <p:stCondLst>
+                              <p:cond delay="0"/>
+                            </p:stCondLst>
+                            <p:childTnLst>
+                              <p:par>
+                                <p:cTn id="19" presetID="2" presetClass="entr" presetSubtype="4" fill="hold" grpId="0" nodeType="clickEffect">
+                                  <p:stCondLst>
+                                    <p:cond delay="0"/>
+                                  </p:stCondLst>
+                                  <p:childTnLst>
+                                    <p:set>
+                                      <p:cBhvr>
+                                        <p:cTn id="20" dur="1" fill="hold">
+                                          <p:stCondLst>
+                                            <p:cond delay="0"/>
+                                          </p:stCondLst>
+                                        </p:cTn>
+                                        <p:tgtEl>
+                                          <p:spTgt spid="2"/>
+                                        </p:tgtEl>
+                                        <p:attrNameLst>
+                                          <p:attrName>style.visibility</p:attrName>
+                                        </p:attrNameLst>
+                                      </p:cBhvr>
+                                      <p:to>
+                                        <p:strVal val="visible"/>
+                                      </p:to>
+                                    </p:set>
+                                    <p:anim calcmode="lin" valueType="num">
+                                      <p:cBhvr additive="base">
+                                        <p:cTn id="21" dur="500" fill="hold"/>
+                                        <p:tgtEl>
+                                          <p:spTgt spid="2"/>
+                                        </p:tgtEl>
+                                        <p:attrNameLst>
+                                          <p:attrName>ppt_x</p:attrName>
+                                        </p:attrNameLst>
+                                      </p:cBhvr>
+                                      <p:tavLst>
+                                        <p:tav tm="0">
+                                          <p:val>
+                                            <p:strVal val="#ppt_x"/>
+                                          </p:val>
+                                        </p:tav>
+                                        <p:tav tm="100000">
+                                          <p:val>
+                                            <p:strVal val="#ppt_x"/>
+                                          </p:val>
+                                        </p:tav>
+                                      </p:tavLst>
+                                    </p:anim>
+                                    <p:anim calcmode="lin" valueType="num">
+                                      <p:cBhvr additive="base">
+                                        <p:cTn id="22" dur="500" fill="hold"/>
+                                        <p:tgtEl>
+                                          <p:spTgt spid="2"/>
+                                        </p:tgtEl>
+                                        <p:attrNameLst>
+                                          <p:attrName>ppt_y</p:attrName>
+                                        </p:attrNameLst>
+                                      </p:cBhvr>
+                                      <p:tavLst>
+                                        <p:tav tm="0">
+                                          <p:val>
+                                            <p:strVal val="1+#ppt_h/2"/>
+                                          </p:val>
+                                        </p:tav>
+                                        <p:tav tm="100000">
+                                          <p:val>
+                                            <p:strVal val="#ppt_y"/>
+                                          </p:val>
+                                        </p:tav>
+                                      </p:tavLst>
+                                    </p:anim>
+                                  </p:childTnLst>
+                                </p:cTn>
+                              </p:par>
+                            </p:childTnLst>
+                          </p:cTn>
+                        </p:par>
+                      </p:childTnLst>
+                    </p:cTn>
+                  </p:par>
+                  <p:par>
+                    <p:cTn id="23" fill="hold">
+                      <p:stCondLst>
+                        <p:cond delay="indefinite"/>
+                      </p:stCondLst>
+                      <p:childTnLst>
+                        <p:par>
+                          <p:cTn id="24" fill="hold">
+                            <p:stCondLst>
+                              <p:cond delay="0"/>
+                            </p:stCondLst>
+                            <p:childTnLst>
+                              <p:par>
+                                <p:cTn id="25" presetID="2" presetClass="entr" presetSubtype="4" fill="hold" grpId="0" nodeType="clickEffect">
+                                  <p:stCondLst>
+                                    <p:cond delay="0"/>
+                                  </p:stCondLst>
+                                  <p:childTnLst>
+                                    <p:set>
+                                      <p:cBhvr>
+                                        <p:cTn id="26" dur="1" fill="hold">
+                                          <p:stCondLst>
+                                            <p:cond delay="0"/>
+                                          </p:stCondLst>
+                                        </p:cTn>
+                                        <p:tgtEl>
+                                          <p:spTgt spid="7"/>
+                                        </p:tgtEl>
+                                        <p:attrNameLst>
+                                          <p:attrName>style.visibility</p:attrName>
+                                        </p:attrNameLst>
+                                      </p:cBhvr>
+                                      <p:to>
+                                        <p:strVal val="visible"/>
+                                      </p:to>
+                                    </p:set>
+                                    <p:anim calcmode="lin" valueType="num">
+                                      <p:cBhvr additive="base">
+                                        <p:cTn id="27" dur="500" fill="hold"/>
+                                        <p:tgtEl>
+                                          <p:spTgt spid="7"/>
+                                        </p:tgtEl>
+                                        <p:attrNameLst>
+                                          <p:attrName>ppt_x</p:attrName>
+                                        </p:attrNameLst>
+                                      </p:cBhvr>
+                                      <p:tavLst>
+                                        <p:tav tm="0">
+                                          <p:val>
+                                            <p:strVal val="#ppt_x"/>
+                                          </p:val>
+                                        </p:tav>
+                                        <p:tav tm="100000">
+                                          <p:val>
+                                            <p:strVal val="#ppt_x"/>
+                                          </p:val>
+                                        </p:tav>
+                                      </p:tavLst>
+                                    </p:anim>
+                                    <p:anim calcmode="lin" valueType="num">
+                                      <p:cBhvr additive="base">
+                                        <p:cTn id="28" dur="500" fill="hold"/>
+                                        <p:tgtEl>
+                                          <p:spTgt spid="7"/>
+                                        </p:tgtEl>
+                                        <p:attrNameLst>
+                                          <p:attrName>ppt_y</p:attrName>
+                                        </p:attrNameLst>
+                                      </p:cBhvr>
+                                      <p:tavLst>
+                                        <p:tav tm="0">
+                                          <p:val>
+                                            <p:strVal val="1+#ppt_h/2"/>
+                                          </p:val>
+                                        </p:tav>
+                                        <p:tav tm="100000">
+                                          <p:val>
+                                            <p:strVal val="#ppt_y"/>
+                                          </p:val>
+                                        </p:tav>
+                                      </p:tavLst>
+                                    </p:anim>
+                                  </p:childTnLst>
+                                </p:cTn>
+                              </p:par>
+                            </p:childTnLst>
+                          </p:cTn>
+                        </p:par>
+                      </p:childTnLst>
+                    </p:cTn>
+                  </p:par>
+                </p:childTnLst>
+              </p:cTn>
+              <p:prevCondLst>
+                <p:cond evt="onPrev" delay="0">
+                  <p:tgtEl>
+                    <p:sldTgt/>
+                  </p:tgtEl>
+                </p:cond>
+              </p:prevCondLst>
+              <p:nextCondLst>
+                <p:cond evt="onNext" delay="0">
+                  <p:tgtEl>
+                    <p:sldTgt/>
+                  </p:tgtEl>
+                </p:cond>
+              </p:nextCondLst>
+            </p:seq>
+          </p:childTnLst>
+        </p:cTn>
+      </p:par>
+    </p:tnLst>
+    <p:bldLst>
+      <p:bldP spid="6" grpId="0" uiExpand="1" build="p"/>
+      <p:bldP spid="2" grpId="0"/>
+      <p:bldP spid="7" grpId="0"/>
+    </p:bldLst>
+  </p:timing>
+</p:sld>
+</file>
+
+<file path=ppt/slides/slide11.xml><?xml version="1.0" encoding="utf-8"?>
+<p:sld xmlns:a="http://schemas.openxmlformats.org/drawingml/2006/main" xmlns:r="http://schemas.openxmlformats.org/officeDocument/2006/relationships" xmlns:p="http://schemas.openxmlformats.org/presentationml/2006/main">
+  <p:cSld>
+    <p:spTree>
+      <p:nvGrpSpPr>
+        <p:cNvPr id="1" name=""/>
+        <p:cNvGrpSpPr/>
+        <p:nvPr/>
+      </p:nvGrpSpPr>
+      <p:grpSpPr>
+        <a:xfrm>
+          <a:off x="0" y="0"/>
+          <a:ext cx="0" cy="0"/>
+          <a:chOff x="0" y="0"/>
+          <a:chExt cx="0" cy="0"/>
+        </a:xfrm>
+      </p:grpSpPr>
+      <p:sp>
+        <p:nvSpPr>
+          <p:cNvPr id="5" name="Title 4"/>
+          <p:cNvSpPr>
+            <a:spLocks noGrp="1"/>
+          </p:cNvSpPr>
+          <p:nvPr>
+            <p:ph type="title"/>
+          </p:nvPr>
+        </p:nvSpPr>
+        <p:spPr/>
+        <p:txBody>
+          <a:bodyPr/>
+          <a:lstStyle/>
+          <a:p>
+            <a:r>
+              <a:rPr lang="en-US" dirty="0" smtClean="0"/>
+              <a:t>Tricks &amp; Tricks – Versioning</a:t>
+            </a:r>
+            <a:endParaRPr lang="nl-BE" dirty="0"/>
+          </a:p>
+        </p:txBody>
+      </p:sp>
+      <p:sp>
+        <p:nvSpPr>
+          <p:cNvPr id="6" name="Content Placeholder 5"/>
+          <p:cNvSpPr>
+            <a:spLocks noGrp="1"/>
+          </p:cNvSpPr>
+          <p:nvPr>
+            <p:ph idx="1"/>
+          </p:nvPr>
+        </p:nvSpPr>
+        <p:spPr/>
+        <p:txBody>
+          <a:bodyPr>
+            <a:normAutofit/>
+          </a:bodyPr>
+          <a:lstStyle/>
+          <a:p>
+            <a:r>
+              <a:rPr lang="en-US" dirty="0" smtClean="0"/>
+              <a:t>Version your file!</a:t>
+            </a:r>
+          </a:p>
+          <a:p>
+            <a:pPr lvl="1"/>
+            <a:r>
+              <a:rPr lang="en-US" dirty="0" smtClean="0"/>
+              <a:t>Timestamp			</a:t>
+            </a:r>
+          </a:p>
+          <a:p>
+            <a:pPr lvl="3"/>
+            <a:r>
+              <a:rPr lang="en-US" dirty="0" smtClean="0"/>
+              <a:t>Styles.</a:t>
+            </a:r>
+            <a:r>
+              <a:rPr lang="nl-BE" dirty="0" smtClean="0"/>
+              <a:t>1369296175102.css</a:t>
+            </a:r>
+            <a:endParaRPr lang="en-US" dirty="0" smtClean="0"/>
+          </a:p>
+          <a:p>
+            <a:pPr lvl="1"/>
+            <a:r>
+              <a:rPr lang="en-US" dirty="0" smtClean="0"/>
+              <a:t>Version number		</a:t>
+            </a:r>
+          </a:p>
+          <a:p>
+            <a:pPr lvl="3"/>
+            <a:r>
+              <a:rPr lang="en-US" dirty="0" smtClean="0"/>
+              <a:t>Styles.1.0.0.0.css</a:t>
+            </a:r>
+          </a:p>
+          <a:p>
+            <a:pPr lvl="1"/>
+            <a:r>
+              <a:rPr lang="en-US" dirty="0" smtClean="0"/>
+              <a:t>MD5				</a:t>
+            </a:r>
+          </a:p>
+          <a:p>
+            <a:pPr lvl="3"/>
+            <a:r>
+              <a:rPr lang="en-US" dirty="0" smtClean="0"/>
+              <a:t>Styles.Cbaa7269c72b8711cdf6266de0e9dffe.css</a:t>
+            </a:r>
+          </a:p>
+          <a:p>
+            <a:r>
+              <a:rPr lang="en-US" dirty="0" smtClean="0"/>
+              <a:t>Can be automated!</a:t>
+            </a:r>
+          </a:p>
+          <a:p>
+            <a:pPr lvl="1"/>
+            <a:r>
+              <a:rPr lang="en-US" dirty="0" smtClean="0"/>
+              <a:t>IIS Rewrite Rules ( handles it before </a:t>
+            </a:r>
+            <a:r>
+              <a:rPr lang="en-US" dirty="0" err="1" smtClean="0"/>
+              <a:t>.net</a:t>
+            </a:r>
+            <a:r>
+              <a:rPr lang="en-US" dirty="0" smtClean="0"/>
+              <a:t> runtime! )</a:t>
+            </a:r>
+          </a:p>
+          <a:p>
+            <a:pPr lvl="1"/>
+            <a:r>
+              <a:rPr lang="en-US" dirty="0" smtClean="0"/>
+              <a:t>Request </a:t>
+            </a:r>
+            <a:r>
+              <a:rPr lang="en-US" dirty="0"/>
+              <a:t>Handlers</a:t>
+            </a:r>
+          </a:p>
+          <a:p>
+            <a:pPr lvl="1"/>
+            <a:r>
+              <a:rPr lang="en-US" dirty="0" smtClean="0"/>
+              <a:t>MVC Routing</a:t>
+            </a:r>
+          </a:p>
+        </p:txBody>
+      </p:sp>
+    </p:spTree>
+    <p:extLst>
+      <p:ext uri="{BB962C8B-B14F-4D97-AF65-F5344CB8AC3E}">
+        <p14:creationId xmlns:p14="http://schemas.microsoft.com/office/powerpoint/2010/main" xmlns="" val="4157722389"/>
+      </p:ext>
+    </p:extLst>
+  </p:cSld>
+  <p:clrMapOvr>
+    <a:masterClrMapping/>
+  </p:clrMapOvr>
+  <p:timing>
+    <p:tnLst>
+      <p:par>
+        <p:cTn id="1" dur="indefinite" restart="never" nodeType="tmRoot">
+          <p:childTnLst>
+            <p:seq concurrent="1" nextAc="seek">
+              <p:cTn id="2" dur="indefinite" nodeType="mainSeq">
+                <p:childTnLst>
+                  <p:par>
+                    <p:cTn id="3" fill="hold">
+                      <p:stCondLst>
+                        <p:cond delay="indefinite"/>
+                      </p:stCondLst>
+                      <p:childTnLst>
+                        <p:par>
+                          <p:cTn id="4" fill="hold">
+                            <p:stCondLst>
+                              <p:cond delay="0"/>
+                            </p:stCondLst>
+                            <p:childTnLst>
+                              <p:par>
+                                <p:cTn id="5" presetID="2" presetClass="entr" presetSubtype="4" fill="hold" grpId="0" nodeType="clickEffect">
+                                  <p:stCondLst>
+                                    <p:cond delay="0"/>
+                                  </p:stCondLst>
+                                  <p:childTnLst>
+                                    <p:set>
+                                      <p:cBhvr>
+                                        <p:cTn id="6" dur="1" fill="hold">
+                                          <p:stCondLst>
+                                            <p:cond delay="0"/>
+                                          </p:stCondLst>
+                                        </p:cTn>
+                                        <p:tgtEl>
+                                          <p:spTgt spid="6">
+                                            <p:txEl>
+                                              <p:pRg st="0" end="0"/>
+                                            </p:txEl>
+                                          </p:spTgt>
+                                        </p:tgtEl>
+                                        <p:attrNameLst>
+                                          <p:attrName>style.visibility</p:attrName>
+                                        </p:attrNameLst>
+                                      </p:cBhvr>
+                                      <p:to>
+                                        <p:strVal val="visible"/>
+                                      </p:to>
+                                    </p:set>
+                                    <p:anim calcmode="lin" valueType="num">
+                                      <p:cBhvr additive="base">
+                                        <p:cTn id="7" dur="500" fill="hold"/>
+                                        <p:tgtEl>
+                                          <p:spTgt spid="6">
+                                            <p:txEl>
+                                              <p:pRg st="0" end="0"/>
+                                            </p:txEl>
+                                          </p:spTgt>
+                                        </p:tgtEl>
+                                        <p:attrNameLst>
+                                          <p:attrName>ppt_x</p:attrName>
+                                        </p:attrNameLst>
+                                      </p:cBhvr>
+                                      <p:tavLst>
+                                        <p:tav tm="0">
+                                          <p:val>
+                                            <p:strVal val="#ppt_x"/>
+                                          </p:val>
+                                        </p:tav>
+                                        <p:tav tm="100000">
+                                          <p:val>
+                                            <p:strVal val="#ppt_x"/>
+                                          </p:val>
+                                        </p:tav>
+                                      </p:tavLst>
+                                    </p:anim>
+                                    <p:anim calcmode="lin" valueType="num">
+                                      <p:cBhvr additive="base">
+                                        <p:cTn id="8" dur="500" fill="hold"/>
+                                        <p:tgtEl>
+                                          <p:spTgt spid="6">
+                                            <p:txEl>
+                                              <p:pRg st="0" end="0"/>
+                                            </p:txEl>
+                                          </p:spTgt>
+                                        </p:tgtEl>
+                                        <p:attrNameLst>
+                                          <p:attrName>ppt_y</p:attrName>
+                                        </p:attrNameLst>
+                                      </p:cBhvr>
+                                      <p:tavLst>
+                                        <p:tav tm="0">
+                                          <p:val>
+                                            <p:strVal val="1+#ppt_h/2"/>
+                                          </p:val>
+                                        </p:tav>
+                                        <p:tav tm="100000">
+                                          <p:val>
+                                            <p:strVal val="#ppt_y"/>
+                                          </p:val>
+                                        </p:tav>
+                                      </p:tavLst>
+                                    </p:anim>
+                                  </p:childTnLst>
+                                </p:cTn>
+                              </p:par>
                             </p:childTnLst>
                           </p:cTn>
                         </p:par>
@@ -5000,1178 +5825,6 @@
                                           <p:spTgt spid="6">
                                             <p:txEl>
                                               <p:pRg st="10" end="10"/>
-                                            </p:txEl>
-                                          </p:spTgt>
-                                        </p:tgtEl>
-                                        <p:attrNameLst>
-                                          <p:attrName>ppt_y</p:attrName>
-                                        </p:attrNameLst>
-                                      </p:cBhvr>
-                                      <p:tavLst>
-                                        <p:tav tm="0">
-                                          <p:val>
-                                            <p:strVal val="1+#ppt_h/2"/>
-                                          </p:val>
-                                        </p:tav>
-                                        <p:tav tm="100000">
-                                          <p:val>
-                                            <p:strVal val="#ppt_y"/>
-                                          </p:val>
-                                        </p:tav>
-                                      </p:tavLst>
-                                    </p:anim>
-                                  </p:childTnLst>
-                                </p:cTn>
-                              </p:par>
-                            </p:childTnLst>
-                          </p:cTn>
-                        </p:par>
-                      </p:childTnLst>
-                    </p:cTn>
-                  </p:par>
-                </p:childTnLst>
-              </p:cTn>
-              <p:prevCondLst>
-                <p:cond evt="onPrev" delay="0">
-                  <p:tgtEl>
-                    <p:sldTgt/>
-                  </p:tgtEl>
-                </p:cond>
-              </p:prevCondLst>
-              <p:nextCondLst>
-                <p:cond evt="onNext" delay="0">
-                  <p:tgtEl>
-                    <p:sldTgt/>
-                  </p:tgtEl>
-                </p:cond>
-              </p:nextCondLst>
-            </p:seq>
-          </p:childTnLst>
-        </p:cTn>
-      </p:par>
-    </p:tnLst>
-    <p:bldLst>
-      <p:bldP spid="6" grpId="0" uiExpand="1" build="p"/>
-    </p:bldLst>
-  </p:timing>
-</p:sld>
-</file>
-
-<file path=ppt/slides/slide11.xml><?xml version="1.0" encoding="utf-8"?>
-<p:sld xmlns:a="http://schemas.openxmlformats.org/drawingml/2006/main" xmlns:r="http://schemas.openxmlformats.org/officeDocument/2006/relationships" xmlns:p="http://schemas.openxmlformats.org/presentationml/2006/main">
-  <p:cSld>
-    <p:spTree>
-      <p:nvGrpSpPr>
-        <p:cNvPr id="1" name=""/>
-        <p:cNvGrpSpPr/>
-        <p:nvPr/>
-      </p:nvGrpSpPr>
-      <p:grpSpPr>
-        <a:xfrm>
-          <a:off x="0" y="0"/>
-          <a:ext cx="0" cy="0"/>
-          <a:chOff x="0" y="0"/>
-          <a:chExt cx="0" cy="0"/>
-        </a:xfrm>
-      </p:grpSpPr>
-      <p:sp>
-        <p:nvSpPr>
-          <p:cNvPr id="5" name="Title 4"/>
-          <p:cNvSpPr>
-            <a:spLocks noGrp="1"/>
-          </p:cNvSpPr>
-          <p:nvPr>
-            <p:ph type="title"/>
-          </p:nvPr>
-        </p:nvSpPr>
-        <p:spPr/>
-        <p:txBody>
-          <a:bodyPr/>
-          <a:lstStyle/>
-          <a:p>
-            <a:r>
-              <a:rPr lang="en-US" dirty="0" smtClean="0"/>
-              <a:t>Tricks &amp; Tricks – Use strict</a:t>
-            </a:r>
-            <a:endParaRPr lang="nl-BE" dirty="0"/>
-          </a:p>
-        </p:txBody>
-      </p:sp>
-      <p:sp>
-        <p:nvSpPr>
-          <p:cNvPr id="6" name="Content Placeholder 5"/>
-          <p:cNvSpPr>
-            <a:spLocks noGrp="1"/>
-          </p:cNvSpPr>
-          <p:nvPr>
-            <p:ph idx="1"/>
-          </p:nvPr>
-        </p:nvSpPr>
-        <p:spPr/>
-        <p:txBody>
-          <a:bodyPr>
-            <a:normAutofit/>
-          </a:bodyPr>
-          <a:lstStyle/>
-          <a:p>
-            <a:r>
-              <a:rPr lang="en-US" dirty="0" smtClean="0"/>
-              <a:t>Support by: </a:t>
-            </a:r>
-            <a:r>
-              <a:rPr lang="nl-BE" dirty="0">
-                <a:hlinkClick r:id="rId3"/>
-              </a:rPr>
-              <a:t>http://</a:t>
-            </a:r>
-            <a:r>
-              <a:rPr lang="nl-BE" dirty="0" smtClean="0">
-                <a:hlinkClick r:id="rId3"/>
-              </a:rPr>
-              <a:t>caniuse.com/use-strict</a:t>
-            </a:r>
-            <a:endParaRPr lang="nl-BE" dirty="0" smtClean="0"/>
-          </a:p>
-          <a:p>
-            <a:r>
-              <a:rPr lang="en-US" dirty="0" smtClean="0"/>
-              <a:t>Global scope or function scope</a:t>
-            </a:r>
-          </a:p>
-          <a:p>
-            <a:r>
-              <a:rPr lang="en-US" dirty="0" smtClean="0"/>
-              <a:t>Prevents coding bloopers:</a:t>
-            </a:r>
-          </a:p>
-          <a:p>
-            <a:pPr lvl="1"/>
-            <a:r>
-              <a:rPr lang="en-US" dirty="0" smtClean="0"/>
-              <a:t>Variables and properties</a:t>
-            </a:r>
-          </a:p>
-          <a:p>
-            <a:pPr lvl="1"/>
-            <a:r>
-              <a:rPr lang="en-US" dirty="0" err="1" smtClean="0"/>
-              <a:t>Eval</a:t>
-            </a:r>
-            <a:endParaRPr lang="en-US" dirty="0" smtClean="0"/>
-          </a:p>
-          <a:p>
-            <a:pPr lvl="1"/>
-            <a:r>
-              <a:rPr lang="en-US" dirty="0" smtClean="0"/>
-              <a:t>Functions</a:t>
-            </a:r>
-          </a:p>
-          <a:p>
-            <a:pPr lvl="1"/>
-            <a:r>
-              <a:rPr lang="en-US" dirty="0" smtClean="0"/>
-              <a:t>With() {}</a:t>
-            </a:r>
-          </a:p>
-          <a:p>
-            <a:pPr lvl="1"/>
-            <a:r>
-              <a:rPr lang="en-US" dirty="0" smtClean="0"/>
-              <a:t>Also see : </a:t>
-            </a:r>
-            <a:r>
-              <a:rPr lang="nl-BE" dirty="0">
-                <a:hlinkClick r:id="rId4"/>
-              </a:rPr>
-              <a:t>http://</a:t>
-            </a:r>
-            <a:r>
-              <a:rPr lang="nl-BE" dirty="0" smtClean="0">
-                <a:hlinkClick r:id="rId4"/>
-              </a:rPr>
-              <a:t>www.ecma-international.org/publications/files/ECMA-ST/Ecma-262.pdf</a:t>
-            </a:r>
-            <a:r>
-              <a:rPr lang="nl-BE" dirty="0" smtClean="0"/>
-              <a:t> page 235</a:t>
-            </a:r>
-            <a:endParaRPr lang="en-US" dirty="0" smtClean="0"/>
-          </a:p>
-          <a:p>
-            <a:endParaRPr lang="nl-BE" dirty="0" smtClean="0"/>
-          </a:p>
-          <a:p>
-            <a:endParaRPr lang="nl-BE" dirty="0"/>
-          </a:p>
-        </p:txBody>
-      </p:sp>
-      <p:pic>
-        <p:nvPicPr>
-          <p:cNvPr id="1026" name="Picture 2" descr="http://www.toychestnews.com/catalogimages/STK_IMAGES/STK440001-460000/STK442493.jpg"/>
-          <p:cNvPicPr>
-            <a:picLocks noChangeAspect="1" noChangeArrowheads="1"/>
-          </p:cNvPicPr>
-          <p:nvPr/>
-        </p:nvPicPr>
-        <p:blipFill>
-          <a:blip r:embed="rId5" cstate="print">
-            <a:extLst>
-              <a:ext uri="{28A0092B-C50C-407E-A947-70E740481C1C}">
-                <a14:useLocalDpi xmlns:a14="http://schemas.microsoft.com/office/drawing/2010/main" val="0"/>
-              </a:ext>
-            </a:extLst>
-          </a:blip>
-          <a:srcRect/>
-          <a:stretch>
-            <a:fillRect/>
-          </a:stretch>
-        </p:blipFill>
-        <p:spPr bwMode="auto">
-          <a:xfrm flipH="1">
-            <a:off x="7086600" y="1524000"/>
-            <a:ext cx="1253801" cy="1841398"/>
-          </a:xfrm>
-          <a:prstGeom prst="rect">
-            <a:avLst/>
-          </a:prstGeom>
-          <a:noFill/>
-          <a:extLst>
-            <a:ext uri="{909E8E84-426E-40DD-AFC4-6F175D3DCCD1}">
-              <a14:hiddenFill xmlns:a14="http://schemas.microsoft.com/office/drawing/2010/main">
-                <a:solidFill>
-                  <a:srgbClr val="FFFFFF"/>
-                </a:solidFill>
-              </a14:hiddenFill>
-            </a:ext>
-          </a:extLst>
-        </p:spPr>
-      </p:pic>
-      <p:pic>
-        <p:nvPicPr>
-          <p:cNvPr id="1028" name="Picture 4" descr="http://www.digital-loggers.com/vb.jpg"/>
-          <p:cNvPicPr>
-            <a:picLocks noChangeAspect="1" noChangeArrowheads="1"/>
-          </p:cNvPicPr>
-          <p:nvPr/>
-        </p:nvPicPr>
-        <p:blipFill>
-          <a:blip r:embed="rId6" cstate="print">
-            <a:extLst>
-              <a:ext uri="{28A0092B-C50C-407E-A947-70E740481C1C}">
-                <a14:useLocalDpi xmlns:a14="http://schemas.microsoft.com/office/drawing/2010/main" val="0"/>
-              </a:ext>
-            </a:extLst>
-          </a:blip>
-          <a:srcRect/>
-          <a:stretch>
-            <a:fillRect/>
-          </a:stretch>
-        </p:blipFill>
-        <p:spPr bwMode="auto">
-          <a:xfrm>
-            <a:off x="7338768" y="2479404"/>
-            <a:ext cx="749463" cy="399713"/>
-          </a:xfrm>
-          <a:prstGeom prst="rect">
-            <a:avLst/>
-          </a:prstGeom>
-          <a:noFill/>
-          <a:extLst>
-            <a:ext uri="{909E8E84-426E-40DD-AFC4-6F175D3DCCD1}">
-              <a14:hiddenFill xmlns:a14="http://schemas.microsoft.com/office/drawing/2010/main">
-                <a:solidFill>
-                  <a:srgbClr val="FFFFFF"/>
-                </a:solidFill>
-              </a14:hiddenFill>
-            </a:ext>
-          </a:extLst>
-        </p:spPr>
-      </p:pic>
-    </p:spTree>
-    <p:extLst>
-      <p:ext uri="{BB962C8B-B14F-4D97-AF65-F5344CB8AC3E}">
-        <p14:creationId xmlns:p14="http://schemas.microsoft.com/office/powerpoint/2010/main" val="1150581003"/>
-      </p:ext>
-    </p:extLst>
-  </p:cSld>
-  <p:clrMapOvr>
-    <a:masterClrMapping/>
-  </p:clrMapOvr>
-  <p:timing>
-    <p:tnLst>
-      <p:par>
-        <p:cTn id="1" dur="indefinite" restart="never" nodeType="tmRoot">
-          <p:childTnLst>
-            <p:seq concurrent="1" nextAc="seek">
-              <p:cTn id="2" dur="indefinite" nodeType="mainSeq">
-                <p:childTnLst>
-                  <p:par>
-                    <p:cTn id="3" fill="hold">
-                      <p:stCondLst>
-                        <p:cond delay="indefinite"/>
-                      </p:stCondLst>
-                      <p:childTnLst>
-                        <p:par>
-                          <p:cTn id="4" fill="hold">
-                            <p:stCondLst>
-                              <p:cond delay="0"/>
-                            </p:stCondLst>
-                            <p:childTnLst>
-                              <p:par>
-                                <p:cTn id="5" presetID="1" presetClass="entr" presetSubtype="0" fill="hold" nodeType="clickEffect">
-                                  <p:stCondLst>
-                                    <p:cond delay="0"/>
-                                  </p:stCondLst>
-                                  <p:childTnLst>
-                                    <p:set>
-                                      <p:cBhvr>
-                                        <p:cTn id="6" dur="1" fill="hold">
-                                          <p:stCondLst>
-                                            <p:cond delay="0"/>
-                                          </p:stCondLst>
-                                        </p:cTn>
-                                        <p:tgtEl>
-                                          <p:spTgt spid="1026"/>
-                                        </p:tgtEl>
-                                        <p:attrNameLst>
-                                          <p:attrName>style.visibility</p:attrName>
-                                        </p:attrNameLst>
-                                      </p:cBhvr>
-                                      <p:to>
-                                        <p:strVal val="visible"/>
-                                      </p:to>
-                                    </p:set>
-                                  </p:childTnLst>
-                                </p:cTn>
-                              </p:par>
-                              <p:par>
-                                <p:cTn id="7" presetID="1" presetClass="entr" presetSubtype="0" fill="hold" nodeType="withEffect">
-                                  <p:stCondLst>
-                                    <p:cond delay="0"/>
-                                  </p:stCondLst>
-                                  <p:childTnLst>
-                                    <p:set>
-                                      <p:cBhvr>
-                                        <p:cTn id="8" dur="1" fill="hold">
-                                          <p:stCondLst>
-                                            <p:cond delay="0"/>
-                                          </p:stCondLst>
-                                        </p:cTn>
-                                        <p:tgtEl>
-                                          <p:spTgt spid="1028"/>
-                                        </p:tgtEl>
-                                        <p:attrNameLst>
-                                          <p:attrName>style.visibility</p:attrName>
-                                        </p:attrNameLst>
-                                      </p:cBhvr>
-                                      <p:to>
-                                        <p:strVal val="visible"/>
-                                      </p:to>
-                                    </p:set>
-                                  </p:childTnLst>
-                                </p:cTn>
-                              </p:par>
-                            </p:childTnLst>
-                          </p:cTn>
-                        </p:par>
-                      </p:childTnLst>
-                    </p:cTn>
-                  </p:par>
-                  <p:par>
-                    <p:cTn id="9" fill="hold">
-                      <p:stCondLst>
-                        <p:cond delay="indefinite"/>
-                      </p:stCondLst>
-                      <p:childTnLst>
-                        <p:par>
-                          <p:cTn id="10" fill="hold">
-                            <p:stCondLst>
-                              <p:cond delay="0"/>
-                            </p:stCondLst>
-                            <p:childTnLst>
-                              <p:par>
-                                <p:cTn id="11" presetID="2" presetClass="entr" presetSubtype="4" fill="hold" grpId="0" nodeType="clickEffect">
-                                  <p:stCondLst>
-                                    <p:cond delay="0"/>
-                                  </p:stCondLst>
-                                  <p:childTnLst>
-                                    <p:set>
-                                      <p:cBhvr>
-                                        <p:cTn id="12" dur="1" fill="hold">
-                                          <p:stCondLst>
-                                            <p:cond delay="0"/>
-                                          </p:stCondLst>
-                                        </p:cTn>
-                                        <p:tgtEl>
-                                          <p:spTgt spid="6">
-                                            <p:txEl>
-                                              <p:pRg st="0" end="0"/>
-                                            </p:txEl>
-                                          </p:spTgt>
-                                        </p:tgtEl>
-                                        <p:attrNameLst>
-                                          <p:attrName>style.visibility</p:attrName>
-                                        </p:attrNameLst>
-                                      </p:cBhvr>
-                                      <p:to>
-                                        <p:strVal val="visible"/>
-                                      </p:to>
-                                    </p:set>
-                                    <p:anim calcmode="lin" valueType="num">
-                                      <p:cBhvr additive="base">
-                                        <p:cTn id="13" dur="500" fill="hold"/>
-                                        <p:tgtEl>
-                                          <p:spTgt spid="6">
-                                            <p:txEl>
-                                              <p:pRg st="0" end="0"/>
-                                            </p:txEl>
-                                          </p:spTgt>
-                                        </p:tgtEl>
-                                        <p:attrNameLst>
-                                          <p:attrName>ppt_x</p:attrName>
-                                        </p:attrNameLst>
-                                      </p:cBhvr>
-                                      <p:tavLst>
-                                        <p:tav tm="0">
-                                          <p:val>
-                                            <p:strVal val="#ppt_x"/>
-                                          </p:val>
-                                        </p:tav>
-                                        <p:tav tm="100000">
-                                          <p:val>
-                                            <p:strVal val="#ppt_x"/>
-                                          </p:val>
-                                        </p:tav>
-                                      </p:tavLst>
-                                    </p:anim>
-                                    <p:anim calcmode="lin" valueType="num">
-                                      <p:cBhvr additive="base">
-                                        <p:cTn id="14" dur="500" fill="hold"/>
-                                        <p:tgtEl>
-                                          <p:spTgt spid="6">
-                                            <p:txEl>
-                                              <p:pRg st="0" end="0"/>
-                                            </p:txEl>
-                                          </p:spTgt>
-                                        </p:tgtEl>
-                                        <p:attrNameLst>
-                                          <p:attrName>ppt_y</p:attrName>
-                                        </p:attrNameLst>
-                                      </p:cBhvr>
-                                      <p:tavLst>
-                                        <p:tav tm="0">
-                                          <p:val>
-                                            <p:strVal val="1+#ppt_h/2"/>
-                                          </p:val>
-                                        </p:tav>
-                                        <p:tav tm="100000">
-                                          <p:val>
-                                            <p:strVal val="#ppt_y"/>
-                                          </p:val>
-                                        </p:tav>
-                                      </p:tavLst>
-                                    </p:anim>
-                                  </p:childTnLst>
-                                </p:cTn>
-                              </p:par>
-                            </p:childTnLst>
-                          </p:cTn>
-                        </p:par>
-                      </p:childTnLst>
-                    </p:cTn>
-                  </p:par>
-                  <p:par>
-                    <p:cTn id="15" fill="hold">
-                      <p:stCondLst>
-                        <p:cond delay="indefinite"/>
-                      </p:stCondLst>
-                      <p:childTnLst>
-                        <p:par>
-                          <p:cTn id="16" fill="hold">
-                            <p:stCondLst>
-                              <p:cond delay="0"/>
-                            </p:stCondLst>
-                            <p:childTnLst>
-                              <p:par>
-                                <p:cTn id="17" presetID="2" presetClass="entr" presetSubtype="4" fill="hold" grpId="0" nodeType="clickEffect">
-                                  <p:stCondLst>
-                                    <p:cond delay="0"/>
-                                  </p:stCondLst>
-                                  <p:childTnLst>
-                                    <p:set>
-                                      <p:cBhvr>
-                                        <p:cTn id="18" dur="1" fill="hold">
-                                          <p:stCondLst>
-                                            <p:cond delay="0"/>
-                                          </p:stCondLst>
-                                        </p:cTn>
-                                        <p:tgtEl>
-                                          <p:spTgt spid="6">
-                                            <p:txEl>
-                                              <p:pRg st="1" end="1"/>
-                                            </p:txEl>
-                                          </p:spTgt>
-                                        </p:tgtEl>
-                                        <p:attrNameLst>
-                                          <p:attrName>style.visibility</p:attrName>
-                                        </p:attrNameLst>
-                                      </p:cBhvr>
-                                      <p:to>
-                                        <p:strVal val="visible"/>
-                                      </p:to>
-                                    </p:set>
-                                    <p:anim calcmode="lin" valueType="num">
-                                      <p:cBhvr additive="base">
-                                        <p:cTn id="19" dur="500" fill="hold"/>
-                                        <p:tgtEl>
-                                          <p:spTgt spid="6">
-                                            <p:txEl>
-                                              <p:pRg st="1" end="1"/>
-                                            </p:txEl>
-                                          </p:spTgt>
-                                        </p:tgtEl>
-                                        <p:attrNameLst>
-                                          <p:attrName>ppt_x</p:attrName>
-                                        </p:attrNameLst>
-                                      </p:cBhvr>
-                                      <p:tavLst>
-                                        <p:tav tm="0">
-                                          <p:val>
-                                            <p:strVal val="#ppt_x"/>
-                                          </p:val>
-                                        </p:tav>
-                                        <p:tav tm="100000">
-                                          <p:val>
-                                            <p:strVal val="#ppt_x"/>
-                                          </p:val>
-                                        </p:tav>
-                                      </p:tavLst>
-                                    </p:anim>
-                                    <p:anim calcmode="lin" valueType="num">
-                                      <p:cBhvr additive="base">
-                                        <p:cTn id="20" dur="500" fill="hold"/>
-                                        <p:tgtEl>
-                                          <p:spTgt spid="6">
-                                            <p:txEl>
-                                              <p:pRg st="1" end="1"/>
-                                            </p:txEl>
-                                          </p:spTgt>
-                                        </p:tgtEl>
-                                        <p:attrNameLst>
-                                          <p:attrName>ppt_y</p:attrName>
-                                        </p:attrNameLst>
-                                      </p:cBhvr>
-                                      <p:tavLst>
-                                        <p:tav tm="0">
-                                          <p:val>
-                                            <p:strVal val="1+#ppt_h/2"/>
-                                          </p:val>
-                                        </p:tav>
-                                        <p:tav tm="100000">
-                                          <p:val>
-                                            <p:strVal val="#ppt_y"/>
-                                          </p:val>
-                                        </p:tav>
-                                      </p:tavLst>
-                                    </p:anim>
-                                  </p:childTnLst>
-                                </p:cTn>
-                              </p:par>
-                            </p:childTnLst>
-                          </p:cTn>
-                        </p:par>
-                      </p:childTnLst>
-                    </p:cTn>
-                  </p:par>
-                  <p:par>
-                    <p:cTn id="21" fill="hold">
-                      <p:stCondLst>
-                        <p:cond delay="indefinite"/>
-                      </p:stCondLst>
-                      <p:childTnLst>
-                        <p:par>
-                          <p:cTn id="22" fill="hold">
-                            <p:stCondLst>
-                              <p:cond delay="0"/>
-                            </p:stCondLst>
-                            <p:childTnLst>
-                              <p:par>
-                                <p:cTn id="23" presetID="2" presetClass="entr" presetSubtype="4" fill="hold" grpId="0" nodeType="clickEffect">
-                                  <p:stCondLst>
-                                    <p:cond delay="0"/>
-                                  </p:stCondLst>
-                                  <p:childTnLst>
-                                    <p:set>
-                                      <p:cBhvr>
-                                        <p:cTn id="24" dur="1" fill="hold">
-                                          <p:stCondLst>
-                                            <p:cond delay="0"/>
-                                          </p:stCondLst>
-                                        </p:cTn>
-                                        <p:tgtEl>
-                                          <p:spTgt spid="6">
-                                            <p:txEl>
-                                              <p:pRg st="2" end="2"/>
-                                            </p:txEl>
-                                          </p:spTgt>
-                                        </p:tgtEl>
-                                        <p:attrNameLst>
-                                          <p:attrName>style.visibility</p:attrName>
-                                        </p:attrNameLst>
-                                      </p:cBhvr>
-                                      <p:to>
-                                        <p:strVal val="visible"/>
-                                      </p:to>
-                                    </p:set>
-                                    <p:anim calcmode="lin" valueType="num">
-                                      <p:cBhvr additive="base">
-                                        <p:cTn id="25" dur="500" fill="hold"/>
-                                        <p:tgtEl>
-                                          <p:spTgt spid="6">
-                                            <p:txEl>
-                                              <p:pRg st="2" end="2"/>
-                                            </p:txEl>
-                                          </p:spTgt>
-                                        </p:tgtEl>
-                                        <p:attrNameLst>
-                                          <p:attrName>ppt_x</p:attrName>
-                                        </p:attrNameLst>
-                                      </p:cBhvr>
-                                      <p:tavLst>
-                                        <p:tav tm="0">
-                                          <p:val>
-                                            <p:strVal val="#ppt_x"/>
-                                          </p:val>
-                                        </p:tav>
-                                        <p:tav tm="100000">
-                                          <p:val>
-                                            <p:strVal val="#ppt_x"/>
-                                          </p:val>
-                                        </p:tav>
-                                      </p:tavLst>
-                                    </p:anim>
-                                    <p:anim calcmode="lin" valueType="num">
-                                      <p:cBhvr additive="base">
-                                        <p:cTn id="26" dur="500" fill="hold"/>
-                                        <p:tgtEl>
-                                          <p:spTgt spid="6">
-                                            <p:txEl>
-                                              <p:pRg st="2" end="2"/>
-                                            </p:txEl>
-                                          </p:spTgt>
-                                        </p:tgtEl>
-                                        <p:attrNameLst>
-                                          <p:attrName>ppt_y</p:attrName>
-                                        </p:attrNameLst>
-                                      </p:cBhvr>
-                                      <p:tavLst>
-                                        <p:tav tm="0">
-                                          <p:val>
-                                            <p:strVal val="1+#ppt_h/2"/>
-                                          </p:val>
-                                        </p:tav>
-                                        <p:tav tm="100000">
-                                          <p:val>
-                                            <p:strVal val="#ppt_y"/>
-                                          </p:val>
-                                        </p:tav>
-                                      </p:tavLst>
-                                    </p:anim>
-                                  </p:childTnLst>
-                                </p:cTn>
-                              </p:par>
-                            </p:childTnLst>
-                          </p:cTn>
-                        </p:par>
-                      </p:childTnLst>
-                    </p:cTn>
-                  </p:par>
-                  <p:par>
-                    <p:cTn id="27" fill="hold">
-                      <p:stCondLst>
-                        <p:cond delay="indefinite"/>
-                      </p:stCondLst>
-                      <p:childTnLst>
-                        <p:par>
-                          <p:cTn id="28" fill="hold">
-                            <p:stCondLst>
-                              <p:cond delay="0"/>
-                            </p:stCondLst>
-                            <p:childTnLst>
-                              <p:par>
-                                <p:cTn id="29" presetID="2" presetClass="entr" presetSubtype="4" fill="hold" grpId="0" nodeType="clickEffect">
-                                  <p:stCondLst>
-                                    <p:cond delay="0"/>
-                                  </p:stCondLst>
-                                  <p:childTnLst>
-                                    <p:set>
-                                      <p:cBhvr>
-                                        <p:cTn id="30" dur="1" fill="hold">
-                                          <p:stCondLst>
-                                            <p:cond delay="0"/>
-                                          </p:stCondLst>
-                                        </p:cTn>
-                                        <p:tgtEl>
-                                          <p:spTgt spid="6">
-                                            <p:txEl>
-                                              <p:pRg st="3" end="3"/>
-                                            </p:txEl>
-                                          </p:spTgt>
-                                        </p:tgtEl>
-                                        <p:attrNameLst>
-                                          <p:attrName>style.visibility</p:attrName>
-                                        </p:attrNameLst>
-                                      </p:cBhvr>
-                                      <p:to>
-                                        <p:strVal val="visible"/>
-                                      </p:to>
-                                    </p:set>
-                                    <p:anim calcmode="lin" valueType="num">
-                                      <p:cBhvr additive="base">
-                                        <p:cTn id="31" dur="500" fill="hold"/>
-                                        <p:tgtEl>
-                                          <p:spTgt spid="6">
-                                            <p:txEl>
-                                              <p:pRg st="3" end="3"/>
-                                            </p:txEl>
-                                          </p:spTgt>
-                                        </p:tgtEl>
-                                        <p:attrNameLst>
-                                          <p:attrName>ppt_x</p:attrName>
-                                        </p:attrNameLst>
-                                      </p:cBhvr>
-                                      <p:tavLst>
-                                        <p:tav tm="0">
-                                          <p:val>
-                                            <p:strVal val="#ppt_x"/>
-                                          </p:val>
-                                        </p:tav>
-                                        <p:tav tm="100000">
-                                          <p:val>
-                                            <p:strVal val="#ppt_x"/>
-                                          </p:val>
-                                        </p:tav>
-                                      </p:tavLst>
-                                    </p:anim>
-                                    <p:anim calcmode="lin" valueType="num">
-                                      <p:cBhvr additive="base">
-                                        <p:cTn id="32" dur="500" fill="hold"/>
-                                        <p:tgtEl>
-                                          <p:spTgt spid="6">
-                                            <p:txEl>
-                                              <p:pRg st="3" end="3"/>
-                                            </p:txEl>
-                                          </p:spTgt>
-                                        </p:tgtEl>
-                                        <p:attrNameLst>
-                                          <p:attrName>ppt_y</p:attrName>
-                                        </p:attrNameLst>
-                                      </p:cBhvr>
-                                      <p:tavLst>
-                                        <p:tav tm="0">
-                                          <p:val>
-                                            <p:strVal val="1+#ppt_h/2"/>
-                                          </p:val>
-                                        </p:tav>
-                                        <p:tav tm="100000">
-                                          <p:val>
-                                            <p:strVal val="#ppt_y"/>
-                                          </p:val>
-                                        </p:tav>
-                                      </p:tavLst>
-                                    </p:anim>
-                                  </p:childTnLst>
-                                </p:cTn>
-                              </p:par>
-                            </p:childTnLst>
-                          </p:cTn>
-                        </p:par>
-                      </p:childTnLst>
-                    </p:cTn>
-                  </p:par>
-                  <p:par>
-                    <p:cTn id="33" fill="hold">
-                      <p:stCondLst>
-                        <p:cond delay="indefinite"/>
-                      </p:stCondLst>
-                      <p:childTnLst>
-                        <p:par>
-                          <p:cTn id="34" fill="hold">
-                            <p:stCondLst>
-                              <p:cond delay="0"/>
-                            </p:stCondLst>
-                            <p:childTnLst>
-                              <p:par>
-                                <p:cTn id="35" presetID="2" presetClass="entr" presetSubtype="4" fill="hold" grpId="0" nodeType="clickEffect">
-                                  <p:stCondLst>
-                                    <p:cond delay="0"/>
-                                  </p:stCondLst>
-                                  <p:childTnLst>
-                                    <p:set>
-                                      <p:cBhvr>
-                                        <p:cTn id="36" dur="1" fill="hold">
-                                          <p:stCondLst>
-                                            <p:cond delay="0"/>
-                                          </p:stCondLst>
-                                        </p:cTn>
-                                        <p:tgtEl>
-                                          <p:spTgt spid="6">
-                                            <p:txEl>
-                                              <p:pRg st="4" end="4"/>
-                                            </p:txEl>
-                                          </p:spTgt>
-                                        </p:tgtEl>
-                                        <p:attrNameLst>
-                                          <p:attrName>style.visibility</p:attrName>
-                                        </p:attrNameLst>
-                                      </p:cBhvr>
-                                      <p:to>
-                                        <p:strVal val="visible"/>
-                                      </p:to>
-                                    </p:set>
-                                    <p:anim calcmode="lin" valueType="num">
-                                      <p:cBhvr additive="base">
-                                        <p:cTn id="37" dur="500" fill="hold"/>
-                                        <p:tgtEl>
-                                          <p:spTgt spid="6">
-                                            <p:txEl>
-                                              <p:pRg st="4" end="4"/>
-                                            </p:txEl>
-                                          </p:spTgt>
-                                        </p:tgtEl>
-                                        <p:attrNameLst>
-                                          <p:attrName>ppt_x</p:attrName>
-                                        </p:attrNameLst>
-                                      </p:cBhvr>
-                                      <p:tavLst>
-                                        <p:tav tm="0">
-                                          <p:val>
-                                            <p:strVal val="#ppt_x"/>
-                                          </p:val>
-                                        </p:tav>
-                                        <p:tav tm="100000">
-                                          <p:val>
-                                            <p:strVal val="#ppt_x"/>
-                                          </p:val>
-                                        </p:tav>
-                                      </p:tavLst>
-                                    </p:anim>
-                                    <p:anim calcmode="lin" valueType="num">
-                                      <p:cBhvr additive="base">
-                                        <p:cTn id="38" dur="500" fill="hold"/>
-                                        <p:tgtEl>
-                                          <p:spTgt spid="6">
-                                            <p:txEl>
-                                              <p:pRg st="4" end="4"/>
-                                            </p:txEl>
-                                          </p:spTgt>
-                                        </p:tgtEl>
-                                        <p:attrNameLst>
-                                          <p:attrName>ppt_y</p:attrName>
-                                        </p:attrNameLst>
-                                      </p:cBhvr>
-                                      <p:tavLst>
-                                        <p:tav tm="0">
-                                          <p:val>
-                                            <p:strVal val="1+#ppt_h/2"/>
-                                          </p:val>
-                                        </p:tav>
-                                        <p:tav tm="100000">
-                                          <p:val>
-                                            <p:strVal val="#ppt_y"/>
-                                          </p:val>
-                                        </p:tav>
-                                      </p:tavLst>
-                                    </p:anim>
-                                  </p:childTnLst>
-                                </p:cTn>
-                              </p:par>
-                            </p:childTnLst>
-                          </p:cTn>
-                        </p:par>
-                      </p:childTnLst>
-                    </p:cTn>
-                  </p:par>
-                  <p:par>
-                    <p:cTn id="39" fill="hold">
-                      <p:stCondLst>
-                        <p:cond delay="indefinite"/>
-                      </p:stCondLst>
-                      <p:childTnLst>
-                        <p:par>
-                          <p:cTn id="40" fill="hold">
-                            <p:stCondLst>
-                              <p:cond delay="0"/>
-                            </p:stCondLst>
-                            <p:childTnLst>
-                              <p:par>
-                                <p:cTn id="41" presetID="2" presetClass="entr" presetSubtype="4" fill="hold" grpId="0" nodeType="clickEffect">
-                                  <p:stCondLst>
-                                    <p:cond delay="0"/>
-                                  </p:stCondLst>
-                                  <p:childTnLst>
-                                    <p:set>
-                                      <p:cBhvr>
-                                        <p:cTn id="42" dur="1" fill="hold">
-                                          <p:stCondLst>
-                                            <p:cond delay="0"/>
-                                          </p:stCondLst>
-                                        </p:cTn>
-                                        <p:tgtEl>
-                                          <p:spTgt spid="6">
-                                            <p:txEl>
-                                              <p:pRg st="5" end="5"/>
-                                            </p:txEl>
-                                          </p:spTgt>
-                                        </p:tgtEl>
-                                        <p:attrNameLst>
-                                          <p:attrName>style.visibility</p:attrName>
-                                        </p:attrNameLst>
-                                      </p:cBhvr>
-                                      <p:to>
-                                        <p:strVal val="visible"/>
-                                      </p:to>
-                                    </p:set>
-                                    <p:anim calcmode="lin" valueType="num">
-                                      <p:cBhvr additive="base">
-                                        <p:cTn id="43" dur="500" fill="hold"/>
-                                        <p:tgtEl>
-                                          <p:spTgt spid="6">
-                                            <p:txEl>
-                                              <p:pRg st="5" end="5"/>
-                                            </p:txEl>
-                                          </p:spTgt>
-                                        </p:tgtEl>
-                                        <p:attrNameLst>
-                                          <p:attrName>ppt_x</p:attrName>
-                                        </p:attrNameLst>
-                                      </p:cBhvr>
-                                      <p:tavLst>
-                                        <p:tav tm="0">
-                                          <p:val>
-                                            <p:strVal val="#ppt_x"/>
-                                          </p:val>
-                                        </p:tav>
-                                        <p:tav tm="100000">
-                                          <p:val>
-                                            <p:strVal val="#ppt_x"/>
-                                          </p:val>
-                                        </p:tav>
-                                      </p:tavLst>
-                                    </p:anim>
-                                    <p:anim calcmode="lin" valueType="num">
-                                      <p:cBhvr additive="base">
-                                        <p:cTn id="44" dur="500" fill="hold"/>
-                                        <p:tgtEl>
-                                          <p:spTgt spid="6">
-                                            <p:txEl>
-                                              <p:pRg st="5" end="5"/>
-                                            </p:txEl>
-                                          </p:spTgt>
-                                        </p:tgtEl>
-                                        <p:attrNameLst>
-                                          <p:attrName>ppt_y</p:attrName>
-                                        </p:attrNameLst>
-                                      </p:cBhvr>
-                                      <p:tavLst>
-                                        <p:tav tm="0">
-                                          <p:val>
-                                            <p:strVal val="1+#ppt_h/2"/>
-                                          </p:val>
-                                        </p:tav>
-                                        <p:tav tm="100000">
-                                          <p:val>
-                                            <p:strVal val="#ppt_y"/>
-                                          </p:val>
-                                        </p:tav>
-                                      </p:tavLst>
-                                    </p:anim>
-                                  </p:childTnLst>
-                                </p:cTn>
-                              </p:par>
-                            </p:childTnLst>
-                          </p:cTn>
-                        </p:par>
-                      </p:childTnLst>
-                    </p:cTn>
-                  </p:par>
-                  <p:par>
-                    <p:cTn id="45" fill="hold">
-                      <p:stCondLst>
-                        <p:cond delay="indefinite"/>
-                      </p:stCondLst>
-                      <p:childTnLst>
-                        <p:par>
-                          <p:cTn id="46" fill="hold">
-                            <p:stCondLst>
-                              <p:cond delay="0"/>
-                            </p:stCondLst>
-                            <p:childTnLst>
-                              <p:par>
-                                <p:cTn id="47" presetID="2" presetClass="entr" presetSubtype="4" fill="hold" grpId="0" nodeType="clickEffect">
-                                  <p:stCondLst>
-                                    <p:cond delay="0"/>
-                                  </p:stCondLst>
-                                  <p:childTnLst>
-                                    <p:set>
-                                      <p:cBhvr>
-                                        <p:cTn id="48" dur="1" fill="hold">
-                                          <p:stCondLst>
-                                            <p:cond delay="0"/>
-                                          </p:stCondLst>
-                                        </p:cTn>
-                                        <p:tgtEl>
-                                          <p:spTgt spid="6">
-                                            <p:txEl>
-                                              <p:pRg st="6" end="6"/>
-                                            </p:txEl>
-                                          </p:spTgt>
-                                        </p:tgtEl>
-                                        <p:attrNameLst>
-                                          <p:attrName>style.visibility</p:attrName>
-                                        </p:attrNameLst>
-                                      </p:cBhvr>
-                                      <p:to>
-                                        <p:strVal val="visible"/>
-                                      </p:to>
-                                    </p:set>
-                                    <p:anim calcmode="lin" valueType="num">
-                                      <p:cBhvr additive="base">
-                                        <p:cTn id="49" dur="500" fill="hold"/>
-                                        <p:tgtEl>
-                                          <p:spTgt spid="6">
-                                            <p:txEl>
-                                              <p:pRg st="6" end="6"/>
-                                            </p:txEl>
-                                          </p:spTgt>
-                                        </p:tgtEl>
-                                        <p:attrNameLst>
-                                          <p:attrName>ppt_x</p:attrName>
-                                        </p:attrNameLst>
-                                      </p:cBhvr>
-                                      <p:tavLst>
-                                        <p:tav tm="0">
-                                          <p:val>
-                                            <p:strVal val="#ppt_x"/>
-                                          </p:val>
-                                        </p:tav>
-                                        <p:tav tm="100000">
-                                          <p:val>
-                                            <p:strVal val="#ppt_x"/>
-                                          </p:val>
-                                        </p:tav>
-                                      </p:tavLst>
-                                    </p:anim>
-                                    <p:anim calcmode="lin" valueType="num">
-                                      <p:cBhvr additive="base">
-                                        <p:cTn id="50" dur="500" fill="hold"/>
-                                        <p:tgtEl>
-                                          <p:spTgt spid="6">
-                                            <p:txEl>
-                                              <p:pRg st="6" end="6"/>
-                                            </p:txEl>
-                                          </p:spTgt>
-                                        </p:tgtEl>
-                                        <p:attrNameLst>
-                                          <p:attrName>ppt_y</p:attrName>
-                                        </p:attrNameLst>
-                                      </p:cBhvr>
-                                      <p:tavLst>
-                                        <p:tav tm="0">
-                                          <p:val>
-                                            <p:strVal val="1+#ppt_h/2"/>
-                                          </p:val>
-                                        </p:tav>
-                                        <p:tav tm="100000">
-                                          <p:val>
-                                            <p:strVal val="#ppt_y"/>
-                                          </p:val>
-                                        </p:tav>
-                                      </p:tavLst>
-                                    </p:anim>
-                                  </p:childTnLst>
-                                </p:cTn>
-                              </p:par>
-                            </p:childTnLst>
-                          </p:cTn>
-                        </p:par>
-                      </p:childTnLst>
-                    </p:cTn>
-                  </p:par>
-                  <p:par>
-                    <p:cTn id="51" fill="hold">
-                      <p:stCondLst>
-                        <p:cond delay="indefinite"/>
-                      </p:stCondLst>
-                      <p:childTnLst>
-                        <p:par>
-                          <p:cTn id="52" fill="hold">
-                            <p:stCondLst>
-                              <p:cond delay="0"/>
-                            </p:stCondLst>
-                            <p:childTnLst>
-                              <p:par>
-                                <p:cTn id="53" presetID="2" presetClass="entr" presetSubtype="4" fill="hold" grpId="0" nodeType="clickEffect">
-                                  <p:stCondLst>
-                                    <p:cond delay="0"/>
-                                  </p:stCondLst>
-                                  <p:childTnLst>
-                                    <p:set>
-                                      <p:cBhvr>
-                                        <p:cTn id="54" dur="1" fill="hold">
-                                          <p:stCondLst>
-                                            <p:cond delay="0"/>
-                                          </p:stCondLst>
-                                        </p:cTn>
-                                        <p:tgtEl>
-                                          <p:spTgt spid="6">
-                                            <p:txEl>
-                                              <p:pRg st="7" end="7"/>
-                                            </p:txEl>
-                                          </p:spTgt>
-                                        </p:tgtEl>
-                                        <p:attrNameLst>
-                                          <p:attrName>style.visibility</p:attrName>
-                                        </p:attrNameLst>
-                                      </p:cBhvr>
-                                      <p:to>
-                                        <p:strVal val="visible"/>
-                                      </p:to>
-                                    </p:set>
-                                    <p:anim calcmode="lin" valueType="num">
-                                      <p:cBhvr additive="base">
-                                        <p:cTn id="55" dur="500" fill="hold"/>
-                                        <p:tgtEl>
-                                          <p:spTgt spid="6">
-                                            <p:txEl>
-                                              <p:pRg st="7" end="7"/>
-                                            </p:txEl>
-                                          </p:spTgt>
-                                        </p:tgtEl>
-                                        <p:attrNameLst>
-                                          <p:attrName>ppt_x</p:attrName>
-                                        </p:attrNameLst>
-                                      </p:cBhvr>
-                                      <p:tavLst>
-                                        <p:tav tm="0">
-                                          <p:val>
-                                            <p:strVal val="#ppt_x"/>
-                                          </p:val>
-                                        </p:tav>
-                                        <p:tav tm="100000">
-                                          <p:val>
-                                            <p:strVal val="#ppt_x"/>
-                                          </p:val>
-                                        </p:tav>
-                                      </p:tavLst>
-                                    </p:anim>
-                                    <p:anim calcmode="lin" valueType="num">
-                                      <p:cBhvr additive="base">
-                                        <p:cTn id="56" dur="500" fill="hold"/>
-                                        <p:tgtEl>
-                                          <p:spTgt spid="6">
-                                            <p:txEl>
-                                              <p:pRg st="7" end="7"/>
                                             </p:txEl>
                                           </p:spTgt>
                                         </p:tgtEl>
@@ -6263,6 +5916,1178 @@
           <a:p>
             <a:r>
               <a:rPr lang="en-US" dirty="0" smtClean="0"/>
+              <a:t>Tricks &amp; Tricks – Use strict</a:t>
+            </a:r>
+            <a:endParaRPr lang="nl-BE" dirty="0"/>
+          </a:p>
+        </p:txBody>
+      </p:sp>
+      <p:sp>
+        <p:nvSpPr>
+          <p:cNvPr id="6" name="Content Placeholder 5"/>
+          <p:cNvSpPr>
+            <a:spLocks noGrp="1"/>
+          </p:cNvSpPr>
+          <p:nvPr>
+            <p:ph idx="1"/>
+          </p:nvPr>
+        </p:nvSpPr>
+        <p:spPr/>
+        <p:txBody>
+          <a:bodyPr>
+            <a:normAutofit/>
+          </a:bodyPr>
+          <a:lstStyle/>
+          <a:p>
+            <a:r>
+              <a:rPr lang="en-US" dirty="0" smtClean="0"/>
+              <a:t>Support by: </a:t>
+            </a:r>
+            <a:r>
+              <a:rPr lang="nl-BE" dirty="0">
+                <a:hlinkClick r:id="rId3"/>
+              </a:rPr>
+              <a:t>http://</a:t>
+            </a:r>
+            <a:r>
+              <a:rPr lang="nl-BE" dirty="0" smtClean="0">
+                <a:hlinkClick r:id="rId3"/>
+              </a:rPr>
+              <a:t>caniuse.com/use-strict</a:t>
+            </a:r>
+            <a:endParaRPr lang="nl-BE" dirty="0" smtClean="0"/>
+          </a:p>
+          <a:p>
+            <a:r>
+              <a:rPr lang="en-US" dirty="0" smtClean="0"/>
+              <a:t>Global scope or function scope</a:t>
+            </a:r>
+          </a:p>
+          <a:p>
+            <a:r>
+              <a:rPr lang="en-US" dirty="0" smtClean="0"/>
+              <a:t>Prevents coding bloopers:</a:t>
+            </a:r>
+          </a:p>
+          <a:p>
+            <a:pPr lvl="1"/>
+            <a:r>
+              <a:rPr lang="en-US" dirty="0" smtClean="0"/>
+              <a:t>Variables and properties</a:t>
+            </a:r>
+          </a:p>
+          <a:p>
+            <a:pPr lvl="1"/>
+            <a:r>
+              <a:rPr lang="en-US" dirty="0" err="1" smtClean="0"/>
+              <a:t>Eval</a:t>
+            </a:r>
+            <a:endParaRPr lang="en-US" dirty="0" smtClean="0"/>
+          </a:p>
+          <a:p>
+            <a:pPr lvl="1"/>
+            <a:r>
+              <a:rPr lang="en-US" dirty="0" smtClean="0"/>
+              <a:t>Functions</a:t>
+            </a:r>
+          </a:p>
+          <a:p>
+            <a:pPr lvl="1"/>
+            <a:r>
+              <a:rPr lang="en-US" dirty="0" smtClean="0"/>
+              <a:t>With() {}</a:t>
+            </a:r>
+          </a:p>
+          <a:p>
+            <a:pPr lvl="1"/>
+            <a:r>
+              <a:rPr lang="en-US" dirty="0" smtClean="0"/>
+              <a:t>Also see : </a:t>
+            </a:r>
+            <a:r>
+              <a:rPr lang="nl-BE" dirty="0">
+                <a:hlinkClick r:id="rId4"/>
+              </a:rPr>
+              <a:t>http://</a:t>
+            </a:r>
+            <a:r>
+              <a:rPr lang="nl-BE" dirty="0" smtClean="0">
+                <a:hlinkClick r:id="rId4"/>
+              </a:rPr>
+              <a:t>www.ecma-international.org/publications/files/ECMA-ST/Ecma-262.pdf</a:t>
+            </a:r>
+            <a:r>
+              <a:rPr lang="nl-BE" dirty="0" smtClean="0"/>
+              <a:t> page 235</a:t>
+            </a:r>
+            <a:endParaRPr lang="en-US" dirty="0" smtClean="0"/>
+          </a:p>
+          <a:p>
+            <a:endParaRPr lang="nl-BE" dirty="0" smtClean="0"/>
+          </a:p>
+          <a:p>
+            <a:endParaRPr lang="nl-BE" dirty="0"/>
+          </a:p>
+        </p:txBody>
+      </p:sp>
+      <p:pic>
+        <p:nvPicPr>
+          <p:cNvPr id="1026" name="Picture 2" descr="http://www.toychestnews.com/catalogimages/STK_IMAGES/STK440001-460000/STK442493.jpg"/>
+          <p:cNvPicPr>
+            <a:picLocks noChangeAspect="1" noChangeArrowheads="1"/>
+          </p:cNvPicPr>
+          <p:nvPr/>
+        </p:nvPicPr>
+        <p:blipFill>
+          <a:blip r:embed="rId5" cstate="print">
+            <a:extLst>
+              <a:ext uri="{28A0092B-C50C-407E-A947-70E740481C1C}">
+                <a14:useLocalDpi xmlns:a14="http://schemas.microsoft.com/office/drawing/2010/main" xmlns="" val="0"/>
+              </a:ext>
+            </a:extLst>
+          </a:blip>
+          <a:srcRect/>
+          <a:stretch>
+            <a:fillRect/>
+          </a:stretch>
+        </p:blipFill>
+        <p:spPr bwMode="auto">
+          <a:xfrm flipH="1">
+            <a:off x="7086600" y="1524000"/>
+            <a:ext cx="1253801" cy="1841398"/>
+          </a:xfrm>
+          <a:prstGeom prst="rect">
+            <a:avLst/>
+          </a:prstGeom>
+          <a:noFill/>
+          <a:extLst>
+            <a:ext uri="{909E8E84-426E-40DD-AFC4-6F175D3DCCD1}">
+              <a14:hiddenFill xmlns:a14="http://schemas.microsoft.com/office/drawing/2010/main" xmlns="">
+                <a:solidFill>
+                  <a:srgbClr val="FFFFFF"/>
+                </a:solidFill>
+              </a14:hiddenFill>
+            </a:ext>
+          </a:extLst>
+        </p:spPr>
+      </p:pic>
+      <p:pic>
+        <p:nvPicPr>
+          <p:cNvPr id="1028" name="Picture 4" descr="http://www.digital-loggers.com/vb.jpg"/>
+          <p:cNvPicPr>
+            <a:picLocks noChangeAspect="1" noChangeArrowheads="1"/>
+          </p:cNvPicPr>
+          <p:nvPr/>
+        </p:nvPicPr>
+        <p:blipFill>
+          <a:blip r:embed="rId6" cstate="print">
+            <a:extLst>
+              <a:ext uri="{28A0092B-C50C-407E-A947-70E740481C1C}">
+                <a14:useLocalDpi xmlns:a14="http://schemas.microsoft.com/office/drawing/2010/main" xmlns="" val="0"/>
+              </a:ext>
+            </a:extLst>
+          </a:blip>
+          <a:srcRect/>
+          <a:stretch>
+            <a:fillRect/>
+          </a:stretch>
+        </p:blipFill>
+        <p:spPr bwMode="auto">
+          <a:xfrm>
+            <a:off x="7338768" y="2479404"/>
+            <a:ext cx="749463" cy="399713"/>
+          </a:xfrm>
+          <a:prstGeom prst="rect">
+            <a:avLst/>
+          </a:prstGeom>
+          <a:noFill/>
+          <a:extLst>
+            <a:ext uri="{909E8E84-426E-40DD-AFC4-6F175D3DCCD1}">
+              <a14:hiddenFill xmlns:a14="http://schemas.microsoft.com/office/drawing/2010/main" xmlns="">
+                <a:solidFill>
+                  <a:srgbClr val="FFFFFF"/>
+                </a:solidFill>
+              </a14:hiddenFill>
+            </a:ext>
+          </a:extLst>
+        </p:spPr>
+      </p:pic>
+    </p:spTree>
+    <p:extLst>
+      <p:ext uri="{BB962C8B-B14F-4D97-AF65-F5344CB8AC3E}">
+        <p14:creationId xmlns:p14="http://schemas.microsoft.com/office/powerpoint/2010/main" xmlns="" val="1150581003"/>
+      </p:ext>
+    </p:extLst>
+  </p:cSld>
+  <p:clrMapOvr>
+    <a:masterClrMapping/>
+  </p:clrMapOvr>
+  <p:timing>
+    <p:tnLst>
+      <p:par>
+        <p:cTn id="1" dur="indefinite" restart="never" nodeType="tmRoot">
+          <p:childTnLst>
+            <p:seq concurrent="1" nextAc="seek">
+              <p:cTn id="2" dur="indefinite" nodeType="mainSeq">
+                <p:childTnLst>
+                  <p:par>
+                    <p:cTn id="3" fill="hold">
+                      <p:stCondLst>
+                        <p:cond delay="indefinite"/>
+                      </p:stCondLst>
+                      <p:childTnLst>
+                        <p:par>
+                          <p:cTn id="4" fill="hold">
+                            <p:stCondLst>
+                              <p:cond delay="0"/>
+                            </p:stCondLst>
+                            <p:childTnLst>
+                              <p:par>
+                                <p:cTn id="5" presetID="1" presetClass="entr" presetSubtype="0" fill="hold" nodeType="clickEffect">
+                                  <p:stCondLst>
+                                    <p:cond delay="0"/>
+                                  </p:stCondLst>
+                                  <p:childTnLst>
+                                    <p:set>
+                                      <p:cBhvr>
+                                        <p:cTn id="6" dur="1" fill="hold">
+                                          <p:stCondLst>
+                                            <p:cond delay="0"/>
+                                          </p:stCondLst>
+                                        </p:cTn>
+                                        <p:tgtEl>
+                                          <p:spTgt spid="1026"/>
+                                        </p:tgtEl>
+                                        <p:attrNameLst>
+                                          <p:attrName>style.visibility</p:attrName>
+                                        </p:attrNameLst>
+                                      </p:cBhvr>
+                                      <p:to>
+                                        <p:strVal val="visible"/>
+                                      </p:to>
+                                    </p:set>
+                                  </p:childTnLst>
+                                </p:cTn>
+                              </p:par>
+                              <p:par>
+                                <p:cTn id="7" presetID="1" presetClass="entr" presetSubtype="0" fill="hold" nodeType="withEffect">
+                                  <p:stCondLst>
+                                    <p:cond delay="0"/>
+                                  </p:stCondLst>
+                                  <p:childTnLst>
+                                    <p:set>
+                                      <p:cBhvr>
+                                        <p:cTn id="8" dur="1" fill="hold">
+                                          <p:stCondLst>
+                                            <p:cond delay="0"/>
+                                          </p:stCondLst>
+                                        </p:cTn>
+                                        <p:tgtEl>
+                                          <p:spTgt spid="1028"/>
+                                        </p:tgtEl>
+                                        <p:attrNameLst>
+                                          <p:attrName>style.visibility</p:attrName>
+                                        </p:attrNameLst>
+                                      </p:cBhvr>
+                                      <p:to>
+                                        <p:strVal val="visible"/>
+                                      </p:to>
+                                    </p:set>
+                                  </p:childTnLst>
+                                </p:cTn>
+                              </p:par>
+                            </p:childTnLst>
+                          </p:cTn>
+                        </p:par>
+                      </p:childTnLst>
+                    </p:cTn>
+                  </p:par>
+                  <p:par>
+                    <p:cTn id="9" fill="hold">
+                      <p:stCondLst>
+                        <p:cond delay="indefinite"/>
+                      </p:stCondLst>
+                      <p:childTnLst>
+                        <p:par>
+                          <p:cTn id="10" fill="hold">
+                            <p:stCondLst>
+                              <p:cond delay="0"/>
+                            </p:stCondLst>
+                            <p:childTnLst>
+                              <p:par>
+                                <p:cTn id="11" presetID="2" presetClass="entr" presetSubtype="4" fill="hold" grpId="0" nodeType="clickEffect">
+                                  <p:stCondLst>
+                                    <p:cond delay="0"/>
+                                  </p:stCondLst>
+                                  <p:childTnLst>
+                                    <p:set>
+                                      <p:cBhvr>
+                                        <p:cTn id="12" dur="1" fill="hold">
+                                          <p:stCondLst>
+                                            <p:cond delay="0"/>
+                                          </p:stCondLst>
+                                        </p:cTn>
+                                        <p:tgtEl>
+                                          <p:spTgt spid="6">
+                                            <p:txEl>
+                                              <p:pRg st="0" end="0"/>
+                                            </p:txEl>
+                                          </p:spTgt>
+                                        </p:tgtEl>
+                                        <p:attrNameLst>
+                                          <p:attrName>style.visibility</p:attrName>
+                                        </p:attrNameLst>
+                                      </p:cBhvr>
+                                      <p:to>
+                                        <p:strVal val="visible"/>
+                                      </p:to>
+                                    </p:set>
+                                    <p:anim calcmode="lin" valueType="num">
+                                      <p:cBhvr additive="base">
+                                        <p:cTn id="13" dur="500" fill="hold"/>
+                                        <p:tgtEl>
+                                          <p:spTgt spid="6">
+                                            <p:txEl>
+                                              <p:pRg st="0" end="0"/>
+                                            </p:txEl>
+                                          </p:spTgt>
+                                        </p:tgtEl>
+                                        <p:attrNameLst>
+                                          <p:attrName>ppt_x</p:attrName>
+                                        </p:attrNameLst>
+                                      </p:cBhvr>
+                                      <p:tavLst>
+                                        <p:tav tm="0">
+                                          <p:val>
+                                            <p:strVal val="#ppt_x"/>
+                                          </p:val>
+                                        </p:tav>
+                                        <p:tav tm="100000">
+                                          <p:val>
+                                            <p:strVal val="#ppt_x"/>
+                                          </p:val>
+                                        </p:tav>
+                                      </p:tavLst>
+                                    </p:anim>
+                                    <p:anim calcmode="lin" valueType="num">
+                                      <p:cBhvr additive="base">
+                                        <p:cTn id="14" dur="500" fill="hold"/>
+                                        <p:tgtEl>
+                                          <p:spTgt spid="6">
+                                            <p:txEl>
+                                              <p:pRg st="0" end="0"/>
+                                            </p:txEl>
+                                          </p:spTgt>
+                                        </p:tgtEl>
+                                        <p:attrNameLst>
+                                          <p:attrName>ppt_y</p:attrName>
+                                        </p:attrNameLst>
+                                      </p:cBhvr>
+                                      <p:tavLst>
+                                        <p:tav tm="0">
+                                          <p:val>
+                                            <p:strVal val="1+#ppt_h/2"/>
+                                          </p:val>
+                                        </p:tav>
+                                        <p:tav tm="100000">
+                                          <p:val>
+                                            <p:strVal val="#ppt_y"/>
+                                          </p:val>
+                                        </p:tav>
+                                      </p:tavLst>
+                                    </p:anim>
+                                  </p:childTnLst>
+                                </p:cTn>
+                              </p:par>
+                            </p:childTnLst>
+                          </p:cTn>
+                        </p:par>
+                      </p:childTnLst>
+                    </p:cTn>
+                  </p:par>
+                  <p:par>
+                    <p:cTn id="15" fill="hold">
+                      <p:stCondLst>
+                        <p:cond delay="indefinite"/>
+                      </p:stCondLst>
+                      <p:childTnLst>
+                        <p:par>
+                          <p:cTn id="16" fill="hold">
+                            <p:stCondLst>
+                              <p:cond delay="0"/>
+                            </p:stCondLst>
+                            <p:childTnLst>
+                              <p:par>
+                                <p:cTn id="17" presetID="2" presetClass="entr" presetSubtype="4" fill="hold" grpId="0" nodeType="clickEffect">
+                                  <p:stCondLst>
+                                    <p:cond delay="0"/>
+                                  </p:stCondLst>
+                                  <p:childTnLst>
+                                    <p:set>
+                                      <p:cBhvr>
+                                        <p:cTn id="18" dur="1" fill="hold">
+                                          <p:stCondLst>
+                                            <p:cond delay="0"/>
+                                          </p:stCondLst>
+                                        </p:cTn>
+                                        <p:tgtEl>
+                                          <p:spTgt spid="6">
+                                            <p:txEl>
+                                              <p:pRg st="1" end="1"/>
+                                            </p:txEl>
+                                          </p:spTgt>
+                                        </p:tgtEl>
+                                        <p:attrNameLst>
+                                          <p:attrName>style.visibility</p:attrName>
+                                        </p:attrNameLst>
+                                      </p:cBhvr>
+                                      <p:to>
+                                        <p:strVal val="visible"/>
+                                      </p:to>
+                                    </p:set>
+                                    <p:anim calcmode="lin" valueType="num">
+                                      <p:cBhvr additive="base">
+                                        <p:cTn id="19" dur="500" fill="hold"/>
+                                        <p:tgtEl>
+                                          <p:spTgt spid="6">
+                                            <p:txEl>
+                                              <p:pRg st="1" end="1"/>
+                                            </p:txEl>
+                                          </p:spTgt>
+                                        </p:tgtEl>
+                                        <p:attrNameLst>
+                                          <p:attrName>ppt_x</p:attrName>
+                                        </p:attrNameLst>
+                                      </p:cBhvr>
+                                      <p:tavLst>
+                                        <p:tav tm="0">
+                                          <p:val>
+                                            <p:strVal val="#ppt_x"/>
+                                          </p:val>
+                                        </p:tav>
+                                        <p:tav tm="100000">
+                                          <p:val>
+                                            <p:strVal val="#ppt_x"/>
+                                          </p:val>
+                                        </p:tav>
+                                      </p:tavLst>
+                                    </p:anim>
+                                    <p:anim calcmode="lin" valueType="num">
+                                      <p:cBhvr additive="base">
+                                        <p:cTn id="20" dur="500" fill="hold"/>
+                                        <p:tgtEl>
+                                          <p:spTgt spid="6">
+                                            <p:txEl>
+                                              <p:pRg st="1" end="1"/>
+                                            </p:txEl>
+                                          </p:spTgt>
+                                        </p:tgtEl>
+                                        <p:attrNameLst>
+                                          <p:attrName>ppt_y</p:attrName>
+                                        </p:attrNameLst>
+                                      </p:cBhvr>
+                                      <p:tavLst>
+                                        <p:tav tm="0">
+                                          <p:val>
+                                            <p:strVal val="1+#ppt_h/2"/>
+                                          </p:val>
+                                        </p:tav>
+                                        <p:tav tm="100000">
+                                          <p:val>
+                                            <p:strVal val="#ppt_y"/>
+                                          </p:val>
+                                        </p:tav>
+                                      </p:tavLst>
+                                    </p:anim>
+                                  </p:childTnLst>
+                                </p:cTn>
+                              </p:par>
+                            </p:childTnLst>
+                          </p:cTn>
+                        </p:par>
+                      </p:childTnLst>
+                    </p:cTn>
+                  </p:par>
+                  <p:par>
+                    <p:cTn id="21" fill="hold">
+                      <p:stCondLst>
+                        <p:cond delay="indefinite"/>
+                      </p:stCondLst>
+                      <p:childTnLst>
+                        <p:par>
+                          <p:cTn id="22" fill="hold">
+                            <p:stCondLst>
+                              <p:cond delay="0"/>
+                            </p:stCondLst>
+                            <p:childTnLst>
+                              <p:par>
+                                <p:cTn id="23" presetID="2" presetClass="entr" presetSubtype="4" fill="hold" grpId="0" nodeType="clickEffect">
+                                  <p:stCondLst>
+                                    <p:cond delay="0"/>
+                                  </p:stCondLst>
+                                  <p:childTnLst>
+                                    <p:set>
+                                      <p:cBhvr>
+                                        <p:cTn id="24" dur="1" fill="hold">
+                                          <p:stCondLst>
+                                            <p:cond delay="0"/>
+                                          </p:stCondLst>
+                                        </p:cTn>
+                                        <p:tgtEl>
+                                          <p:spTgt spid="6">
+                                            <p:txEl>
+                                              <p:pRg st="2" end="2"/>
+                                            </p:txEl>
+                                          </p:spTgt>
+                                        </p:tgtEl>
+                                        <p:attrNameLst>
+                                          <p:attrName>style.visibility</p:attrName>
+                                        </p:attrNameLst>
+                                      </p:cBhvr>
+                                      <p:to>
+                                        <p:strVal val="visible"/>
+                                      </p:to>
+                                    </p:set>
+                                    <p:anim calcmode="lin" valueType="num">
+                                      <p:cBhvr additive="base">
+                                        <p:cTn id="25" dur="500" fill="hold"/>
+                                        <p:tgtEl>
+                                          <p:spTgt spid="6">
+                                            <p:txEl>
+                                              <p:pRg st="2" end="2"/>
+                                            </p:txEl>
+                                          </p:spTgt>
+                                        </p:tgtEl>
+                                        <p:attrNameLst>
+                                          <p:attrName>ppt_x</p:attrName>
+                                        </p:attrNameLst>
+                                      </p:cBhvr>
+                                      <p:tavLst>
+                                        <p:tav tm="0">
+                                          <p:val>
+                                            <p:strVal val="#ppt_x"/>
+                                          </p:val>
+                                        </p:tav>
+                                        <p:tav tm="100000">
+                                          <p:val>
+                                            <p:strVal val="#ppt_x"/>
+                                          </p:val>
+                                        </p:tav>
+                                      </p:tavLst>
+                                    </p:anim>
+                                    <p:anim calcmode="lin" valueType="num">
+                                      <p:cBhvr additive="base">
+                                        <p:cTn id="26" dur="500" fill="hold"/>
+                                        <p:tgtEl>
+                                          <p:spTgt spid="6">
+                                            <p:txEl>
+                                              <p:pRg st="2" end="2"/>
+                                            </p:txEl>
+                                          </p:spTgt>
+                                        </p:tgtEl>
+                                        <p:attrNameLst>
+                                          <p:attrName>ppt_y</p:attrName>
+                                        </p:attrNameLst>
+                                      </p:cBhvr>
+                                      <p:tavLst>
+                                        <p:tav tm="0">
+                                          <p:val>
+                                            <p:strVal val="1+#ppt_h/2"/>
+                                          </p:val>
+                                        </p:tav>
+                                        <p:tav tm="100000">
+                                          <p:val>
+                                            <p:strVal val="#ppt_y"/>
+                                          </p:val>
+                                        </p:tav>
+                                      </p:tavLst>
+                                    </p:anim>
+                                  </p:childTnLst>
+                                </p:cTn>
+                              </p:par>
+                            </p:childTnLst>
+                          </p:cTn>
+                        </p:par>
+                      </p:childTnLst>
+                    </p:cTn>
+                  </p:par>
+                  <p:par>
+                    <p:cTn id="27" fill="hold">
+                      <p:stCondLst>
+                        <p:cond delay="indefinite"/>
+                      </p:stCondLst>
+                      <p:childTnLst>
+                        <p:par>
+                          <p:cTn id="28" fill="hold">
+                            <p:stCondLst>
+                              <p:cond delay="0"/>
+                            </p:stCondLst>
+                            <p:childTnLst>
+                              <p:par>
+                                <p:cTn id="29" presetID="2" presetClass="entr" presetSubtype="4" fill="hold" grpId="0" nodeType="clickEffect">
+                                  <p:stCondLst>
+                                    <p:cond delay="0"/>
+                                  </p:stCondLst>
+                                  <p:childTnLst>
+                                    <p:set>
+                                      <p:cBhvr>
+                                        <p:cTn id="30" dur="1" fill="hold">
+                                          <p:stCondLst>
+                                            <p:cond delay="0"/>
+                                          </p:stCondLst>
+                                        </p:cTn>
+                                        <p:tgtEl>
+                                          <p:spTgt spid="6">
+                                            <p:txEl>
+                                              <p:pRg st="3" end="3"/>
+                                            </p:txEl>
+                                          </p:spTgt>
+                                        </p:tgtEl>
+                                        <p:attrNameLst>
+                                          <p:attrName>style.visibility</p:attrName>
+                                        </p:attrNameLst>
+                                      </p:cBhvr>
+                                      <p:to>
+                                        <p:strVal val="visible"/>
+                                      </p:to>
+                                    </p:set>
+                                    <p:anim calcmode="lin" valueType="num">
+                                      <p:cBhvr additive="base">
+                                        <p:cTn id="31" dur="500" fill="hold"/>
+                                        <p:tgtEl>
+                                          <p:spTgt spid="6">
+                                            <p:txEl>
+                                              <p:pRg st="3" end="3"/>
+                                            </p:txEl>
+                                          </p:spTgt>
+                                        </p:tgtEl>
+                                        <p:attrNameLst>
+                                          <p:attrName>ppt_x</p:attrName>
+                                        </p:attrNameLst>
+                                      </p:cBhvr>
+                                      <p:tavLst>
+                                        <p:tav tm="0">
+                                          <p:val>
+                                            <p:strVal val="#ppt_x"/>
+                                          </p:val>
+                                        </p:tav>
+                                        <p:tav tm="100000">
+                                          <p:val>
+                                            <p:strVal val="#ppt_x"/>
+                                          </p:val>
+                                        </p:tav>
+                                      </p:tavLst>
+                                    </p:anim>
+                                    <p:anim calcmode="lin" valueType="num">
+                                      <p:cBhvr additive="base">
+                                        <p:cTn id="32" dur="500" fill="hold"/>
+                                        <p:tgtEl>
+                                          <p:spTgt spid="6">
+                                            <p:txEl>
+                                              <p:pRg st="3" end="3"/>
+                                            </p:txEl>
+                                          </p:spTgt>
+                                        </p:tgtEl>
+                                        <p:attrNameLst>
+                                          <p:attrName>ppt_y</p:attrName>
+                                        </p:attrNameLst>
+                                      </p:cBhvr>
+                                      <p:tavLst>
+                                        <p:tav tm="0">
+                                          <p:val>
+                                            <p:strVal val="1+#ppt_h/2"/>
+                                          </p:val>
+                                        </p:tav>
+                                        <p:tav tm="100000">
+                                          <p:val>
+                                            <p:strVal val="#ppt_y"/>
+                                          </p:val>
+                                        </p:tav>
+                                      </p:tavLst>
+                                    </p:anim>
+                                  </p:childTnLst>
+                                </p:cTn>
+                              </p:par>
+                            </p:childTnLst>
+                          </p:cTn>
+                        </p:par>
+                      </p:childTnLst>
+                    </p:cTn>
+                  </p:par>
+                  <p:par>
+                    <p:cTn id="33" fill="hold">
+                      <p:stCondLst>
+                        <p:cond delay="indefinite"/>
+                      </p:stCondLst>
+                      <p:childTnLst>
+                        <p:par>
+                          <p:cTn id="34" fill="hold">
+                            <p:stCondLst>
+                              <p:cond delay="0"/>
+                            </p:stCondLst>
+                            <p:childTnLst>
+                              <p:par>
+                                <p:cTn id="35" presetID="2" presetClass="entr" presetSubtype="4" fill="hold" grpId="0" nodeType="clickEffect">
+                                  <p:stCondLst>
+                                    <p:cond delay="0"/>
+                                  </p:stCondLst>
+                                  <p:childTnLst>
+                                    <p:set>
+                                      <p:cBhvr>
+                                        <p:cTn id="36" dur="1" fill="hold">
+                                          <p:stCondLst>
+                                            <p:cond delay="0"/>
+                                          </p:stCondLst>
+                                        </p:cTn>
+                                        <p:tgtEl>
+                                          <p:spTgt spid="6">
+                                            <p:txEl>
+                                              <p:pRg st="4" end="4"/>
+                                            </p:txEl>
+                                          </p:spTgt>
+                                        </p:tgtEl>
+                                        <p:attrNameLst>
+                                          <p:attrName>style.visibility</p:attrName>
+                                        </p:attrNameLst>
+                                      </p:cBhvr>
+                                      <p:to>
+                                        <p:strVal val="visible"/>
+                                      </p:to>
+                                    </p:set>
+                                    <p:anim calcmode="lin" valueType="num">
+                                      <p:cBhvr additive="base">
+                                        <p:cTn id="37" dur="500" fill="hold"/>
+                                        <p:tgtEl>
+                                          <p:spTgt spid="6">
+                                            <p:txEl>
+                                              <p:pRg st="4" end="4"/>
+                                            </p:txEl>
+                                          </p:spTgt>
+                                        </p:tgtEl>
+                                        <p:attrNameLst>
+                                          <p:attrName>ppt_x</p:attrName>
+                                        </p:attrNameLst>
+                                      </p:cBhvr>
+                                      <p:tavLst>
+                                        <p:tav tm="0">
+                                          <p:val>
+                                            <p:strVal val="#ppt_x"/>
+                                          </p:val>
+                                        </p:tav>
+                                        <p:tav tm="100000">
+                                          <p:val>
+                                            <p:strVal val="#ppt_x"/>
+                                          </p:val>
+                                        </p:tav>
+                                      </p:tavLst>
+                                    </p:anim>
+                                    <p:anim calcmode="lin" valueType="num">
+                                      <p:cBhvr additive="base">
+                                        <p:cTn id="38" dur="500" fill="hold"/>
+                                        <p:tgtEl>
+                                          <p:spTgt spid="6">
+                                            <p:txEl>
+                                              <p:pRg st="4" end="4"/>
+                                            </p:txEl>
+                                          </p:spTgt>
+                                        </p:tgtEl>
+                                        <p:attrNameLst>
+                                          <p:attrName>ppt_y</p:attrName>
+                                        </p:attrNameLst>
+                                      </p:cBhvr>
+                                      <p:tavLst>
+                                        <p:tav tm="0">
+                                          <p:val>
+                                            <p:strVal val="1+#ppt_h/2"/>
+                                          </p:val>
+                                        </p:tav>
+                                        <p:tav tm="100000">
+                                          <p:val>
+                                            <p:strVal val="#ppt_y"/>
+                                          </p:val>
+                                        </p:tav>
+                                      </p:tavLst>
+                                    </p:anim>
+                                  </p:childTnLst>
+                                </p:cTn>
+                              </p:par>
+                            </p:childTnLst>
+                          </p:cTn>
+                        </p:par>
+                      </p:childTnLst>
+                    </p:cTn>
+                  </p:par>
+                  <p:par>
+                    <p:cTn id="39" fill="hold">
+                      <p:stCondLst>
+                        <p:cond delay="indefinite"/>
+                      </p:stCondLst>
+                      <p:childTnLst>
+                        <p:par>
+                          <p:cTn id="40" fill="hold">
+                            <p:stCondLst>
+                              <p:cond delay="0"/>
+                            </p:stCondLst>
+                            <p:childTnLst>
+                              <p:par>
+                                <p:cTn id="41" presetID="2" presetClass="entr" presetSubtype="4" fill="hold" grpId="0" nodeType="clickEffect">
+                                  <p:stCondLst>
+                                    <p:cond delay="0"/>
+                                  </p:stCondLst>
+                                  <p:childTnLst>
+                                    <p:set>
+                                      <p:cBhvr>
+                                        <p:cTn id="42" dur="1" fill="hold">
+                                          <p:stCondLst>
+                                            <p:cond delay="0"/>
+                                          </p:stCondLst>
+                                        </p:cTn>
+                                        <p:tgtEl>
+                                          <p:spTgt spid="6">
+                                            <p:txEl>
+                                              <p:pRg st="5" end="5"/>
+                                            </p:txEl>
+                                          </p:spTgt>
+                                        </p:tgtEl>
+                                        <p:attrNameLst>
+                                          <p:attrName>style.visibility</p:attrName>
+                                        </p:attrNameLst>
+                                      </p:cBhvr>
+                                      <p:to>
+                                        <p:strVal val="visible"/>
+                                      </p:to>
+                                    </p:set>
+                                    <p:anim calcmode="lin" valueType="num">
+                                      <p:cBhvr additive="base">
+                                        <p:cTn id="43" dur="500" fill="hold"/>
+                                        <p:tgtEl>
+                                          <p:spTgt spid="6">
+                                            <p:txEl>
+                                              <p:pRg st="5" end="5"/>
+                                            </p:txEl>
+                                          </p:spTgt>
+                                        </p:tgtEl>
+                                        <p:attrNameLst>
+                                          <p:attrName>ppt_x</p:attrName>
+                                        </p:attrNameLst>
+                                      </p:cBhvr>
+                                      <p:tavLst>
+                                        <p:tav tm="0">
+                                          <p:val>
+                                            <p:strVal val="#ppt_x"/>
+                                          </p:val>
+                                        </p:tav>
+                                        <p:tav tm="100000">
+                                          <p:val>
+                                            <p:strVal val="#ppt_x"/>
+                                          </p:val>
+                                        </p:tav>
+                                      </p:tavLst>
+                                    </p:anim>
+                                    <p:anim calcmode="lin" valueType="num">
+                                      <p:cBhvr additive="base">
+                                        <p:cTn id="44" dur="500" fill="hold"/>
+                                        <p:tgtEl>
+                                          <p:spTgt spid="6">
+                                            <p:txEl>
+                                              <p:pRg st="5" end="5"/>
+                                            </p:txEl>
+                                          </p:spTgt>
+                                        </p:tgtEl>
+                                        <p:attrNameLst>
+                                          <p:attrName>ppt_y</p:attrName>
+                                        </p:attrNameLst>
+                                      </p:cBhvr>
+                                      <p:tavLst>
+                                        <p:tav tm="0">
+                                          <p:val>
+                                            <p:strVal val="1+#ppt_h/2"/>
+                                          </p:val>
+                                        </p:tav>
+                                        <p:tav tm="100000">
+                                          <p:val>
+                                            <p:strVal val="#ppt_y"/>
+                                          </p:val>
+                                        </p:tav>
+                                      </p:tavLst>
+                                    </p:anim>
+                                  </p:childTnLst>
+                                </p:cTn>
+                              </p:par>
+                            </p:childTnLst>
+                          </p:cTn>
+                        </p:par>
+                      </p:childTnLst>
+                    </p:cTn>
+                  </p:par>
+                  <p:par>
+                    <p:cTn id="45" fill="hold">
+                      <p:stCondLst>
+                        <p:cond delay="indefinite"/>
+                      </p:stCondLst>
+                      <p:childTnLst>
+                        <p:par>
+                          <p:cTn id="46" fill="hold">
+                            <p:stCondLst>
+                              <p:cond delay="0"/>
+                            </p:stCondLst>
+                            <p:childTnLst>
+                              <p:par>
+                                <p:cTn id="47" presetID="2" presetClass="entr" presetSubtype="4" fill="hold" grpId="0" nodeType="clickEffect">
+                                  <p:stCondLst>
+                                    <p:cond delay="0"/>
+                                  </p:stCondLst>
+                                  <p:childTnLst>
+                                    <p:set>
+                                      <p:cBhvr>
+                                        <p:cTn id="48" dur="1" fill="hold">
+                                          <p:stCondLst>
+                                            <p:cond delay="0"/>
+                                          </p:stCondLst>
+                                        </p:cTn>
+                                        <p:tgtEl>
+                                          <p:spTgt spid="6">
+                                            <p:txEl>
+                                              <p:pRg st="6" end="6"/>
+                                            </p:txEl>
+                                          </p:spTgt>
+                                        </p:tgtEl>
+                                        <p:attrNameLst>
+                                          <p:attrName>style.visibility</p:attrName>
+                                        </p:attrNameLst>
+                                      </p:cBhvr>
+                                      <p:to>
+                                        <p:strVal val="visible"/>
+                                      </p:to>
+                                    </p:set>
+                                    <p:anim calcmode="lin" valueType="num">
+                                      <p:cBhvr additive="base">
+                                        <p:cTn id="49" dur="500" fill="hold"/>
+                                        <p:tgtEl>
+                                          <p:spTgt spid="6">
+                                            <p:txEl>
+                                              <p:pRg st="6" end="6"/>
+                                            </p:txEl>
+                                          </p:spTgt>
+                                        </p:tgtEl>
+                                        <p:attrNameLst>
+                                          <p:attrName>ppt_x</p:attrName>
+                                        </p:attrNameLst>
+                                      </p:cBhvr>
+                                      <p:tavLst>
+                                        <p:tav tm="0">
+                                          <p:val>
+                                            <p:strVal val="#ppt_x"/>
+                                          </p:val>
+                                        </p:tav>
+                                        <p:tav tm="100000">
+                                          <p:val>
+                                            <p:strVal val="#ppt_x"/>
+                                          </p:val>
+                                        </p:tav>
+                                      </p:tavLst>
+                                    </p:anim>
+                                    <p:anim calcmode="lin" valueType="num">
+                                      <p:cBhvr additive="base">
+                                        <p:cTn id="50" dur="500" fill="hold"/>
+                                        <p:tgtEl>
+                                          <p:spTgt spid="6">
+                                            <p:txEl>
+                                              <p:pRg st="6" end="6"/>
+                                            </p:txEl>
+                                          </p:spTgt>
+                                        </p:tgtEl>
+                                        <p:attrNameLst>
+                                          <p:attrName>ppt_y</p:attrName>
+                                        </p:attrNameLst>
+                                      </p:cBhvr>
+                                      <p:tavLst>
+                                        <p:tav tm="0">
+                                          <p:val>
+                                            <p:strVal val="1+#ppt_h/2"/>
+                                          </p:val>
+                                        </p:tav>
+                                        <p:tav tm="100000">
+                                          <p:val>
+                                            <p:strVal val="#ppt_y"/>
+                                          </p:val>
+                                        </p:tav>
+                                      </p:tavLst>
+                                    </p:anim>
+                                  </p:childTnLst>
+                                </p:cTn>
+                              </p:par>
+                            </p:childTnLst>
+                          </p:cTn>
+                        </p:par>
+                      </p:childTnLst>
+                    </p:cTn>
+                  </p:par>
+                  <p:par>
+                    <p:cTn id="51" fill="hold">
+                      <p:stCondLst>
+                        <p:cond delay="indefinite"/>
+                      </p:stCondLst>
+                      <p:childTnLst>
+                        <p:par>
+                          <p:cTn id="52" fill="hold">
+                            <p:stCondLst>
+                              <p:cond delay="0"/>
+                            </p:stCondLst>
+                            <p:childTnLst>
+                              <p:par>
+                                <p:cTn id="53" presetID="2" presetClass="entr" presetSubtype="4" fill="hold" grpId="0" nodeType="clickEffect">
+                                  <p:stCondLst>
+                                    <p:cond delay="0"/>
+                                  </p:stCondLst>
+                                  <p:childTnLst>
+                                    <p:set>
+                                      <p:cBhvr>
+                                        <p:cTn id="54" dur="1" fill="hold">
+                                          <p:stCondLst>
+                                            <p:cond delay="0"/>
+                                          </p:stCondLst>
+                                        </p:cTn>
+                                        <p:tgtEl>
+                                          <p:spTgt spid="6">
+                                            <p:txEl>
+                                              <p:pRg st="7" end="7"/>
+                                            </p:txEl>
+                                          </p:spTgt>
+                                        </p:tgtEl>
+                                        <p:attrNameLst>
+                                          <p:attrName>style.visibility</p:attrName>
+                                        </p:attrNameLst>
+                                      </p:cBhvr>
+                                      <p:to>
+                                        <p:strVal val="visible"/>
+                                      </p:to>
+                                    </p:set>
+                                    <p:anim calcmode="lin" valueType="num">
+                                      <p:cBhvr additive="base">
+                                        <p:cTn id="55" dur="500" fill="hold"/>
+                                        <p:tgtEl>
+                                          <p:spTgt spid="6">
+                                            <p:txEl>
+                                              <p:pRg st="7" end="7"/>
+                                            </p:txEl>
+                                          </p:spTgt>
+                                        </p:tgtEl>
+                                        <p:attrNameLst>
+                                          <p:attrName>ppt_x</p:attrName>
+                                        </p:attrNameLst>
+                                      </p:cBhvr>
+                                      <p:tavLst>
+                                        <p:tav tm="0">
+                                          <p:val>
+                                            <p:strVal val="#ppt_x"/>
+                                          </p:val>
+                                        </p:tav>
+                                        <p:tav tm="100000">
+                                          <p:val>
+                                            <p:strVal val="#ppt_x"/>
+                                          </p:val>
+                                        </p:tav>
+                                      </p:tavLst>
+                                    </p:anim>
+                                    <p:anim calcmode="lin" valueType="num">
+                                      <p:cBhvr additive="base">
+                                        <p:cTn id="56" dur="500" fill="hold"/>
+                                        <p:tgtEl>
+                                          <p:spTgt spid="6">
+                                            <p:txEl>
+                                              <p:pRg st="7" end="7"/>
+                                            </p:txEl>
+                                          </p:spTgt>
+                                        </p:tgtEl>
+                                        <p:attrNameLst>
+                                          <p:attrName>ppt_y</p:attrName>
+                                        </p:attrNameLst>
+                                      </p:cBhvr>
+                                      <p:tavLst>
+                                        <p:tav tm="0">
+                                          <p:val>
+                                            <p:strVal val="1+#ppt_h/2"/>
+                                          </p:val>
+                                        </p:tav>
+                                        <p:tav tm="100000">
+                                          <p:val>
+                                            <p:strVal val="#ppt_y"/>
+                                          </p:val>
+                                        </p:tav>
+                                      </p:tavLst>
+                                    </p:anim>
+                                  </p:childTnLst>
+                                </p:cTn>
+                              </p:par>
+                            </p:childTnLst>
+                          </p:cTn>
+                        </p:par>
+                      </p:childTnLst>
+                    </p:cTn>
+                  </p:par>
+                </p:childTnLst>
+              </p:cTn>
+              <p:prevCondLst>
+                <p:cond evt="onPrev" delay="0">
+                  <p:tgtEl>
+                    <p:sldTgt/>
+                  </p:tgtEl>
+                </p:cond>
+              </p:prevCondLst>
+              <p:nextCondLst>
+                <p:cond evt="onNext" delay="0">
+                  <p:tgtEl>
+                    <p:sldTgt/>
+                  </p:tgtEl>
+                </p:cond>
+              </p:nextCondLst>
+            </p:seq>
+          </p:childTnLst>
+        </p:cTn>
+      </p:par>
+    </p:tnLst>
+    <p:bldLst>
+      <p:bldP spid="6" grpId="0" uiExpand="1" build="p"/>
+    </p:bldLst>
+  </p:timing>
+</p:sld>
+</file>
+
+<file path=ppt/slides/slide13.xml><?xml version="1.0" encoding="utf-8"?>
+<p:sld xmlns:a="http://schemas.openxmlformats.org/drawingml/2006/main" xmlns:r="http://schemas.openxmlformats.org/officeDocument/2006/relationships" xmlns:p="http://schemas.openxmlformats.org/presentationml/2006/main">
+  <p:cSld>
+    <p:spTree>
+      <p:nvGrpSpPr>
+        <p:cNvPr id="1" name=""/>
+        <p:cNvGrpSpPr/>
+        <p:nvPr/>
+      </p:nvGrpSpPr>
+      <p:grpSpPr>
+        <a:xfrm>
+          <a:off x="0" y="0"/>
+          <a:ext cx="0" cy="0"/>
+          <a:chOff x="0" y="0"/>
+          <a:chExt cx="0" cy="0"/>
+        </a:xfrm>
+      </p:grpSpPr>
+      <p:sp>
+        <p:nvSpPr>
+          <p:cNvPr id="5" name="Title 4"/>
+          <p:cNvSpPr>
+            <a:spLocks noGrp="1"/>
+          </p:cNvSpPr>
+          <p:nvPr>
+            <p:ph type="title"/>
+          </p:nvPr>
+        </p:nvSpPr>
+        <p:spPr/>
+        <p:txBody>
+          <a:bodyPr/>
+          <a:lstStyle/>
+          <a:p>
+            <a:r>
+              <a:rPr lang="en-US" dirty="0" smtClean="0"/>
               <a:t>Tricks &amp; Tricks – F12</a:t>
             </a:r>
             <a:endParaRPr lang="nl-BE" dirty="0"/>
@@ -6300,7 +7125,7 @@
     </p:spTree>
     <p:extLst>
       <p:ext uri="{BB962C8B-B14F-4D97-AF65-F5344CB8AC3E}">
-        <p14:creationId xmlns:p14="http://schemas.microsoft.com/office/powerpoint/2010/main" val="1502351786"/>
+        <p14:creationId xmlns:p14="http://schemas.microsoft.com/office/powerpoint/2010/main" xmlns="" val="1502351786"/>
       </p:ext>
     </p:extLst>
   </p:cSld>
@@ -6549,7 +7374,7 @@
 </p:sld>
 </file>
 
-<file path=ppt/slides/slide13.xml><?xml version="1.0" encoding="utf-8"?>
+<file path=ppt/slides/slide14.xml><?xml version="1.0" encoding="utf-8"?>
 <p:sld xmlns:a="http://schemas.openxmlformats.org/drawingml/2006/main" xmlns:r="http://schemas.openxmlformats.org/officeDocument/2006/relationships" xmlns:p="http://schemas.openxmlformats.org/presentationml/2006/main">
   <p:cSld>
     <p:spTree>
@@ -6758,7 +7583,7 @@
     </p:spTree>
     <p:extLst>
       <p:ext uri="{BB962C8B-B14F-4D97-AF65-F5344CB8AC3E}">
-        <p14:creationId xmlns:p14="http://schemas.microsoft.com/office/powerpoint/2010/main" val="140361558"/>
+        <p14:creationId xmlns:p14="http://schemas.microsoft.com/office/powerpoint/2010/main" xmlns="" val="140361558"/>
       </p:ext>
     </p:extLst>
   </p:cSld>
@@ -7432,7 +8257,7 @@
 </p:sld>
 </file>
 
-<file path=ppt/slides/slide14.xml><?xml version="1.0" encoding="utf-8"?>
+<file path=ppt/slides/slide15.xml><?xml version="1.0" encoding="utf-8"?>
 <p:sld xmlns:a="http://schemas.openxmlformats.org/drawingml/2006/main" xmlns:r="http://schemas.openxmlformats.org/officeDocument/2006/relationships" xmlns:p="http://schemas.openxmlformats.org/presentationml/2006/main">
   <p:cSld>
     <p:spTree>
@@ -7704,7 +8529,7 @@
     </p:spTree>
     <p:extLst>
       <p:ext uri="{BB962C8B-B14F-4D97-AF65-F5344CB8AC3E}">
-        <p14:creationId xmlns:p14="http://schemas.microsoft.com/office/powerpoint/2010/main" val="2887598583"/>
+        <p14:creationId xmlns:p14="http://schemas.microsoft.com/office/powerpoint/2010/main" xmlns="" val="2887598583"/>
       </p:ext>
     </p:extLst>
   </p:cSld>
@@ -8365,85 +9190,6 @@
 </p:sld>
 </file>
 
-<file path=ppt/slides/slide15.xml><?xml version="1.0" encoding="utf-8"?>
-<p:sld xmlns:a="http://schemas.openxmlformats.org/drawingml/2006/main" xmlns:r="http://schemas.openxmlformats.org/officeDocument/2006/relationships" xmlns:p="http://schemas.openxmlformats.org/presentationml/2006/main">
-  <p:cSld>
-    <p:spTree>
-      <p:nvGrpSpPr>
-        <p:cNvPr id="1" name=""/>
-        <p:cNvGrpSpPr/>
-        <p:nvPr/>
-      </p:nvGrpSpPr>
-      <p:grpSpPr>
-        <a:xfrm>
-          <a:off x="0" y="0"/>
-          <a:ext cx="0" cy="0"/>
-          <a:chOff x="0" y="0"/>
-          <a:chExt cx="0" cy="0"/>
-        </a:xfrm>
-      </p:grpSpPr>
-      <p:sp>
-        <p:nvSpPr>
-          <p:cNvPr id="5" name="Title 4"/>
-          <p:cNvSpPr>
-            <a:spLocks noGrp="1"/>
-          </p:cNvSpPr>
-          <p:nvPr>
-            <p:ph type="title"/>
-          </p:nvPr>
-        </p:nvSpPr>
-        <p:spPr/>
-        <p:txBody>
-          <a:bodyPr/>
-          <a:lstStyle/>
-          <a:p>
-            <a:r>
-              <a:rPr lang="en-US" dirty="0" err="1" smtClean="0"/>
-              <a:t>AngularJs</a:t>
-            </a:r>
-            <a:endParaRPr lang="nl-BE" dirty="0"/>
-          </a:p>
-        </p:txBody>
-      </p:sp>
-      <p:sp>
-        <p:nvSpPr>
-          <p:cNvPr id="6" name="Content Placeholder 5"/>
-          <p:cNvSpPr>
-            <a:spLocks noGrp="1"/>
-          </p:cNvSpPr>
-          <p:nvPr>
-            <p:ph idx="1"/>
-          </p:nvPr>
-        </p:nvSpPr>
-        <p:spPr/>
-        <p:txBody>
-          <a:bodyPr/>
-          <a:lstStyle/>
-          <a:p>
-            <a:endParaRPr lang="nl-BE" dirty="0"/>
-          </a:p>
-        </p:txBody>
-      </p:sp>
-    </p:spTree>
-    <p:extLst>
-      <p:ext uri="{BB962C8B-B14F-4D97-AF65-F5344CB8AC3E}">
-        <p14:creationId xmlns:p14="http://schemas.microsoft.com/office/powerpoint/2010/main" val="2641290698"/>
-      </p:ext>
-    </p:extLst>
-  </p:cSld>
-  <p:clrMapOvr>
-    <a:masterClrMapping/>
-  </p:clrMapOvr>
-  <p:timing>
-    <p:tnLst>
-      <p:par>
-        <p:cTn id="1" dur="indefinite" restart="never" nodeType="tmRoot"/>
-      </p:par>
-    </p:tnLst>
-  </p:timing>
-</p:sld>
-</file>
-
 <file path=ppt/slides/slide16.xml><?xml version="1.0" encoding="utf-8"?>
 <p:sld xmlns:a="http://schemas.openxmlformats.org/drawingml/2006/main" xmlns:r="http://schemas.openxmlformats.org/officeDocument/2006/relationships" xmlns:p="http://schemas.openxmlformats.org/presentationml/2006/main">
   <p:cSld>
@@ -8477,8 +9223,8 @@
           <a:lstStyle/>
           <a:p>
             <a:r>
-              <a:rPr lang="en-US" dirty="0" smtClean="0"/>
-              <a:t>Testing JavaScript</a:t>
+              <a:rPr lang="en-US" dirty="0" err="1" smtClean="0"/>
+              <a:t>AngularJs</a:t>
             </a:r>
             <a:endParaRPr lang="nl-BE" dirty="0"/>
           </a:p>
@@ -8506,7 +9252,7 @@
     </p:spTree>
     <p:extLst>
       <p:ext uri="{BB962C8B-B14F-4D97-AF65-F5344CB8AC3E}">
-        <p14:creationId xmlns:p14="http://schemas.microsoft.com/office/powerpoint/2010/main" val="1458169294"/>
+        <p14:creationId xmlns:p14="http://schemas.microsoft.com/office/powerpoint/2010/main" xmlns="" val="2641290698"/>
       </p:ext>
     </p:extLst>
   </p:cSld>
@@ -8563,6 +9309,85 @@
           </a:p>
         </p:txBody>
       </p:sp>
+      <p:sp>
+        <p:nvSpPr>
+          <p:cNvPr id="6" name="Content Placeholder 5"/>
+          <p:cNvSpPr>
+            <a:spLocks noGrp="1"/>
+          </p:cNvSpPr>
+          <p:nvPr>
+            <p:ph idx="1"/>
+          </p:nvPr>
+        </p:nvSpPr>
+        <p:spPr/>
+        <p:txBody>
+          <a:bodyPr/>
+          <a:lstStyle/>
+          <a:p>
+            <a:endParaRPr lang="nl-BE" dirty="0"/>
+          </a:p>
+        </p:txBody>
+      </p:sp>
+    </p:spTree>
+    <p:extLst>
+      <p:ext uri="{BB962C8B-B14F-4D97-AF65-F5344CB8AC3E}">
+        <p14:creationId xmlns:p14="http://schemas.microsoft.com/office/powerpoint/2010/main" xmlns="" val="1458169294"/>
+      </p:ext>
+    </p:extLst>
+  </p:cSld>
+  <p:clrMapOvr>
+    <a:masterClrMapping/>
+  </p:clrMapOvr>
+  <p:timing>
+    <p:tnLst>
+      <p:par>
+        <p:cTn id="1" dur="indefinite" restart="never" nodeType="tmRoot"/>
+      </p:par>
+    </p:tnLst>
+  </p:timing>
+</p:sld>
+</file>
+
+<file path=ppt/slides/slide18.xml><?xml version="1.0" encoding="utf-8"?>
+<p:sld xmlns:a="http://schemas.openxmlformats.org/drawingml/2006/main" xmlns:r="http://schemas.openxmlformats.org/officeDocument/2006/relationships" xmlns:p="http://schemas.openxmlformats.org/presentationml/2006/main">
+  <p:cSld>
+    <p:spTree>
+      <p:nvGrpSpPr>
+        <p:cNvPr id="1" name=""/>
+        <p:cNvGrpSpPr/>
+        <p:nvPr/>
+      </p:nvGrpSpPr>
+      <p:grpSpPr>
+        <a:xfrm>
+          <a:off x="0" y="0"/>
+          <a:ext cx="0" cy="0"/>
+          <a:chOff x="0" y="0"/>
+          <a:chExt cx="0" cy="0"/>
+        </a:xfrm>
+      </p:grpSpPr>
+      <p:sp>
+        <p:nvSpPr>
+          <p:cNvPr id="5" name="Title 4"/>
+          <p:cNvSpPr>
+            <a:spLocks noGrp="1"/>
+          </p:cNvSpPr>
+          <p:nvPr>
+            <p:ph type="title"/>
+          </p:nvPr>
+        </p:nvSpPr>
+        <p:spPr/>
+        <p:txBody>
+          <a:bodyPr/>
+          <a:lstStyle/>
+          <a:p>
+            <a:r>
+              <a:rPr lang="en-US" dirty="0" smtClean="0"/>
+              <a:t>Testing JavaScript</a:t>
+            </a:r>
+            <a:endParaRPr lang="nl-BE" dirty="0"/>
+          </a:p>
+        </p:txBody>
+      </p:sp>
       <p:pic>
         <p:nvPicPr>
           <p:cNvPr id="7" name="Picture 2" descr="http://www.outsideinview.com/wp-content/uploads/2012/12/why3.jpg"/>
@@ -8585,7 +9410,7 @@
             </a:clrChange>
             <a:extLst>
               <a:ext uri="{28A0092B-C50C-407E-A947-70E740481C1C}">
-                <a14:useLocalDpi xmlns:a14="http://schemas.microsoft.com/office/drawing/2010/main" val="0"/>
+                <a14:useLocalDpi xmlns:a14="http://schemas.microsoft.com/office/drawing/2010/main" xmlns="" val="0"/>
               </a:ext>
             </a:extLst>
           </a:blip>
@@ -8605,7 +9430,7 @@
           <a:noFill/>
           <a:extLst>
             <a:ext uri="{909E8E84-426E-40DD-AFC4-6F175D3DCCD1}">
-              <a14:hiddenFill xmlns:a14="http://schemas.microsoft.com/office/drawing/2010/main">
+              <a14:hiddenFill xmlns:a14="http://schemas.microsoft.com/office/drawing/2010/main" xmlns="">
                 <a:solidFill>
                   <a:srgbClr val="FFFFFF"/>
                 </a:solidFill>
@@ -9299,7 +10124,7 @@
     </p:spTree>
     <p:extLst>
       <p:ext uri="{BB962C8B-B14F-4D97-AF65-F5344CB8AC3E}">
-        <p14:creationId xmlns:p14="http://schemas.microsoft.com/office/powerpoint/2010/main" val="3140034788"/>
+        <p14:creationId xmlns:p14="http://schemas.microsoft.com/office/powerpoint/2010/main" xmlns="" val="3140034788"/>
       </p:ext>
     </p:extLst>
   </p:cSld>
@@ -9663,185 +10488,6 @@
 </p:sld>
 </file>
 
-<file path=ppt/slides/slide18.xml><?xml version="1.0" encoding="utf-8"?>
-<p:sld xmlns:a="http://schemas.openxmlformats.org/drawingml/2006/main" xmlns:r="http://schemas.openxmlformats.org/officeDocument/2006/relationships" xmlns:p="http://schemas.openxmlformats.org/presentationml/2006/main">
-  <p:cSld>
-    <p:spTree>
-      <p:nvGrpSpPr>
-        <p:cNvPr id="1" name=""/>
-        <p:cNvGrpSpPr/>
-        <p:nvPr/>
-      </p:nvGrpSpPr>
-      <p:grpSpPr>
-        <a:xfrm>
-          <a:off x="0" y="0"/>
-          <a:ext cx="0" cy="0"/>
-          <a:chOff x="0" y="0"/>
-          <a:chExt cx="0" cy="0"/>
-        </a:xfrm>
-      </p:grpSpPr>
-      <p:sp>
-        <p:nvSpPr>
-          <p:cNvPr id="5" name="Title 4"/>
-          <p:cNvSpPr>
-            <a:spLocks noGrp="1"/>
-          </p:cNvSpPr>
-          <p:nvPr>
-            <p:ph type="title"/>
-          </p:nvPr>
-        </p:nvSpPr>
-        <p:spPr/>
-        <p:txBody>
-          <a:bodyPr/>
-          <a:lstStyle/>
-          <a:p>
-            <a:r>
-              <a:rPr lang="en-US" dirty="0" smtClean="0"/>
-              <a:t>Testing: Jasmine &amp; </a:t>
-            </a:r>
-            <a:r>
-              <a:rPr lang="en-US" dirty="0" err="1" smtClean="0"/>
-              <a:t>PhantomJs</a:t>
-            </a:r>
-            <a:endParaRPr lang="nl-BE" dirty="0"/>
-          </a:p>
-        </p:txBody>
-      </p:sp>
-      <p:sp>
-        <p:nvSpPr>
-          <p:cNvPr id="2" name="Content Placeholder 1"/>
-          <p:cNvSpPr>
-            <a:spLocks noGrp="1"/>
-          </p:cNvSpPr>
-          <p:nvPr>
-            <p:ph idx="1"/>
-          </p:nvPr>
-        </p:nvSpPr>
-        <p:spPr/>
-        <p:txBody>
-          <a:bodyPr/>
-          <a:lstStyle/>
-          <a:p>
-            <a:r>
-              <a:rPr lang="nl-BE" dirty="0">
-                <a:hlinkClick r:id="rId2"/>
-              </a:rPr>
-              <a:t>http://pivotal.github.io/jasmine</a:t>
-            </a:r>
-            <a:r>
-              <a:rPr lang="nl-BE" dirty="0" smtClean="0">
-                <a:hlinkClick r:id="rId2"/>
-              </a:rPr>
-              <a:t>/</a:t>
-            </a:r>
-            <a:endParaRPr lang="nl-BE" dirty="0" smtClean="0"/>
-          </a:p>
-          <a:p>
-            <a:pPr lvl="2"/>
-            <a:r>
-              <a:rPr lang="nl-BE" dirty="0" smtClean="0"/>
-              <a:t>Unit </a:t>
-            </a:r>
-            <a:r>
-              <a:rPr lang="nl-BE" dirty="0" err="1" smtClean="0"/>
-              <a:t>testing</a:t>
-            </a:r>
-            <a:r>
-              <a:rPr lang="nl-BE" dirty="0" smtClean="0"/>
-              <a:t> FW</a:t>
-            </a:r>
-          </a:p>
-          <a:p>
-            <a:pPr lvl="2"/>
-            <a:r>
-              <a:rPr lang="nl-BE" dirty="0" smtClean="0"/>
-              <a:t>Test runner</a:t>
-            </a:r>
-          </a:p>
-          <a:p>
-            <a:pPr lvl="2"/>
-            <a:r>
-              <a:rPr lang="nl-BE" dirty="0" smtClean="0"/>
-              <a:t>BDD-</a:t>
-            </a:r>
-            <a:r>
-              <a:rPr lang="nl-BE" dirty="0" err="1" smtClean="0"/>
-              <a:t>style</a:t>
-            </a:r>
-            <a:endParaRPr lang="nl-BE" dirty="0" smtClean="0"/>
-          </a:p>
-          <a:p>
-            <a:pPr lvl="2"/>
-            <a:r>
-              <a:rPr lang="nl-BE" dirty="0" err="1" smtClean="0"/>
-              <a:t>Matchers</a:t>
-            </a:r>
-            <a:endParaRPr lang="nl-BE" dirty="0" smtClean="0"/>
-          </a:p>
-          <a:p>
-            <a:r>
-              <a:rPr lang="nl-BE" dirty="0">
-                <a:hlinkClick r:id="rId3"/>
-              </a:rPr>
-              <a:t>http://phantomjs.org</a:t>
-            </a:r>
-            <a:r>
-              <a:rPr lang="nl-BE" dirty="0" smtClean="0">
-                <a:hlinkClick r:id="rId3"/>
-              </a:rPr>
-              <a:t>/</a:t>
-            </a:r>
-            <a:endParaRPr lang="nl-BE" dirty="0" smtClean="0"/>
-          </a:p>
-          <a:p>
-            <a:pPr lvl="1"/>
-            <a:r>
-              <a:rPr lang="nl-BE" dirty="0" err="1" smtClean="0"/>
-              <a:t>Headless</a:t>
-            </a:r>
-            <a:r>
-              <a:rPr lang="nl-BE" dirty="0" smtClean="0"/>
-              <a:t> website </a:t>
-            </a:r>
-            <a:r>
-              <a:rPr lang="nl-BE" dirty="0" err="1" smtClean="0"/>
-              <a:t>testing</a:t>
-            </a:r>
-            <a:endParaRPr lang="nl-BE" dirty="0" smtClean="0"/>
-          </a:p>
-          <a:p>
-            <a:pPr lvl="1"/>
-            <a:endParaRPr lang="nl-BE" dirty="0"/>
-          </a:p>
-          <a:p>
-            <a:r>
-              <a:rPr lang="nl-BE" dirty="0" smtClean="0"/>
-              <a:t>VS Integration</a:t>
-            </a:r>
-            <a:endParaRPr lang="nl-BE" dirty="0"/>
-          </a:p>
-        </p:txBody>
-      </p:sp>
-    </p:spTree>
-    <p:extLst>
-      <p:ext uri="{BB962C8B-B14F-4D97-AF65-F5344CB8AC3E}">
-        <p14:creationId xmlns:p14="http://schemas.microsoft.com/office/powerpoint/2010/main" val="3994350105"/>
-      </p:ext>
-    </p:extLst>
-  </p:cSld>
-  <p:clrMapOvr>
-    <a:masterClrMapping/>
-  </p:clrMapOvr>
-  <p:timing>
-    <p:tnLst>
-      <p:par>
-        <p:cTn id="1" dur="indefinite" restart="never" nodeType="tmRoot"/>
-      </p:par>
-    </p:tnLst>
-  </p:timing>
-</p:sld>
-</file>
-
 <file path=ppt/slides/slide19.xml><?xml version="1.0" encoding="utf-8"?>
 <p:sld xmlns:a="http://schemas.openxmlformats.org/drawingml/2006/main" xmlns:r="http://schemas.openxmlformats.org/officeDocument/2006/relationships" xmlns:p="http://schemas.openxmlformats.org/presentationml/2006/main">
   <p:cSld>
@@ -9876,7 +10522,11 @@
           <a:p>
             <a:r>
               <a:rPr lang="en-US" dirty="0" smtClean="0"/>
-              <a:t>References</a:t>
+              <a:t>Testing: Jasmine &amp; </a:t>
+            </a:r>
+            <a:r>
+              <a:rPr lang="en-US" dirty="0" err="1" smtClean="0"/>
+              <a:t>PhantomJs</a:t>
             </a:r>
             <a:endParaRPr lang="nl-BE" dirty="0"/>
           </a:p>
@@ -9884,7 +10534,7 @@
       </p:sp>
       <p:sp>
         <p:nvSpPr>
-          <p:cNvPr id="6" name="Content Placeholder 5"/>
+          <p:cNvPr id="2" name="Content Placeholder 1"/>
           <p:cNvSpPr>
             <a:spLocks noGrp="1"/>
           </p:cNvSpPr>
@@ -9894,40 +10544,113 @@
         </p:nvSpPr>
         <p:spPr/>
         <p:txBody>
-          <a:bodyPr>
-            <a:normAutofit/>
-          </a:bodyPr>
+          <a:bodyPr/>
           <a:lstStyle/>
           <a:p>
             <a:r>
-              <a:rPr lang="nl-BE" sz="2000" dirty="0">
+              <a:rPr lang="nl-BE" dirty="0">
                 <a:hlinkClick r:id="rId2"/>
               </a:rPr>
-              <a:t>http://</a:t>
-            </a:r>
-            <a:r>
-              <a:rPr lang="nl-BE" sz="2000" dirty="0" smtClean="0">
+              <a:t>http://pivotal.github.io/jasmine</a:t>
+            </a:r>
+            <a:r>
+              <a:rPr lang="nl-BE" dirty="0" smtClean="0">
                 <a:hlinkClick r:id="rId2"/>
               </a:rPr>
-              <a:t>www.w3.org/Protocols/rfc2616/rfc2616-sec13.html</a:t>
-            </a:r>
-            <a:endParaRPr lang="nl-BE" sz="2000" dirty="0" smtClean="0"/>
-          </a:p>
-          <a:p>
-            <a:r>
-              <a:rPr lang="nl-BE" sz="2000" dirty="0">
+              <a:t>/</a:t>
+            </a:r>
+            <a:endParaRPr lang="nl-BE" dirty="0" smtClean="0"/>
+          </a:p>
+          <a:p>
+            <a:pPr lvl="2"/>
+            <a:r>
+              <a:rPr lang="nl-BE" dirty="0" smtClean="0"/>
+              <a:t>Unit </a:t>
+            </a:r>
+            <a:r>
+              <a:rPr lang="nl-BE" dirty="0" err="1" smtClean="0"/>
+              <a:t>testing</a:t>
+            </a:r>
+            <a:r>
+              <a:rPr lang="nl-BE" dirty="0" smtClean="0"/>
+              <a:t> FW</a:t>
+            </a:r>
+          </a:p>
+          <a:p>
+            <a:pPr lvl="2"/>
+            <a:r>
+              <a:rPr lang="nl-BE" dirty="0" smtClean="0"/>
+              <a:t>Test runner</a:t>
+            </a:r>
+          </a:p>
+          <a:p>
+            <a:pPr lvl="2"/>
+            <a:r>
+              <a:rPr lang="nl-BE" dirty="0" smtClean="0"/>
+              <a:t>BDD-</a:t>
+            </a:r>
+            <a:r>
+              <a:rPr lang="nl-BE" dirty="0" err="1" smtClean="0"/>
+              <a:t>style</a:t>
+            </a:r>
+            <a:endParaRPr lang="nl-BE" dirty="0" smtClean="0"/>
+          </a:p>
+          <a:p>
+            <a:pPr lvl="2"/>
+            <a:r>
+              <a:rPr lang="nl-BE" dirty="0" err="1" smtClean="0"/>
+              <a:t>Matchers</a:t>
+            </a:r>
+            <a:endParaRPr lang="nl-BE" dirty="0" smtClean="0"/>
+          </a:p>
+          <a:p>
+            <a:r>
+              <a:rPr lang="nl-BE" dirty="0">
                 <a:hlinkClick r:id="rId3"/>
               </a:rPr>
-              <a:t>http://ejohn.org/blog/ecmascript-5-strict-mode-json-and-more/</a:t>
-            </a:r>
-            <a:endParaRPr lang="nl-BE" sz="2000" dirty="0"/>
+              <a:t>http://phantomjs.org</a:t>
+            </a:r>
+            <a:r>
+              <a:rPr lang="nl-BE" dirty="0" smtClean="0">
+                <a:hlinkClick r:id="rId3"/>
+              </a:rPr>
+              <a:t>/</a:t>
+            </a:r>
+            <a:endParaRPr lang="nl-BE" dirty="0" smtClean="0"/>
+          </a:p>
+          <a:p>
+            <a:pPr lvl="1"/>
+            <a:r>
+              <a:rPr lang="nl-BE" dirty="0" err="1" smtClean="0"/>
+              <a:t>Headless</a:t>
+            </a:r>
+            <a:r>
+              <a:rPr lang="nl-BE" dirty="0" smtClean="0"/>
+              <a:t> website </a:t>
+            </a:r>
+            <a:r>
+              <a:rPr lang="nl-BE" dirty="0" err="1" smtClean="0"/>
+              <a:t>testing</a:t>
+            </a:r>
+            <a:endParaRPr lang="nl-BE" dirty="0" smtClean="0"/>
+          </a:p>
+          <a:p>
+            <a:pPr lvl="1"/>
+            <a:endParaRPr lang="nl-BE" dirty="0"/>
+          </a:p>
+          <a:p>
+            <a:r>
+              <a:rPr lang="nl-BE" dirty="0" smtClean="0"/>
+              <a:t>VS Integration</a:t>
+            </a:r>
+            <a:endParaRPr lang="nl-BE" dirty="0"/>
           </a:p>
         </p:txBody>
       </p:sp>
     </p:spTree>
     <p:extLst>
       <p:ext uri="{BB962C8B-B14F-4D97-AF65-F5344CB8AC3E}">
-        <p14:creationId xmlns:p14="http://schemas.microsoft.com/office/powerpoint/2010/main" val="4059509388"/>
+        <p14:creationId xmlns:p14="http://schemas.microsoft.com/office/powerpoint/2010/main" xmlns="" val="3994350105"/>
       </p:ext>
     </p:extLst>
   </p:cSld>
@@ -10016,7 +10739,109 @@
     </p:spTree>
     <p:extLst>
       <p:ext uri="{BB962C8B-B14F-4D97-AF65-F5344CB8AC3E}">
-        <p14:creationId xmlns:p14="http://schemas.microsoft.com/office/powerpoint/2010/main" val="1267957920"/>
+        <p14:creationId xmlns:p14="http://schemas.microsoft.com/office/powerpoint/2010/main" xmlns="" val="1267957920"/>
+      </p:ext>
+    </p:extLst>
+  </p:cSld>
+  <p:clrMapOvr>
+    <a:masterClrMapping/>
+  </p:clrMapOvr>
+  <p:timing>
+    <p:tnLst>
+      <p:par>
+        <p:cTn id="1" dur="indefinite" restart="never" nodeType="tmRoot"/>
+      </p:par>
+    </p:tnLst>
+  </p:timing>
+</p:sld>
+</file>
+
+<file path=ppt/slides/slide20.xml><?xml version="1.0" encoding="utf-8"?>
+<p:sld xmlns:a="http://schemas.openxmlformats.org/drawingml/2006/main" xmlns:r="http://schemas.openxmlformats.org/officeDocument/2006/relationships" xmlns:p="http://schemas.openxmlformats.org/presentationml/2006/main">
+  <p:cSld>
+    <p:spTree>
+      <p:nvGrpSpPr>
+        <p:cNvPr id="1" name=""/>
+        <p:cNvGrpSpPr/>
+        <p:nvPr/>
+      </p:nvGrpSpPr>
+      <p:grpSpPr>
+        <a:xfrm>
+          <a:off x="0" y="0"/>
+          <a:ext cx="0" cy="0"/>
+          <a:chOff x="0" y="0"/>
+          <a:chExt cx="0" cy="0"/>
+        </a:xfrm>
+      </p:grpSpPr>
+      <p:sp>
+        <p:nvSpPr>
+          <p:cNvPr id="5" name="Title 4"/>
+          <p:cNvSpPr>
+            <a:spLocks noGrp="1"/>
+          </p:cNvSpPr>
+          <p:nvPr>
+            <p:ph type="title"/>
+          </p:nvPr>
+        </p:nvSpPr>
+        <p:spPr/>
+        <p:txBody>
+          <a:bodyPr/>
+          <a:lstStyle/>
+          <a:p>
+            <a:r>
+              <a:rPr lang="en-US" dirty="0" smtClean="0"/>
+              <a:t>References</a:t>
+            </a:r>
+            <a:endParaRPr lang="nl-BE" dirty="0"/>
+          </a:p>
+        </p:txBody>
+      </p:sp>
+      <p:sp>
+        <p:nvSpPr>
+          <p:cNvPr id="6" name="Content Placeholder 5"/>
+          <p:cNvSpPr>
+            <a:spLocks noGrp="1"/>
+          </p:cNvSpPr>
+          <p:nvPr>
+            <p:ph idx="1"/>
+          </p:nvPr>
+        </p:nvSpPr>
+        <p:spPr/>
+        <p:txBody>
+          <a:bodyPr>
+            <a:normAutofit/>
+          </a:bodyPr>
+          <a:lstStyle/>
+          <a:p>
+            <a:r>
+              <a:rPr lang="nl-BE" sz="2000" dirty="0">
+                <a:hlinkClick r:id="rId2"/>
+              </a:rPr>
+              <a:t>http://</a:t>
+            </a:r>
+            <a:r>
+              <a:rPr lang="nl-BE" sz="2000" dirty="0" smtClean="0">
+                <a:hlinkClick r:id="rId2"/>
+              </a:rPr>
+              <a:t>www.w3.org/Protocols/rfc2616/rfc2616-sec13.html</a:t>
+            </a:r>
+            <a:endParaRPr lang="nl-BE" sz="2000" dirty="0" smtClean="0"/>
+          </a:p>
+          <a:p>
+            <a:r>
+              <a:rPr lang="nl-BE" sz="2000" dirty="0">
+                <a:hlinkClick r:id="rId3"/>
+              </a:rPr>
+              <a:t>http://ejohn.org/blog/ecmascript-5-strict-mode-json-and-more/</a:t>
+            </a:r>
+            <a:endParaRPr lang="nl-BE" sz="2000" dirty="0"/>
+          </a:p>
+        </p:txBody>
+      </p:sp>
+    </p:spTree>
+    <p:extLst>
+      <p:ext uri="{BB962C8B-B14F-4D97-AF65-F5344CB8AC3E}">
+        <p14:creationId xmlns:p14="http://schemas.microsoft.com/office/powerpoint/2010/main" xmlns="" val="4059509388"/>
       </p:ext>
     </p:extLst>
   </p:cSld>
@@ -10067,7 +10892,15 @@
           <a:p>
             <a:r>
               <a:rPr lang="en-US" dirty="0" smtClean="0"/>
-              <a:t>Tricks &amp; Tricks – Global variables</a:t>
+              <a:t>Tricks &amp; Tricks </a:t>
+            </a:r>
+            <a:r>
+              <a:rPr lang="en-US" dirty="0" smtClean="0"/>
+              <a:t>- </a:t>
+            </a:r>
+            <a:r>
+              <a:rPr lang="en-US" dirty="0" smtClean="0"/>
+              <a:t>Global variables</a:t>
             </a:r>
             <a:endParaRPr lang="nl-BE" dirty="0"/>
           </a:p>
@@ -10102,20 +10935,68 @@
           <a:p>
             <a:pPr lvl="1"/>
             <a:r>
-              <a:rPr lang="nl-BE" dirty="0" err="1"/>
-              <a:t>Defined</a:t>
+              <a:rPr lang="nl-BE" dirty="0" smtClean="0"/>
+              <a:t>Variables </a:t>
+            </a:r>
+            <a:r>
+              <a:rPr lang="nl-BE" dirty="0" err="1" smtClean="0"/>
+              <a:t>not</a:t>
+            </a:r>
+            <a:r>
+              <a:rPr lang="nl-BE" dirty="0" smtClean="0"/>
+              <a:t> </a:t>
+            </a:r>
+            <a:r>
+              <a:rPr lang="nl-BE" dirty="0" err="1" smtClean="0"/>
+              <a:t>defined</a:t>
+            </a:r>
+            <a:r>
+              <a:rPr lang="nl-BE" dirty="0" smtClean="0"/>
+              <a:t> </a:t>
+            </a:r>
+            <a:r>
+              <a:rPr lang="nl-BE" dirty="0" err="1" smtClean="0"/>
+              <a:t>within</a:t>
+            </a:r>
+            <a:r>
+              <a:rPr lang="nl-BE" dirty="0" smtClean="0"/>
+              <a:t> a </a:t>
+            </a:r>
+            <a:r>
+              <a:rPr lang="nl-BE" dirty="0" err="1" smtClean="0"/>
+              <a:t>closure</a:t>
+            </a:r>
+            <a:endParaRPr lang="nl-BE" dirty="0" smtClean="0"/>
+          </a:p>
+          <a:p>
+            <a:pPr lvl="1"/>
+            <a:r>
+              <a:rPr lang="nl-BE" dirty="0" err="1" smtClean="0"/>
+              <a:t>Get</a:t>
+            </a:r>
+            <a:r>
+              <a:rPr lang="nl-BE" dirty="0" smtClean="0"/>
+              <a:t> </a:t>
+            </a:r>
+            <a:r>
+              <a:rPr lang="nl-BE" dirty="0" err="1" smtClean="0"/>
+              <a:t>placed</a:t>
+            </a:r>
+            <a:r>
+              <a:rPr lang="nl-BE" dirty="0" smtClean="0"/>
+              <a:t> </a:t>
+            </a:r>
+            <a:r>
+              <a:rPr lang="nl-BE" dirty="0" err="1" smtClean="0"/>
+              <a:t>on</a:t>
+            </a:r>
+            <a:r>
+              <a:rPr lang="nl-BE" dirty="0" smtClean="0"/>
+              <a:t> </a:t>
             </a:r>
             <a:r>
               <a:rPr lang="nl-BE" dirty="0"/>
-              <a:t> </a:t>
-            </a:r>
-            <a:r>
-              <a:rPr lang="nl-BE" dirty="0" err="1"/>
-              <a:t>on</a:t>
-            </a:r>
-            <a:r>
-              <a:rPr lang="nl-BE" dirty="0"/>
-              <a:t> the </a:t>
+              <a:t>the </a:t>
             </a:r>
             <a:r>
               <a:rPr lang="nl-BE" dirty="0" err="1"/>
@@ -10338,7 +11219,7 @@
     </p:spTree>
     <p:extLst>
       <p:ext uri="{BB962C8B-B14F-4D97-AF65-F5344CB8AC3E}">
-        <p14:creationId xmlns:p14="http://schemas.microsoft.com/office/powerpoint/2010/main" val="3842584209"/>
+        <p14:creationId xmlns:p14="http://schemas.microsoft.com/office/powerpoint/2010/main" xmlns="" val="3842584209"/>
       </p:ext>
     </p:extLst>
   </p:cSld>
@@ -10620,33 +11501,15 @@
                                   </p:childTnLst>
                                 </p:cTn>
                               </p:par>
-                            </p:childTnLst>
-                          </p:cTn>
-                        </p:par>
-                      </p:childTnLst>
-                    </p:cTn>
-                  </p:par>
-                  <p:par>
-                    <p:cTn id="17" fill="hold">
-                      <p:stCondLst>
-                        <p:cond delay="indefinite"/>
-                      </p:stCondLst>
-                      <p:childTnLst>
-                        <p:par>
-                          <p:cTn id="18" fill="hold">
-                            <p:stCondLst>
-                              <p:cond delay="0"/>
-                            </p:stCondLst>
-                            <p:childTnLst>
                               <p:par>
-                                <p:cTn id="19" presetID="2" presetClass="entr" presetSubtype="8" fill="hold" grpId="0" nodeType="clickEffect">
+                                <p:cTn id="17" presetID="2" presetClass="entr" presetSubtype="8" fill="hold" grpId="0" nodeType="withEffect">
                                   <p:stCondLst>
                                     <p:cond delay="0"/>
                                   </p:stCondLst>
                                   <p:childTnLst>
                                     <p:set>
                                       <p:cBhvr>
-                                        <p:cTn id="20" dur="1" fill="hold">
+                                        <p:cTn id="18" dur="1" fill="hold">
                                           <p:stCondLst>
                                             <p:cond delay="0"/>
                                           </p:stCondLst>
@@ -10654,7 +11517,7 @@
                                         <p:tgtEl>
                                           <p:spTgt spid="6">
                                             <p:txEl>
-                                              <p:pRg st="4" end="4"/>
+                                              <p:pRg st="3" end="3"/>
                                             </p:txEl>
                                           </p:spTgt>
                                         </p:tgtEl>
@@ -10668,11 +11531,11 @@
                                     </p:set>
                                     <p:anim calcmode="lin" valueType="num">
                                       <p:cBhvr additive="base">
-                                        <p:cTn id="21" dur="500" fill="hold"/>
+                                        <p:cTn id="19" dur="500" fill="hold"/>
                                         <p:tgtEl>
                                           <p:spTgt spid="6">
                                             <p:txEl>
-                                              <p:pRg st="4" end="4"/>
+                                              <p:pRg st="3" end="3"/>
                                             </p:txEl>
                                           </p:spTgt>
                                         </p:tgtEl>
@@ -10695,96 +11558,11 @@
                                     </p:anim>
                                     <p:anim calcmode="lin" valueType="num">
                                       <p:cBhvr additive="base">
-                                        <p:cTn id="22" dur="500" fill="hold"/>
+                                        <p:cTn id="20" dur="500" fill="hold"/>
                                         <p:tgtEl>
                                           <p:spTgt spid="6">
                                             <p:txEl>
-                                              <p:pRg st="4" end="4"/>
-                                            </p:txEl>
-                                          </p:spTgt>
-                                        </p:tgtEl>
-                                        <p:attrNameLst>
-                                          <p:attrName>ppt_y</p:attrName>
-                                        </p:attrNameLst>
-                                      </p:cBhvr>
-                                      <p:tavLst>
-                                        <p:tav tm="0">
-                                          <p:val>
-                                            <p:strVal val="#ppt_y"/>
-                                          </p:val>
-                                        </p:tav>
-                                        <p:tav tm="100000">
-                                          <p:val>
-                                            <p:strVal val="#ppt_y"/>
-                                          </p:val>
-                                        </p:tav>
-                                      </p:tavLst>
-                                    </p:anim>
-                                  </p:childTnLst>
-                                </p:cTn>
-                              </p:par>
-                              <p:par>
-                                <p:cTn id="23" presetID="2" presetClass="entr" presetSubtype="8" fill="hold" grpId="0" nodeType="withEffect">
-                                  <p:stCondLst>
-                                    <p:cond delay="0"/>
-                                  </p:stCondLst>
-                                  <p:childTnLst>
-                                    <p:set>
-                                      <p:cBhvr>
-                                        <p:cTn id="24" dur="1" fill="hold">
-                                          <p:stCondLst>
-                                            <p:cond delay="0"/>
-                                          </p:stCondLst>
-                                        </p:cTn>
-                                        <p:tgtEl>
-                                          <p:spTgt spid="6">
-                                            <p:txEl>
-                                              <p:pRg st="5" end="5"/>
-                                            </p:txEl>
-                                          </p:spTgt>
-                                        </p:tgtEl>
-                                        <p:attrNameLst>
-                                          <p:attrName>style.visibility</p:attrName>
-                                        </p:attrNameLst>
-                                      </p:cBhvr>
-                                      <p:to>
-                                        <p:strVal val="visible"/>
-                                      </p:to>
-                                    </p:set>
-                                    <p:anim calcmode="lin" valueType="num">
-                                      <p:cBhvr additive="base">
-                                        <p:cTn id="25" dur="500" fill="hold"/>
-                                        <p:tgtEl>
-                                          <p:spTgt spid="6">
-                                            <p:txEl>
-                                              <p:pRg st="5" end="5"/>
-                                            </p:txEl>
-                                          </p:spTgt>
-                                        </p:tgtEl>
-                                        <p:attrNameLst>
-                                          <p:attrName>ppt_x</p:attrName>
-                                        </p:attrNameLst>
-                                      </p:cBhvr>
-                                      <p:tavLst>
-                                        <p:tav tm="0">
-                                          <p:val>
-                                            <p:strVal val="0-#ppt_w/2"/>
-                                          </p:val>
-                                        </p:tav>
-                                        <p:tav tm="100000">
-                                          <p:val>
-                                            <p:strVal val="#ppt_x"/>
-                                          </p:val>
-                                        </p:tav>
-                                      </p:tavLst>
-                                    </p:anim>
-                                    <p:anim calcmode="lin" valueType="num">
-                                      <p:cBhvr additive="base">
-                                        <p:cTn id="26" dur="500" fill="hold"/>
-                                        <p:tgtEl>
-                                          <p:spTgt spid="6">
-                                            <p:txEl>
-                                              <p:pRg st="5" end="5"/>
+                                              <p:pRg st="3" end="3"/>
                                             </p:txEl>
                                           </p:spTgt>
                                         </p:tgtEl>
@@ -10815,26 +11593,26 @@
                     </p:cTn>
                   </p:par>
                   <p:par>
-                    <p:cTn id="27" fill="hold">
+                    <p:cTn id="21" fill="hold">
                       <p:stCondLst>
                         <p:cond delay="indefinite"/>
                       </p:stCondLst>
                       <p:childTnLst>
                         <p:par>
-                          <p:cTn id="28" fill="hold">
+                          <p:cTn id="22" fill="hold">
                             <p:stCondLst>
                               <p:cond delay="0"/>
                             </p:stCondLst>
                             <p:childTnLst>
                               <p:par>
-                                <p:cTn id="29" presetID="2" presetClass="entr" presetSubtype="8" fill="hold" grpId="0" nodeType="clickEffect">
+                                <p:cTn id="23" presetID="2" presetClass="entr" presetSubtype="8" fill="hold" grpId="0" nodeType="clickEffect">
                                   <p:stCondLst>
                                     <p:cond delay="0"/>
                                   </p:stCondLst>
                                   <p:childTnLst>
                                     <p:set>
                                       <p:cBhvr>
-                                        <p:cTn id="30" dur="1" fill="hold">
+                                        <p:cTn id="24" dur="1" fill="hold">
                                           <p:stCondLst>
                                             <p:cond delay="0"/>
                                           </p:stCondLst>
@@ -10842,7 +11620,7 @@
                                         <p:tgtEl>
                                           <p:spTgt spid="6">
                                             <p:txEl>
-                                              <p:pRg st="7" end="7"/>
+                                              <p:pRg st="5" end="5"/>
                                             </p:txEl>
                                           </p:spTgt>
                                         </p:tgtEl>
@@ -10856,11 +11634,11 @@
                                     </p:set>
                                     <p:anim calcmode="lin" valueType="num">
                                       <p:cBhvr additive="base">
-                                        <p:cTn id="31" dur="500" fill="hold"/>
+                                        <p:cTn id="25" dur="500" fill="hold"/>
                                         <p:tgtEl>
                                           <p:spTgt spid="6">
                                             <p:txEl>
-                                              <p:pRg st="7" end="7"/>
+                                              <p:pRg st="5" end="5"/>
                                             </p:txEl>
                                           </p:spTgt>
                                         </p:tgtEl>
@@ -10883,11 +11661,11 @@
                                     </p:anim>
                                     <p:anim calcmode="lin" valueType="num">
                                       <p:cBhvr additive="base">
-                                        <p:cTn id="32" dur="500" fill="hold"/>
+                                        <p:cTn id="26" dur="500" fill="hold"/>
                                         <p:tgtEl>
                                           <p:spTgt spid="6">
                                             <p:txEl>
-                                              <p:pRg st="7" end="7"/>
+                                              <p:pRg st="5" end="5"/>
                                             </p:txEl>
                                           </p:spTgt>
                                         </p:tgtEl>
@@ -10912,7 +11690,110 @@
                                 </p:cTn>
                               </p:par>
                               <p:par>
-                                <p:cTn id="33" presetID="2" presetClass="entr" presetSubtype="8" fill="hold" grpId="0" nodeType="withEffect">
+                                <p:cTn id="27" presetID="2" presetClass="entr" presetSubtype="8" fill="hold" grpId="0" nodeType="withEffect">
+                                  <p:stCondLst>
+                                    <p:cond delay="0"/>
+                                  </p:stCondLst>
+                                  <p:childTnLst>
+                                    <p:set>
+                                      <p:cBhvr>
+                                        <p:cTn id="28" dur="1" fill="hold">
+                                          <p:stCondLst>
+                                            <p:cond delay="0"/>
+                                          </p:stCondLst>
+                                        </p:cTn>
+                                        <p:tgtEl>
+                                          <p:spTgt spid="6">
+                                            <p:txEl>
+                                              <p:pRg st="6" end="6"/>
+                                            </p:txEl>
+                                          </p:spTgt>
+                                        </p:tgtEl>
+                                        <p:attrNameLst>
+                                          <p:attrName>style.visibility</p:attrName>
+                                        </p:attrNameLst>
+                                      </p:cBhvr>
+                                      <p:to>
+                                        <p:strVal val="visible"/>
+                                      </p:to>
+                                    </p:set>
+                                    <p:anim calcmode="lin" valueType="num">
+                                      <p:cBhvr additive="base">
+                                        <p:cTn id="29" dur="500" fill="hold"/>
+                                        <p:tgtEl>
+                                          <p:spTgt spid="6">
+                                            <p:txEl>
+                                              <p:pRg st="6" end="6"/>
+                                            </p:txEl>
+                                          </p:spTgt>
+                                        </p:tgtEl>
+                                        <p:attrNameLst>
+                                          <p:attrName>ppt_x</p:attrName>
+                                        </p:attrNameLst>
+                                      </p:cBhvr>
+                                      <p:tavLst>
+                                        <p:tav tm="0">
+                                          <p:val>
+                                            <p:strVal val="0-#ppt_w/2"/>
+                                          </p:val>
+                                        </p:tav>
+                                        <p:tav tm="100000">
+                                          <p:val>
+                                            <p:strVal val="#ppt_x"/>
+                                          </p:val>
+                                        </p:tav>
+                                      </p:tavLst>
+                                    </p:anim>
+                                    <p:anim calcmode="lin" valueType="num">
+                                      <p:cBhvr additive="base">
+                                        <p:cTn id="30" dur="500" fill="hold"/>
+                                        <p:tgtEl>
+                                          <p:spTgt spid="6">
+                                            <p:txEl>
+                                              <p:pRg st="6" end="6"/>
+                                            </p:txEl>
+                                          </p:spTgt>
+                                        </p:tgtEl>
+                                        <p:attrNameLst>
+                                          <p:attrName>ppt_y</p:attrName>
+                                        </p:attrNameLst>
+                                      </p:cBhvr>
+                                      <p:tavLst>
+                                        <p:tav tm="0">
+                                          <p:val>
+                                            <p:strVal val="#ppt_y"/>
+                                          </p:val>
+                                        </p:tav>
+                                        <p:tav tm="100000">
+                                          <p:val>
+                                            <p:strVal val="#ppt_y"/>
+                                          </p:val>
+                                        </p:tav>
+                                      </p:tavLst>
+                                    </p:anim>
+                                  </p:childTnLst>
+                                </p:cTn>
+                              </p:par>
+                            </p:childTnLst>
+                          </p:cTn>
+                        </p:par>
+                      </p:childTnLst>
+                    </p:cTn>
+                  </p:par>
+                  <p:par>
+                    <p:cTn id="31" fill="hold">
+                      <p:stCondLst>
+                        <p:cond delay="indefinite"/>
+                      </p:stCondLst>
+                      <p:childTnLst>
+                        <p:par>
+                          <p:cTn id="32" fill="hold">
+                            <p:stCondLst>
+                              <p:cond delay="0"/>
+                            </p:stCondLst>
+                            <p:childTnLst>
+                              <p:par>
+                                <p:cTn id="33" presetID="2" presetClass="entr" presetSubtype="8" fill="hold" grpId="0" nodeType="clickEffect">
                                   <p:stCondLst>
                                     <p:cond delay="0"/>
                                   </p:stCondLst>
@@ -11143,6 +12024,91 @@
                                           <p:spTgt spid="6">
                                             <p:txEl>
                                               <p:pRg st="10" end="10"/>
+                                            </p:txEl>
+                                          </p:spTgt>
+                                        </p:tgtEl>
+                                        <p:attrNameLst>
+                                          <p:attrName>ppt_y</p:attrName>
+                                        </p:attrNameLst>
+                                      </p:cBhvr>
+                                      <p:tavLst>
+                                        <p:tav tm="0">
+                                          <p:val>
+                                            <p:strVal val="#ppt_y"/>
+                                          </p:val>
+                                        </p:tav>
+                                        <p:tav tm="100000">
+                                          <p:val>
+                                            <p:strVal val="#ppt_y"/>
+                                          </p:val>
+                                        </p:tav>
+                                      </p:tavLst>
+                                    </p:anim>
+                                  </p:childTnLst>
+                                </p:cTn>
+                              </p:par>
+                              <p:par>
+                                <p:cTn id="45" presetID="2" presetClass="entr" presetSubtype="8" fill="hold" grpId="0" nodeType="withEffect">
+                                  <p:stCondLst>
+                                    <p:cond delay="0"/>
+                                  </p:stCondLst>
+                                  <p:childTnLst>
+                                    <p:set>
+                                      <p:cBhvr>
+                                        <p:cTn id="46" dur="1" fill="hold">
+                                          <p:stCondLst>
+                                            <p:cond delay="0"/>
+                                          </p:stCondLst>
+                                        </p:cTn>
+                                        <p:tgtEl>
+                                          <p:spTgt spid="6">
+                                            <p:txEl>
+                                              <p:pRg st="11" end="11"/>
+                                            </p:txEl>
+                                          </p:spTgt>
+                                        </p:tgtEl>
+                                        <p:attrNameLst>
+                                          <p:attrName>style.visibility</p:attrName>
+                                        </p:attrNameLst>
+                                      </p:cBhvr>
+                                      <p:to>
+                                        <p:strVal val="visible"/>
+                                      </p:to>
+                                    </p:set>
+                                    <p:anim calcmode="lin" valueType="num">
+                                      <p:cBhvr additive="base">
+                                        <p:cTn id="47" dur="500" fill="hold"/>
+                                        <p:tgtEl>
+                                          <p:spTgt spid="6">
+                                            <p:txEl>
+                                              <p:pRg st="11" end="11"/>
+                                            </p:txEl>
+                                          </p:spTgt>
+                                        </p:tgtEl>
+                                        <p:attrNameLst>
+                                          <p:attrName>ppt_x</p:attrName>
+                                        </p:attrNameLst>
+                                      </p:cBhvr>
+                                      <p:tavLst>
+                                        <p:tav tm="0">
+                                          <p:val>
+                                            <p:strVal val="0-#ppt_w/2"/>
+                                          </p:val>
+                                        </p:tav>
+                                        <p:tav tm="100000">
+                                          <p:val>
+                                            <p:strVal val="#ppt_x"/>
+                                          </p:val>
+                                        </p:tav>
+                                      </p:tavLst>
+                                    </p:anim>
+                                    <p:anim calcmode="lin" valueType="num">
+                                      <p:cBhvr additive="base">
+                                        <p:cTn id="48" dur="500" fill="hold"/>
+                                        <p:tgtEl>
+                                          <p:spTgt spid="6">
+                                            <p:txEl>
+                                              <p:pRg st="11" end="11"/>
                                             </p:txEl>
                                           </p:spTgt>
                                         </p:tgtEl>
@@ -11253,7 +12219,7 @@
         <p:spPr/>
         <p:txBody>
           <a:bodyPr>
-            <a:normAutofit lnSpcReduction="10000"/>
+            <a:normAutofit fontScale="92500" lnSpcReduction="10000"/>
           </a:bodyPr>
           <a:lstStyle/>
           <a:p>
@@ -11316,11 +12282,17 @@
           </a:p>
           <a:p>
             <a:pPr lvl="1"/>
+            <a:r>
+              <a:rPr lang="nl-BE" dirty="0" smtClean="0">
+                <a:sym typeface="Wingdings" pitchFamily="2" charset="2"/>
+              </a:rPr>
+              <a:t>RMP modules are easy </a:t>
+            </a:r>
             <a:r>
               <a:rPr lang="nl-BE" dirty="0">
                 <a:sym typeface="Wingdings" pitchFamily="2" charset="2"/>
               </a:rPr>
-              <a:t>Easy to </a:t>
+              <a:t>to </a:t>
             </a:r>
             <a:r>
               <a:rPr lang="nl-BE" dirty="0" err="1" smtClean="0">
@@ -11411,8 +12383,40 @@
               <a:t> &amp; </a:t>
             </a:r>
             <a:r>
-              <a:rPr lang="nl-BE" dirty="0" err="1"/>
+              <a:rPr lang="nl-BE" dirty="0" err="1" smtClean="0"/>
               <a:t>modularity</a:t>
+            </a:r>
+            <a:endParaRPr lang="nl-BE" dirty="0" smtClean="0"/>
+          </a:p>
+          <a:p>
+            <a:pPr lvl="1"/>
+            <a:r>
+              <a:rPr lang="nl-BE" dirty="0" smtClean="0"/>
+              <a:t>NDC: </a:t>
+            </a:r>
+            <a:r>
+              <a:rPr lang="en-US" dirty="0" smtClean="0">
+                <a:hlinkClick r:id="rId2"/>
+              </a:rPr>
+              <a:t>Just </a:t>
+            </a:r>
+            <a:r>
+              <a:rPr lang="en-US" dirty="0">
+                <a:hlinkClick r:id="rId2"/>
+              </a:rPr>
+              <a:t>cause it’s </a:t>
+            </a:r>
+            <a:r>
+              <a:rPr lang="en-US" dirty="0" smtClean="0">
+                <a:hlinkClick r:id="rId2"/>
+              </a:rPr>
+              <a:t>JS, </a:t>
+            </a:r>
+            <a:r>
+              <a:rPr lang="en-US" dirty="0">
+                <a:hlinkClick r:id="rId2"/>
+              </a:rPr>
+              <a:t>doesn’t give you a license to write rubbish</a:t>
             </a:r>
             <a:endParaRPr lang="nl-BE" dirty="0"/>
           </a:p>
@@ -11443,7 +12447,7 @@
     </p:spTree>
     <p:extLst>
       <p:ext uri="{BB962C8B-B14F-4D97-AF65-F5344CB8AC3E}">
-        <p14:creationId xmlns:p14="http://schemas.microsoft.com/office/powerpoint/2010/main" val="3437518475"/>
+        <p14:creationId xmlns:p14="http://schemas.microsoft.com/office/powerpoint/2010/main" xmlns="" val="3437518475"/>
       </p:ext>
     </p:extLst>
   </p:cSld>
@@ -12083,6 +13087,91 @@
                                   </p:childTnLst>
                                 </p:cTn>
                               </p:par>
+                              <p:par>
+                                <p:cTn id="35" presetID="2" presetClass="entr" presetSubtype="8" fill="hold" grpId="0" nodeType="withEffect">
+                                  <p:stCondLst>
+                                    <p:cond delay="0"/>
+                                  </p:stCondLst>
+                                  <p:childTnLst>
+                                    <p:set>
+                                      <p:cBhvr>
+                                        <p:cTn id="36" dur="1" fill="hold">
+                                          <p:stCondLst>
+                                            <p:cond delay="0"/>
+                                          </p:stCondLst>
+                                        </p:cTn>
+                                        <p:tgtEl>
+                                          <p:spTgt spid="6">
+                                            <p:txEl>
+                                              <p:pRg st="8" end="8"/>
+                                            </p:txEl>
+                                          </p:spTgt>
+                                        </p:tgtEl>
+                                        <p:attrNameLst>
+                                          <p:attrName>style.visibility</p:attrName>
+                                        </p:attrNameLst>
+                                      </p:cBhvr>
+                                      <p:to>
+                                        <p:strVal val="visible"/>
+                                      </p:to>
+                                    </p:set>
+                                    <p:anim calcmode="lin" valueType="num">
+                                      <p:cBhvr additive="base">
+                                        <p:cTn id="37" dur="500" fill="hold"/>
+                                        <p:tgtEl>
+                                          <p:spTgt spid="6">
+                                            <p:txEl>
+                                              <p:pRg st="8" end="8"/>
+                                            </p:txEl>
+                                          </p:spTgt>
+                                        </p:tgtEl>
+                                        <p:attrNameLst>
+                                          <p:attrName>ppt_x</p:attrName>
+                                        </p:attrNameLst>
+                                      </p:cBhvr>
+                                      <p:tavLst>
+                                        <p:tav tm="0">
+                                          <p:val>
+                                            <p:strVal val="0-#ppt_w/2"/>
+                                          </p:val>
+                                        </p:tav>
+                                        <p:tav tm="100000">
+                                          <p:val>
+                                            <p:strVal val="#ppt_x"/>
+                                          </p:val>
+                                        </p:tav>
+                                      </p:tavLst>
+                                    </p:anim>
+                                    <p:anim calcmode="lin" valueType="num">
+                                      <p:cBhvr additive="base">
+                                        <p:cTn id="38" dur="500" fill="hold"/>
+                                        <p:tgtEl>
+                                          <p:spTgt spid="6">
+                                            <p:txEl>
+                                              <p:pRg st="8" end="8"/>
+                                            </p:txEl>
+                                          </p:spTgt>
+                                        </p:tgtEl>
+                                        <p:attrNameLst>
+                                          <p:attrName>ppt_y</p:attrName>
+                                        </p:attrNameLst>
+                                      </p:cBhvr>
+                                      <p:tavLst>
+                                        <p:tav tm="0">
+                                          <p:val>
+                                            <p:strVal val="#ppt_y"/>
+                                          </p:val>
+                                        </p:tav>
+                                        <p:tav tm="100000">
+                                          <p:val>
+                                            <p:strVal val="#ppt_y"/>
+                                          </p:val>
+                                        </p:tav>
+                                      </p:tavLst>
+                                    </p:anim>
+                                  </p:childTnLst>
+                                </p:cTn>
+                              </p:par>
                             </p:childTnLst>
                           </p:cTn>
                         </p:par>
@@ -12090,104 +13179,19 @@
                     </p:cTn>
                   </p:par>
                   <p:par>
-                    <p:cTn id="35" fill="hold">
+                    <p:cTn id="39" fill="hold">
                       <p:stCondLst>
                         <p:cond delay="indefinite"/>
                       </p:stCondLst>
                       <p:childTnLst>
                         <p:par>
-                          <p:cTn id="36" fill="hold">
+                          <p:cTn id="40" fill="hold">
                             <p:stCondLst>
                               <p:cond delay="0"/>
                             </p:stCondLst>
                             <p:childTnLst>
                               <p:par>
-                                <p:cTn id="37" presetID="2" presetClass="entr" presetSubtype="8" fill="hold" grpId="0" nodeType="clickEffect">
-                                  <p:stCondLst>
-                                    <p:cond delay="0"/>
-                                  </p:stCondLst>
-                                  <p:childTnLst>
-                                    <p:set>
-                                      <p:cBhvr>
-                                        <p:cTn id="38" dur="1" fill="hold">
-                                          <p:stCondLst>
-                                            <p:cond delay="0"/>
-                                          </p:stCondLst>
-                                        </p:cTn>
-                                        <p:tgtEl>
-                                          <p:spTgt spid="6">
-                                            <p:txEl>
-                                              <p:pRg st="9" end="9"/>
-                                            </p:txEl>
-                                          </p:spTgt>
-                                        </p:tgtEl>
-                                        <p:attrNameLst>
-                                          <p:attrName>style.visibility</p:attrName>
-                                        </p:attrNameLst>
-                                      </p:cBhvr>
-                                      <p:to>
-                                        <p:strVal val="visible"/>
-                                      </p:to>
-                                    </p:set>
-                                    <p:anim calcmode="lin" valueType="num">
-                                      <p:cBhvr additive="base">
-                                        <p:cTn id="39" dur="500" fill="hold"/>
-                                        <p:tgtEl>
-                                          <p:spTgt spid="6">
-                                            <p:txEl>
-                                              <p:pRg st="9" end="9"/>
-                                            </p:txEl>
-                                          </p:spTgt>
-                                        </p:tgtEl>
-                                        <p:attrNameLst>
-                                          <p:attrName>ppt_x</p:attrName>
-                                        </p:attrNameLst>
-                                      </p:cBhvr>
-                                      <p:tavLst>
-                                        <p:tav tm="0">
-                                          <p:val>
-                                            <p:strVal val="0-#ppt_w/2"/>
-                                          </p:val>
-                                        </p:tav>
-                                        <p:tav tm="100000">
-                                          <p:val>
-                                            <p:strVal val="#ppt_x"/>
-                                          </p:val>
-                                        </p:tav>
-                                      </p:tavLst>
-                                    </p:anim>
-                                    <p:anim calcmode="lin" valueType="num">
-                                      <p:cBhvr additive="base">
-                                        <p:cTn id="40" dur="500" fill="hold"/>
-                                        <p:tgtEl>
-                                          <p:spTgt spid="6">
-                                            <p:txEl>
-                                              <p:pRg st="9" end="9"/>
-                                            </p:txEl>
-                                          </p:spTgt>
-                                        </p:tgtEl>
-                                        <p:attrNameLst>
-                                          <p:attrName>ppt_y</p:attrName>
-                                        </p:attrNameLst>
-                                      </p:cBhvr>
-                                      <p:tavLst>
-                                        <p:tav tm="0">
-                                          <p:val>
-                                            <p:strVal val="#ppt_y"/>
-                                          </p:val>
-                                        </p:tav>
-                                        <p:tav tm="100000">
-                                          <p:val>
-                                            <p:strVal val="#ppt_y"/>
-                                          </p:val>
-                                        </p:tav>
-                                      </p:tavLst>
-                                    </p:anim>
-                                  </p:childTnLst>
-                                </p:cTn>
-                              </p:par>
-                              <p:par>
-                                <p:cTn id="41" presetID="2" presetClass="entr" presetSubtype="8" fill="hold" grpId="0" nodeType="withEffect">
+                                <p:cTn id="41" presetID="2" presetClass="entr" presetSubtype="8" fill="hold" grpId="0" nodeType="clickEffect">
                                   <p:stCondLst>
                                     <p:cond delay="0"/>
                                   </p:stCondLst>
@@ -12248,6 +13252,91 @@
                                           <p:spTgt spid="6">
                                             <p:txEl>
                                               <p:pRg st="10" end="10"/>
+                                            </p:txEl>
+                                          </p:spTgt>
+                                        </p:tgtEl>
+                                        <p:attrNameLst>
+                                          <p:attrName>ppt_y</p:attrName>
+                                        </p:attrNameLst>
+                                      </p:cBhvr>
+                                      <p:tavLst>
+                                        <p:tav tm="0">
+                                          <p:val>
+                                            <p:strVal val="#ppt_y"/>
+                                          </p:val>
+                                        </p:tav>
+                                        <p:tav tm="100000">
+                                          <p:val>
+                                            <p:strVal val="#ppt_y"/>
+                                          </p:val>
+                                        </p:tav>
+                                      </p:tavLst>
+                                    </p:anim>
+                                  </p:childTnLst>
+                                </p:cTn>
+                              </p:par>
+                              <p:par>
+                                <p:cTn id="45" presetID="2" presetClass="entr" presetSubtype="8" fill="hold" grpId="0" nodeType="withEffect">
+                                  <p:stCondLst>
+                                    <p:cond delay="0"/>
+                                  </p:stCondLst>
+                                  <p:childTnLst>
+                                    <p:set>
+                                      <p:cBhvr>
+                                        <p:cTn id="46" dur="1" fill="hold">
+                                          <p:stCondLst>
+                                            <p:cond delay="0"/>
+                                          </p:stCondLst>
+                                        </p:cTn>
+                                        <p:tgtEl>
+                                          <p:spTgt spid="6">
+                                            <p:txEl>
+                                              <p:pRg st="11" end="11"/>
+                                            </p:txEl>
+                                          </p:spTgt>
+                                        </p:tgtEl>
+                                        <p:attrNameLst>
+                                          <p:attrName>style.visibility</p:attrName>
+                                        </p:attrNameLst>
+                                      </p:cBhvr>
+                                      <p:to>
+                                        <p:strVal val="visible"/>
+                                      </p:to>
+                                    </p:set>
+                                    <p:anim calcmode="lin" valueType="num">
+                                      <p:cBhvr additive="base">
+                                        <p:cTn id="47" dur="500" fill="hold"/>
+                                        <p:tgtEl>
+                                          <p:spTgt spid="6">
+                                            <p:txEl>
+                                              <p:pRg st="11" end="11"/>
+                                            </p:txEl>
+                                          </p:spTgt>
+                                        </p:tgtEl>
+                                        <p:attrNameLst>
+                                          <p:attrName>ppt_x</p:attrName>
+                                        </p:attrNameLst>
+                                      </p:cBhvr>
+                                      <p:tavLst>
+                                        <p:tav tm="0">
+                                          <p:val>
+                                            <p:strVal val="0-#ppt_w/2"/>
+                                          </p:val>
+                                        </p:tav>
+                                        <p:tav tm="100000">
+                                          <p:val>
+                                            <p:strVal val="#ppt_x"/>
+                                          </p:val>
+                                        </p:tav>
+                                      </p:tavLst>
+                                    </p:anim>
+                                    <p:anim calcmode="lin" valueType="num">
+                                      <p:cBhvr additive="base">
+                                        <p:cTn id="48" dur="500" fill="hold"/>
+                                        <p:tgtEl>
+                                          <p:spTgt spid="6">
+                                            <p:txEl>
+                                              <p:pRg st="11" end="11"/>
                                             </p:txEl>
                                           </p:spTgt>
                                         </p:tgtEl>
@@ -12364,11 +13453,23 @@
           <a:p>
             <a:r>
               <a:rPr lang="nl-BE" dirty="0" err="1" smtClean="0"/>
+              <a:t>How</a:t>
+            </a:r>
+            <a:r>
+              <a:rPr lang="nl-BE" dirty="0" smtClean="0"/>
+              <a:t>? </a:t>
+            </a:r>
+            <a:r>
+              <a:rPr lang="nl-BE" dirty="0" err="1" smtClean="0"/>
               <a:t>Refactoring</a:t>
             </a:r>
             <a:r>
               <a:rPr lang="nl-BE" dirty="0" smtClean="0"/>
-              <a:t> the timer </a:t>
+              <a:t> </a:t>
+            </a:r>
+            <a:r>
+              <a:rPr lang="nl-BE" dirty="0" smtClean="0"/>
+              <a:t>the timer </a:t>
             </a:r>
             <a:r>
               <a:rPr lang="nl-BE" dirty="0" err="1" smtClean="0"/>
@@ -13093,7 +14194,7 @@
     </p:spTree>
     <p:extLst>
       <p:ext uri="{BB962C8B-B14F-4D97-AF65-F5344CB8AC3E}">
-        <p14:creationId xmlns:p14="http://schemas.microsoft.com/office/powerpoint/2010/main" val="3437518475"/>
+        <p14:creationId xmlns:p14="http://schemas.microsoft.com/office/powerpoint/2010/main" xmlns="" val="3437518475"/>
       </p:ext>
     </p:extLst>
   </p:cSld>
@@ -14550,7 +15651,11 @@
             </a:r>
             <a:r>
               <a:rPr lang="nl-BE" dirty="0" smtClean="0"/>
-              <a:t> (dependency1, dependency2, …) {</a:t>
+              <a:t>(dependency1</a:t>
+            </a:r>
+            <a:r>
+              <a:rPr lang="nl-BE" dirty="0" smtClean="0"/>
+              <a:t>, dependency2, …) {</a:t>
             </a:r>
           </a:p>
           <a:p>
@@ -14682,8 +15787,25 @@
                   </a:schemeClr>
                 </a:solidFill>
               </a:rPr>
-              <a:t> variable1</a:t>
-            </a:r>
+              <a:t> </a:t>
+            </a:r>
+            <a:r>
+              <a:rPr lang="nl-BE" dirty="0" smtClean="0">
+                <a:solidFill>
+                  <a:schemeClr val="bg2">
+                    <a:lumMod val="50000"/>
+                  </a:schemeClr>
+                </a:solidFill>
+              </a:rPr>
+              <a:t>private variable1</a:t>
+            </a:r>
+            <a:endParaRPr lang="nl-BE" dirty="0" smtClean="0">
+              <a:solidFill>
+                <a:schemeClr val="bg2">
+                  <a:lumMod val="50000"/>
+                </a:schemeClr>
+              </a:solidFill>
+            </a:endParaRPr>
           </a:p>
           <a:p>
             <a:r>
@@ -14894,7 +16016,7 @@
     </p:spTree>
     <p:extLst>
       <p:ext uri="{BB962C8B-B14F-4D97-AF65-F5344CB8AC3E}">
-        <p14:creationId xmlns:p14="http://schemas.microsoft.com/office/powerpoint/2010/main" val="2710161560"/>
+        <p14:creationId xmlns:p14="http://schemas.microsoft.com/office/powerpoint/2010/main" xmlns="" val="2710161560"/>
       </p:ext>
     </p:extLst>
   </p:cSld>
@@ -16215,6 +17337,511 @@
       </p:grpSpPr>
       <p:sp>
         <p:nvSpPr>
+          <p:cNvPr id="17" name="Title 16"/>
+          <p:cNvSpPr>
+            <a:spLocks noGrp="1"/>
+          </p:cNvSpPr>
+          <p:nvPr>
+            <p:ph type="title"/>
+          </p:nvPr>
+        </p:nvSpPr>
+        <p:spPr/>
+        <p:txBody>
+          <a:bodyPr/>
+          <a:lstStyle/>
+          <a:p>
+            <a:r>
+              <a:rPr lang="en-US" dirty="0" smtClean="0"/>
+              <a:t>Tricks &amp; Tricks - RMP</a:t>
+            </a:r>
+            <a:endParaRPr lang="nl-BE" dirty="0"/>
+          </a:p>
+        </p:txBody>
+      </p:sp>
+      <p:sp>
+        <p:nvSpPr>
+          <p:cNvPr id="18" name="Text Placeholder 17"/>
+          <p:cNvSpPr>
+            <a:spLocks noGrp="1"/>
+          </p:cNvSpPr>
+          <p:nvPr>
+            <p:ph type="body" sz="quarter" idx="10"/>
+          </p:nvPr>
+        </p:nvSpPr>
+        <p:spPr/>
+        <p:txBody>
+          <a:bodyPr>
+            <a:normAutofit/>
+          </a:bodyPr>
+          <a:lstStyle/>
+          <a:p>
+            <a:pPr>
+              <a:lnSpc>
+                <a:spcPct val="90000"/>
+              </a:lnSpc>
+            </a:pPr>
+            <a:r>
+              <a:rPr lang="nl-BE" sz="1500" dirty="0" smtClean="0"/>
+              <a:t>var </a:t>
+            </a:r>
+            <a:r>
+              <a:rPr lang="nl-BE" sz="1500" dirty="0" smtClean="0"/>
+              <a:t>module </a:t>
+            </a:r>
+            <a:r>
+              <a:rPr lang="nl-BE" sz="1500" dirty="0" smtClean="0"/>
+              <a:t>= </a:t>
+            </a:r>
+            <a:r>
+              <a:rPr lang="nl-BE" sz="1500" dirty="0" err="1" smtClean="0"/>
+              <a:t>function</a:t>
+            </a:r>
+            <a:r>
+              <a:rPr lang="nl-BE" sz="1500" dirty="0" smtClean="0"/>
+              <a:t>(dependency1</a:t>
+            </a:r>
+            <a:r>
+              <a:rPr lang="nl-BE" sz="1500" dirty="0" smtClean="0"/>
+              <a:t>, dependency2, …) {</a:t>
+            </a:r>
+          </a:p>
+          <a:p>
+            <a:pPr>
+              <a:lnSpc>
+                <a:spcPct val="90000"/>
+              </a:lnSpc>
+            </a:pPr>
+            <a:r>
+              <a:rPr lang="nl-BE" sz="1500" dirty="0" smtClean="0"/>
+              <a:t>    </a:t>
+            </a:r>
+            <a:r>
+              <a:rPr lang="nl-BE" sz="1500" i="1" dirty="0" smtClean="0"/>
+              <a:t>// </a:t>
+            </a:r>
+            <a:r>
+              <a:rPr lang="nl-BE" sz="1500" i="1" dirty="0" err="1" smtClean="0"/>
+              <a:t>Encapsulated</a:t>
+            </a:r>
+            <a:r>
+              <a:rPr lang="nl-BE" sz="1500" i="1" dirty="0" smtClean="0"/>
+              <a:t> variables and </a:t>
+            </a:r>
+            <a:r>
+              <a:rPr lang="nl-BE" sz="1500" i="1" dirty="0" err="1" smtClean="0"/>
+              <a:t>methods</a:t>
+            </a:r>
+            <a:endParaRPr lang="nl-BE" sz="1500" i="1" dirty="0" smtClean="0"/>
+          </a:p>
+          <a:p>
+            <a:pPr>
+              <a:lnSpc>
+                <a:spcPct val="90000"/>
+              </a:lnSpc>
+            </a:pPr>
+            <a:r>
+              <a:rPr lang="nl-BE" sz="1500" dirty="0" smtClean="0"/>
+              <a:t>    </a:t>
+            </a:r>
+            <a:r>
+              <a:rPr lang="nl-BE" sz="1500" dirty="0" smtClean="0">
+                <a:solidFill>
+                  <a:schemeClr val="bg2">
+                    <a:lumMod val="50000"/>
+                  </a:schemeClr>
+                </a:solidFill>
+              </a:rPr>
+              <a:t>var privateVariable1;</a:t>
+            </a:r>
+          </a:p>
+          <a:p>
+            <a:pPr>
+              <a:lnSpc>
+                <a:spcPct val="90000"/>
+              </a:lnSpc>
+            </a:pPr>
+            <a:endParaRPr lang="nl-BE" sz="1500" dirty="0" smtClean="0">
+              <a:solidFill>
+                <a:schemeClr val="bg2">
+                  <a:lumMod val="50000"/>
+                </a:schemeClr>
+              </a:solidFill>
+            </a:endParaRPr>
+          </a:p>
+          <a:p>
+            <a:pPr>
+              <a:lnSpc>
+                <a:spcPct val="90000"/>
+              </a:lnSpc>
+            </a:pPr>
+            <a:r>
+              <a:rPr lang="nl-BE" sz="1500" dirty="0" smtClean="0">
+                <a:solidFill>
+                  <a:schemeClr val="bg2">
+                    <a:lumMod val="50000"/>
+                  </a:schemeClr>
+                </a:solidFill>
+              </a:rPr>
+              <a:t>    var privateFunction1 = </a:t>
+            </a:r>
+            <a:r>
+              <a:rPr lang="nl-BE" sz="1500" dirty="0" err="1" smtClean="0">
+                <a:solidFill>
+                  <a:schemeClr val="bg2">
+                    <a:lumMod val="50000"/>
+                  </a:schemeClr>
+                </a:solidFill>
+              </a:rPr>
+              <a:t>function</a:t>
+            </a:r>
+            <a:r>
+              <a:rPr lang="nl-BE" sz="1500" dirty="0" smtClean="0">
+                <a:solidFill>
+                  <a:schemeClr val="bg2">
+                    <a:lumMod val="50000"/>
+                  </a:schemeClr>
+                </a:solidFill>
+              </a:rPr>
+              <a:t> () {</a:t>
+            </a:r>
+          </a:p>
+          <a:p>
+            <a:pPr>
+              <a:lnSpc>
+                <a:spcPct val="90000"/>
+              </a:lnSpc>
+            </a:pPr>
+            <a:r>
+              <a:rPr lang="nl-BE" sz="1500" dirty="0" smtClean="0">
+                <a:solidFill>
+                  <a:schemeClr val="bg2">
+                    <a:lumMod val="50000"/>
+                  </a:schemeClr>
+                </a:solidFill>
+              </a:rPr>
+              <a:t>	// do </a:t>
+            </a:r>
+            <a:r>
+              <a:rPr lang="nl-BE" sz="1500" dirty="0" err="1" smtClean="0">
+                <a:solidFill>
+                  <a:schemeClr val="bg2">
+                    <a:lumMod val="50000"/>
+                  </a:schemeClr>
+                </a:solidFill>
+              </a:rPr>
+              <a:t>something</a:t>
+            </a:r>
+            <a:r>
+              <a:rPr lang="nl-BE" sz="1500" dirty="0" smtClean="0">
+                <a:solidFill>
+                  <a:schemeClr val="bg2">
+                    <a:lumMod val="50000"/>
+                  </a:schemeClr>
+                </a:solidFill>
+              </a:rPr>
+              <a:t> </a:t>
+            </a:r>
+            <a:r>
+              <a:rPr lang="nl-BE" sz="1500" dirty="0" err="1" smtClean="0">
+                <a:solidFill>
+                  <a:schemeClr val="bg2">
+                    <a:lumMod val="50000"/>
+                  </a:schemeClr>
+                </a:solidFill>
+              </a:rPr>
+              <a:t>with</a:t>
+            </a:r>
+            <a:r>
+              <a:rPr lang="nl-BE" sz="1500" dirty="0" smtClean="0">
+                <a:solidFill>
+                  <a:schemeClr val="bg2">
+                    <a:lumMod val="50000"/>
+                  </a:schemeClr>
+                </a:solidFill>
+              </a:rPr>
+              <a:t> </a:t>
+            </a:r>
+            <a:r>
+              <a:rPr lang="nl-BE" sz="1500" dirty="0" smtClean="0">
+                <a:solidFill>
+                  <a:schemeClr val="bg2">
+                    <a:lumMod val="50000"/>
+                  </a:schemeClr>
+                </a:solidFill>
+              </a:rPr>
+              <a:t>private variable1</a:t>
+            </a:r>
+            <a:endParaRPr lang="nl-BE" sz="1500" dirty="0" smtClean="0">
+              <a:solidFill>
+                <a:schemeClr val="bg2">
+                  <a:lumMod val="50000"/>
+                </a:schemeClr>
+              </a:solidFill>
+            </a:endParaRPr>
+          </a:p>
+          <a:p>
+            <a:pPr>
+              <a:lnSpc>
+                <a:spcPct val="90000"/>
+              </a:lnSpc>
+            </a:pPr>
+            <a:r>
+              <a:rPr lang="nl-BE" sz="1500" dirty="0" smtClean="0">
+                <a:solidFill>
+                  <a:schemeClr val="bg2">
+                    <a:lumMod val="50000"/>
+                  </a:schemeClr>
+                </a:solidFill>
+              </a:rPr>
+              <a:t>    };</a:t>
+            </a:r>
+          </a:p>
+          <a:p>
+            <a:pPr>
+              <a:lnSpc>
+                <a:spcPct val="90000"/>
+              </a:lnSpc>
+            </a:pPr>
+            <a:endParaRPr lang="nl-BE" sz="1500" dirty="0" smtClean="0"/>
+          </a:p>
+          <a:p>
+            <a:pPr>
+              <a:lnSpc>
+                <a:spcPct val="90000"/>
+              </a:lnSpc>
+            </a:pPr>
+            <a:r>
+              <a:rPr lang="nl-BE" sz="1500" dirty="0" smtClean="0"/>
+              <a:t>    </a:t>
+            </a:r>
+            <a:r>
+              <a:rPr lang="nl-BE" sz="1500" i="1" dirty="0" smtClean="0"/>
+              <a:t>// Return </a:t>
+            </a:r>
+            <a:r>
+              <a:rPr lang="nl-BE" sz="1500" i="1" dirty="0" err="1" smtClean="0"/>
+              <a:t>an</a:t>
+            </a:r>
+            <a:r>
+              <a:rPr lang="nl-BE" sz="1500" i="1" dirty="0" smtClean="0"/>
+              <a:t> object </a:t>
+            </a:r>
+            <a:r>
+              <a:rPr lang="nl-BE" sz="1500" i="1" dirty="0" err="1" smtClean="0"/>
+              <a:t>that</a:t>
+            </a:r>
+            <a:r>
+              <a:rPr lang="nl-BE" sz="1500" i="1" dirty="0" smtClean="0"/>
+              <a:t> </a:t>
+            </a:r>
+            <a:r>
+              <a:rPr lang="nl-BE" sz="1500" i="1" dirty="0" err="1" smtClean="0"/>
+              <a:t>only</a:t>
+            </a:r>
+            <a:r>
+              <a:rPr lang="nl-BE" sz="1500" i="1" dirty="0" smtClean="0"/>
+              <a:t> </a:t>
+            </a:r>
+            <a:r>
+              <a:rPr lang="nl-BE" sz="1500" i="1" dirty="0" err="1" smtClean="0"/>
+              <a:t>exposes</a:t>
+            </a:r>
+            <a:r>
+              <a:rPr lang="nl-BE" sz="1500" i="1" dirty="0" smtClean="0"/>
+              <a:t> the </a:t>
+            </a:r>
+            <a:r>
+              <a:rPr lang="nl-BE" sz="1500" i="1" dirty="0" err="1" smtClean="0"/>
+              <a:t>information</a:t>
+            </a:r>
+            <a:r>
+              <a:rPr lang="nl-BE" sz="1500" i="1" dirty="0" smtClean="0"/>
+              <a:t> </a:t>
+            </a:r>
+            <a:r>
+              <a:rPr lang="nl-BE" sz="1500" i="1" dirty="0" err="1" smtClean="0"/>
+              <a:t>you</a:t>
+            </a:r>
+            <a:r>
+              <a:rPr lang="nl-BE" sz="1500" i="1" dirty="0" smtClean="0"/>
+              <a:t> want</a:t>
+            </a:r>
+          </a:p>
+          <a:p>
+            <a:pPr>
+              <a:lnSpc>
+                <a:spcPct val="90000"/>
+              </a:lnSpc>
+            </a:pPr>
+            <a:r>
+              <a:rPr lang="nl-BE" sz="1500" dirty="0" smtClean="0"/>
+              <a:t>    </a:t>
+            </a:r>
+            <a:r>
+              <a:rPr lang="nl-BE" sz="1500" dirty="0" smtClean="0">
+                <a:solidFill>
+                  <a:schemeClr val="bg2">
+                    <a:lumMod val="50000"/>
+                  </a:schemeClr>
+                </a:solidFill>
+              </a:rPr>
+              <a:t>return {</a:t>
+            </a:r>
+          </a:p>
+          <a:p>
+            <a:pPr>
+              <a:lnSpc>
+                <a:spcPct val="90000"/>
+              </a:lnSpc>
+            </a:pPr>
+            <a:r>
+              <a:rPr lang="nl-BE" sz="1500" dirty="0" smtClean="0">
+                <a:solidFill>
+                  <a:schemeClr val="bg2">
+                    <a:lumMod val="50000"/>
+                  </a:schemeClr>
+                </a:solidFill>
+              </a:rPr>
+              <a:t>	</a:t>
+            </a:r>
+            <a:r>
+              <a:rPr lang="nl-BE" sz="1500" dirty="0" err="1" smtClean="0">
+                <a:solidFill>
+                  <a:schemeClr val="bg2">
+                    <a:lumMod val="50000"/>
+                  </a:schemeClr>
+                </a:solidFill>
+              </a:rPr>
+              <a:t>myFunction</a:t>
+            </a:r>
+            <a:r>
+              <a:rPr lang="nl-BE" sz="1500" dirty="0" smtClean="0">
+                <a:solidFill>
+                  <a:schemeClr val="bg2">
+                    <a:lumMod val="50000"/>
+                  </a:schemeClr>
+                </a:solidFill>
+              </a:rPr>
+              <a:t>: privateFunction2</a:t>
+            </a:r>
+          </a:p>
+          <a:p>
+            <a:pPr>
+              <a:lnSpc>
+                <a:spcPct val="90000"/>
+              </a:lnSpc>
+            </a:pPr>
+            <a:r>
+              <a:rPr lang="nl-BE" sz="1500" dirty="0" smtClean="0">
+                <a:solidFill>
+                  <a:schemeClr val="bg2">
+                    <a:lumMod val="50000"/>
+                  </a:schemeClr>
+                </a:solidFill>
+              </a:rPr>
+              <a:t>    };</a:t>
+            </a:r>
+          </a:p>
+          <a:p>
+            <a:pPr>
+              <a:lnSpc>
+                <a:spcPct val="90000"/>
+              </a:lnSpc>
+            </a:pPr>
+            <a:r>
+              <a:rPr lang="nl-BE" sz="1500" dirty="0" smtClean="0"/>
+              <a:t>}(myDependency1, myDependency</a:t>
+            </a:r>
+            <a:r>
+              <a:rPr lang="nl-BE" sz="1500" dirty="0" smtClean="0"/>
+              <a:t>2</a:t>
+            </a:r>
+            <a:r>
+              <a:rPr lang="nl-BE" sz="1500" dirty="0" smtClean="0"/>
+              <a:t>);</a:t>
+            </a:r>
+            <a:endParaRPr lang="nl-BE" sz="1500" dirty="0" smtClean="0"/>
+          </a:p>
+          <a:p>
+            <a:r>
+              <a:rPr lang="nl-BE" dirty="0" smtClean="0"/>
+              <a:t> </a:t>
+            </a:r>
+            <a:endParaRPr lang="nl-BE" dirty="0" smtClean="0"/>
+          </a:p>
+          <a:p>
+            <a:r>
+              <a:rPr lang="nl-BE" dirty="0" smtClean="0"/>
+              <a:t> </a:t>
+            </a:r>
+            <a:endParaRPr lang="nl-BE" dirty="0" smtClean="0"/>
+          </a:p>
+          <a:p>
+            <a:r>
+              <a:rPr lang="nl-BE" dirty="0" smtClean="0"/>
+              <a:t> </a:t>
+            </a:r>
+          </a:p>
+        </p:txBody>
+      </p:sp>
+      <p:sp>
+        <p:nvSpPr>
+          <p:cNvPr id="19" name="Text Placeholder 18"/>
+          <p:cNvSpPr>
+            <a:spLocks noGrp="1"/>
+          </p:cNvSpPr>
+          <p:nvPr>
+            <p:ph type="body" sz="quarter" idx="11"/>
+          </p:nvPr>
+        </p:nvSpPr>
+        <p:spPr/>
+        <p:txBody>
+          <a:bodyPr/>
+          <a:lstStyle/>
+          <a:p>
+            <a:endParaRPr lang="nl-BE" dirty="0"/>
+          </a:p>
+        </p:txBody>
+      </p:sp>
+    </p:spTree>
+    <p:extLst>
+      <p:ext uri="{BB962C8B-B14F-4D97-AF65-F5344CB8AC3E}">
+        <p14:creationId xmlns:p14="http://schemas.microsoft.com/office/powerpoint/2010/main" xmlns="" val="2710161560"/>
+      </p:ext>
+    </p:extLst>
+  </p:cSld>
+  <p:clrMapOvr>
+    <a:masterClrMapping/>
+  </p:clrMapOvr>
+  <p:timing>
+    <p:tnLst>
+      <p:par>
+        <p:cTn id="1" dur="indefinite" restart="never" nodeType="tmRoot"/>
+      </p:par>
+    </p:tnLst>
+  </p:timing>
+</p:sld>
+</file>
+
+<file path=ppt/slides/slide8.xml><?xml version="1.0" encoding="utf-8"?>
+<p:sld xmlns:a="http://schemas.openxmlformats.org/drawingml/2006/main" xmlns:r="http://schemas.openxmlformats.org/officeDocument/2006/relationships" xmlns:p="http://schemas.openxmlformats.org/presentationml/2006/main">
+  <p:cSld>
+    <p:spTree>
+      <p:nvGrpSpPr>
+        <p:cNvPr id="1" name=""/>
+        <p:cNvGrpSpPr/>
+        <p:nvPr/>
+      </p:nvGrpSpPr>
+      <p:grpSpPr>
+        <a:xfrm>
+          <a:off x="0" y="0"/>
+          <a:ext cx="0" cy="0"/>
+          <a:chOff x="0" y="0"/>
+          <a:chExt cx="0" cy="0"/>
+        </a:xfrm>
+      </p:grpSpPr>
+      <p:sp>
+        <p:nvSpPr>
           <p:cNvPr id="5" name="Title 4"/>
           <p:cNvSpPr>
             <a:spLocks noGrp="1"/>
@@ -16503,7 +18130,7 @@
     </p:spTree>
     <p:extLst>
       <p:ext uri="{BB962C8B-B14F-4D97-AF65-F5344CB8AC3E}">
-        <p14:creationId xmlns:p14="http://schemas.microsoft.com/office/powerpoint/2010/main" val="1963849782"/>
+        <p14:creationId xmlns:p14="http://schemas.microsoft.com/office/powerpoint/2010/main" xmlns="" val="1963849782"/>
       </p:ext>
     </p:extLst>
   </p:cSld>
@@ -16999,7 +18626,7 @@
 </p:sld>
 </file>
 
-<file path=ppt/slides/slide8.xml><?xml version="1.0" encoding="utf-8"?>
+<file path=ppt/slides/slide9.xml><?xml version="1.0" encoding="utf-8"?>
 <p:sld xmlns:a="http://schemas.openxmlformats.org/drawingml/2006/main" xmlns:r="http://schemas.openxmlformats.org/officeDocument/2006/relationships" xmlns:p="http://schemas.openxmlformats.org/presentationml/2006/main">
   <p:cSld>
     <p:spTree>
@@ -17360,11 +18987,7 @@
             </a:br>
             <a:r>
               <a:rPr lang="en-US" dirty="0" smtClean="0"/>
-              <a:t>(Expires header</a:t>
-            </a:r>
-            <a:r>
-              <a:rPr lang="en-US" dirty="0" smtClean="0"/>
-              <a:t>)</a:t>
+              <a:t>(Expires header)</a:t>
             </a:r>
           </a:p>
           <a:p>
@@ -17386,7 +19009,7 @@
     </p:spTree>
     <p:extLst>
       <p:ext uri="{BB962C8B-B14F-4D97-AF65-F5344CB8AC3E}">
-        <p14:creationId xmlns:p14="http://schemas.microsoft.com/office/powerpoint/2010/main" val="205797419"/>
+        <p14:creationId xmlns:p14="http://schemas.microsoft.com/office/powerpoint/2010/main" xmlns="" val="205797419"/>
       </p:ext>
     </p:extLst>
   </p:cSld>
@@ -17980,746 +19603,6 @@
       <p:bldP spid="7" grpId="0"/>
       <p:bldP spid="4" grpId="0"/>
       <p:bldP spid="8" grpId="0"/>
-    </p:bldLst>
-  </p:timing>
-</p:sld>
-</file>
-
-<file path=ppt/slides/slide9.xml><?xml version="1.0" encoding="utf-8"?>
-<p:sld xmlns:a="http://schemas.openxmlformats.org/drawingml/2006/main" xmlns:r="http://schemas.openxmlformats.org/officeDocument/2006/relationships" xmlns:p="http://schemas.openxmlformats.org/presentationml/2006/main">
-  <p:cSld>
-    <p:spTree>
-      <p:nvGrpSpPr>
-        <p:cNvPr id="1" name=""/>
-        <p:cNvGrpSpPr/>
-        <p:nvPr/>
-      </p:nvGrpSpPr>
-      <p:grpSpPr>
-        <a:xfrm>
-          <a:off x="0" y="0"/>
-          <a:ext cx="0" cy="0"/>
-          <a:chOff x="0" y="0"/>
-          <a:chExt cx="0" cy="0"/>
-        </a:xfrm>
-      </p:grpSpPr>
-      <p:sp>
-        <p:nvSpPr>
-          <p:cNvPr id="5" name="Title 4"/>
-          <p:cNvSpPr>
-            <a:spLocks noGrp="1"/>
-          </p:cNvSpPr>
-          <p:nvPr>
-            <p:ph type="title"/>
-          </p:nvPr>
-        </p:nvSpPr>
-        <p:spPr/>
-        <p:txBody>
-          <a:bodyPr/>
-          <a:lstStyle/>
-          <a:p>
-            <a:r>
-              <a:rPr lang="en-US" dirty="0" smtClean="0"/>
-              <a:t>Tricks &amp; Tricks – Versioning</a:t>
-            </a:r>
-            <a:endParaRPr lang="nl-BE" dirty="0"/>
-          </a:p>
-        </p:txBody>
-      </p:sp>
-      <p:sp>
-        <p:nvSpPr>
-          <p:cNvPr id="6" name="Content Placeholder 5"/>
-          <p:cNvSpPr>
-            <a:spLocks noGrp="1"/>
-          </p:cNvSpPr>
-          <p:nvPr>
-            <p:ph idx="1"/>
-          </p:nvPr>
-        </p:nvSpPr>
-        <p:spPr/>
-        <p:txBody>
-          <a:bodyPr/>
-          <a:lstStyle/>
-          <a:p>
-            <a:r>
-              <a:rPr lang="en-US" dirty="0" smtClean="0"/>
-              <a:t>Don’t use </a:t>
-            </a:r>
-            <a:r>
-              <a:rPr lang="en-US" dirty="0" err="1" smtClean="0"/>
-              <a:t>querystrings</a:t>
-            </a:r>
-            <a:endParaRPr lang="en-US" dirty="0" smtClean="0"/>
-          </a:p>
-          <a:p>
-            <a:pPr lvl="1"/>
-            <a:r>
-              <a:rPr lang="en-US" dirty="0" smtClean="0"/>
-              <a:t>Proxies can be configured to ignore </a:t>
-            </a:r>
-            <a:r>
-              <a:rPr lang="en-US" dirty="0" err="1" smtClean="0"/>
-              <a:t>querystring</a:t>
-            </a:r>
-            <a:r>
-              <a:rPr lang="en-US" dirty="0" smtClean="0"/>
-              <a:t> on files</a:t>
-            </a:r>
-          </a:p>
-          <a:p>
-            <a:pPr lvl="1"/>
-            <a:r>
-              <a:rPr lang="en-US" dirty="0" smtClean="0">
-                <a:hlinkClick r:id="rId3"/>
-              </a:rPr>
-              <a:t>Section 13.9 from the HTTP Specifications</a:t>
-            </a:r>
-            <a:endParaRPr lang="en-US" dirty="0" smtClean="0"/>
-          </a:p>
-        </p:txBody>
-      </p:sp>
-      <p:sp>
-        <p:nvSpPr>
-          <p:cNvPr id="2" name="TextBox 1"/>
-          <p:cNvSpPr txBox="1"/>
-          <p:nvPr/>
-        </p:nvSpPr>
-        <p:spPr>
-          <a:xfrm>
-            <a:off x="621671" y="2823196"/>
-            <a:ext cx="7696199" cy="1661993"/>
-          </a:xfrm>
-          <a:prstGeom prst="rect">
-            <a:avLst/>
-          </a:prstGeom>
-          <a:noFill/>
-        </p:spPr>
-        <p:txBody>
-          <a:bodyPr wrap="square" rtlCol="0">
-            <a:spAutoFit/>
-          </a:bodyPr>
-          <a:lstStyle/>
-          <a:p>
-            <a:pPr fontAlgn="base"/>
-            <a:r>
-              <a:rPr lang="en-US" sz="1100" b="1" i="1" dirty="0"/>
-              <a:t>13.9 Side Effects of GET and </a:t>
-            </a:r>
-            <a:r>
-              <a:rPr lang="en-US" sz="1100" b="1" i="1" dirty="0" smtClean="0"/>
-              <a:t>HEAD</a:t>
-            </a:r>
-          </a:p>
-          <a:p>
-            <a:pPr fontAlgn="base"/>
-            <a:endParaRPr lang="en-US" sz="1100" i="1" dirty="0"/>
-          </a:p>
-          <a:p>
-            <a:pPr fontAlgn="base"/>
-            <a:r>
-              <a:rPr lang="en-US" sz="1100" i="1" dirty="0" smtClean="0"/>
-              <a:t>…</a:t>
-            </a:r>
-          </a:p>
-          <a:p>
-            <a:pPr fontAlgn="base"/>
-            <a:endParaRPr lang="en-US" sz="1100" i="1" dirty="0"/>
-          </a:p>
-          <a:p>
-            <a:pPr fontAlgn="base"/>
-            <a:r>
-              <a:rPr lang="en-US" sz="1100" i="1" dirty="0"/>
-              <a:t>We note one exception to this rule: since some applications have traditionally used GETs and HEADs with query URLs (those containing a “?” in the </a:t>
-            </a:r>
-            <a:r>
-              <a:rPr lang="en-US" sz="1100" i="1" dirty="0" err="1"/>
-              <a:t>rel_path</a:t>
-            </a:r>
-            <a:r>
-              <a:rPr lang="en-US" sz="1100" i="1" dirty="0"/>
-              <a:t> part) to perform operations with significant side effects, caches MUST NOT treat responses to such URIs as fresh unless the server provides an explicit expiration time. </a:t>
-            </a:r>
-            <a:r>
-              <a:rPr lang="en-US" sz="1100" b="1" i="1" u="sng" dirty="0">
-                <a:solidFill>
-                  <a:srgbClr val="FF0000"/>
-                </a:solidFill>
-              </a:rPr>
-              <a:t>This specifically means that responses from HTTP/1.0 servers for such URIs SHOULD NOT be taken from a cache</a:t>
-            </a:r>
-            <a:r>
-              <a:rPr lang="en-US" sz="1100" i="1" dirty="0"/>
-              <a:t>. See section 9.1.1 for related information.</a:t>
-            </a:r>
-          </a:p>
-          <a:p>
-            <a:endParaRPr lang="nl-BE" sz="1400" dirty="0"/>
-          </a:p>
-        </p:txBody>
-      </p:sp>
-      <p:sp>
-        <p:nvSpPr>
-          <p:cNvPr id="7" name="TextBox 6"/>
-          <p:cNvSpPr txBox="1"/>
-          <p:nvPr/>
-        </p:nvSpPr>
-        <p:spPr>
-          <a:xfrm>
-            <a:off x="621672" y="4704301"/>
-            <a:ext cx="7696199" cy="1492716"/>
-          </a:xfrm>
-          <a:prstGeom prst="rect">
-            <a:avLst/>
-          </a:prstGeom>
-          <a:noFill/>
-        </p:spPr>
-        <p:txBody>
-          <a:bodyPr wrap="square" rtlCol="0">
-            <a:spAutoFit/>
-          </a:bodyPr>
-          <a:lstStyle/>
-          <a:p>
-            <a:r>
-              <a:rPr lang="en-US" sz="1100" b="1" i="1" dirty="0"/>
-              <a:t>9.1.1 Safe </a:t>
-            </a:r>
-            <a:r>
-              <a:rPr lang="en-US" sz="1100" b="1" i="1" dirty="0" smtClean="0"/>
-              <a:t>Methods</a:t>
-            </a:r>
-          </a:p>
-          <a:p>
-            <a:endParaRPr lang="en-US" sz="1100" b="1" i="1" dirty="0"/>
-          </a:p>
-          <a:p>
-            <a:r>
-              <a:rPr lang="en-US" sz="1100" i="1" dirty="0" smtClean="0"/>
-              <a:t>…</a:t>
-            </a:r>
-          </a:p>
-          <a:p>
-            <a:endParaRPr lang="en-US" sz="1100" i="1" dirty="0"/>
-          </a:p>
-          <a:p>
-            <a:r>
-              <a:rPr lang="en-US" sz="1100" i="1" dirty="0"/>
-              <a:t>Naturally, it is not possible to ensure that the server does not generate side-effects as a result of performing a GET request; in fact, some dynamic resources consider that a feature. </a:t>
-            </a:r>
-            <a:r>
-              <a:rPr lang="en-US" sz="1100" b="1" i="1" u="sng" dirty="0">
-                <a:solidFill>
-                  <a:srgbClr val="FF0000"/>
-                </a:solidFill>
-              </a:rPr>
-              <a:t>The important distinction here is that the user did not request the side-effects, so therefore cannot be held accountable for them</a:t>
-            </a:r>
-            <a:r>
-              <a:rPr lang="en-US" sz="1100" i="1" dirty="0"/>
-              <a:t>.</a:t>
-            </a:r>
-          </a:p>
-          <a:p>
-            <a:endParaRPr lang="nl-BE" sz="1400" dirty="0"/>
-          </a:p>
-        </p:txBody>
-      </p:sp>
-    </p:spTree>
-    <p:extLst>
-      <p:ext uri="{BB962C8B-B14F-4D97-AF65-F5344CB8AC3E}">
-        <p14:creationId xmlns:p14="http://schemas.microsoft.com/office/powerpoint/2010/main" val="3219053044"/>
-      </p:ext>
-    </p:extLst>
-  </p:cSld>
-  <p:clrMapOvr>
-    <a:masterClrMapping/>
-  </p:clrMapOvr>
-  <p:timing>
-    <p:tnLst>
-      <p:par>
-        <p:cTn id="1" dur="indefinite" restart="never" nodeType="tmRoot">
-          <p:childTnLst>
-            <p:seq concurrent="1" nextAc="seek">
-              <p:cTn id="2" dur="indefinite" nodeType="mainSeq">
-                <p:childTnLst>
-                  <p:par>
-                    <p:cTn id="3" fill="hold">
-                      <p:stCondLst>
-                        <p:cond delay="indefinite"/>
-                      </p:stCondLst>
-                      <p:childTnLst>
-                        <p:par>
-                          <p:cTn id="4" fill="hold">
-                            <p:stCondLst>
-                              <p:cond delay="0"/>
-                            </p:stCondLst>
-                            <p:childTnLst>
-                              <p:par>
-                                <p:cTn id="5" presetID="2" presetClass="entr" presetSubtype="4" fill="hold" grpId="0" nodeType="clickEffect">
-                                  <p:stCondLst>
-                                    <p:cond delay="0"/>
-                                  </p:stCondLst>
-                                  <p:childTnLst>
-                                    <p:set>
-                                      <p:cBhvr>
-                                        <p:cTn id="6" dur="1" fill="hold">
-                                          <p:stCondLst>
-                                            <p:cond delay="0"/>
-                                          </p:stCondLst>
-                                        </p:cTn>
-                                        <p:tgtEl>
-                                          <p:spTgt spid="6">
-                                            <p:txEl>
-                                              <p:pRg st="0" end="0"/>
-                                            </p:txEl>
-                                          </p:spTgt>
-                                        </p:tgtEl>
-                                        <p:attrNameLst>
-                                          <p:attrName>style.visibility</p:attrName>
-                                        </p:attrNameLst>
-                                      </p:cBhvr>
-                                      <p:to>
-                                        <p:strVal val="visible"/>
-                                      </p:to>
-                                    </p:set>
-                                    <p:anim calcmode="lin" valueType="num">
-                                      <p:cBhvr additive="base">
-                                        <p:cTn id="7" dur="500" fill="hold"/>
-                                        <p:tgtEl>
-                                          <p:spTgt spid="6">
-                                            <p:txEl>
-                                              <p:pRg st="0" end="0"/>
-                                            </p:txEl>
-                                          </p:spTgt>
-                                        </p:tgtEl>
-                                        <p:attrNameLst>
-                                          <p:attrName>ppt_x</p:attrName>
-                                        </p:attrNameLst>
-                                      </p:cBhvr>
-                                      <p:tavLst>
-                                        <p:tav tm="0">
-                                          <p:val>
-                                            <p:strVal val="#ppt_x"/>
-                                          </p:val>
-                                        </p:tav>
-                                        <p:tav tm="100000">
-                                          <p:val>
-                                            <p:strVal val="#ppt_x"/>
-                                          </p:val>
-                                        </p:tav>
-                                      </p:tavLst>
-                                    </p:anim>
-                                    <p:anim calcmode="lin" valueType="num">
-                                      <p:cBhvr additive="base">
-                                        <p:cTn id="8" dur="500" fill="hold"/>
-                                        <p:tgtEl>
-                                          <p:spTgt spid="6">
-                                            <p:txEl>
-                                              <p:pRg st="0" end="0"/>
-                                            </p:txEl>
-                                          </p:spTgt>
-                                        </p:tgtEl>
-                                        <p:attrNameLst>
-                                          <p:attrName>ppt_y</p:attrName>
-                                        </p:attrNameLst>
-                                      </p:cBhvr>
-                                      <p:tavLst>
-                                        <p:tav tm="0">
-                                          <p:val>
-                                            <p:strVal val="1+#ppt_h/2"/>
-                                          </p:val>
-                                        </p:tav>
-                                        <p:tav tm="100000">
-                                          <p:val>
-                                            <p:strVal val="#ppt_y"/>
-                                          </p:val>
-                                        </p:tav>
-                                      </p:tavLst>
-                                    </p:anim>
-                                  </p:childTnLst>
-                                </p:cTn>
-                              </p:par>
-                              <p:par>
-                                <p:cTn id="9" presetID="2" presetClass="entr" presetSubtype="4" fill="hold" grpId="0" nodeType="withEffect">
-                                  <p:stCondLst>
-                                    <p:cond delay="0"/>
-                                  </p:stCondLst>
-                                  <p:childTnLst>
-                                    <p:set>
-                                      <p:cBhvr>
-                                        <p:cTn id="10" dur="1" fill="hold">
-                                          <p:stCondLst>
-                                            <p:cond delay="0"/>
-                                          </p:stCondLst>
-                                        </p:cTn>
-                                        <p:tgtEl>
-                                          <p:spTgt spid="6">
-                                            <p:txEl>
-                                              <p:pRg st="1" end="1"/>
-                                            </p:txEl>
-                                          </p:spTgt>
-                                        </p:tgtEl>
-                                        <p:attrNameLst>
-                                          <p:attrName>style.visibility</p:attrName>
-                                        </p:attrNameLst>
-                                      </p:cBhvr>
-                                      <p:to>
-                                        <p:strVal val="visible"/>
-                                      </p:to>
-                                    </p:set>
-                                    <p:anim calcmode="lin" valueType="num">
-                                      <p:cBhvr additive="base">
-                                        <p:cTn id="11" dur="500" fill="hold"/>
-                                        <p:tgtEl>
-                                          <p:spTgt spid="6">
-                                            <p:txEl>
-                                              <p:pRg st="1" end="1"/>
-                                            </p:txEl>
-                                          </p:spTgt>
-                                        </p:tgtEl>
-                                        <p:attrNameLst>
-                                          <p:attrName>ppt_x</p:attrName>
-                                        </p:attrNameLst>
-                                      </p:cBhvr>
-                                      <p:tavLst>
-                                        <p:tav tm="0">
-                                          <p:val>
-                                            <p:strVal val="#ppt_x"/>
-                                          </p:val>
-                                        </p:tav>
-                                        <p:tav tm="100000">
-                                          <p:val>
-                                            <p:strVal val="#ppt_x"/>
-                                          </p:val>
-                                        </p:tav>
-                                      </p:tavLst>
-                                    </p:anim>
-                                    <p:anim calcmode="lin" valueType="num">
-                                      <p:cBhvr additive="base">
-                                        <p:cTn id="12" dur="500" fill="hold"/>
-                                        <p:tgtEl>
-                                          <p:spTgt spid="6">
-                                            <p:txEl>
-                                              <p:pRg st="1" end="1"/>
-                                            </p:txEl>
-                                          </p:spTgt>
-                                        </p:tgtEl>
-                                        <p:attrNameLst>
-                                          <p:attrName>ppt_y</p:attrName>
-                                        </p:attrNameLst>
-                                      </p:cBhvr>
-                                      <p:tavLst>
-                                        <p:tav tm="0">
-                                          <p:val>
-                                            <p:strVal val="1+#ppt_h/2"/>
-                                          </p:val>
-                                        </p:tav>
-                                        <p:tav tm="100000">
-                                          <p:val>
-                                            <p:strVal val="#ppt_y"/>
-                                          </p:val>
-                                        </p:tav>
-                                      </p:tavLst>
-                                    </p:anim>
-                                  </p:childTnLst>
-                                </p:cTn>
-                              </p:par>
-                              <p:par>
-                                <p:cTn id="13" presetID="2" presetClass="entr" presetSubtype="4" fill="hold" grpId="0" nodeType="withEffect">
-                                  <p:stCondLst>
-                                    <p:cond delay="0"/>
-                                  </p:stCondLst>
-                                  <p:childTnLst>
-                                    <p:set>
-                                      <p:cBhvr>
-                                        <p:cTn id="14" dur="1" fill="hold">
-                                          <p:stCondLst>
-                                            <p:cond delay="0"/>
-                                          </p:stCondLst>
-                                        </p:cTn>
-                                        <p:tgtEl>
-                                          <p:spTgt spid="6">
-                                            <p:txEl>
-                                              <p:pRg st="2" end="2"/>
-                                            </p:txEl>
-                                          </p:spTgt>
-                                        </p:tgtEl>
-                                        <p:attrNameLst>
-                                          <p:attrName>style.visibility</p:attrName>
-                                        </p:attrNameLst>
-                                      </p:cBhvr>
-                                      <p:to>
-                                        <p:strVal val="visible"/>
-                                      </p:to>
-                                    </p:set>
-                                    <p:anim calcmode="lin" valueType="num">
-                                      <p:cBhvr additive="base">
-                                        <p:cTn id="15" dur="500" fill="hold"/>
-                                        <p:tgtEl>
-                                          <p:spTgt spid="6">
-                                            <p:txEl>
-                                              <p:pRg st="2" end="2"/>
-                                            </p:txEl>
-                                          </p:spTgt>
-                                        </p:tgtEl>
-                                        <p:attrNameLst>
-                                          <p:attrName>ppt_x</p:attrName>
-                                        </p:attrNameLst>
-                                      </p:cBhvr>
-                                      <p:tavLst>
-                                        <p:tav tm="0">
-                                          <p:val>
-                                            <p:strVal val="#ppt_x"/>
-                                          </p:val>
-                                        </p:tav>
-                                        <p:tav tm="100000">
-                                          <p:val>
-                                            <p:strVal val="#ppt_x"/>
-                                          </p:val>
-                                        </p:tav>
-                                      </p:tavLst>
-                                    </p:anim>
-                                    <p:anim calcmode="lin" valueType="num">
-                                      <p:cBhvr additive="base">
-                                        <p:cTn id="16" dur="500" fill="hold"/>
-                                        <p:tgtEl>
-                                          <p:spTgt spid="6">
-                                            <p:txEl>
-                                              <p:pRg st="2" end="2"/>
-                                            </p:txEl>
-                                          </p:spTgt>
-                                        </p:tgtEl>
-                                        <p:attrNameLst>
-                                          <p:attrName>ppt_y</p:attrName>
-                                        </p:attrNameLst>
-                                      </p:cBhvr>
-                                      <p:tavLst>
-                                        <p:tav tm="0">
-                                          <p:val>
-                                            <p:strVal val="1+#ppt_h/2"/>
-                                          </p:val>
-                                        </p:tav>
-                                        <p:tav tm="100000">
-                                          <p:val>
-                                            <p:strVal val="#ppt_y"/>
-                                          </p:val>
-                                        </p:tav>
-                                      </p:tavLst>
-                                    </p:anim>
-                                  </p:childTnLst>
-                                </p:cTn>
-                              </p:par>
-                            </p:childTnLst>
-                          </p:cTn>
-                        </p:par>
-                      </p:childTnLst>
-                    </p:cTn>
-                  </p:par>
-                  <p:par>
-                    <p:cTn id="17" fill="hold">
-                      <p:stCondLst>
-                        <p:cond delay="indefinite"/>
-                      </p:stCondLst>
-                      <p:childTnLst>
-                        <p:par>
-                          <p:cTn id="18" fill="hold">
-                            <p:stCondLst>
-                              <p:cond delay="0"/>
-                            </p:stCondLst>
-                            <p:childTnLst>
-                              <p:par>
-                                <p:cTn id="19" presetID="2" presetClass="entr" presetSubtype="4" fill="hold" grpId="0" nodeType="clickEffect">
-                                  <p:stCondLst>
-                                    <p:cond delay="0"/>
-                                  </p:stCondLst>
-                                  <p:childTnLst>
-                                    <p:set>
-                                      <p:cBhvr>
-                                        <p:cTn id="20" dur="1" fill="hold">
-                                          <p:stCondLst>
-                                            <p:cond delay="0"/>
-                                          </p:stCondLst>
-                                        </p:cTn>
-                                        <p:tgtEl>
-                                          <p:spTgt spid="2"/>
-                                        </p:tgtEl>
-                                        <p:attrNameLst>
-                                          <p:attrName>style.visibility</p:attrName>
-                                        </p:attrNameLst>
-                                      </p:cBhvr>
-                                      <p:to>
-                                        <p:strVal val="visible"/>
-                                      </p:to>
-                                    </p:set>
-                                    <p:anim calcmode="lin" valueType="num">
-                                      <p:cBhvr additive="base">
-                                        <p:cTn id="21" dur="500" fill="hold"/>
-                                        <p:tgtEl>
-                                          <p:spTgt spid="2"/>
-                                        </p:tgtEl>
-                                        <p:attrNameLst>
-                                          <p:attrName>ppt_x</p:attrName>
-                                        </p:attrNameLst>
-                                      </p:cBhvr>
-                                      <p:tavLst>
-                                        <p:tav tm="0">
-                                          <p:val>
-                                            <p:strVal val="#ppt_x"/>
-                                          </p:val>
-                                        </p:tav>
-                                        <p:tav tm="100000">
-                                          <p:val>
-                                            <p:strVal val="#ppt_x"/>
-                                          </p:val>
-                                        </p:tav>
-                                      </p:tavLst>
-                                    </p:anim>
-                                    <p:anim calcmode="lin" valueType="num">
-                                      <p:cBhvr additive="base">
-                                        <p:cTn id="22" dur="500" fill="hold"/>
-                                        <p:tgtEl>
-                                          <p:spTgt spid="2"/>
-                                        </p:tgtEl>
-                                        <p:attrNameLst>
-                                          <p:attrName>ppt_y</p:attrName>
-                                        </p:attrNameLst>
-                                      </p:cBhvr>
-                                      <p:tavLst>
-                                        <p:tav tm="0">
-                                          <p:val>
-                                            <p:strVal val="1+#ppt_h/2"/>
-                                          </p:val>
-                                        </p:tav>
-                                        <p:tav tm="100000">
-                                          <p:val>
-                                            <p:strVal val="#ppt_y"/>
-                                          </p:val>
-                                        </p:tav>
-                                      </p:tavLst>
-                                    </p:anim>
-                                  </p:childTnLst>
-                                </p:cTn>
-                              </p:par>
-                            </p:childTnLst>
-                          </p:cTn>
-                        </p:par>
-                      </p:childTnLst>
-                    </p:cTn>
-                  </p:par>
-                  <p:par>
-                    <p:cTn id="23" fill="hold">
-                      <p:stCondLst>
-                        <p:cond delay="indefinite"/>
-                      </p:stCondLst>
-                      <p:childTnLst>
-                        <p:par>
-                          <p:cTn id="24" fill="hold">
-                            <p:stCondLst>
-                              <p:cond delay="0"/>
-                            </p:stCondLst>
-                            <p:childTnLst>
-                              <p:par>
-                                <p:cTn id="25" presetID="2" presetClass="entr" presetSubtype="4" fill="hold" grpId="0" nodeType="clickEffect">
-                                  <p:stCondLst>
-                                    <p:cond delay="0"/>
-                                  </p:stCondLst>
-                                  <p:childTnLst>
-                                    <p:set>
-                                      <p:cBhvr>
-                                        <p:cTn id="26" dur="1" fill="hold">
-                                          <p:stCondLst>
-                                            <p:cond delay="0"/>
-                                          </p:stCondLst>
-                                        </p:cTn>
-                                        <p:tgtEl>
-                                          <p:spTgt spid="7"/>
-                                        </p:tgtEl>
-                                        <p:attrNameLst>
-                                          <p:attrName>style.visibility</p:attrName>
-                                        </p:attrNameLst>
-                                      </p:cBhvr>
-                                      <p:to>
-                                        <p:strVal val="visible"/>
-                                      </p:to>
-                                    </p:set>
-                                    <p:anim calcmode="lin" valueType="num">
-                                      <p:cBhvr additive="base">
-                                        <p:cTn id="27" dur="500" fill="hold"/>
-                                        <p:tgtEl>
-                                          <p:spTgt spid="7"/>
-                                        </p:tgtEl>
-                                        <p:attrNameLst>
-                                          <p:attrName>ppt_x</p:attrName>
-                                        </p:attrNameLst>
-                                      </p:cBhvr>
-                                      <p:tavLst>
-                                        <p:tav tm="0">
-                                          <p:val>
-                                            <p:strVal val="#ppt_x"/>
-                                          </p:val>
-                                        </p:tav>
-                                        <p:tav tm="100000">
-                                          <p:val>
-                                            <p:strVal val="#ppt_x"/>
-                                          </p:val>
-                                        </p:tav>
-                                      </p:tavLst>
-                                    </p:anim>
-                                    <p:anim calcmode="lin" valueType="num">
-                                      <p:cBhvr additive="base">
-                                        <p:cTn id="28" dur="500" fill="hold"/>
-                                        <p:tgtEl>
-                                          <p:spTgt spid="7"/>
-                                        </p:tgtEl>
-                                        <p:attrNameLst>
-                                          <p:attrName>ppt_y</p:attrName>
-                                        </p:attrNameLst>
-                                      </p:cBhvr>
-                                      <p:tavLst>
-                                        <p:tav tm="0">
-                                          <p:val>
-                                            <p:strVal val="1+#ppt_h/2"/>
-                                          </p:val>
-                                        </p:tav>
-                                        <p:tav tm="100000">
-                                          <p:val>
-                                            <p:strVal val="#ppt_y"/>
-                                          </p:val>
-                                        </p:tav>
-                                      </p:tavLst>
-                                    </p:anim>
-                                  </p:childTnLst>
-                                </p:cTn>
-                              </p:par>
-                            </p:childTnLst>
-                          </p:cTn>
-                        </p:par>
-                      </p:childTnLst>
-                    </p:cTn>
-                  </p:par>
-                </p:childTnLst>
-              </p:cTn>
-              <p:prevCondLst>
-                <p:cond evt="onPrev" delay="0">
-                  <p:tgtEl>
-                    <p:sldTgt/>
-                  </p:tgtEl>
-                </p:cond>
-              </p:prevCondLst>
-              <p:nextCondLst>
-                <p:cond evt="onNext" delay="0">
-                  <p:tgtEl>
-                    <p:sldTgt/>
-                  </p:tgtEl>
-                </p:cond>
-              </p:nextCondLst>
-            </p:seq>
-          </p:childTnLst>
-        </p:cTn>
-      </p:par>
-    </p:tnLst>
-    <p:bldLst>
-      <p:bldP spid="6" grpId="0" uiExpand="1" build="p"/>
-      <p:bldP spid="2" grpId="0"/>
-      <p:bldP spid="7" grpId="0"/>
     </p:bldLst>
   </p:timing>
 </p:sld>
@@ -19519,21 +20402,6 @@
 </file>
 
 <file path=customXml/item1.xml><?xml version="1.0" encoding="utf-8"?>
-<p:properties xmlns:p="http://schemas.microsoft.com/office/2006/metadata/properties" xmlns:xsi="http://www.w3.org/2001/XMLSchema-instance" xmlns:pc="http://schemas.microsoft.com/office/infopath/2007/PartnerControls">
-  <documentManagement/>
-</p:properties>
-</file>
-
-<file path=customXml/item2.xml><?xml version="1.0" encoding="utf-8"?>
-<?mso-contentType ?>
-<FormTemplates xmlns="http://schemas.microsoft.com/sharepoint/v3/contenttype/forms">
-  <Display>DocumentLibraryForm</Display>
-  <Edit>DocumentLibraryForm</Edit>
-  <New>DocumentLibraryForm</New>
-</FormTemplates>
-</file>
-
-<file path=customXml/item3.xml><?xml version="1.0" encoding="utf-8"?>
 <ct:contentTypeSchema xmlns:ct="http://schemas.microsoft.com/office/2006/metadata/contentType" xmlns:ma="http://schemas.microsoft.com/office/2006/metadata/properties/metaAttributes" ct:_="" ma:_="" ma:contentTypeName="Document" ma:contentTypeID="0x010100E38A22C3A72A5C41AD5BCCFBCF9BC258" ma:contentTypeVersion="0" ma:contentTypeDescription="Create a new document." ma:contentTypeScope="" ma:versionID="47b5a05ff17c9f87f17ba393f078e50e">
   <xsd:schema xmlns:xsd="http://www.w3.org/2001/XMLSchema" xmlns:xs="http://www.w3.org/2001/XMLSchema" xmlns:p="http://schemas.microsoft.com/office/2006/metadata/properties" targetNamespace="http://schemas.microsoft.com/office/2006/metadata/properties" ma:root="true" ma:fieldsID="c64490b4aec6201516c3a874156f37b2">
     <xsd:element name="properties">
@@ -19647,16 +20515,32 @@
 </ct:contentTypeSchema>
 </file>
 
+<file path=customXml/item2.xml><?xml version="1.0" encoding="utf-8"?>
+<?mso-contentType ?>
+<FormTemplates xmlns="http://schemas.microsoft.com/sharepoint/v3/contenttype/forms">
+  <Display>DocumentLibraryForm</Display>
+  <Edit>DocumentLibraryForm</Edit>
+  <New>DocumentLibraryForm</New>
+</FormTemplates>
+</file>
+
+<file path=customXml/item3.xml><?xml version="1.0" encoding="utf-8"?>
+<p:properties xmlns:p="http://schemas.microsoft.com/office/2006/metadata/properties" xmlns:xsi="http://www.w3.org/2001/XMLSchema-instance" xmlns:pc="http://schemas.microsoft.com/office/infopath/2007/PartnerControls">
+  <documentManagement/>
+</p:properties>
+</file>
+
 <file path=customXml/itemProps1.xml><?xml version="1.0" encoding="utf-8"?>
-<ds:datastoreItem xmlns:ds="http://schemas.openxmlformats.org/officeDocument/2006/customXml" ds:itemID="{99174808-9C2B-4902-8C9D-44348A1FD8BB}">
+<ds:datastoreItem xmlns:ds="http://schemas.openxmlformats.org/officeDocument/2006/customXml" ds:itemID="{DD63C643-5D3F-445B-B1D2-93AE57167F43}">
   <ds:schemaRefs>
-    <ds:schemaRef ds:uri="http://purl.org/dc/dcmitype/"/>
+    <ds:schemaRef ds:uri="http://schemas.microsoft.com/office/2006/metadata/contentType"/>
+    <ds:schemaRef ds:uri="http://schemas.microsoft.com/office/2006/metadata/properties/metaAttributes"/>
+    <ds:schemaRef ds:uri="http://www.w3.org/2001/XMLSchema"/>
     <ds:schemaRef ds:uri="http://schemas.microsoft.com/office/2006/metadata/properties"/>
-    <ds:schemaRef ds:uri="http://www.w3.org/XML/1998/namespace"/>
-    <ds:schemaRef ds:uri="http://schemas.microsoft.com/office/2006/documentManagement/types"/>
+    <ds:schemaRef ds:uri="http://schemas.openxmlformats.org/package/2006/metadata/core-properties"/>
+    <ds:schemaRef ds:uri="http://purl.org/dc/elements/1.1/"/>
     <ds:schemaRef ds:uri="http://purl.org/dc/terms/"/>
-    <ds:schemaRef ds:uri="http://purl.org/dc/elements/1.1/"/>
-    <ds:schemaRef ds:uri="http://schemas.openxmlformats.org/package/2006/metadata/core-properties"/>
+    <ds:schemaRef ds:uri="http://schemas.microsoft.com/internal/obd"/>
     <ds:schemaRef ds:uri="http://schemas.microsoft.com/office/infopath/2007/PartnerControls"/>
   </ds:schemaRefs>
 </ds:datastoreItem>
@@ -19671,16 +20555,15 @@
 </file>
 
 <file path=customXml/itemProps3.xml><?xml version="1.0" encoding="utf-8"?>
-<ds:datastoreItem xmlns:ds="http://schemas.openxmlformats.org/officeDocument/2006/customXml" ds:itemID="{DD63C643-5D3F-445B-B1D2-93AE57167F43}">
+<ds:datastoreItem xmlns:ds="http://schemas.openxmlformats.org/officeDocument/2006/customXml" ds:itemID="{99174808-9C2B-4902-8C9D-44348A1FD8BB}">
   <ds:schemaRefs>
-    <ds:schemaRef ds:uri="http://schemas.microsoft.com/office/2006/metadata/contentType"/>
-    <ds:schemaRef ds:uri="http://schemas.microsoft.com/office/2006/metadata/properties/metaAttributes"/>
-    <ds:schemaRef ds:uri="http://www.w3.org/2001/XMLSchema"/>
+    <ds:schemaRef ds:uri="http://purl.org/dc/dcmitype/"/>
     <ds:schemaRef ds:uri="http://schemas.microsoft.com/office/2006/metadata/properties"/>
+    <ds:schemaRef ds:uri="http://www.w3.org/XML/1998/namespace"/>
+    <ds:schemaRef ds:uri="http://schemas.microsoft.com/office/2006/documentManagement/types"/>
+    <ds:schemaRef ds:uri="http://purl.org/dc/terms/"/>
+    <ds:schemaRef ds:uri="http://purl.org/dc/elements/1.1/"/>
     <ds:schemaRef ds:uri="http://schemas.openxmlformats.org/package/2006/metadata/core-properties"/>
-    <ds:schemaRef ds:uri="http://purl.org/dc/elements/1.1/"/>
-    <ds:schemaRef ds:uri="http://purl.org/dc/terms/"/>
-    <ds:schemaRef ds:uri="http://schemas.microsoft.com/internal/obd"/>
     <ds:schemaRef ds:uri="http://schemas.microsoft.com/office/infopath/2007/PartnerControls"/>
   </ds:schemaRefs>
 </ds:datastoreItem>
